--- a/lectures/14.prototype/prototype.pptx
+++ b/lectures/14.prototype/prototype.pptx
@@ -5,27 +5,31 @@
     <p:sldMasterId id="2147483672" r:id="rId1"/>
   </p:sldMasterIdLst>
   <p:notesMasterIdLst>
-    <p:notesMasterId r:id="rId15"/>
+    <p:notesMasterId r:id="rId19"/>
   </p:notesMasterIdLst>
   <p:sldIdLst>
     <p:sldId id="256" r:id="rId2"/>
-    <p:sldId id="258" r:id="rId3"/>
-    <p:sldId id="269" r:id="rId4"/>
-    <p:sldId id="259" r:id="rId5"/>
-    <p:sldId id="260" r:id="rId6"/>
-    <p:sldId id="271" r:id="rId7"/>
-    <p:sldId id="275" r:id="rId8"/>
-    <p:sldId id="272" r:id="rId9"/>
-    <p:sldId id="273" r:id="rId10"/>
-    <p:sldId id="274" r:id="rId11"/>
-    <p:sldId id="261" r:id="rId12"/>
-    <p:sldId id="262" r:id="rId13"/>
-    <p:sldId id="268" r:id="rId14"/>
+    <p:sldId id="276" r:id="rId3"/>
+    <p:sldId id="277" r:id="rId4"/>
+    <p:sldId id="278" r:id="rId5"/>
+    <p:sldId id="258" r:id="rId6"/>
+    <p:sldId id="269" r:id="rId7"/>
+    <p:sldId id="259" r:id="rId8"/>
+    <p:sldId id="260" r:id="rId9"/>
+    <p:sldId id="279" r:id="rId10"/>
+    <p:sldId id="271" r:id="rId11"/>
+    <p:sldId id="275" r:id="rId12"/>
+    <p:sldId id="272" r:id="rId13"/>
+    <p:sldId id="273" r:id="rId14"/>
+    <p:sldId id="274" r:id="rId15"/>
+    <p:sldId id="261" r:id="rId16"/>
+    <p:sldId id="262" r:id="rId17"/>
+    <p:sldId id="268" r:id="rId18"/>
   </p:sldIdLst>
   <p:sldSz cx="9144000" cy="6858000" type="screen4x3"/>
   <p:notesSz cx="6858000" cy="9144000"/>
   <p:custDataLst>
-    <p:tags r:id="rId16"/>
+    <p:tags r:id="rId20"/>
   </p:custDataLst>
   <p:defaultTextStyle>
     <a:defPPr>
@@ -223,7 +227,7 @@
           <a:p>
             <a:fld id="{2F3DCB6D-0B48-4A3D-B663-06C3F903A9D3}" type="datetimeFigureOut">
               <a:rPr lang="ru-RU" smtClean="0"/>
-              <a:t>22.11.2018</a:t>
+              <a:t>14.11.2019</a:t>
             </a:fld>
             <a:endParaRPr lang="ru-RU"/>
           </a:p>
@@ -820,7 +824,7 @@
           <a:p>
             <a:fld id="{2590F9C9-AB92-4E86-B698-DEC9BF4350FF}" type="datetimeFigureOut">
               <a:rPr lang="ru-RU" smtClean="0"/>
-              <a:t>22.11.2018</a:t>
+              <a:t>14.11.2019</a:t>
             </a:fld>
             <a:endParaRPr lang="ru-RU"/>
           </a:p>
@@ -1037,7 +1041,7 @@
           <a:p>
             <a:fld id="{2590F9C9-AB92-4E86-B698-DEC9BF4350FF}" type="datetimeFigureOut">
               <a:rPr lang="ru-RU" smtClean="0"/>
-              <a:t>22.11.2018</a:t>
+              <a:t>14.11.2019</a:t>
             </a:fld>
             <a:endParaRPr lang="ru-RU"/>
           </a:p>
@@ -1309,7 +1313,7 @@
           <a:p>
             <a:fld id="{2590F9C9-AB92-4E86-B698-DEC9BF4350FF}" type="datetimeFigureOut">
               <a:rPr lang="ru-RU" smtClean="0"/>
-              <a:t>22.11.2018</a:t>
+              <a:t>14.11.2019</a:t>
             </a:fld>
             <a:endParaRPr lang="ru-RU"/>
           </a:p>
@@ -1484,7 +1488,7 @@
           <a:p>
             <a:fld id="{2590F9C9-AB92-4E86-B698-DEC9BF4350FF}" type="datetimeFigureOut">
               <a:rPr lang="ru-RU" smtClean="0"/>
-              <a:t>22.11.2018</a:t>
+              <a:t>14.11.2019</a:t>
             </a:fld>
             <a:endParaRPr lang="ru-RU"/>
           </a:p>
@@ -1838,7 +1842,7 @@
           <a:p>
             <a:fld id="{2590F9C9-AB92-4E86-B698-DEC9BF4350FF}" type="datetimeFigureOut">
               <a:rPr lang="ru-RU" smtClean="0"/>
-              <a:t>22.11.2018</a:t>
+              <a:t>14.11.2019</a:t>
             </a:fld>
             <a:endParaRPr lang="ru-RU"/>
           </a:p>
@@ -2123,7 +2127,7 @@
           <a:p>
             <a:fld id="{2590F9C9-AB92-4E86-B698-DEC9BF4350FF}" type="datetimeFigureOut">
               <a:rPr lang="ru-RU" smtClean="0"/>
-              <a:t>22.11.2018</a:t>
+              <a:t>14.11.2019</a:t>
             </a:fld>
             <a:endParaRPr lang="ru-RU"/>
           </a:p>
@@ -2545,7 +2549,7 @@
           <a:p>
             <a:fld id="{2590F9C9-AB92-4E86-B698-DEC9BF4350FF}" type="datetimeFigureOut">
               <a:rPr lang="ru-RU" smtClean="0"/>
-              <a:t>22.11.2018</a:t>
+              <a:t>14.11.2019</a:t>
             </a:fld>
             <a:endParaRPr lang="ru-RU"/>
           </a:p>
@@ -2658,7 +2662,7 @@
           <a:p>
             <a:fld id="{2590F9C9-AB92-4E86-B698-DEC9BF4350FF}" type="datetimeFigureOut">
               <a:rPr lang="ru-RU" smtClean="0"/>
-              <a:t>22.11.2018</a:t>
+              <a:t>14.11.2019</a:t>
             </a:fld>
             <a:endParaRPr lang="ru-RU"/>
           </a:p>
@@ -2748,7 +2752,7 @@
           <a:p>
             <a:fld id="{2590F9C9-AB92-4E86-B698-DEC9BF4350FF}" type="datetimeFigureOut">
               <a:rPr lang="ru-RU" smtClean="0"/>
-              <a:t>22.11.2018</a:t>
+              <a:t>14.11.2019</a:t>
             </a:fld>
             <a:endParaRPr lang="ru-RU"/>
           </a:p>
@@ -3026,7 +3030,7 @@
           <a:p>
             <a:fld id="{2590F9C9-AB92-4E86-B698-DEC9BF4350FF}" type="datetimeFigureOut">
               <a:rPr lang="ru-RU" smtClean="0"/>
-              <a:t>22.11.2018</a:t>
+              <a:t>14.11.2019</a:t>
             </a:fld>
             <a:endParaRPr lang="ru-RU"/>
           </a:p>
@@ -3388,7 +3392,7 @@
           <a:p>
             <a:fld id="{2590F9C9-AB92-4E86-B698-DEC9BF4350FF}" type="datetimeFigureOut">
               <a:rPr lang="ru-RU" smtClean="0"/>
-              <a:t>22.11.2018</a:t>
+              <a:t>14.11.2019</a:t>
             </a:fld>
             <a:endParaRPr lang="ru-RU"/>
           </a:p>
@@ -3813,7 +3817,7 @@
           <a:p>
             <a:fld id="{2590F9C9-AB92-4E86-B698-DEC9BF4350FF}" type="datetimeFigureOut">
               <a:rPr lang="ru-RU" smtClean="0"/>
-              <a:t>22.11.2018</a:t>
+              <a:t>14.11.2019</a:t>
             </a:fld>
             <a:endParaRPr lang="ru-RU"/>
           </a:p>
@@ -4283,1535 +4287,6 @@
   <p:clrMapOvr>
     <a:masterClrMapping/>
   </p:clrMapOvr>
-</p:sld>
-</file>
-
-<file path=ppt/slides/slide10.xml><?xml version="1.0" encoding="utf-8"?>
-<p:sld xmlns:a="http://schemas.openxmlformats.org/drawingml/2006/main" xmlns:r="http://schemas.openxmlformats.org/officeDocument/2006/relationships" xmlns:p="http://schemas.openxmlformats.org/presentationml/2006/main">
-  <p:cSld>
-    <p:spTree>
-      <p:nvGrpSpPr>
-        <p:cNvPr id="1" name=""/>
-        <p:cNvGrpSpPr/>
-        <p:nvPr/>
-      </p:nvGrpSpPr>
-      <p:grpSpPr>
-        <a:xfrm>
-          <a:off x="0" y="0"/>
-          <a:ext cx="0" cy="0"/>
-          <a:chOff x="0" y="0"/>
-          <a:chExt cx="0" cy="0"/>
-        </a:xfrm>
-      </p:grpSpPr>
-      <p:sp>
-        <p:nvSpPr>
-          <p:cNvPr id="2" name="Прямоугольник 1"/>
-          <p:cNvSpPr/>
-          <p:nvPr/>
-        </p:nvSpPr>
-        <p:spPr>
-          <a:xfrm>
-            <a:off x="4440" y="1700808"/>
-            <a:ext cx="9032056" cy="5016758"/>
-          </a:xfrm>
-          <a:prstGeom prst="rect">
-            <a:avLst/>
-          </a:prstGeom>
-        </p:spPr>
-        <p:txBody>
-          <a:bodyPr wrap="square">
-            <a:spAutoFit/>
-          </a:bodyPr>
-          <a:lstStyle/>
-          <a:p>
-            <a:pPr>
-              <a:spcAft>
-                <a:spcPts val="0"/>
-              </a:spcAft>
-            </a:pPr>
-            <a:r>
-              <a:rPr lang="en-US" sz="1600" dirty="0">
-                <a:solidFill>
-                  <a:srgbClr val="0000FF"/>
-                </a:solidFill>
-                <a:latin typeface="Consolas" panose="020B0609020204030204" pitchFamily="49" charset="0"/>
-                <a:ea typeface="Calibri" panose="020F0502020204030204" pitchFamily="34" charset="0"/>
-                <a:cs typeface="Consolas" panose="020B0609020204030204" pitchFamily="49" charset="0"/>
-              </a:rPr>
-              <a:t>template</a:t>
-            </a:r>
-            <a:r>
-              <a:rPr lang="en-US" sz="1600" dirty="0">
-                <a:solidFill>
-                  <a:srgbClr val="000000"/>
-                </a:solidFill>
-                <a:latin typeface="Consolas" panose="020B0609020204030204" pitchFamily="49" charset="0"/>
-                <a:ea typeface="Calibri" panose="020F0502020204030204" pitchFamily="34" charset="0"/>
-                <a:cs typeface="Consolas" panose="020B0609020204030204" pitchFamily="49" charset="0"/>
-              </a:rPr>
-              <a:t> </a:t>
-            </a:r>
-            <a:r>
-              <a:rPr lang="en-US" sz="1600" dirty="0" smtClean="0">
-                <a:solidFill>
-                  <a:srgbClr val="000000"/>
-                </a:solidFill>
-                <a:latin typeface="Consolas" panose="020B0609020204030204" pitchFamily="49" charset="0"/>
-                <a:ea typeface="Calibri" panose="020F0502020204030204" pitchFamily="34" charset="0"/>
-                <a:cs typeface="Consolas" panose="020B0609020204030204" pitchFamily="49" charset="0"/>
-              </a:rPr>
-              <a:t>&lt;</a:t>
-            </a:r>
-            <a:r>
-              <a:rPr lang="en-US" sz="1600" dirty="0" err="1" smtClean="0">
-                <a:solidFill>
-                  <a:srgbClr val="0000FF"/>
-                </a:solidFill>
-                <a:latin typeface="Consolas" panose="020B0609020204030204" pitchFamily="49" charset="0"/>
-                <a:ea typeface="Calibri" panose="020F0502020204030204" pitchFamily="34" charset="0"/>
-                <a:cs typeface="Consolas" panose="020B0609020204030204" pitchFamily="49" charset="0"/>
-              </a:rPr>
-              <a:t>typename</a:t>
-            </a:r>
-            <a:r>
-              <a:rPr lang="en-US" sz="1600" dirty="0" smtClean="0">
-                <a:solidFill>
-                  <a:srgbClr val="000000"/>
-                </a:solidFill>
-                <a:latin typeface="Consolas" panose="020B0609020204030204" pitchFamily="49" charset="0"/>
-                <a:ea typeface="Calibri" panose="020F0502020204030204" pitchFamily="34" charset="0"/>
-                <a:cs typeface="Consolas" panose="020B0609020204030204" pitchFamily="49" charset="0"/>
-              </a:rPr>
-              <a:t> </a:t>
-            </a:r>
-            <a:r>
-              <a:rPr lang="en-US" sz="1600" dirty="0" err="1" smtClean="0">
-                <a:solidFill>
-                  <a:srgbClr val="2B91AF"/>
-                </a:solidFill>
-                <a:latin typeface="Consolas" panose="020B0609020204030204" pitchFamily="49" charset="0"/>
-                <a:ea typeface="Calibri" panose="020F0502020204030204" pitchFamily="34" charset="0"/>
-                <a:cs typeface="Consolas" panose="020B0609020204030204" pitchFamily="49" charset="0"/>
-              </a:rPr>
-              <a:t>CloneType</a:t>
-            </a:r>
-            <a:r>
-              <a:rPr lang="en-US" sz="1600" dirty="0" smtClean="0">
-                <a:solidFill>
-                  <a:srgbClr val="2B91AF"/>
-                </a:solidFill>
-                <a:latin typeface="Consolas" panose="020B0609020204030204" pitchFamily="49" charset="0"/>
-                <a:ea typeface="Calibri" panose="020F0502020204030204" pitchFamily="34" charset="0"/>
-                <a:cs typeface="Consolas" panose="020B0609020204030204" pitchFamily="49" charset="0"/>
-              </a:rPr>
-              <a:t>, </a:t>
-            </a:r>
-            <a:r>
-              <a:rPr lang="en-US" sz="1600" dirty="0" err="1" smtClean="0">
-                <a:solidFill>
-                  <a:srgbClr val="0000FF"/>
-                </a:solidFill>
-                <a:latin typeface="Consolas" panose="020B0609020204030204" pitchFamily="49" charset="0"/>
-                <a:ea typeface="Calibri" panose="020F0502020204030204" pitchFamily="34" charset="0"/>
-                <a:cs typeface="Consolas" panose="020B0609020204030204" pitchFamily="49" charset="0"/>
-              </a:rPr>
-              <a:t>typename</a:t>
-            </a:r>
-            <a:r>
-              <a:rPr lang="en-US" sz="1600" dirty="0" smtClean="0">
-                <a:solidFill>
-                  <a:srgbClr val="000000"/>
-                </a:solidFill>
-                <a:latin typeface="Consolas" panose="020B0609020204030204" pitchFamily="49" charset="0"/>
-                <a:ea typeface="Calibri" panose="020F0502020204030204" pitchFamily="34" charset="0"/>
-                <a:cs typeface="Consolas" panose="020B0609020204030204" pitchFamily="49" charset="0"/>
-              </a:rPr>
-              <a:t> </a:t>
-            </a:r>
-            <a:r>
-              <a:rPr lang="en-US" sz="1600" dirty="0" err="1" smtClean="0">
-                <a:solidFill>
-                  <a:srgbClr val="2B91AF"/>
-                </a:solidFill>
-                <a:latin typeface="Consolas" panose="020B0609020204030204" pitchFamily="49" charset="0"/>
-                <a:ea typeface="Calibri" panose="020F0502020204030204" pitchFamily="34" charset="0"/>
-                <a:cs typeface="Consolas" panose="020B0609020204030204" pitchFamily="49" charset="0"/>
-              </a:rPr>
-              <a:t>BaseClass</a:t>
-            </a:r>
-            <a:r>
-              <a:rPr lang="en-US" sz="1600" dirty="0" smtClean="0">
-                <a:solidFill>
-                  <a:srgbClr val="000000"/>
-                </a:solidFill>
-                <a:latin typeface="Consolas" panose="020B0609020204030204" pitchFamily="49" charset="0"/>
-                <a:ea typeface="Calibri" panose="020F0502020204030204" pitchFamily="34" charset="0"/>
-                <a:cs typeface="Consolas" panose="020B0609020204030204" pitchFamily="49" charset="0"/>
-              </a:rPr>
-              <a:t>, </a:t>
-            </a:r>
-            <a:r>
-              <a:rPr lang="en-US" sz="1600" dirty="0" err="1">
-                <a:solidFill>
-                  <a:srgbClr val="0000FF"/>
-                </a:solidFill>
-                <a:latin typeface="Consolas" panose="020B0609020204030204" pitchFamily="49" charset="0"/>
-                <a:ea typeface="Calibri" panose="020F0502020204030204" pitchFamily="34" charset="0"/>
-                <a:cs typeface="Consolas" panose="020B0609020204030204" pitchFamily="49" charset="0"/>
-              </a:rPr>
-              <a:t>typename</a:t>
-            </a:r>
-            <a:r>
-              <a:rPr lang="en-US" sz="1600" dirty="0">
-                <a:solidFill>
-                  <a:srgbClr val="000000"/>
-                </a:solidFill>
-                <a:latin typeface="Consolas" panose="020B0609020204030204" pitchFamily="49" charset="0"/>
-                <a:ea typeface="Calibri" panose="020F0502020204030204" pitchFamily="34" charset="0"/>
-                <a:cs typeface="Consolas" panose="020B0609020204030204" pitchFamily="49" charset="0"/>
-              </a:rPr>
-              <a:t> </a:t>
-            </a:r>
-            <a:r>
-              <a:rPr lang="en-US" sz="1600" dirty="0" err="1" smtClean="0">
-                <a:solidFill>
-                  <a:srgbClr val="2B91AF"/>
-                </a:solidFill>
-                <a:latin typeface="Consolas" panose="020B0609020204030204" pitchFamily="49" charset="0"/>
-                <a:ea typeface="Calibri" panose="020F0502020204030204" pitchFamily="34" charset="0"/>
-                <a:cs typeface="Consolas" panose="020B0609020204030204" pitchFamily="49" charset="0"/>
-              </a:rPr>
-              <a:t>CloneInterface</a:t>
-            </a:r>
-            <a:r>
-              <a:rPr lang="en-US" sz="1600" dirty="0" smtClean="0">
-                <a:solidFill>
-                  <a:srgbClr val="000000"/>
-                </a:solidFill>
-                <a:latin typeface="Consolas" panose="020B0609020204030204" pitchFamily="49" charset="0"/>
-                <a:ea typeface="Calibri" panose="020F0502020204030204" pitchFamily="34" charset="0"/>
-                <a:cs typeface="Consolas" panose="020B0609020204030204" pitchFamily="49" charset="0"/>
-              </a:rPr>
-              <a:t>&gt;</a:t>
-            </a:r>
-            <a:endParaRPr lang="ru-RU" sz="1600" dirty="0">
-              <a:latin typeface="Consolas" panose="020B0609020204030204" pitchFamily="49" charset="0"/>
-              <a:ea typeface="Calibri" panose="020F0502020204030204" pitchFamily="34" charset="0"/>
-              <a:cs typeface="Consolas" panose="020B0609020204030204" pitchFamily="49" charset="0"/>
-            </a:endParaRPr>
-          </a:p>
-          <a:p>
-            <a:pPr>
-              <a:spcAft>
-                <a:spcPts val="0"/>
-              </a:spcAft>
-            </a:pPr>
-            <a:r>
-              <a:rPr lang="en-US" sz="1600" dirty="0">
-                <a:solidFill>
-                  <a:srgbClr val="0000FF"/>
-                </a:solidFill>
-                <a:latin typeface="Consolas" panose="020B0609020204030204" pitchFamily="49" charset="0"/>
-                <a:ea typeface="Calibri" panose="020F0502020204030204" pitchFamily="34" charset="0"/>
-                <a:cs typeface="Consolas" panose="020B0609020204030204" pitchFamily="49" charset="0"/>
-              </a:rPr>
-              <a:t>class</a:t>
-            </a:r>
-            <a:r>
-              <a:rPr lang="en-US" sz="1600" dirty="0">
-                <a:solidFill>
-                  <a:srgbClr val="000000"/>
-                </a:solidFill>
-                <a:latin typeface="Consolas" panose="020B0609020204030204" pitchFamily="49" charset="0"/>
-                <a:ea typeface="Calibri" panose="020F0502020204030204" pitchFamily="34" charset="0"/>
-                <a:cs typeface="Consolas" panose="020B0609020204030204" pitchFamily="49" charset="0"/>
-              </a:rPr>
-              <a:t> </a:t>
-            </a:r>
-            <a:r>
-              <a:rPr lang="en-US" sz="1600" dirty="0" err="1">
-                <a:solidFill>
-                  <a:srgbClr val="2B91AF"/>
-                </a:solidFill>
-                <a:latin typeface="Consolas" panose="020B0609020204030204" pitchFamily="49" charset="0"/>
-                <a:ea typeface="Calibri" panose="020F0502020204030204" pitchFamily="34" charset="0"/>
-                <a:cs typeface="Consolas" panose="020B0609020204030204" pitchFamily="49" charset="0"/>
-              </a:rPr>
-              <a:t>CPrototypeImpl</a:t>
-            </a:r>
-            <a:r>
-              <a:rPr lang="en-US" sz="1600" dirty="0">
-                <a:solidFill>
-                  <a:srgbClr val="000000"/>
-                </a:solidFill>
-                <a:latin typeface="Consolas" panose="020B0609020204030204" pitchFamily="49" charset="0"/>
-                <a:ea typeface="Calibri" panose="020F0502020204030204" pitchFamily="34" charset="0"/>
-                <a:cs typeface="Consolas" panose="020B0609020204030204" pitchFamily="49" charset="0"/>
-              </a:rPr>
-              <a:t> : </a:t>
-            </a:r>
-            <a:r>
-              <a:rPr lang="en-US" sz="1600" dirty="0">
-                <a:solidFill>
-                  <a:srgbClr val="0000FF"/>
-                </a:solidFill>
-                <a:latin typeface="Consolas" panose="020B0609020204030204" pitchFamily="49" charset="0"/>
-                <a:ea typeface="Calibri" panose="020F0502020204030204" pitchFamily="34" charset="0"/>
-                <a:cs typeface="Consolas" panose="020B0609020204030204" pitchFamily="49" charset="0"/>
-              </a:rPr>
-              <a:t>public</a:t>
-            </a:r>
-            <a:r>
-              <a:rPr lang="en-US" sz="1600" dirty="0">
-                <a:solidFill>
-                  <a:srgbClr val="000000"/>
-                </a:solidFill>
-                <a:latin typeface="Consolas" panose="020B0609020204030204" pitchFamily="49" charset="0"/>
-                <a:ea typeface="Calibri" panose="020F0502020204030204" pitchFamily="34" charset="0"/>
-                <a:cs typeface="Consolas" panose="020B0609020204030204" pitchFamily="49" charset="0"/>
-              </a:rPr>
-              <a:t> </a:t>
-            </a:r>
-            <a:r>
-              <a:rPr lang="en-US" sz="1600" dirty="0" err="1" smtClean="0">
-                <a:solidFill>
-                  <a:srgbClr val="2B91AF"/>
-                </a:solidFill>
-                <a:latin typeface="Consolas" panose="020B0609020204030204" pitchFamily="49" charset="0"/>
-                <a:ea typeface="Calibri" panose="020F0502020204030204" pitchFamily="34" charset="0"/>
-                <a:cs typeface="Consolas" panose="020B0609020204030204" pitchFamily="49" charset="0"/>
-              </a:rPr>
-              <a:t>BaseClass</a:t>
-            </a:r>
-            <a:endParaRPr lang="ru-RU" sz="1600" dirty="0">
-              <a:latin typeface="Consolas" panose="020B0609020204030204" pitchFamily="49" charset="0"/>
-              <a:ea typeface="Calibri" panose="020F0502020204030204" pitchFamily="34" charset="0"/>
-              <a:cs typeface="Consolas" panose="020B0609020204030204" pitchFamily="49" charset="0"/>
-            </a:endParaRPr>
-          </a:p>
-          <a:p>
-            <a:pPr>
-              <a:spcAft>
-                <a:spcPts val="0"/>
-              </a:spcAft>
-            </a:pPr>
-            <a:r>
-              <a:rPr lang="en-US" sz="1600" dirty="0">
-                <a:solidFill>
-                  <a:srgbClr val="000000"/>
-                </a:solidFill>
-                <a:latin typeface="Consolas" panose="020B0609020204030204" pitchFamily="49" charset="0"/>
-                <a:ea typeface="Calibri" panose="020F0502020204030204" pitchFamily="34" charset="0"/>
-                <a:cs typeface="Consolas" panose="020B0609020204030204" pitchFamily="49" charset="0"/>
-              </a:rPr>
-              <a:t>{</a:t>
-            </a:r>
-            <a:endParaRPr lang="ru-RU" sz="1600" dirty="0">
-              <a:latin typeface="Consolas" panose="020B0609020204030204" pitchFamily="49" charset="0"/>
-              <a:ea typeface="Calibri" panose="020F0502020204030204" pitchFamily="34" charset="0"/>
-              <a:cs typeface="Consolas" panose="020B0609020204030204" pitchFamily="49" charset="0"/>
-            </a:endParaRPr>
-          </a:p>
-          <a:p>
-            <a:pPr>
-              <a:spcAft>
-                <a:spcPts val="0"/>
-              </a:spcAft>
-            </a:pPr>
-            <a:r>
-              <a:rPr lang="en-US" sz="1600" dirty="0">
-                <a:solidFill>
-                  <a:srgbClr val="0000FF"/>
-                </a:solidFill>
-                <a:latin typeface="Consolas" panose="020B0609020204030204" pitchFamily="49" charset="0"/>
-                <a:ea typeface="Calibri" panose="020F0502020204030204" pitchFamily="34" charset="0"/>
-                <a:cs typeface="Consolas" panose="020B0609020204030204" pitchFamily="49" charset="0"/>
-              </a:rPr>
-              <a:t>public</a:t>
-            </a:r>
-            <a:r>
-              <a:rPr lang="en-US" sz="1600" dirty="0">
-                <a:solidFill>
-                  <a:srgbClr val="000000"/>
-                </a:solidFill>
-                <a:latin typeface="Consolas" panose="020B0609020204030204" pitchFamily="49" charset="0"/>
-                <a:ea typeface="Calibri" panose="020F0502020204030204" pitchFamily="34" charset="0"/>
-                <a:cs typeface="Consolas" panose="020B0609020204030204" pitchFamily="49" charset="0"/>
-              </a:rPr>
-              <a:t>:</a:t>
-            </a:r>
-            <a:endParaRPr lang="ru-RU" sz="1600" dirty="0">
-              <a:latin typeface="Consolas" panose="020B0609020204030204" pitchFamily="49" charset="0"/>
-              <a:ea typeface="Calibri" panose="020F0502020204030204" pitchFamily="34" charset="0"/>
-              <a:cs typeface="Consolas" panose="020B0609020204030204" pitchFamily="49" charset="0"/>
-            </a:endParaRPr>
-          </a:p>
-          <a:p>
-            <a:pPr>
-              <a:spcAft>
-                <a:spcPts val="0"/>
-              </a:spcAft>
-            </a:pPr>
-            <a:r>
-              <a:rPr lang="en-US" sz="1600" dirty="0">
-                <a:solidFill>
-                  <a:srgbClr val="000000"/>
-                </a:solidFill>
-                <a:latin typeface="Consolas" panose="020B0609020204030204" pitchFamily="49" charset="0"/>
-                <a:ea typeface="Calibri" panose="020F0502020204030204" pitchFamily="34" charset="0"/>
-                <a:cs typeface="Consolas" panose="020B0609020204030204" pitchFamily="49" charset="0"/>
-              </a:rPr>
-              <a:t>  </a:t>
-            </a:r>
-            <a:r>
-              <a:rPr lang="en-US" sz="1600" dirty="0" err="1">
-                <a:solidFill>
-                  <a:srgbClr val="2B91AF"/>
-                </a:solidFill>
-                <a:latin typeface="Consolas" panose="020B0609020204030204" pitchFamily="49" charset="0"/>
-                <a:ea typeface="Calibri" panose="020F0502020204030204" pitchFamily="34" charset="0"/>
-                <a:cs typeface="Consolas" panose="020B0609020204030204" pitchFamily="49" charset="0"/>
-              </a:rPr>
-              <a:t>unique_ptr</a:t>
-            </a:r>
-            <a:r>
-              <a:rPr lang="en-US" sz="1600" dirty="0">
-                <a:solidFill>
-                  <a:srgbClr val="000000"/>
-                </a:solidFill>
-                <a:latin typeface="Consolas" panose="020B0609020204030204" pitchFamily="49" charset="0"/>
-                <a:ea typeface="Calibri" panose="020F0502020204030204" pitchFamily="34" charset="0"/>
-                <a:cs typeface="Consolas" panose="020B0609020204030204" pitchFamily="49" charset="0"/>
-              </a:rPr>
-              <a:t>&lt;</a:t>
-            </a:r>
-            <a:r>
-              <a:rPr lang="en-US" sz="1600" dirty="0" err="1">
-                <a:solidFill>
-                  <a:srgbClr val="2B91AF"/>
-                </a:solidFill>
-                <a:latin typeface="Consolas" panose="020B0609020204030204" pitchFamily="49" charset="0"/>
-                <a:ea typeface="Calibri" panose="020F0502020204030204" pitchFamily="34" charset="0"/>
-                <a:cs typeface="Consolas" panose="020B0609020204030204" pitchFamily="49" charset="0"/>
-              </a:rPr>
-              <a:t>CloneInterface</a:t>
-            </a:r>
-            <a:r>
-              <a:rPr lang="en-US" sz="1600" dirty="0">
-                <a:solidFill>
-                  <a:srgbClr val="000000"/>
-                </a:solidFill>
-                <a:latin typeface="Consolas" panose="020B0609020204030204" pitchFamily="49" charset="0"/>
-                <a:ea typeface="Calibri" panose="020F0502020204030204" pitchFamily="34" charset="0"/>
-                <a:cs typeface="Consolas" panose="020B0609020204030204" pitchFamily="49" charset="0"/>
-              </a:rPr>
-              <a:t>&gt; Clone()</a:t>
-            </a:r>
-            <a:r>
-              <a:rPr lang="en-US" sz="1600" dirty="0" err="1">
-                <a:solidFill>
-                  <a:srgbClr val="0000FF"/>
-                </a:solidFill>
-                <a:latin typeface="Consolas" panose="020B0609020204030204" pitchFamily="49" charset="0"/>
-                <a:ea typeface="Calibri" panose="020F0502020204030204" pitchFamily="34" charset="0"/>
-                <a:cs typeface="Consolas" panose="020B0609020204030204" pitchFamily="49" charset="0"/>
-              </a:rPr>
-              <a:t>const</a:t>
-            </a:r>
-            <a:r>
-              <a:rPr lang="en-US" sz="1600" dirty="0">
-                <a:solidFill>
-                  <a:srgbClr val="000000"/>
-                </a:solidFill>
-                <a:latin typeface="Consolas" panose="020B0609020204030204" pitchFamily="49" charset="0"/>
-                <a:ea typeface="Calibri" panose="020F0502020204030204" pitchFamily="34" charset="0"/>
-                <a:cs typeface="Consolas" panose="020B0609020204030204" pitchFamily="49" charset="0"/>
-              </a:rPr>
-              <a:t> </a:t>
-            </a:r>
-            <a:r>
-              <a:rPr lang="en-US" sz="1600" dirty="0" smtClean="0">
-                <a:solidFill>
-                  <a:srgbClr val="0000FF"/>
-                </a:solidFill>
-                <a:latin typeface="Consolas" panose="020B0609020204030204" pitchFamily="49" charset="0"/>
-                <a:ea typeface="Calibri" panose="020F0502020204030204" pitchFamily="34" charset="0"/>
-                <a:cs typeface="Consolas" panose="020B0609020204030204" pitchFamily="49" charset="0"/>
-              </a:rPr>
-              <a:t>override</a:t>
-            </a:r>
-            <a:r>
-              <a:rPr lang="en-US" sz="1600" dirty="0">
-                <a:latin typeface="Consolas" panose="020B0609020204030204" pitchFamily="49" charset="0"/>
-                <a:ea typeface="Calibri" panose="020F0502020204030204" pitchFamily="34" charset="0"/>
-                <a:cs typeface="Consolas" panose="020B0609020204030204" pitchFamily="49" charset="0"/>
-              </a:rPr>
-              <a:t> </a:t>
-            </a:r>
-            <a:r>
-              <a:rPr lang="en-US" sz="1600" dirty="0" smtClean="0">
-                <a:solidFill>
-                  <a:srgbClr val="000000"/>
-                </a:solidFill>
-                <a:latin typeface="Consolas" panose="020B0609020204030204" pitchFamily="49" charset="0"/>
-                <a:ea typeface="Calibri" panose="020F0502020204030204" pitchFamily="34" charset="0"/>
-                <a:cs typeface="Consolas" panose="020B0609020204030204" pitchFamily="49" charset="0"/>
-              </a:rPr>
-              <a:t>{</a:t>
-            </a:r>
-            <a:endParaRPr lang="ru-RU" sz="1600" dirty="0">
-              <a:latin typeface="Consolas" panose="020B0609020204030204" pitchFamily="49" charset="0"/>
-              <a:ea typeface="Calibri" panose="020F0502020204030204" pitchFamily="34" charset="0"/>
-              <a:cs typeface="Consolas" panose="020B0609020204030204" pitchFamily="49" charset="0"/>
-            </a:endParaRPr>
-          </a:p>
-          <a:p>
-            <a:pPr>
-              <a:spcAft>
-                <a:spcPts val="0"/>
-              </a:spcAft>
-            </a:pPr>
-            <a:r>
-              <a:rPr lang="en-US" sz="1600" dirty="0">
-                <a:solidFill>
-                  <a:srgbClr val="000000"/>
-                </a:solidFill>
-                <a:latin typeface="Consolas" panose="020B0609020204030204" pitchFamily="49" charset="0"/>
-                <a:ea typeface="Calibri" panose="020F0502020204030204" pitchFamily="34" charset="0"/>
-                <a:cs typeface="Consolas" panose="020B0609020204030204" pitchFamily="49" charset="0"/>
-              </a:rPr>
-              <a:t>    </a:t>
-            </a:r>
-            <a:r>
-              <a:rPr lang="en-US" sz="1600" dirty="0">
-                <a:solidFill>
-                  <a:srgbClr val="0000FF"/>
-                </a:solidFill>
-                <a:latin typeface="Consolas" panose="020B0609020204030204" pitchFamily="49" charset="0"/>
-                <a:ea typeface="Calibri" panose="020F0502020204030204" pitchFamily="34" charset="0"/>
-                <a:cs typeface="Consolas" panose="020B0609020204030204" pitchFamily="49" charset="0"/>
-              </a:rPr>
-              <a:t>return</a:t>
-            </a:r>
-            <a:r>
-              <a:rPr lang="en-US" sz="1600" dirty="0">
-                <a:solidFill>
-                  <a:srgbClr val="000000"/>
-                </a:solidFill>
-                <a:latin typeface="Consolas" panose="020B0609020204030204" pitchFamily="49" charset="0"/>
-                <a:ea typeface="Calibri" panose="020F0502020204030204" pitchFamily="34" charset="0"/>
-                <a:cs typeface="Consolas" panose="020B0609020204030204" pitchFamily="49" charset="0"/>
-              </a:rPr>
-              <a:t> </a:t>
-            </a:r>
-            <a:r>
-              <a:rPr lang="en-US" sz="1600" dirty="0" err="1" smtClean="0">
-                <a:solidFill>
-                  <a:srgbClr val="000000"/>
-                </a:solidFill>
-                <a:latin typeface="Consolas" panose="020B0609020204030204" pitchFamily="49" charset="0"/>
-                <a:ea typeface="Calibri" panose="020F0502020204030204" pitchFamily="34" charset="0"/>
-                <a:cs typeface="Consolas" panose="020B0609020204030204" pitchFamily="49" charset="0"/>
-              </a:rPr>
-              <a:t>make_unique</a:t>
-            </a:r>
-            <a:r>
-              <a:rPr lang="en-US" sz="1600" dirty="0" smtClean="0">
-                <a:solidFill>
-                  <a:srgbClr val="000000"/>
-                </a:solidFill>
-                <a:latin typeface="Consolas" panose="020B0609020204030204" pitchFamily="49" charset="0"/>
-                <a:ea typeface="Calibri" panose="020F0502020204030204" pitchFamily="34" charset="0"/>
-                <a:cs typeface="Consolas" panose="020B0609020204030204" pitchFamily="49" charset="0"/>
-              </a:rPr>
-              <a:t>&lt;</a:t>
-            </a:r>
-            <a:r>
-              <a:rPr lang="en-US" sz="1600" dirty="0" err="1" smtClean="0">
-                <a:solidFill>
-                  <a:srgbClr val="2B91AF"/>
-                </a:solidFill>
-                <a:latin typeface="Consolas" panose="020B0609020204030204" pitchFamily="49" charset="0"/>
-                <a:ea typeface="Calibri" panose="020F0502020204030204" pitchFamily="34" charset="0"/>
-                <a:cs typeface="Consolas" panose="020B0609020204030204" pitchFamily="49" charset="0"/>
-              </a:rPr>
-              <a:t>CloneType</a:t>
-            </a:r>
-            <a:r>
-              <a:rPr lang="en-US" sz="1600" dirty="0" smtClean="0">
-                <a:solidFill>
-                  <a:srgbClr val="000000"/>
-                </a:solidFill>
-                <a:latin typeface="Consolas" panose="020B0609020204030204" pitchFamily="49" charset="0"/>
-                <a:ea typeface="Calibri" panose="020F0502020204030204" pitchFamily="34" charset="0"/>
-                <a:cs typeface="Consolas" panose="020B0609020204030204" pitchFamily="49" charset="0"/>
-              </a:rPr>
-              <a:t>&gt;(*</a:t>
-            </a:r>
-            <a:r>
-              <a:rPr lang="en-US" sz="1600" dirty="0" err="1" smtClean="0">
-                <a:solidFill>
-                  <a:srgbClr val="0000FF"/>
-                </a:solidFill>
-                <a:latin typeface="Consolas" panose="020B0609020204030204" pitchFamily="49" charset="0"/>
-                <a:ea typeface="Calibri" panose="020F0502020204030204" pitchFamily="34" charset="0"/>
-                <a:cs typeface="Consolas" panose="020B0609020204030204" pitchFamily="49" charset="0"/>
-              </a:rPr>
-              <a:t>static_cast</a:t>
-            </a:r>
-            <a:r>
-              <a:rPr lang="en-US" sz="1600" dirty="0" smtClean="0">
-                <a:solidFill>
-                  <a:srgbClr val="000000"/>
-                </a:solidFill>
-                <a:latin typeface="Consolas" panose="020B0609020204030204" pitchFamily="49" charset="0"/>
-                <a:ea typeface="Calibri" panose="020F0502020204030204" pitchFamily="34" charset="0"/>
-                <a:cs typeface="Consolas" panose="020B0609020204030204" pitchFamily="49" charset="0"/>
-              </a:rPr>
-              <a:t>&lt;</a:t>
-            </a:r>
-            <a:r>
-              <a:rPr lang="en-US" sz="1600" dirty="0" err="1" smtClean="0">
-                <a:solidFill>
-                  <a:srgbClr val="2B91AF"/>
-                </a:solidFill>
-                <a:latin typeface="Consolas" panose="020B0609020204030204" pitchFamily="49" charset="0"/>
-                <a:ea typeface="Calibri" panose="020F0502020204030204" pitchFamily="34" charset="0"/>
-                <a:cs typeface="Consolas" panose="020B0609020204030204" pitchFamily="49" charset="0"/>
-              </a:rPr>
-              <a:t>CloneType</a:t>
-            </a:r>
-            <a:r>
-              <a:rPr lang="en-US" sz="1600" dirty="0" smtClean="0">
-                <a:solidFill>
-                  <a:srgbClr val="000000"/>
-                </a:solidFill>
-                <a:latin typeface="Consolas" panose="020B0609020204030204" pitchFamily="49" charset="0"/>
-                <a:ea typeface="Calibri" panose="020F0502020204030204" pitchFamily="34" charset="0"/>
-                <a:cs typeface="Consolas" panose="020B0609020204030204" pitchFamily="49" charset="0"/>
-              </a:rPr>
-              <a:t> </a:t>
-            </a:r>
-            <a:r>
-              <a:rPr lang="en-US" sz="1600" dirty="0" err="1">
-                <a:solidFill>
-                  <a:srgbClr val="0000FF"/>
-                </a:solidFill>
-                <a:latin typeface="Consolas" panose="020B0609020204030204" pitchFamily="49" charset="0"/>
-                <a:ea typeface="Calibri" panose="020F0502020204030204" pitchFamily="34" charset="0"/>
-                <a:cs typeface="Consolas" panose="020B0609020204030204" pitchFamily="49" charset="0"/>
-              </a:rPr>
-              <a:t>const</a:t>
-            </a:r>
-            <a:r>
-              <a:rPr lang="en-US" sz="1600" dirty="0">
-                <a:solidFill>
-                  <a:srgbClr val="000000"/>
-                </a:solidFill>
-                <a:latin typeface="Consolas" panose="020B0609020204030204" pitchFamily="49" charset="0"/>
-                <a:ea typeface="Calibri" panose="020F0502020204030204" pitchFamily="34" charset="0"/>
-                <a:cs typeface="Consolas" panose="020B0609020204030204" pitchFamily="49" charset="0"/>
-              </a:rPr>
-              <a:t>*&gt;(</a:t>
-            </a:r>
-            <a:r>
-              <a:rPr lang="en-US" sz="1600" dirty="0">
-                <a:solidFill>
-                  <a:srgbClr val="0000FF"/>
-                </a:solidFill>
-                <a:latin typeface="Consolas" panose="020B0609020204030204" pitchFamily="49" charset="0"/>
-                <a:ea typeface="Calibri" panose="020F0502020204030204" pitchFamily="34" charset="0"/>
-                <a:cs typeface="Consolas" panose="020B0609020204030204" pitchFamily="49" charset="0"/>
-              </a:rPr>
-              <a:t>this</a:t>
-            </a:r>
-            <a:r>
-              <a:rPr lang="en-US" sz="1600" dirty="0">
-                <a:solidFill>
-                  <a:srgbClr val="000000"/>
-                </a:solidFill>
-                <a:latin typeface="Consolas" panose="020B0609020204030204" pitchFamily="49" charset="0"/>
-                <a:ea typeface="Calibri" panose="020F0502020204030204" pitchFamily="34" charset="0"/>
-                <a:cs typeface="Consolas" panose="020B0609020204030204" pitchFamily="49" charset="0"/>
-              </a:rPr>
-              <a:t>));</a:t>
-            </a:r>
-            <a:endParaRPr lang="ru-RU" sz="1600" dirty="0">
-              <a:latin typeface="Consolas" panose="020B0609020204030204" pitchFamily="49" charset="0"/>
-              <a:ea typeface="Calibri" panose="020F0502020204030204" pitchFamily="34" charset="0"/>
-              <a:cs typeface="Consolas" panose="020B0609020204030204" pitchFamily="49" charset="0"/>
-            </a:endParaRPr>
-          </a:p>
-          <a:p>
-            <a:pPr>
-              <a:spcAft>
-                <a:spcPts val="0"/>
-              </a:spcAft>
-            </a:pPr>
-            <a:r>
-              <a:rPr lang="en-US" sz="1600" dirty="0">
-                <a:solidFill>
-                  <a:srgbClr val="000000"/>
-                </a:solidFill>
-                <a:latin typeface="Consolas" panose="020B0609020204030204" pitchFamily="49" charset="0"/>
-                <a:ea typeface="Calibri" panose="020F0502020204030204" pitchFamily="34" charset="0"/>
-                <a:cs typeface="Consolas" panose="020B0609020204030204" pitchFamily="49" charset="0"/>
-              </a:rPr>
-              <a:t>  }</a:t>
-            </a:r>
-            <a:endParaRPr lang="ru-RU" sz="1600" dirty="0">
-              <a:latin typeface="Consolas" panose="020B0609020204030204" pitchFamily="49" charset="0"/>
-              <a:ea typeface="Calibri" panose="020F0502020204030204" pitchFamily="34" charset="0"/>
-              <a:cs typeface="Consolas" panose="020B0609020204030204" pitchFamily="49" charset="0"/>
-            </a:endParaRPr>
-          </a:p>
-          <a:p>
-            <a:pPr>
-              <a:spcAft>
-                <a:spcPts val="0"/>
-              </a:spcAft>
-            </a:pPr>
-            <a:r>
-              <a:rPr lang="en-US" sz="1600" dirty="0">
-                <a:solidFill>
-                  <a:srgbClr val="000000"/>
-                </a:solidFill>
-                <a:latin typeface="Consolas" panose="020B0609020204030204" pitchFamily="49" charset="0"/>
-                <a:ea typeface="Calibri" panose="020F0502020204030204" pitchFamily="34" charset="0"/>
-                <a:cs typeface="Consolas" panose="020B0609020204030204" pitchFamily="49" charset="0"/>
-              </a:rPr>
-              <a:t>};</a:t>
-            </a:r>
-            <a:endParaRPr lang="ru-RU" sz="1600" dirty="0">
-              <a:latin typeface="Consolas" panose="020B0609020204030204" pitchFamily="49" charset="0"/>
-              <a:ea typeface="Calibri" panose="020F0502020204030204" pitchFamily="34" charset="0"/>
-              <a:cs typeface="Consolas" panose="020B0609020204030204" pitchFamily="49" charset="0"/>
-            </a:endParaRPr>
-          </a:p>
-          <a:p>
-            <a:pPr>
-              <a:spcAft>
-                <a:spcPts val="0"/>
-              </a:spcAft>
-            </a:pPr>
-            <a:r>
-              <a:rPr lang="en-US" sz="1600" dirty="0">
-                <a:solidFill>
-                  <a:srgbClr val="000000"/>
-                </a:solidFill>
-                <a:latin typeface="Consolas" panose="020B0609020204030204" pitchFamily="49" charset="0"/>
-                <a:ea typeface="Calibri" panose="020F0502020204030204" pitchFamily="34" charset="0"/>
-                <a:cs typeface="Consolas" panose="020B0609020204030204" pitchFamily="49" charset="0"/>
-              </a:rPr>
-              <a:t> </a:t>
-            </a:r>
-            <a:endParaRPr lang="ru-RU" sz="1600" dirty="0">
-              <a:latin typeface="Consolas" panose="020B0609020204030204" pitchFamily="49" charset="0"/>
-              <a:ea typeface="Calibri" panose="020F0502020204030204" pitchFamily="34" charset="0"/>
-              <a:cs typeface="Consolas" panose="020B0609020204030204" pitchFamily="49" charset="0"/>
-            </a:endParaRPr>
-          </a:p>
-          <a:p>
-            <a:pPr>
-              <a:spcAft>
-                <a:spcPts val="0"/>
-              </a:spcAft>
-            </a:pPr>
-            <a:r>
-              <a:rPr lang="en-US" sz="1600" dirty="0">
-                <a:solidFill>
-                  <a:srgbClr val="0000FF"/>
-                </a:solidFill>
-                <a:latin typeface="Consolas" panose="020B0609020204030204" pitchFamily="49" charset="0"/>
-                <a:ea typeface="Calibri" panose="020F0502020204030204" pitchFamily="34" charset="0"/>
-                <a:cs typeface="Consolas" panose="020B0609020204030204" pitchFamily="49" charset="0"/>
-              </a:rPr>
-              <a:t>class</a:t>
-            </a:r>
-            <a:r>
-              <a:rPr lang="en-US" sz="1600" dirty="0">
-                <a:solidFill>
-                  <a:srgbClr val="000000"/>
-                </a:solidFill>
-                <a:latin typeface="Consolas" panose="020B0609020204030204" pitchFamily="49" charset="0"/>
-                <a:ea typeface="Calibri" panose="020F0502020204030204" pitchFamily="34" charset="0"/>
-                <a:cs typeface="Consolas" panose="020B0609020204030204" pitchFamily="49" charset="0"/>
-              </a:rPr>
-              <a:t> </a:t>
-            </a:r>
-            <a:r>
-              <a:rPr lang="en-US" sz="1600" dirty="0" err="1">
-                <a:solidFill>
-                  <a:srgbClr val="2B91AF"/>
-                </a:solidFill>
-                <a:latin typeface="Consolas" panose="020B0609020204030204" pitchFamily="49" charset="0"/>
-                <a:ea typeface="Calibri" panose="020F0502020204030204" pitchFamily="34" charset="0"/>
-                <a:cs typeface="Consolas" panose="020B0609020204030204" pitchFamily="49" charset="0"/>
-              </a:rPr>
-              <a:t>CPoint</a:t>
-            </a:r>
-            <a:r>
-              <a:rPr lang="en-US" sz="1600" dirty="0">
-                <a:solidFill>
-                  <a:srgbClr val="000000"/>
-                </a:solidFill>
-                <a:latin typeface="Consolas" panose="020B0609020204030204" pitchFamily="49" charset="0"/>
-                <a:ea typeface="Calibri" panose="020F0502020204030204" pitchFamily="34" charset="0"/>
-                <a:cs typeface="Consolas" panose="020B0609020204030204" pitchFamily="49" charset="0"/>
-              </a:rPr>
-              <a:t> : </a:t>
-            </a:r>
-            <a:r>
-              <a:rPr lang="en-US" sz="1600" dirty="0">
-                <a:solidFill>
-                  <a:srgbClr val="0000FF"/>
-                </a:solidFill>
-                <a:latin typeface="Consolas" panose="020B0609020204030204" pitchFamily="49" charset="0"/>
-                <a:ea typeface="Calibri" panose="020F0502020204030204" pitchFamily="34" charset="0"/>
-                <a:cs typeface="Consolas" panose="020B0609020204030204" pitchFamily="49" charset="0"/>
-              </a:rPr>
-              <a:t>public</a:t>
-            </a:r>
-            <a:r>
-              <a:rPr lang="en-US" sz="1600" dirty="0">
-                <a:solidFill>
-                  <a:srgbClr val="000000"/>
-                </a:solidFill>
-                <a:latin typeface="Consolas" panose="020B0609020204030204" pitchFamily="49" charset="0"/>
-                <a:ea typeface="Calibri" panose="020F0502020204030204" pitchFamily="34" charset="0"/>
-                <a:cs typeface="Consolas" panose="020B0609020204030204" pitchFamily="49" charset="0"/>
-              </a:rPr>
-              <a:t> </a:t>
-            </a:r>
-            <a:r>
-              <a:rPr lang="en-US" sz="1600" dirty="0" err="1" smtClean="0">
-                <a:solidFill>
-                  <a:srgbClr val="2B91AF"/>
-                </a:solidFill>
-                <a:latin typeface="Consolas" panose="020B0609020204030204" pitchFamily="49" charset="0"/>
-                <a:ea typeface="Calibri" panose="020F0502020204030204" pitchFamily="34" charset="0"/>
-                <a:cs typeface="Consolas" panose="020B0609020204030204" pitchFamily="49" charset="0"/>
-              </a:rPr>
-              <a:t>CPrototypeImpl</a:t>
-            </a:r>
-            <a:r>
-              <a:rPr lang="en-US" sz="1600" dirty="0" smtClean="0">
-                <a:solidFill>
-                  <a:srgbClr val="000000"/>
-                </a:solidFill>
-                <a:latin typeface="Consolas" panose="020B0609020204030204" pitchFamily="49" charset="0"/>
-                <a:ea typeface="Calibri" panose="020F0502020204030204" pitchFamily="34" charset="0"/>
-                <a:cs typeface="Consolas" panose="020B0609020204030204" pitchFamily="49" charset="0"/>
-              </a:rPr>
-              <a:t>&lt;</a:t>
-            </a:r>
-            <a:r>
-              <a:rPr lang="en-US" sz="1600" dirty="0" err="1" smtClean="0">
-                <a:solidFill>
-                  <a:srgbClr val="2B91AF"/>
-                </a:solidFill>
-                <a:latin typeface="Consolas" panose="020B0609020204030204" pitchFamily="49" charset="0"/>
-                <a:ea typeface="Calibri" panose="020F0502020204030204" pitchFamily="34" charset="0"/>
-                <a:cs typeface="Consolas" panose="020B0609020204030204" pitchFamily="49" charset="0"/>
-              </a:rPr>
-              <a:t>CPoint</a:t>
-            </a:r>
-            <a:r>
-              <a:rPr lang="en-US" sz="1600" dirty="0" smtClean="0">
-                <a:solidFill>
-                  <a:srgbClr val="000000"/>
-                </a:solidFill>
-                <a:latin typeface="Consolas" panose="020B0609020204030204" pitchFamily="49" charset="0"/>
-                <a:ea typeface="Calibri" panose="020F0502020204030204" pitchFamily="34" charset="0"/>
-                <a:cs typeface="Consolas" panose="020B0609020204030204" pitchFamily="49" charset="0"/>
-              </a:rPr>
-              <a:t>, </a:t>
-            </a:r>
-            <a:r>
-              <a:rPr lang="en-US" sz="1600" dirty="0" err="1" smtClean="0">
-                <a:solidFill>
-                  <a:srgbClr val="2B91AF"/>
-                </a:solidFill>
-                <a:latin typeface="Consolas" panose="020B0609020204030204" pitchFamily="49" charset="0"/>
-                <a:ea typeface="Calibri" panose="020F0502020204030204" pitchFamily="34" charset="0"/>
-                <a:cs typeface="Consolas" panose="020B0609020204030204" pitchFamily="49" charset="0"/>
-              </a:rPr>
-              <a:t>CShape</a:t>
-            </a:r>
-            <a:r>
-              <a:rPr lang="en-US" sz="1600" dirty="0">
-                <a:solidFill>
-                  <a:srgbClr val="000000"/>
-                </a:solidFill>
-                <a:latin typeface="Consolas" panose="020B0609020204030204" pitchFamily="49" charset="0"/>
-                <a:ea typeface="Calibri" panose="020F0502020204030204" pitchFamily="34" charset="0"/>
-                <a:cs typeface="Consolas" panose="020B0609020204030204" pitchFamily="49" charset="0"/>
-              </a:rPr>
-              <a:t>, </a:t>
-            </a:r>
-            <a:r>
-              <a:rPr lang="en-US" sz="1600" dirty="0" err="1" smtClean="0">
-                <a:solidFill>
-                  <a:srgbClr val="2B91AF"/>
-                </a:solidFill>
-                <a:latin typeface="Consolas" panose="020B0609020204030204" pitchFamily="49" charset="0"/>
-                <a:ea typeface="Calibri" panose="020F0502020204030204" pitchFamily="34" charset="0"/>
-                <a:cs typeface="Consolas" panose="020B0609020204030204" pitchFamily="49" charset="0"/>
-              </a:rPr>
-              <a:t>CShape</a:t>
-            </a:r>
-            <a:r>
-              <a:rPr lang="en-US" sz="1600" dirty="0" smtClean="0">
-                <a:solidFill>
-                  <a:srgbClr val="000000"/>
-                </a:solidFill>
-                <a:latin typeface="Consolas" panose="020B0609020204030204" pitchFamily="49" charset="0"/>
-                <a:ea typeface="Calibri" panose="020F0502020204030204" pitchFamily="34" charset="0"/>
-                <a:cs typeface="Consolas" panose="020B0609020204030204" pitchFamily="49" charset="0"/>
-              </a:rPr>
-              <a:t>&gt;</a:t>
-            </a:r>
-            <a:endParaRPr lang="ru-RU" sz="1600" dirty="0">
-              <a:latin typeface="Consolas" panose="020B0609020204030204" pitchFamily="49" charset="0"/>
-              <a:ea typeface="Calibri" panose="020F0502020204030204" pitchFamily="34" charset="0"/>
-              <a:cs typeface="Consolas" panose="020B0609020204030204" pitchFamily="49" charset="0"/>
-            </a:endParaRPr>
-          </a:p>
-          <a:p>
-            <a:pPr>
-              <a:spcAft>
-                <a:spcPts val="0"/>
-              </a:spcAft>
-            </a:pPr>
-            <a:r>
-              <a:rPr lang="en-US" sz="1600" dirty="0">
-                <a:solidFill>
-                  <a:srgbClr val="000000"/>
-                </a:solidFill>
-                <a:latin typeface="Consolas" panose="020B0609020204030204" pitchFamily="49" charset="0"/>
-                <a:ea typeface="Calibri" panose="020F0502020204030204" pitchFamily="34" charset="0"/>
-                <a:cs typeface="Consolas" panose="020B0609020204030204" pitchFamily="49" charset="0"/>
-              </a:rPr>
-              <a:t>{</a:t>
-            </a:r>
-            <a:endParaRPr lang="ru-RU" sz="1600" dirty="0">
-              <a:latin typeface="Consolas" panose="020B0609020204030204" pitchFamily="49" charset="0"/>
-              <a:ea typeface="Calibri" panose="020F0502020204030204" pitchFamily="34" charset="0"/>
-              <a:cs typeface="Consolas" panose="020B0609020204030204" pitchFamily="49" charset="0"/>
-            </a:endParaRPr>
-          </a:p>
-          <a:p>
-            <a:pPr>
-              <a:spcAft>
-                <a:spcPts val="0"/>
-              </a:spcAft>
-            </a:pPr>
-            <a:r>
-              <a:rPr lang="en-US" sz="1600" dirty="0">
-                <a:solidFill>
-                  <a:srgbClr val="0000FF"/>
-                </a:solidFill>
-                <a:latin typeface="Consolas" panose="020B0609020204030204" pitchFamily="49" charset="0"/>
-                <a:ea typeface="Calibri" panose="020F0502020204030204" pitchFamily="34" charset="0"/>
-                <a:cs typeface="Consolas" panose="020B0609020204030204" pitchFamily="49" charset="0"/>
-              </a:rPr>
-              <a:t>public</a:t>
-            </a:r>
-            <a:r>
-              <a:rPr lang="en-US" sz="1600" dirty="0">
-                <a:solidFill>
-                  <a:srgbClr val="000000"/>
-                </a:solidFill>
-                <a:latin typeface="Consolas" panose="020B0609020204030204" pitchFamily="49" charset="0"/>
-                <a:ea typeface="Calibri" panose="020F0502020204030204" pitchFamily="34" charset="0"/>
-                <a:cs typeface="Consolas" panose="020B0609020204030204" pitchFamily="49" charset="0"/>
-              </a:rPr>
-              <a:t>:</a:t>
-            </a:r>
-            <a:endParaRPr lang="ru-RU" sz="1600" dirty="0">
-              <a:latin typeface="Consolas" panose="020B0609020204030204" pitchFamily="49" charset="0"/>
-              <a:ea typeface="Calibri" panose="020F0502020204030204" pitchFamily="34" charset="0"/>
-              <a:cs typeface="Consolas" panose="020B0609020204030204" pitchFamily="49" charset="0"/>
-            </a:endParaRPr>
-          </a:p>
-          <a:p>
-            <a:pPr>
-              <a:spcAft>
-                <a:spcPts val="0"/>
-              </a:spcAft>
-            </a:pPr>
-            <a:r>
-              <a:rPr lang="en-US" sz="1600" dirty="0">
-                <a:solidFill>
-                  <a:srgbClr val="000000"/>
-                </a:solidFill>
-                <a:latin typeface="Consolas" panose="020B0609020204030204" pitchFamily="49" charset="0"/>
-                <a:ea typeface="Calibri" panose="020F0502020204030204" pitchFamily="34" charset="0"/>
-                <a:cs typeface="Consolas" panose="020B0609020204030204" pitchFamily="49" charset="0"/>
-              </a:rPr>
-              <a:t>  </a:t>
-            </a:r>
-            <a:r>
-              <a:rPr lang="en-US" sz="1600" dirty="0" err="1">
-                <a:solidFill>
-                  <a:srgbClr val="000000"/>
-                </a:solidFill>
-                <a:latin typeface="Consolas" panose="020B0609020204030204" pitchFamily="49" charset="0"/>
-                <a:ea typeface="Calibri" panose="020F0502020204030204" pitchFamily="34" charset="0"/>
-                <a:cs typeface="Consolas" panose="020B0609020204030204" pitchFamily="49" charset="0"/>
-              </a:rPr>
-              <a:t>CPoint</a:t>
-            </a:r>
-            <a:r>
-              <a:rPr lang="en-US" sz="1600" dirty="0">
-                <a:solidFill>
-                  <a:srgbClr val="000000"/>
-                </a:solidFill>
-                <a:latin typeface="Consolas" panose="020B0609020204030204" pitchFamily="49" charset="0"/>
-                <a:ea typeface="Calibri" panose="020F0502020204030204" pitchFamily="34" charset="0"/>
-                <a:cs typeface="Consolas" panose="020B0609020204030204" pitchFamily="49" charset="0"/>
-              </a:rPr>
-              <a:t>() = </a:t>
-            </a:r>
-            <a:r>
-              <a:rPr lang="en-US" sz="1600" dirty="0">
-                <a:solidFill>
-                  <a:srgbClr val="0000FF"/>
-                </a:solidFill>
-                <a:latin typeface="Consolas" panose="020B0609020204030204" pitchFamily="49" charset="0"/>
-                <a:ea typeface="Calibri" panose="020F0502020204030204" pitchFamily="34" charset="0"/>
-                <a:cs typeface="Consolas" panose="020B0609020204030204" pitchFamily="49" charset="0"/>
-              </a:rPr>
-              <a:t>default</a:t>
-            </a:r>
-            <a:r>
-              <a:rPr lang="en-US" sz="1600" dirty="0">
-                <a:solidFill>
-                  <a:srgbClr val="000000"/>
-                </a:solidFill>
-                <a:latin typeface="Consolas" panose="020B0609020204030204" pitchFamily="49" charset="0"/>
-                <a:ea typeface="Calibri" panose="020F0502020204030204" pitchFamily="34" charset="0"/>
-                <a:cs typeface="Consolas" panose="020B0609020204030204" pitchFamily="49" charset="0"/>
-              </a:rPr>
-              <a:t>;</a:t>
-            </a:r>
-            <a:endParaRPr lang="ru-RU" sz="1600" dirty="0">
-              <a:latin typeface="Consolas" panose="020B0609020204030204" pitchFamily="49" charset="0"/>
-              <a:ea typeface="Calibri" panose="020F0502020204030204" pitchFamily="34" charset="0"/>
-              <a:cs typeface="Consolas" panose="020B0609020204030204" pitchFamily="49" charset="0"/>
-            </a:endParaRPr>
-          </a:p>
-          <a:p>
-            <a:pPr>
-              <a:spcAft>
-                <a:spcPts val="0"/>
-              </a:spcAft>
-            </a:pPr>
-            <a:r>
-              <a:rPr lang="en-US" sz="1600" dirty="0">
-                <a:solidFill>
-                  <a:srgbClr val="000000"/>
-                </a:solidFill>
-                <a:latin typeface="Consolas" panose="020B0609020204030204" pitchFamily="49" charset="0"/>
-                <a:ea typeface="Calibri" panose="020F0502020204030204" pitchFamily="34" charset="0"/>
-                <a:cs typeface="Consolas" panose="020B0609020204030204" pitchFamily="49" charset="0"/>
-              </a:rPr>
-              <a:t>  </a:t>
-            </a:r>
-            <a:r>
-              <a:rPr lang="en-US" sz="1600" dirty="0" err="1">
-                <a:solidFill>
-                  <a:srgbClr val="000000"/>
-                </a:solidFill>
-                <a:latin typeface="Consolas" panose="020B0609020204030204" pitchFamily="49" charset="0"/>
-                <a:ea typeface="Calibri" panose="020F0502020204030204" pitchFamily="34" charset="0"/>
-                <a:cs typeface="Consolas" panose="020B0609020204030204" pitchFamily="49" charset="0"/>
-              </a:rPr>
-              <a:t>CPoint</a:t>
-            </a:r>
-            <a:r>
-              <a:rPr lang="en-US" sz="1600" dirty="0">
-                <a:solidFill>
-                  <a:srgbClr val="000000"/>
-                </a:solidFill>
-                <a:latin typeface="Consolas" panose="020B0609020204030204" pitchFamily="49" charset="0"/>
-                <a:ea typeface="Calibri" panose="020F0502020204030204" pitchFamily="34" charset="0"/>
-                <a:cs typeface="Consolas" panose="020B0609020204030204" pitchFamily="49" charset="0"/>
-              </a:rPr>
-              <a:t>(</a:t>
-            </a:r>
-            <a:r>
-              <a:rPr lang="en-US" sz="1600" dirty="0">
-                <a:solidFill>
-                  <a:srgbClr val="0000FF"/>
-                </a:solidFill>
-                <a:latin typeface="Consolas" panose="020B0609020204030204" pitchFamily="49" charset="0"/>
-                <a:ea typeface="Calibri" panose="020F0502020204030204" pitchFamily="34" charset="0"/>
-                <a:cs typeface="Consolas" panose="020B0609020204030204" pitchFamily="49" charset="0"/>
-              </a:rPr>
-              <a:t>double</a:t>
-            </a:r>
-            <a:r>
-              <a:rPr lang="en-US" sz="1600" dirty="0">
-                <a:solidFill>
-                  <a:srgbClr val="000000"/>
-                </a:solidFill>
-                <a:latin typeface="Consolas" panose="020B0609020204030204" pitchFamily="49" charset="0"/>
-                <a:ea typeface="Calibri" panose="020F0502020204030204" pitchFamily="34" charset="0"/>
-                <a:cs typeface="Consolas" panose="020B0609020204030204" pitchFamily="49" charset="0"/>
-              </a:rPr>
-              <a:t> </a:t>
-            </a:r>
-            <a:r>
-              <a:rPr lang="en-US" sz="1600" dirty="0">
-                <a:solidFill>
-                  <a:srgbClr val="808080"/>
-                </a:solidFill>
-                <a:latin typeface="Consolas" panose="020B0609020204030204" pitchFamily="49" charset="0"/>
-                <a:ea typeface="Calibri" panose="020F0502020204030204" pitchFamily="34" charset="0"/>
-                <a:cs typeface="Consolas" panose="020B0609020204030204" pitchFamily="49" charset="0"/>
-              </a:rPr>
-              <a:t>x</a:t>
-            </a:r>
-            <a:r>
-              <a:rPr lang="en-US" sz="1600" dirty="0">
-                <a:solidFill>
-                  <a:srgbClr val="000000"/>
-                </a:solidFill>
-                <a:latin typeface="Consolas" panose="020B0609020204030204" pitchFamily="49" charset="0"/>
-                <a:ea typeface="Calibri" panose="020F0502020204030204" pitchFamily="34" charset="0"/>
-                <a:cs typeface="Consolas" panose="020B0609020204030204" pitchFamily="49" charset="0"/>
-              </a:rPr>
-              <a:t>, </a:t>
-            </a:r>
-            <a:r>
-              <a:rPr lang="en-US" sz="1600" dirty="0">
-                <a:solidFill>
-                  <a:srgbClr val="0000FF"/>
-                </a:solidFill>
-                <a:latin typeface="Consolas" panose="020B0609020204030204" pitchFamily="49" charset="0"/>
-                <a:ea typeface="Calibri" panose="020F0502020204030204" pitchFamily="34" charset="0"/>
-                <a:cs typeface="Consolas" panose="020B0609020204030204" pitchFamily="49" charset="0"/>
-              </a:rPr>
-              <a:t>double</a:t>
-            </a:r>
-            <a:r>
-              <a:rPr lang="en-US" sz="1600" dirty="0">
-                <a:solidFill>
-                  <a:srgbClr val="000000"/>
-                </a:solidFill>
-                <a:latin typeface="Consolas" panose="020B0609020204030204" pitchFamily="49" charset="0"/>
-                <a:ea typeface="Calibri" panose="020F0502020204030204" pitchFamily="34" charset="0"/>
-                <a:cs typeface="Consolas" panose="020B0609020204030204" pitchFamily="49" charset="0"/>
-              </a:rPr>
-              <a:t> </a:t>
-            </a:r>
-            <a:r>
-              <a:rPr lang="en-US" sz="1600" dirty="0">
-                <a:solidFill>
-                  <a:srgbClr val="808080"/>
-                </a:solidFill>
-                <a:latin typeface="Consolas" panose="020B0609020204030204" pitchFamily="49" charset="0"/>
-                <a:ea typeface="Calibri" panose="020F0502020204030204" pitchFamily="34" charset="0"/>
-                <a:cs typeface="Consolas" panose="020B0609020204030204" pitchFamily="49" charset="0"/>
-              </a:rPr>
-              <a:t>y</a:t>
-            </a:r>
-            <a:r>
-              <a:rPr lang="en-US" sz="1600" dirty="0">
-                <a:solidFill>
-                  <a:srgbClr val="000000"/>
-                </a:solidFill>
-                <a:latin typeface="Consolas" panose="020B0609020204030204" pitchFamily="49" charset="0"/>
-                <a:ea typeface="Calibri" panose="020F0502020204030204" pitchFamily="34" charset="0"/>
-                <a:cs typeface="Consolas" panose="020B0609020204030204" pitchFamily="49" charset="0"/>
-              </a:rPr>
-              <a:t>)</a:t>
-            </a:r>
-            <a:endParaRPr lang="ru-RU" sz="1600" dirty="0">
-              <a:latin typeface="Consolas" panose="020B0609020204030204" pitchFamily="49" charset="0"/>
-              <a:ea typeface="Calibri" panose="020F0502020204030204" pitchFamily="34" charset="0"/>
-              <a:cs typeface="Consolas" panose="020B0609020204030204" pitchFamily="49" charset="0"/>
-            </a:endParaRPr>
-          </a:p>
-          <a:p>
-            <a:pPr>
-              <a:spcAft>
-                <a:spcPts val="0"/>
-              </a:spcAft>
-            </a:pPr>
-            <a:r>
-              <a:rPr lang="en-US" sz="1600" dirty="0">
-                <a:solidFill>
-                  <a:srgbClr val="000000"/>
-                </a:solidFill>
-                <a:latin typeface="Consolas" panose="020B0609020204030204" pitchFamily="49" charset="0"/>
-                <a:ea typeface="Calibri" panose="020F0502020204030204" pitchFamily="34" charset="0"/>
-                <a:cs typeface="Consolas" panose="020B0609020204030204" pitchFamily="49" charset="0"/>
-              </a:rPr>
-              <a:t>    : </a:t>
-            </a:r>
-            <a:r>
-              <a:rPr lang="en-US" sz="1600" dirty="0" err="1">
-                <a:solidFill>
-                  <a:srgbClr val="000000"/>
-                </a:solidFill>
-                <a:latin typeface="Consolas" panose="020B0609020204030204" pitchFamily="49" charset="0"/>
-                <a:ea typeface="Calibri" panose="020F0502020204030204" pitchFamily="34" charset="0"/>
-                <a:cs typeface="Consolas" panose="020B0609020204030204" pitchFamily="49" charset="0"/>
-              </a:rPr>
-              <a:t>m_x</a:t>
-            </a:r>
-            <a:r>
-              <a:rPr lang="en-US" sz="1600" dirty="0">
-                <a:solidFill>
-                  <a:srgbClr val="000000"/>
-                </a:solidFill>
-                <a:latin typeface="Consolas" panose="020B0609020204030204" pitchFamily="49" charset="0"/>
-                <a:ea typeface="Calibri" panose="020F0502020204030204" pitchFamily="34" charset="0"/>
-                <a:cs typeface="Consolas" panose="020B0609020204030204" pitchFamily="49" charset="0"/>
-              </a:rPr>
-              <a:t>(</a:t>
-            </a:r>
-            <a:r>
-              <a:rPr lang="en-US" sz="1600" dirty="0">
-                <a:solidFill>
-                  <a:srgbClr val="808080"/>
-                </a:solidFill>
-                <a:latin typeface="Consolas" panose="020B0609020204030204" pitchFamily="49" charset="0"/>
-                <a:ea typeface="Calibri" panose="020F0502020204030204" pitchFamily="34" charset="0"/>
-                <a:cs typeface="Consolas" panose="020B0609020204030204" pitchFamily="49" charset="0"/>
-              </a:rPr>
-              <a:t>x</a:t>
-            </a:r>
-            <a:r>
-              <a:rPr lang="en-US" sz="1600" dirty="0">
-                <a:solidFill>
-                  <a:srgbClr val="000000"/>
-                </a:solidFill>
-                <a:latin typeface="Consolas" panose="020B0609020204030204" pitchFamily="49" charset="0"/>
-                <a:ea typeface="Calibri" panose="020F0502020204030204" pitchFamily="34" charset="0"/>
-                <a:cs typeface="Consolas" panose="020B0609020204030204" pitchFamily="49" charset="0"/>
-              </a:rPr>
-              <a:t>), </a:t>
-            </a:r>
-            <a:r>
-              <a:rPr lang="en-US" sz="1600" dirty="0" err="1">
-                <a:solidFill>
-                  <a:srgbClr val="000000"/>
-                </a:solidFill>
-                <a:latin typeface="Consolas" panose="020B0609020204030204" pitchFamily="49" charset="0"/>
-                <a:ea typeface="Calibri" panose="020F0502020204030204" pitchFamily="34" charset="0"/>
-                <a:cs typeface="Consolas" panose="020B0609020204030204" pitchFamily="49" charset="0"/>
-              </a:rPr>
-              <a:t>m_y</a:t>
-            </a:r>
-            <a:r>
-              <a:rPr lang="en-US" sz="1600" dirty="0">
-                <a:solidFill>
-                  <a:srgbClr val="000000"/>
-                </a:solidFill>
-                <a:latin typeface="Consolas" panose="020B0609020204030204" pitchFamily="49" charset="0"/>
-                <a:ea typeface="Calibri" panose="020F0502020204030204" pitchFamily="34" charset="0"/>
-                <a:cs typeface="Consolas" panose="020B0609020204030204" pitchFamily="49" charset="0"/>
-              </a:rPr>
-              <a:t>(</a:t>
-            </a:r>
-            <a:r>
-              <a:rPr lang="en-US" sz="1600" dirty="0">
-                <a:solidFill>
-                  <a:srgbClr val="808080"/>
-                </a:solidFill>
-                <a:latin typeface="Consolas" panose="020B0609020204030204" pitchFamily="49" charset="0"/>
-                <a:ea typeface="Calibri" panose="020F0502020204030204" pitchFamily="34" charset="0"/>
-                <a:cs typeface="Consolas" panose="020B0609020204030204" pitchFamily="49" charset="0"/>
-              </a:rPr>
-              <a:t>y</a:t>
-            </a:r>
-            <a:r>
-              <a:rPr lang="en-US" sz="1600" dirty="0" smtClean="0">
-                <a:solidFill>
-                  <a:srgbClr val="000000"/>
-                </a:solidFill>
-                <a:latin typeface="Consolas" panose="020B0609020204030204" pitchFamily="49" charset="0"/>
-                <a:ea typeface="Calibri" panose="020F0502020204030204" pitchFamily="34" charset="0"/>
-                <a:cs typeface="Consolas" panose="020B0609020204030204" pitchFamily="49" charset="0"/>
-              </a:rPr>
-              <a:t>)</a:t>
-            </a:r>
-            <a:r>
-              <a:rPr lang="en-US" sz="1600" dirty="0">
-                <a:latin typeface="Consolas" panose="020B0609020204030204" pitchFamily="49" charset="0"/>
-                <a:ea typeface="Calibri" panose="020F0502020204030204" pitchFamily="34" charset="0"/>
-                <a:cs typeface="Consolas" panose="020B0609020204030204" pitchFamily="49" charset="0"/>
-              </a:rPr>
-              <a:t> </a:t>
-            </a:r>
-            <a:r>
-              <a:rPr lang="en-US" sz="1600" dirty="0" smtClean="0">
-                <a:solidFill>
-                  <a:srgbClr val="000000"/>
-                </a:solidFill>
-                <a:latin typeface="Consolas" panose="020B0609020204030204" pitchFamily="49" charset="0"/>
-                <a:ea typeface="Calibri" panose="020F0502020204030204" pitchFamily="34" charset="0"/>
-                <a:cs typeface="Consolas" panose="020B0609020204030204" pitchFamily="49" charset="0"/>
-              </a:rPr>
-              <a:t>{ }</a:t>
-            </a:r>
-            <a:endParaRPr lang="ru-RU" sz="1600" dirty="0">
-              <a:latin typeface="Consolas" panose="020B0609020204030204" pitchFamily="49" charset="0"/>
-              <a:ea typeface="Calibri" panose="020F0502020204030204" pitchFamily="34" charset="0"/>
-              <a:cs typeface="Consolas" panose="020B0609020204030204" pitchFamily="49" charset="0"/>
-            </a:endParaRPr>
-          </a:p>
-          <a:p>
-            <a:pPr>
-              <a:spcAft>
-                <a:spcPts val="0"/>
-              </a:spcAft>
-            </a:pPr>
-            <a:r>
-              <a:rPr lang="en-US" sz="1600" dirty="0">
-                <a:solidFill>
-                  <a:srgbClr val="0000FF"/>
-                </a:solidFill>
-                <a:latin typeface="Consolas" panose="020B0609020204030204" pitchFamily="49" charset="0"/>
-                <a:ea typeface="Calibri" panose="020F0502020204030204" pitchFamily="34" charset="0"/>
-                <a:cs typeface="Consolas" panose="020B0609020204030204" pitchFamily="49" charset="0"/>
-              </a:rPr>
-              <a:t>private</a:t>
-            </a:r>
-            <a:r>
-              <a:rPr lang="en-US" sz="1600" dirty="0">
-                <a:solidFill>
-                  <a:srgbClr val="000000"/>
-                </a:solidFill>
-                <a:latin typeface="Consolas" panose="020B0609020204030204" pitchFamily="49" charset="0"/>
-                <a:ea typeface="Calibri" panose="020F0502020204030204" pitchFamily="34" charset="0"/>
-                <a:cs typeface="Consolas" panose="020B0609020204030204" pitchFamily="49" charset="0"/>
-              </a:rPr>
-              <a:t>:</a:t>
-            </a:r>
-            <a:endParaRPr lang="ru-RU" sz="1600" dirty="0">
-              <a:latin typeface="Consolas" panose="020B0609020204030204" pitchFamily="49" charset="0"/>
-              <a:ea typeface="Calibri" panose="020F0502020204030204" pitchFamily="34" charset="0"/>
-              <a:cs typeface="Consolas" panose="020B0609020204030204" pitchFamily="49" charset="0"/>
-            </a:endParaRPr>
-          </a:p>
-          <a:p>
-            <a:pPr>
-              <a:spcAft>
-                <a:spcPts val="0"/>
-              </a:spcAft>
-            </a:pPr>
-            <a:r>
-              <a:rPr lang="en-US" sz="1600" dirty="0">
-                <a:solidFill>
-                  <a:srgbClr val="000000"/>
-                </a:solidFill>
-                <a:latin typeface="Consolas" panose="020B0609020204030204" pitchFamily="49" charset="0"/>
-                <a:ea typeface="Calibri" panose="020F0502020204030204" pitchFamily="34" charset="0"/>
-                <a:cs typeface="Consolas" panose="020B0609020204030204" pitchFamily="49" charset="0"/>
-              </a:rPr>
-              <a:t>  </a:t>
-            </a:r>
-            <a:r>
-              <a:rPr lang="en-US" sz="1600" dirty="0">
-                <a:solidFill>
-                  <a:srgbClr val="0000FF"/>
-                </a:solidFill>
-                <a:latin typeface="Consolas" panose="020B0609020204030204" pitchFamily="49" charset="0"/>
-                <a:ea typeface="Calibri" panose="020F0502020204030204" pitchFamily="34" charset="0"/>
-                <a:cs typeface="Consolas" panose="020B0609020204030204" pitchFamily="49" charset="0"/>
-              </a:rPr>
-              <a:t>double</a:t>
-            </a:r>
-            <a:r>
-              <a:rPr lang="en-US" sz="1600" dirty="0">
-                <a:solidFill>
-                  <a:srgbClr val="000000"/>
-                </a:solidFill>
-                <a:latin typeface="Consolas" panose="020B0609020204030204" pitchFamily="49" charset="0"/>
-                <a:ea typeface="Calibri" panose="020F0502020204030204" pitchFamily="34" charset="0"/>
-                <a:cs typeface="Consolas" panose="020B0609020204030204" pitchFamily="49" charset="0"/>
-              </a:rPr>
-              <a:t> </a:t>
-            </a:r>
-            <a:r>
-              <a:rPr lang="en-US" sz="1600" dirty="0" err="1">
-                <a:solidFill>
-                  <a:srgbClr val="000000"/>
-                </a:solidFill>
-                <a:latin typeface="Consolas" panose="020B0609020204030204" pitchFamily="49" charset="0"/>
-                <a:ea typeface="Calibri" panose="020F0502020204030204" pitchFamily="34" charset="0"/>
-                <a:cs typeface="Consolas" panose="020B0609020204030204" pitchFamily="49" charset="0"/>
-              </a:rPr>
-              <a:t>m_x</a:t>
-            </a:r>
-            <a:r>
-              <a:rPr lang="en-US" sz="1600" dirty="0">
-                <a:solidFill>
-                  <a:srgbClr val="000000"/>
-                </a:solidFill>
-                <a:latin typeface="Consolas" panose="020B0609020204030204" pitchFamily="49" charset="0"/>
-                <a:ea typeface="Calibri" panose="020F0502020204030204" pitchFamily="34" charset="0"/>
-                <a:cs typeface="Consolas" panose="020B0609020204030204" pitchFamily="49" charset="0"/>
-              </a:rPr>
-              <a:t> = 0.0;</a:t>
-            </a:r>
-            <a:endParaRPr lang="ru-RU" sz="1600" dirty="0">
-              <a:latin typeface="Consolas" panose="020B0609020204030204" pitchFamily="49" charset="0"/>
-              <a:ea typeface="Calibri" panose="020F0502020204030204" pitchFamily="34" charset="0"/>
-              <a:cs typeface="Consolas" panose="020B0609020204030204" pitchFamily="49" charset="0"/>
-            </a:endParaRPr>
-          </a:p>
-          <a:p>
-            <a:pPr>
-              <a:spcAft>
-                <a:spcPts val="0"/>
-              </a:spcAft>
-            </a:pPr>
-            <a:r>
-              <a:rPr lang="en-US" sz="1600" dirty="0">
-                <a:solidFill>
-                  <a:srgbClr val="000000"/>
-                </a:solidFill>
-                <a:latin typeface="Consolas" panose="020B0609020204030204" pitchFamily="49" charset="0"/>
-                <a:ea typeface="Calibri" panose="020F0502020204030204" pitchFamily="34" charset="0"/>
-                <a:cs typeface="Consolas" panose="020B0609020204030204" pitchFamily="49" charset="0"/>
-              </a:rPr>
-              <a:t>  </a:t>
-            </a:r>
-            <a:r>
-              <a:rPr lang="en-US" sz="1600" dirty="0">
-                <a:solidFill>
-                  <a:srgbClr val="0000FF"/>
-                </a:solidFill>
-                <a:latin typeface="Consolas" panose="020B0609020204030204" pitchFamily="49" charset="0"/>
-                <a:ea typeface="Calibri" panose="020F0502020204030204" pitchFamily="34" charset="0"/>
-                <a:cs typeface="Consolas" panose="020B0609020204030204" pitchFamily="49" charset="0"/>
-              </a:rPr>
-              <a:t>double</a:t>
-            </a:r>
-            <a:r>
-              <a:rPr lang="en-US" sz="1600" dirty="0">
-                <a:solidFill>
-                  <a:srgbClr val="000000"/>
-                </a:solidFill>
-                <a:latin typeface="Consolas" panose="020B0609020204030204" pitchFamily="49" charset="0"/>
-                <a:ea typeface="Calibri" panose="020F0502020204030204" pitchFamily="34" charset="0"/>
-                <a:cs typeface="Consolas" panose="020B0609020204030204" pitchFamily="49" charset="0"/>
-              </a:rPr>
-              <a:t> </a:t>
-            </a:r>
-            <a:r>
-              <a:rPr lang="en-US" sz="1600" dirty="0" err="1">
-                <a:solidFill>
-                  <a:srgbClr val="000000"/>
-                </a:solidFill>
-                <a:latin typeface="Consolas" panose="020B0609020204030204" pitchFamily="49" charset="0"/>
-                <a:ea typeface="Calibri" panose="020F0502020204030204" pitchFamily="34" charset="0"/>
-                <a:cs typeface="Consolas" panose="020B0609020204030204" pitchFamily="49" charset="0"/>
-              </a:rPr>
-              <a:t>m_y</a:t>
-            </a:r>
-            <a:r>
-              <a:rPr lang="en-US" sz="1600" dirty="0">
-                <a:solidFill>
-                  <a:srgbClr val="000000"/>
-                </a:solidFill>
-                <a:latin typeface="Consolas" panose="020B0609020204030204" pitchFamily="49" charset="0"/>
-                <a:ea typeface="Calibri" panose="020F0502020204030204" pitchFamily="34" charset="0"/>
-                <a:cs typeface="Consolas" panose="020B0609020204030204" pitchFamily="49" charset="0"/>
-              </a:rPr>
-              <a:t> = 0.0;</a:t>
-            </a:r>
-            <a:endParaRPr lang="ru-RU" sz="1600" dirty="0">
-              <a:latin typeface="Consolas" panose="020B0609020204030204" pitchFamily="49" charset="0"/>
-              <a:ea typeface="Calibri" panose="020F0502020204030204" pitchFamily="34" charset="0"/>
-              <a:cs typeface="Consolas" panose="020B0609020204030204" pitchFamily="49" charset="0"/>
-            </a:endParaRPr>
-          </a:p>
-          <a:p>
-            <a:pPr>
-              <a:spcAft>
-                <a:spcPts val="0"/>
-              </a:spcAft>
-            </a:pPr>
-            <a:r>
-              <a:rPr lang="ru-RU" sz="1600" dirty="0">
-                <a:solidFill>
-                  <a:srgbClr val="000000"/>
-                </a:solidFill>
-                <a:latin typeface="Consolas" panose="020B0609020204030204" pitchFamily="49" charset="0"/>
-                <a:ea typeface="Calibri" panose="020F0502020204030204" pitchFamily="34" charset="0"/>
-                <a:cs typeface="Consolas" panose="020B0609020204030204" pitchFamily="49" charset="0"/>
-              </a:rPr>
-              <a:t>};</a:t>
-            </a:r>
-            <a:endParaRPr lang="ru-RU" sz="1600" dirty="0">
-              <a:latin typeface="Consolas" panose="020B0609020204030204" pitchFamily="49" charset="0"/>
-              <a:ea typeface="Calibri" panose="020F0502020204030204" pitchFamily="34" charset="0"/>
-              <a:cs typeface="Consolas" panose="020B0609020204030204" pitchFamily="49" charset="0"/>
-            </a:endParaRPr>
-          </a:p>
-          <a:p>
-            <a:pPr>
-              <a:spcAft>
-                <a:spcPts val="0"/>
-              </a:spcAft>
-            </a:pPr>
-            <a:r>
-              <a:rPr lang="ru-RU" sz="1600" dirty="0">
-                <a:latin typeface="Consolas" panose="020B0609020204030204" pitchFamily="49" charset="0"/>
-                <a:ea typeface="Calibri" panose="020F0502020204030204" pitchFamily="34" charset="0"/>
-                <a:cs typeface="Consolas" panose="020B0609020204030204" pitchFamily="49" charset="0"/>
-              </a:rPr>
-              <a:t> </a:t>
-            </a:r>
-            <a:endParaRPr lang="ru-RU" sz="1600" dirty="0">
-              <a:effectLst/>
-              <a:latin typeface="Consolas" panose="020B0609020204030204" pitchFamily="49" charset="0"/>
-              <a:ea typeface="Calibri" panose="020F0502020204030204" pitchFamily="34" charset="0"/>
-              <a:cs typeface="Consolas" panose="020B0609020204030204" pitchFamily="49" charset="0"/>
-            </a:endParaRPr>
-          </a:p>
-        </p:txBody>
-      </p:sp>
-      <p:sp>
-        <p:nvSpPr>
-          <p:cNvPr id="5" name="Заголовок 4"/>
-          <p:cNvSpPr>
-            <a:spLocks noGrp="1"/>
-          </p:cNvSpPr>
-          <p:nvPr>
-            <p:ph type="title"/>
-          </p:nvPr>
-        </p:nvSpPr>
-        <p:spPr/>
-        <p:txBody>
-          <a:bodyPr>
-            <a:normAutofit fontScale="90000"/>
-          </a:bodyPr>
-          <a:lstStyle/>
-          <a:p>
-            <a:r>
-              <a:rPr lang="ru-RU" dirty="0"/>
-              <a:t>Обобщенная реализация прототипа</a:t>
-            </a:r>
-          </a:p>
-        </p:txBody>
-      </p:sp>
-    </p:spTree>
-    <p:extLst>
-      <p:ext uri="{BB962C8B-B14F-4D97-AF65-F5344CB8AC3E}">
-        <p14:creationId xmlns:p14="http://schemas.microsoft.com/office/powerpoint/2010/main" val="715265604"/>
-      </p:ext>
-    </p:extLst>
-  </p:cSld>
-  <p:clrMapOvr>
-    <a:masterClrMapping/>
-  </p:clrMapOvr>
   <p:timing>
     <p:tnLst>
       <p:par>
@@ -5822,2775 +4297,7 @@
 </p:sld>
 </file>
 
-<file path=ppt/slides/slide11.xml><?xml version="1.0" encoding="utf-8"?>
-<p:sld xmlns:a="http://schemas.openxmlformats.org/drawingml/2006/main" xmlns:r="http://schemas.openxmlformats.org/officeDocument/2006/relationships" xmlns:p="http://schemas.openxmlformats.org/presentationml/2006/main">
-  <p:cSld>
-    <p:spTree>
-      <p:nvGrpSpPr>
-        <p:cNvPr id="1" name=""/>
-        <p:cNvGrpSpPr/>
-        <p:nvPr/>
-      </p:nvGrpSpPr>
-      <p:grpSpPr>
-        <a:xfrm>
-          <a:off x="0" y="0"/>
-          <a:ext cx="0" cy="0"/>
-          <a:chOff x="0" y="0"/>
-          <a:chExt cx="0" cy="0"/>
-        </a:xfrm>
-      </p:grpSpPr>
-      <p:sp>
-        <p:nvSpPr>
-          <p:cNvPr id="2" name="Заголовок 1"/>
-          <p:cNvSpPr>
-            <a:spLocks noGrp="1"/>
-          </p:cNvSpPr>
-          <p:nvPr>
-            <p:ph type="title"/>
-          </p:nvPr>
-        </p:nvSpPr>
-        <p:spPr/>
-        <p:txBody>
-          <a:bodyPr>
-            <a:normAutofit fontScale="90000"/>
-          </a:bodyPr>
-          <a:lstStyle/>
-          <a:p>
-            <a:r>
-              <a:rPr lang="ru-RU" dirty="0"/>
-              <a:t>Преимущества использования паттерна «Прототип»</a:t>
-            </a:r>
-          </a:p>
-        </p:txBody>
-      </p:sp>
-      <p:sp>
-        <p:nvSpPr>
-          <p:cNvPr id="3" name="Содержимое 2"/>
-          <p:cNvSpPr>
-            <a:spLocks noGrp="1"/>
-          </p:cNvSpPr>
-          <p:nvPr>
-            <p:ph idx="1"/>
-          </p:nvPr>
-        </p:nvSpPr>
-        <p:spPr/>
-        <p:txBody>
-          <a:bodyPr>
-            <a:normAutofit fontScale="92500" lnSpcReduction="10000"/>
-          </a:bodyPr>
-          <a:lstStyle/>
-          <a:p>
-            <a:r>
-              <a:rPr lang="ru-RU" dirty="0"/>
-              <a:t>Добавление и удаление продуктов во время выполнения</a:t>
-            </a:r>
-          </a:p>
-          <a:p>
-            <a:pPr lvl="1"/>
-            <a:r>
-              <a:rPr lang="ru-RU" dirty="0"/>
-              <a:t>Клиенту просто сообщается о новом экземпляре-прототипе</a:t>
-            </a:r>
-          </a:p>
-          <a:p>
-            <a:r>
-              <a:rPr lang="ru-RU" dirty="0"/>
-              <a:t>Спецификация новых объектов путем изменения значений</a:t>
-            </a:r>
-          </a:p>
-          <a:p>
-            <a:pPr lvl="1"/>
-            <a:r>
-              <a:rPr lang="ru-RU" dirty="0" smtClean="0"/>
-              <a:t>Клонированный </a:t>
-            </a:r>
-            <a:r>
-              <a:rPr lang="ru-RU" dirty="0"/>
-              <a:t>и слегка модифицированный экземпляр прототипа может быть также зарегистрирован в роли прототипа</a:t>
-            </a:r>
-          </a:p>
-          <a:p>
-            <a:r>
-              <a:rPr lang="ru-RU" dirty="0"/>
-              <a:t>Иногда копирование объекта может оказаться эффективнее создания нового объекта</a:t>
-            </a:r>
-          </a:p>
-        </p:txBody>
-      </p:sp>
-    </p:spTree>
-    <p:extLst>
-      <p:ext uri="{BB962C8B-B14F-4D97-AF65-F5344CB8AC3E}">
-        <p14:creationId xmlns:p14="http://schemas.microsoft.com/office/powerpoint/2010/main" val="431059237"/>
-      </p:ext>
-    </p:extLst>
-  </p:cSld>
-  <p:clrMapOvr>
-    <a:masterClrMapping/>
-  </p:clrMapOvr>
-  <p:timing>
-    <p:tnLst>
-      <p:par>
-        <p:cTn id="1" dur="indefinite" restart="never" nodeType="tmRoot">
-          <p:childTnLst>
-            <p:seq concurrent="1" nextAc="seek">
-              <p:cTn id="2" dur="indefinite" nodeType="mainSeq">
-                <p:childTnLst>
-                  <p:par>
-                    <p:cTn id="3" fill="hold">
-                      <p:stCondLst>
-                        <p:cond delay="indefinite"/>
-                      </p:stCondLst>
-                      <p:childTnLst>
-                        <p:par>
-                          <p:cTn id="4" fill="hold">
-                            <p:stCondLst>
-                              <p:cond delay="0"/>
-                            </p:stCondLst>
-                            <p:childTnLst>
-                              <p:par>
-                                <p:cTn id="5" presetID="10" presetClass="entr" presetSubtype="0" fill="hold" grpId="0" nodeType="clickEffect">
-                                  <p:stCondLst>
-                                    <p:cond delay="0"/>
-                                  </p:stCondLst>
-                                  <p:childTnLst>
-                                    <p:set>
-                                      <p:cBhvr>
-                                        <p:cTn id="6" dur="1" fill="hold">
-                                          <p:stCondLst>
-                                            <p:cond delay="0"/>
-                                          </p:stCondLst>
-                                        </p:cTn>
-                                        <p:tgtEl>
-                                          <p:spTgt spid="3">
-                                            <p:txEl>
-                                              <p:pRg st="0" end="0"/>
-                                            </p:txEl>
-                                          </p:spTgt>
-                                        </p:tgtEl>
-                                        <p:attrNameLst>
-                                          <p:attrName>style.visibility</p:attrName>
-                                        </p:attrNameLst>
-                                      </p:cBhvr>
-                                      <p:to>
-                                        <p:strVal val="visible"/>
-                                      </p:to>
-                                    </p:set>
-                                    <p:animEffect transition="in" filter="fade">
-                                      <p:cBhvr>
-                                        <p:cTn id="7" dur="500"/>
-                                        <p:tgtEl>
-                                          <p:spTgt spid="3">
-                                            <p:txEl>
-                                              <p:pRg st="0" end="0"/>
-                                            </p:txEl>
-                                          </p:spTgt>
-                                        </p:tgtEl>
-                                      </p:cBhvr>
-                                    </p:animEffect>
-                                  </p:childTnLst>
-                                </p:cTn>
-                              </p:par>
-                              <p:par>
-                                <p:cTn id="8" presetID="10" presetClass="entr" presetSubtype="0" fill="hold" grpId="0" nodeType="withEffect">
-                                  <p:stCondLst>
-                                    <p:cond delay="0"/>
-                                  </p:stCondLst>
-                                  <p:childTnLst>
-                                    <p:set>
-                                      <p:cBhvr>
-                                        <p:cTn id="9" dur="1" fill="hold">
-                                          <p:stCondLst>
-                                            <p:cond delay="0"/>
-                                          </p:stCondLst>
-                                        </p:cTn>
-                                        <p:tgtEl>
-                                          <p:spTgt spid="3">
-                                            <p:txEl>
-                                              <p:pRg st="1" end="1"/>
-                                            </p:txEl>
-                                          </p:spTgt>
-                                        </p:tgtEl>
-                                        <p:attrNameLst>
-                                          <p:attrName>style.visibility</p:attrName>
-                                        </p:attrNameLst>
-                                      </p:cBhvr>
-                                      <p:to>
-                                        <p:strVal val="visible"/>
-                                      </p:to>
-                                    </p:set>
-                                    <p:animEffect transition="in" filter="fade">
-                                      <p:cBhvr>
-                                        <p:cTn id="10" dur="500"/>
-                                        <p:tgtEl>
-                                          <p:spTgt spid="3">
-                                            <p:txEl>
-                                              <p:pRg st="1" end="1"/>
-                                            </p:txEl>
-                                          </p:spTgt>
-                                        </p:tgtEl>
-                                      </p:cBhvr>
-                                    </p:animEffect>
-                                  </p:childTnLst>
-                                </p:cTn>
-                              </p:par>
-                            </p:childTnLst>
-                          </p:cTn>
-                        </p:par>
-                      </p:childTnLst>
-                    </p:cTn>
-                  </p:par>
-                  <p:par>
-                    <p:cTn id="11" fill="hold">
-                      <p:stCondLst>
-                        <p:cond delay="indefinite"/>
-                      </p:stCondLst>
-                      <p:childTnLst>
-                        <p:par>
-                          <p:cTn id="12" fill="hold">
-                            <p:stCondLst>
-                              <p:cond delay="0"/>
-                            </p:stCondLst>
-                            <p:childTnLst>
-                              <p:par>
-                                <p:cTn id="13" presetID="10" presetClass="entr" presetSubtype="0" fill="hold" grpId="0" nodeType="clickEffect">
-                                  <p:stCondLst>
-                                    <p:cond delay="0"/>
-                                  </p:stCondLst>
-                                  <p:childTnLst>
-                                    <p:set>
-                                      <p:cBhvr>
-                                        <p:cTn id="14" dur="1" fill="hold">
-                                          <p:stCondLst>
-                                            <p:cond delay="0"/>
-                                          </p:stCondLst>
-                                        </p:cTn>
-                                        <p:tgtEl>
-                                          <p:spTgt spid="3">
-                                            <p:txEl>
-                                              <p:pRg st="2" end="2"/>
-                                            </p:txEl>
-                                          </p:spTgt>
-                                        </p:tgtEl>
-                                        <p:attrNameLst>
-                                          <p:attrName>style.visibility</p:attrName>
-                                        </p:attrNameLst>
-                                      </p:cBhvr>
-                                      <p:to>
-                                        <p:strVal val="visible"/>
-                                      </p:to>
-                                    </p:set>
-                                    <p:animEffect transition="in" filter="fade">
-                                      <p:cBhvr>
-                                        <p:cTn id="15" dur="500"/>
-                                        <p:tgtEl>
-                                          <p:spTgt spid="3">
-                                            <p:txEl>
-                                              <p:pRg st="2" end="2"/>
-                                            </p:txEl>
-                                          </p:spTgt>
-                                        </p:tgtEl>
-                                      </p:cBhvr>
-                                    </p:animEffect>
-                                  </p:childTnLst>
-                                </p:cTn>
-                              </p:par>
-                              <p:par>
-                                <p:cTn id="16" presetID="10" presetClass="entr" presetSubtype="0" fill="hold" grpId="0" nodeType="withEffect">
-                                  <p:stCondLst>
-                                    <p:cond delay="0"/>
-                                  </p:stCondLst>
-                                  <p:childTnLst>
-                                    <p:set>
-                                      <p:cBhvr>
-                                        <p:cTn id="17" dur="1" fill="hold">
-                                          <p:stCondLst>
-                                            <p:cond delay="0"/>
-                                          </p:stCondLst>
-                                        </p:cTn>
-                                        <p:tgtEl>
-                                          <p:spTgt spid="3">
-                                            <p:txEl>
-                                              <p:pRg st="3" end="3"/>
-                                            </p:txEl>
-                                          </p:spTgt>
-                                        </p:tgtEl>
-                                        <p:attrNameLst>
-                                          <p:attrName>style.visibility</p:attrName>
-                                        </p:attrNameLst>
-                                      </p:cBhvr>
-                                      <p:to>
-                                        <p:strVal val="visible"/>
-                                      </p:to>
-                                    </p:set>
-                                    <p:animEffect transition="in" filter="fade">
-                                      <p:cBhvr>
-                                        <p:cTn id="18" dur="500"/>
-                                        <p:tgtEl>
-                                          <p:spTgt spid="3">
-                                            <p:txEl>
-                                              <p:pRg st="3" end="3"/>
-                                            </p:txEl>
-                                          </p:spTgt>
-                                        </p:tgtEl>
-                                      </p:cBhvr>
-                                    </p:animEffect>
-                                  </p:childTnLst>
-                                </p:cTn>
-                              </p:par>
-                            </p:childTnLst>
-                          </p:cTn>
-                        </p:par>
-                      </p:childTnLst>
-                    </p:cTn>
-                  </p:par>
-                  <p:par>
-                    <p:cTn id="19" fill="hold">
-                      <p:stCondLst>
-                        <p:cond delay="indefinite"/>
-                      </p:stCondLst>
-                      <p:childTnLst>
-                        <p:par>
-                          <p:cTn id="20" fill="hold">
-                            <p:stCondLst>
-                              <p:cond delay="0"/>
-                            </p:stCondLst>
-                            <p:childTnLst>
-                              <p:par>
-                                <p:cTn id="21" presetID="10" presetClass="entr" presetSubtype="0" fill="hold" grpId="0" nodeType="clickEffect">
-                                  <p:stCondLst>
-                                    <p:cond delay="0"/>
-                                  </p:stCondLst>
-                                  <p:childTnLst>
-                                    <p:set>
-                                      <p:cBhvr>
-                                        <p:cTn id="22" dur="1" fill="hold">
-                                          <p:stCondLst>
-                                            <p:cond delay="0"/>
-                                          </p:stCondLst>
-                                        </p:cTn>
-                                        <p:tgtEl>
-                                          <p:spTgt spid="3">
-                                            <p:txEl>
-                                              <p:pRg st="4" end="4"/>
-                                            </p:txEl>
-                                          </p:spTgt>
-                                        </p:tgtEl>
-                                        <p:attrNameLst>
-                                          <p:attrName>style.visibility</p:attrName>
-                                        </p:attrNameLst>
-                                      </p:cBhvr>
-                                      <p:to>
-                                        <p:strVal val="visible"/>
-                                      </p:to>
-                                    </p:set>
-                                    <p:animEffect transition="in" filter="fade">
-                                      <p:cBhvr>
-                                        <p:cTn id="23" dur="500"/>
-                                        <p:tgtEl>
-                                          <p:spTgt spid="3">
-                                            <p:txEl>
-                                              <p:pRg st="4" end="4"/>
-                                            </p:txEl>
-                                          </p:spTgt>
-                                        </p:tgtEl>
-                                      </p:cBhvr>
-                                    </p:animEffect>
-                                  </p:childTnLst>
-                                </p:cTn>
-                              </p:par>
-                            </p:childTnLst>
-                          </p:cTn>
-                        </p:par>
-                      </p:childTnLst>
-                    </p:cTn>
-                  </p:par>
-                </p:childTnLst>
-              </p:cTn>
-              <p:prevCondLst>
-                <p:cond evt="onPrev" delay="0">
-                  <p:tgtEl>
-                    <p:sldTgt/>
-                  </p:tgtEl>
-                </p:cond>
-              </p:prevCondLst>
-              <p:nextCondLst>
-                <p:cond evt="onNext" delay="0">
-                  <p:tgtEl>
-                    <p:sldTgt/>
-                  </p:tgtEl>
-                </p:cond>
-              </p:nextCondLst>
-            </p:seq>
-          </p:childTnLst>
-        </p:cTn>
-      </p:par>
-    </p:tnLst>
-    <p:bldLst>
-      <p:bldP spid="3" grpId="0" build="p"/>
-    </p:bldLst>
-  </p:timing>
-</p:sld>
-</file>
-
-<file path=ppt/slides/slide12.xml><?xml version="1.0" encoding="utf-8"?>
-<p:sld xmlns:a="http://schemas.openxmlformats.org/drawingml/2006/main" xmlns:r="http://schemas.openxmlformats.org/officeDocument/2006/relationships" xmlns:p="http://schemas.openxmlformats.org/presentationml/2006/main">
-  <p:cSld>
-    <p:spTree>
-      <p:nvGrpSpPr>
-        <p:cNvPr id="1" name=""/>
-        <p:cNvGrpSpPr/>
-        <p:nvPr/>
-      </p:nvGrpSpPr>
-      <p:grpSpPr>
-        <a:xfrm>
-          <a:off x="0" y="0"/>
-          <a:ext cx="0" cy="0"/>
-          <a:chOff x="0" y="0"/>
-          <a:chExt cx="0" cy="0"/>
-        </a:xfrm>
-      </p:grpSpPr>
-      <p:sp>
-        <p:nvSpPr>
-          <p:cNvPr id="2" name="Заголовок 1"/>
-          <p:cNvSpPr>
-            <a:spLocks noGrp="1"/>
-          </p:cNvSpPr>
-          <p:nvPr>
-            <p:ph type="title"/>
-          </p:nvPr>
-        </p:nvSpPr>
-        <p:spPr/>
-        <p:txBody>
-          <a:bodyPr>
-            <a:normAutofit fontScale="90000"/>
-          </a:bodyPr>
-          <a:lstStyle/>
-          <a:p>
-            <a:r>
-              <a:rPr lang="ru-RU" dirty="0"/>
-              <a:t>Преимущества использования паттерна «Прототип»</a:t>
-            </a:r>
-          </a:p>
-        </p:txBody>
-      </p:sp>
-      <p:sp>
-        <p:nvSpPr>
-          <p:cNvPr id="3" name="Содержимое 2"/>
-          <p:cNvSpPr>
-            <a:spLocks noGrp="1"/>
-          </p:cNvSpPr>
-          <p:nvPr>
-            <p:ph idx="1"/>
-          </p:nvPr>
-        </p:nvSpPr>
-        <p:spPr/>
-        <p:txBody>
-          <a:bodyPr>
-            <a:normAutofit fontScale="85000" lnSpcReduction="10000"/>
-          </a:bodyPr>
-          <a:lstStyle/>
-          <a:p>
-            <a:r>
-              <a:rPr lang="ru-RU" dirty="0"/>
-              <a:t>Специфицирование новых объектов путем изменения структуры</a:t>
-            </a:r>
-          </a:p>
-          <a:p>
-            <a:r>
-              <a:rPr lang="ru-RU" dirty="0"/>
-              <a:t>Уменьшение числа подклассов</a:t>
-            </a:r>
-          </a:p>
-          <a:p>
-            <a:pPr lvl="1"/>
-            <a:r>
-              <a:rPr lang="ru-RU" dirty="0"/>
-              <a:t>Фабричный метод часто порождает иерархию классов «Создатель», параллельную иерархии классов продуктов</a:t>
-            </a:r>
-          </a:p>
-          <a:p>
-            <a:pPr lvl="2"/>
-            <a:r>
-              <a:rPr lang="ru-RU" dirty="0"/>
-              <a:t>Паттерн «прототип» может клонировать прототип, а не запрашивать фабричный метод</a:t>
-            </a:r>
-          </a:p>
-          <a:p>
-            <a:r>
-              <a:rPr lang="ru-RU" dirty="0"/>
-              <a:t>Динамическое конфигурирование приложения</a:t>
-            </a:r>
-          </a:p>
-          <a:p>
-            <a:pPr lvl="1"/>
-            <a:r>
-              <a:rPr lang="ru-RU" dirty="0"/>
-              <a:t>Динамически загружаемые классы прототипов регистрируют свои экземпляры в «</a:t>
-            </a:r>
-            <a:r>
-              <a:rPr lang="ru-RU" b="1" dirty="0"/>
-              <a:t>диспетчере прототипов</a:t>
-            </a:r>
-            <a:r>
-              <a:rPr lang="ru-RU" dirty="0"/>
-              <a:t>»</a:t>
-            </a:r>
-          </a:p>
-        </p:txBody>
-      </p:sp>
-    </p:spTree>
-    <p:extLst>
-      <p:ext uri="{BB962C8B-B14F-4D97-AF65-F5344CB8AC3E}">
-        <p14:creationId xmlns:p14="http://schemas.microsoft.com/office/powerpoint/2010/main" val="4197493979"/>
-      </p:ext>
-    </p:extLst>
-  </p:cSld>
-  <p:clrMapOvr>
-    <a:masterClrMapping/>
-  </p:clrMapOvr>
-  <p:timing>
-    <p:tnLst>
-      <p:par>
-        <p:cTn id="1" dur="indefinite" restart="never" nodeType="tmRoot">
-          <p:childTnLst>
-            <p:seq concurrent="1" nextAc="seek">
-              <p:cTn id="2" dur="indefinite" nodeType="mainSeq">
-                <p:childTnLst>
-                  <p:par>
-                    <p:cTn id="3" fill="hold">
-                      <p:stCondLst>
-                        <p:cond delay="indefinite"/>
-                      </p:stCondLst>
-                      <p:childTnLst>
-                        <p:par>
-                          <p:cTn id="4" fill="hold">
-                            <p:stCondLst>
-                              <p:cond delay="0"/>
-                            </p:stCondLst>
-                            <p:childTnLst>
-                              <p:par>
-                                <p:cTn id="5" presetID="10" presetClass="entr" presetSubtype="0" fill="hold" grpId="0" nodeType="clickEffect">
-                                  <p:stCondLst>
-                                    <p:cond delay="0"/>
-                                  </p:stCondLst>
-                                  <p:childTnLst>
-                                    <p:set>
-                                      <p:cBhvr>
-                                        <p:cTn id="6" dur="1" fill="hold">
-                                          <p:stCondLst>
-                                            <p:cond delay="0"/>
-                                          </p:stCondLst>
-                                        </p:cTn>
-                                        <p:tgtEl>
-                                          <p:spTgt spid="3">
-                                            <p:txEl>
-                                              <p:pRg st="0" end="0"/>
-                                            </p:txEl>
-                                          </p:spTgt>
-                                        </p:tgtEl>
-                                        <p:attrNameLst>
-                                          <p:attrName>style.visibility</p:attrName>
-                                        </p:attrNameLst>
-                                      </p:cBhvr>
-                                      <p:to>
-                                        <p:strVal val="visible"/>
-                                      </p:to>
-                                    </p:set>
-                                    <p:animEffect transition="in" filter="fade">
-                                      <p:cBhvr>
-                                        <p:cTn id="7" dur="500"/>
-                                        <p:tgtEl>
-                                          <p:spTgt spid="3">
-                                            <p:txEl>
-                                              <p:pRg st="0" end="0"/>
-                                            </p:txEl>
-                                          </p:spTgt>
-                                        </p:tgtEl>
-                                      </p:cBhvr>
-                                    </p:animEffect>
-                                  </p:childTnLst>
-                                </p:cTn>
-                              </p:par>
-                            </p:childTnLst>
-                          </p:cTn>
-                        </p:par>
-                      </p:childTnLst>
-                    </p:cTn>
-                  </p:par>
-                  <p:par>
-                    <p:cTn id="8" fill="hold">
-                      <p:stCondLst>
-                        <p:cond delay="indefinite"/>
-                      </p:stCondLst>
-                      <p:childTnLst>
-                        <p:par>
-                          <p:cTn id="9" fill="hold">
-                            <p:stCondLst>
-                              <p:cond delay="0"/>
-                            </p:stCondLst>
-                            <p:childTnLst>
-                              <p:par>
-                                <p:cTn id="10" presetID="10" presetClass="entr" presetSubtype="0" fill="hold" grpId="0" nodeType="clickEffect">
-                                  <p:stCondLst>
-                                    <p:cond delay="0"/>
-                                  </p:stCondLst>
-                                  <p:childTnLst>
-                                    <p:set>
-                                      <p:cBhvr>
-                                        <p:cTn id="11" dur="1" fill="hold">
-                                          <p:stCondLst>
-                                            <p:cond delay="0"/>
-                                          </p:stCondLst>
-                                        </p:cTn>
-                                        <p:tgtEl>
-                                          <p:spTgt spid="3">
-                                            <p:txEl>
-                                              <p:pRg st="1" end="1"/>
-                                            </p:txEl>
-                                          </p:spTgt>
-                                        </p:tgtEl>
-                                        <p:attrNameLst>
-                                          <p:attrName>style.visibility</p:attrName>
-                                        </p:attrNameLst>
-                                      </p:cBhvr>
-                                      <p:to>
-                                        <p:strVal val="visible"/>
-                                      </p:to>
-                                    </p:set>
-                                    <p:animEffect transition="in" filter="fade">
-                                      <p:cBhvr>
-                                        <p:cTn id="12" dur="500"/>
-                                        <p:tgtEl>
-                                          <p:spTgt spid="3">
-                                            <p:txEl>
-                                              <p:pRg st="1" end="1"/>
-                                            </p:txEl>
-                                          </p:spTgt>
-                                        </p:tgtEl>
-                                      </p:cBhvr>
-                                    </p:animEffect>
-                                  </p:childTnLst>
-                                </p:cTn>
-                              </p:par>
-                              <p:par>
-                                <p:cTn id="13" presetID="10" presetClass="entr" presetSubtype="0" fill="hold" grpId="0" nodeType="withEffect">
-                                  <p:stCondLst>
-                                    <p:cond delay="0"/>
-                                  </p:stCondLst>
-                                  <p:childTnLst>
-                                    <p:set>
-                                      <p:cBhvr>
-                                        <p:cTn id="14" dur="1" fill="hold">
-                                          <p:stCondLst>
-                                            <p:cond delay="0"/>
-                                          </p:stCondLst>
-                                        </p:cTn>
-                                        <p:tgtEl>
-                                          <p:spTgt spid="3">
-                                            <p:txEl>
-                                              <p:pRg st="2" end="2"/>
-                                            </p:txEl>
-                                          </p:spTgt>
-                                        </p:tgtEl>
-                                        <p:attrNameLst>
-                                          <p:attrName>style.visibility</p:attrName>
-                                        </p:attrNameLst>
-                                      </p:cBhvr>
-                                      <p:to>
-                                        <p:strVal val="visible"/>
-                                      </p:to>
-                                    </p:set>
-                                    <p:animEffect transition="in" filter="fade">
-                                      <p:cBhvr>
-                                        <p:cTn id="15" dur="500"/>
-                                        <p:tgtEl>
-                                          <p:spTgt spid="3">
-                                            <p:txEl>
-                                              <p:pRg st="2" end="2"/>
-                                            </p:txEl>
-                                          </p:spTgt>
-                                        </p:tgtEl>
-                                      </p:cBhvr>
-                                    </p:animEffect>
-                                  </p:childTnLst>
-                                </p:cTn>
-                              </p:par>
-                              <p:par>
-                                <p:cTn id="16" presetID="10" presetClass="entr" presetSubtype="0" fill="hold" grpId="0" nodeType="withEffect">
-                                  <p:stCondLst>
-                                    <p:cond delay="0"/>
-                                  </p:stCondLst>
-                                  <p:childTnLst>
-                                    <p:set>
-                                      <p:cBhvr>
-                                        <p:cTn id="17" dur="1" fill="hold">
-                                          <p:stCondLst>
-                                            <p:cond delay="0"/>
-                                          </p:stCondLst>
-                                        </p:cTn>
-                                        <p:tgtEl>
-                                          <p:spTgt spid="3">
-                                            <p:txEl>
-                                              <p:pRg st="3" end="3"/>
-                                            </p:txEl>
-                                          </p:spTgt>
-                                        </p:tgtEl>
-                                        <p:attrNameLst>
-                                          <p:attrName>style.visibility</p:attrName>
-                                        </p:attrNameLst>
-                                      </p:cBhvr>
-                                      <p:to>
-                                        <p:strVal val="visible"/>
-                                      </p:to>
-                                    </p:set>
-                                    <p:animEffect transition="in" filter="fade">
-                                      <p:cBhvr>
-                                        <p:cTn id="18" dur="500"/>
-                                        <p:tgtEl>
-                                          <p:spTgt spid="3">
-                                            <p:txEl>
-                                              <p:pRg st="3" end="3"/>
-                                            </p:txEl>
-                                          </p:spTgt>
-                                        </p:tgtEl>
-                                      </p:cBhvr>
-                                    </p:animEffect>
-                                  </p:childTnLst>
-                                </p:cTn>
-                              </p:par>
-                            </p:childTnLst>
-                          </p:cTn>
-                        </p:par>
-                      </p:childTnLst>
-                    </p:cTn>
-                  </p:par>
-                  <p:par>
-                    <p:cTn id="19" fill="hold">
-                      <p:stCondLst>
-                        <p:cond delay="indefinite"/>
-                      </p:stCondLst>
-                      <p:childTnLst>
-                        <p:par>
-                          <p:cTn id="20" fill="hold">
-                            <p:stCondLst>
-                              <p:cond delay="0"/>
-                            </p:stCondLst>
-                            <p:childTnLst>
-                              <p:par>
-                                <p:cTn id="21" presetID="10" presetClass="entr" presetSubtype="0" fill="hold" grpId="0" nodeType="clickEffect">
-                                  <p:stCondLst>
-                                    <p:cond delay="0"/>
-                                  </p:stCondLst>
-                                  <p:childTnLst>
-                                    <p:set>
-                                      <p:cBhvr>
-                                        <p:cTn id="22" dur="1" fill="hold">
-                                          <p:stCondLst>
-                                            <p:cond delay="0"/>
-                                          </p:stCondLst>
-                                        </p:cTn>
-                                        <p:tgtEl>
-                                          <p:spTgt spid="3">
-                                            <p:txEl>
-                                              <p:pRg st="4" end="4"/>
-                                            </p:txEl>
-                                          </p:spTgt>
-                                        </p:tgtEl>
-                                        <p:attrNameLst>
-                                          <p:attrName>style.visibility</p:attrName>
-                                        </p:attrNameLst>
-                                      </p:cBhvr>
-                                      <p:to>
-                                        <p:strVal val="visible"/>
-                                      </p:to>
-                                    </p:set>
-                                    <p:animEffect transition="in" filter="fade">
-                                      <p:cBhvr>
-                                        <p:cTn id="23" dur="500"/>
-                                        <p:tgtEl>
-                                          <p:spTgt spid="3">
-                                            <p:txEl>
-                                              <p:pRg st="4" end="4"/>
-                                            </p:txEl>
-                                          </p:spTgt>
-                                        </p:tgtEl>
-                                      </p:cBhvr>
-                                    </p:animEffect>
-                                  </p:childTnLst>
-                                </p:cTn>
-                              </p:par>
-                              <p:par>
-                                <p:cTn id="24" presetID="10" presetClass="entr" presetSubtype="0" fill="hold" grpId="0" nodeType="withEffect">
-                                  <p:stCondLst>
-                                    <p:cond delay="0"/>
-                                  </p:stCondLst>
-                                  <p:childTnLst>
-                                    <p:set>
-                                      <p:cBhvr>
-                                        <p:cTn id="25" dur="1" fill="hold">
-                                          <p:stCondLst>
-                                            <p:cond delay="0"/>
-                                          </p:stCondLst>
-                                        </p:cTn>
-                                        <p:tgtEl>
-                                          <p:spTgt spid="3">
-                                            <p:txEl>
-                                              <p:pRg st="5" end="5"/>
-                                            </p:txEl>
-                                          </p:spTgt>
-                                        </p:tgtEl>
-                                        <p:attrNameLst>
-                                          <p:attrName>style.visibility</p:attrName>
-                                        </p:attrNameLst>
-                                      </p:cBhvr>
-                                      <p:to>
-                                        <p:strVal val="visible"/>
-                                      </p:to>
-                                    </p:set>
-                                    <p:animEffect transition="in" filter="fade">
-                                      <p:cBhvr>
-                                        <p:cTn id="26" dur="500"/>
-                                        <p:tgtEl>
-                                          <p:spTgt spid="3">
-                                            <p:txEl>
-                                              <p:pRg st="5" end="5"/>
-                                            </p:txEl>
-                                          </p:spTgt>
-                                        </p:tgtEl>
-                                      </p:cBhvr>
-                                    </p:animEffect>
-                                  </p:childTnLst>
-                                </p:cTn>
-                              </p:par>
-                            </p:childTnLst>
-                          </p:cTn>
-                        </p:par>
-                      </p:childTnLst>
-                    </p:cTn>
-                  </p:par>
-                </p:childTnLst>
-              </p:cTn>
-              <p:prevCondLst>
-                <p:cond evt="onPrev" delay="0">
-                  <p:tgtEl>
-                    <p:sldTgt/>
-                  </p:tgtEl>
-                </p:cond>
-              </p:prevCondLst>
-              <p:nextCondLst>
-                <p:cond evt="onNext" delay="0">
-                  <p:tgtEl>
-                    <p:sldTgt/>
-                  </p:tgtEl>
-                </p:cond>
-              </p:nextCondLst>
-            </p:seq>
-          </p:childTnLst>
-        </p:cTn>
-      </p:par>
-    </p:tnLst>
-    <p:bldLst>
-      <p:bldP spid="3" grpId="0" build="p"/>
-    </p:bldLst>
-  </p:timing>
-</p:sld>
-</file>
-
-<file path=ppt/slides/slide13.xml><?xml version="1.0" encoding="utf-8"?>
-<p:sld xmlns:a="http://schemas.openxmlformats.org/drawingml/2006/main" xmlns:r="http://schemas.openxmlformats.org/officeDocument/2006/relationships" xmlns:p="http://schemas.openxmlformats.org/presentationml/2006/main">
-  <p:cSld>
-    <p:spTree>
-      <p:nvGrpSpPr>
-        <p:cNvPr id="1" name=""/>
-        <p:cNvGrpSpPr/>
-        <p:nvPr/>
-      </p:nvGrpSpPr>
-      <p:grpSpPr>
-        <a:xfrm>
-          <a:off x="0" y="0"/>
-          <a:ext cx="0" cy="0"/>
-          <a:chOff x="0" y="0"/>
-          <a:chExt cx="0" cy="0"/>
-        </a:xfrm>
-      </p:grpSpPr>
-      <p:sp>
-        <p:nvSpPr>
-          <p:cNvPr id="2" name="Заголовок 1"/>
-          <p:cNvSpPr>
-            <a:spLocks noGrp="1"/>
-          </p:cNvSpPr>
-          <p:nvPr>
-            <p:ph type="title"/>
-          </p:nvPr>
-        </p:nvSpPr>
-        <p:spPr/>
-        <p:txBody>
-          <a:bodyPr>
-            <a:normAutofit/>
-          </a:bodyPr>
-          <a:lstStyle/>
-          <a:p>
-            <a:r>
-              <a:rPr lang="ru-RU" dirty="0"/>
-              <a:t>Недостатки паттерна прототип</a:t>
-            </a:r>
-          </a:p>
-        </p:txBody>
-      </p:sp>
-      <p:sp>
-        <p:nvSpPr>
-          <p:cNvPr id="3" name="Содержимое 2"/>
-          <p:cNvSpPr>
-            <a:spLocks noGrp="1"/>
-          </p:cNvSpPr>
-          <p:nvPr>
-            <p:ph idx="1"/>
-          </p:nvPr>
-        </p:nvSpPr>
-        <p:spPr/>
-        <p:txBody>
-          <a:bodyPr>
-            <a:normAutofit lnSpcReduction="10000"/>
-          </a:bodyPr>
-          <a:lstStyle/>
-          <a:p>
-            <a:r>
-              <a:rPr lang="ru-RU" dirty="0"/>
-              <a:t>Каждый подкласс класса </a:t>
-            </a:r>
-            <a:r>
-              <a:rPr lang="en-US" dirty="0"/>
-              <a:t>Prototype </a:t>
-            </a:r>
-            <a:r>
-              <a:rPr lang="ru-RU" dirty="0"/>
-              <a:t>должен реализовывать операцию </a:t>
-            </a:r>
-            <a:r>
-              <a:rPr lang="en-US" dirty="0"/>
-              <a:t>Clone</a:t>
-            </a:r>
-            <a:endParaRPr lang="ru-RU" dirty="0"/>
-          </a:p>
-          <a:p>
-            <a:pPr lvl="1"/>
-            <a:r>
-              <a:rPr lang="ru-RU" dirty="0"/>
-              <a:t>Для уже существующих классов реализация операции клонирования может быть проблематичной</a:t>
-            </a:r>
-          </a:p>
-          <a:p>
-            <a:pPr lvl="1"/>
-            <a:r>
-              <a:rPr lang="ru-RU" dirty="0"/>
-              <a:t>В ряде случаев задача «глубокого» клонирования может быть нетривиальной</a:t>
-            </a:r>
-          </a:p>
-          <a:p>
-            <a:pPr lvl="2"/>
-            <a:r>
-              <a:rPr lang="ru-RU" dirty="0"/>
-              <a:t>Во внутреннем представлении объекта содержатся другие объекты</a:t>
-            </a:r>
-          </a:p>
-          <a:p>
-            <a:pPr lvl="2"/>
-            <a:r>
-              <a:rPr lang="ru-RU" dirty="0"/>
-              <a:t>Внутри объекта присутствуют круговые ссылки.</a:t>
-            </a:r>
-          </a:p>
-        </p:txBody>
-      </p:sp>
-    </p:spTree>
-    <p:extLst>
-      <p:ext uri="{BB962C8B-B14F-4D97-AF65-F5344CB8AC3E}">
-        <p14:creationId xmlns:p14="http://schemas.microsoft.com/office/powerpoint/2010/main" val="460209868"/>
-      </p:ext>
-    </p:extLst>
-  </p:cSld>
-  <p:clrMapOvr>
-    <a:masterClrMapping/>
-  </p:clrMapOvr>
-  <p:timing>
-    <p:tnLst>
-      <p:par>
-        <p:cTn id="1" dur="indefinite" restart="never" nodeType="tmRoot">
-          <p:childTnLst>
-            <p:seq concurrent="1" nextAc="seek">
-              <p:cTn id="2" dur="indefinite" nodeType="mainSeq">
-                <p:childTnLst>
-                  <p:par>
-                    <p:cTn id="3" fill="hold">
-                      <p:stCondLst>
-                        <p:cond delay="indefinite"/>
-                      </p:stCondLst>
-                      <p:childTnLst>
-                        <p:par>
-                          <p:cTn id="4" fill="hold">
-                            <p:stCondLst>
-                              <p:cond delay="0"/>
-                            </p:stCondLst>
-                            <p:childTnLst>
-                              <p:par>
-                                <p:cTn id="5" presetID="10" presetClass="entr" presetSubtype="0" fill="hold" grpId="0" nodeType="clickEffect">
-                                  <p:stCondLst>
-                                    <p:cond delay="0"/>
-                                  </p:stCondLst>
-                                  <p:childTnLst>
-                                    <p:set>
-                                      <p:cBhvr>
-                                        <p:cTn id="6" dur="1" fill="hold">
-                                          <p:stCondLst>
-                                            <p:cond delay="0"/>
-                                          </p:stCondLst>
-                                        </p:cTn>
-                                        <p:tgtEl>
-                                          <p:spTgt spid="3">
-                                            <p:txEl>
-                                              <p:pRg st="0" end="0"/>
-                                            </p:txEl>
-                                          </p:spTgt>
-                                        </p:tgtEl>
-                                        <p:attrNameLst>
-                                          <p:attrName>style.visibility</p:attrName>
-                                        </p:attrNameLst>
-                                      </p:cBhvr>
-                                      <p:to>
-                                        <p:strVal val="visible"/>
-                                      </p:to>
-                                    </p:set>
-                                    <p:animEffect transition="in" filter="fade">
-                                      <p:cBhvr>
-                                        <p:cTn id="7" dur="500"/>
-                                        <p:tgtEl>
-                                          <p:spTgt spid="3">
-                                            <p:txEl>
-                                              <p:pRg st="0" end="0"/>
-                                            </p:txEl>
-                                          </p:spTgt>
-                                        </p:tgtEl>
-                                      </p:cBhvr>
-                                    </p:animEffect>
-                                  </p:childTnLst>
-                                </p:cTn>
-                              </p:par>
-                            </p:childTnLst>
-                          </p:cTn>
-                        </p:par>
-                      </p:childTnLst>
-                    </p:cTn>
-                  </p:par>
-                  <p:par>
-                    <p:cTn id="8" fill="hold">
-                      <p:stCondLst>
-                        <p:cond delay="indefinite"/>
-                      </p:stCondLst>
-                      <p:childTnLst>
-                        <p:par>
-                          <p:cTn id="9" fill="hold">
-                            <p:stCondLst>
-                              <p:cond delay="0"/>
-                            </p:stCondLst>
-                            <p:childTnLst>
-                              <p:par>
-                                <p:cTn id="10" presetID="10" presetClass="entr" presetSubtype="0" fill="hold" grpId="0" nodeType="clickEffect">
-                                  <p:stCondLst>
-                                    <p:cond delay="0"/>
-                                  </p:stCondLst>
-                                  <p:childTnLst>
-                                    <p:set>
-                                      <p:cBhvr>
-                                        <p:cTn id="11" dur="1" fill="hold">
-                                          <p:stCondLst>
-                                            <p:cond delay="0"/>
-                                          </p:stCondLst>
-                                        </p:cTn>
-                                        <p:tgtEl>
-                                          <p:spTgt spid="3">
-                                            <p:txEl>
-                                              <p:pRg st="1" end="1"/>
-                                            </p:txEl>
-                                          </p:spTgt>
-                                        </p:tgtEl>
-                                        <p:attrNameLst>
-                                          <p:attrName>style.visibility</p:attrName>
-                                        </p:attrNameLst>
-                                      </p:cBhvr>
-                                      <p:to>
-                                        <p:strVal val="visible"/>
-                                      </p:to>
-                                    </p:set>
-                                    <p:animEffect transition="in" filter="fade">
-                                      <p:cBhvr>
-                                        <p:cTn id="12" dur="500"/>
-                                        <p:tgtEl>
-                                          <p:spTgt spid="3">
-                                            <p:txEl>
-                                              <p:pRg st="1" end="1"/>
-                                            </p:txEl>
-                                          </p:spTgt>
-                                        </p:tgtEl>
-                                      </p:cBhvr>
-                                    </p:animEffect>
-                                  </p:childTnLst>
-                                </p:cTn>
-                              </p:par>
-                            </p:childTnLst>
-                          </p:cTn>
-                        </p:par>
-                      </p:childTnLst>
-                    </p:cTn>
-                  </p:par>
-                  <p:par>
-                    <p:cTn id="13" fill="hold">
-                      <p:stCondLst>
-                        <p:cond delay="indefinite"/>
-                      </p:stCondLst>
-                      <p:childTnLst>
-                        <p:par>
-                          <p:cTn id="14" fill="hold">
-                            <p:stCondLst>
-                              <p:cond delay="0"/>
-                            </p:stCondLst>
-                            <p:childTnLst>
-                              <p:par>
-                                <p:cTn id="15" presetID="10" presetClass="entr" presetSubtype="0" fill="hold" grpId="0" nodeType="clickEffect">
-                                  <p:stCondLst>
-                                    <p:cond delay="0"/>
-                                  </p:stCondLst>
-                                  <p:childTnLst>
-                                    <p:set>
-                                      <p:cBhvr>
-                                        <p:cTn id="16" dur="1" fill="hold">
-                                          <p:stCondLst>
-                                            <p:cond delay="0"/>
-                                          </p:stCondLst>
-                                        </p:cTn>
-                                        <p:tgtEl>
-                                          <p:spTgt spid="3">
-                                            <p:txEl>
-                                              <p:pRg st="2" end="2"/>
-                                            </p:txEl>
-                                          </p:spTgt>
-                                        </p:tgtEl>
-                                        <p:attrNameLst>
-                                          <p:attrName>style.visibility</p:attrName>
-                                        </p:attrNameLst>
-                                      </p:cBhvr>
-                                      <p:to>
-                                        <p:strVal val="visible"/>
-                                      </p:to>
-                                    </p:set>
-                                    <p:animEffect transition="in" filter="fade">
-                                      <p:cBhvr>
-                                        <p:cTn id="17" dur="500"/>
-                                        <p:tgtEl>
-                                          <p:spTgt spid="3">
-                                            <p:txEl>
-                                              <p:pRg st="2" end="2"/>
-                                            </p:txEl>
-                                          </p:spTgt>
-                                        </p:tgtEl>
-                                      </p:cBhvr>
-                                    </p:animEffect>
-                                  </p:childTnLst>
-                                </p:cTn>
-                              </p:par>
-                              <p:par>
-                                <p:cTn id="18" presetID="10" presetClass="entr" presetSubtype="0" fill="hold" grpId="0" nodeType="withEffect">
-                                  <p:stCondLst>
-                                    <p:cond delay="0"/>
-                                  </p:stCondLst>
-                                  <p:childTnLst>
-                                    <p:set>
-                                      <p:cBhvr>
-                                        <p:cTn id="19" dur="1" fill="hold">
-                                          <p:stCondLst>
-                                            <p:cond delay="0"/>
-                                          </p:stCondLst>
-                                        </p:cTn>
-                                        <p:tgtEl>
-                                          <p:spTgt spid="3">
-                                            <p:txEl>
-                                              <p:pRg st="3" end="3"/>
-                                            </p:txEl>
-                                          </p:spTgt>
-                                        </p:tgtEl>
-                                        <p:attrNameLst>
-                                          <p:attrName>style.visibility</p:attrName>
-                                        </p:attrNameLst>
-                                      </p:cBhvr>
-                                      <p:to>
-                                        <p:strVal val="visible"/>
-                                      </p:to>
-                                    </p:set>
-                                    <p:animEffect transition="in" filter="fade">
-                                      <p:cBhvr>
-                                        <p:cTn id="20" dur="500"/>
-                                        <p:tgtEl>
-                                          <p:spTgt spid="3">
-                                            <p:txEl>
-                                              <p:pRg st="3" end="3"/>
-                                            </p:txEl>
-                                          </p:spTgt>
-                                        </p:tgtEl>
-                                      </p:cBhvr>
-                                    </p:animEffect>
-                                  </p:childTnLst>
-                                </p:cTn>
-                              </p:par>
-                              <p:par>
-                                <p:cTn id="21" presetID="10" presetClass="entr" presetSubtype="0" fill="hold" grpId="0" nodeType="withEffect">
-                                  <p:stCondLst>
-                                    <p:cond delay="0"/>
-                                  </p:stCondLst>
-                                  <p:childTnLst>
-                                    <p:set>
-                                      <p:cBhvr>
-                                        <p:cTn id="22" dur="1" fill="hold">
-                                          <p:stCondLst>
-                                            <p:cond delay="0"/>
-                                          </p:stCondLst>
-                                        </p:cTn>
-                                        <p:tgtEl>
-                                          <p:spTgt spid="3">
-                                            <p:txEl>
-                                              <p:pRg st="4" end="4"/>
-                                            </p:txEl>
-                                          </p:spTgt>
-                                        </p:tgtEl>
-                                        <p:attrNameLst>
-                                          <p:attrName>style.visibility</p:attrName>
-                                        </p:attrNameLst>
-                                      </p:cBhvr>
-                                      <p:to>
-                                        <p:strVal val="visible"/>
-                                      </p:to>
-                                    </p:set>
-                                    <p:animEffect transition="in" filter="fade">
-                                      <p:cBhvr>
-                                        <p:cTn id="23" dur="500"/>
-                                        <p:tgtEl>
-                                          <p:spTgt spid="3">
-                                            <p:txEl>
-                                              <p:pRg st="4" end="4"/>
-                                            </p:txEl>
-                                          </p:spTgt>
-                                        </p:tgtEl>
-                                      </p:cBhvr>
-                                    </p:animEffect>
-                                  </p:childTnLst>
-                                </p:cTn>
-                              </p:par>
-                            </p:childTnLst>
-                          </p:cTn>
-                        </p:par>
-                      </p:childTnLst>
-                    </p:cTn>
-                  </p:par>
-                </p:childTnLst>
-              </p:cTn>
-              <p:prevCondLst>
-                <p:cond evt="onPrev" delay="0">
-                  <p:tgtEl>
-                    <p:sldTgt/>
-                  </p:tgtEl>
-                </p:cond>
-              </p:prevCondLst>
-              <p:nextCondLst>
-                <p:cond evt="onNext" delay="0">
-                  <p:tgtEl>
-                    <p:sldTgt/>
-                  </p:tgtEl>
-                </p:cond>
-              </p:nextCondLst>
-            </p:seq>
-          </p:childTnLst>
-        </p:cTn>
-      </p:par>
-    </p:tnLst>
-    <p:bldLst>
-      <p:bldP spid="3" grpId="0" build="p" bldLvl="2"/>
-    </p:bldLst>
-  </p:timing>
-</p:sld>
-</file>
-
-<file path=ppt/slides/slide2.xml><?xml version="1.0" encoding="utf-8"?>
-<p:sld xmlns:a="http://schemas.openxmlformats.org/drawingml/2006/main" xmlns:r="http://schemas.openxmlformats.org/officeDocument/2006/relationships" xmlns:p="http://schemas.openxmlformats.org/presentationml/2006/main">
-  <p:cSld>
-    <p:spTree>
-      <p:nvGrpSpPr>
-        <p:cNvPr id="1" name=""/>
-        <p:cNvGrpSpPr/>
-        <p:nvPr/>
-      </p:nvGrpSpPr>
-      <p:grpSpPr>
-        <a:xfrm>
-          <a:off x="0" y="0"/>
-          <a:ext cx="0" cy="0"/>
-          <a:chOff x="0" y="0"/>
-          <a:chExt cx="0" cy="0"/>
-        </a:xfrm>
-      </p:grpSpPr>
-      <p:sp>
-        <p:nvSpPr>
-          <p:cNvPr id="4" name="Заголовок 3"/>
-          <p:cNvSpPr>
-            <a:spLocks noGrp="1"/>
-          </p:cNvSpPr>
-          <p:nvPr>
-            <p:ph type="title"/>
-          </p:nvPr>
-        </p:nvSpPr>
-        <p:spPr/>
-        <p:txBody>
-          <a:bodyPr>
-            <a:normAutofit/>
-          </a:bodyPr>
-          <a:lstStyle/>
-          <a:p>
-            <a:r>
-              <a:rPr lang="ru-RU" dirty="0"/>
-              <a:t>Паттерн «Прототип»</a:t>
-            </a:r>
-          </a:p>
-        </p:txBody>
-      </p:sp>
-      <p:sp>
-        <p:nvSpPr>
-          <p:cNvPr id="5" name="Содержимое 4"/>
-          <p:cNvSpPr>
-            <a:spLocks noGrp="1"/>
-          </p:cNvSpPr>
-          <p:nvPr>
-            <p:ph idx="1"/>
-          </p:nvPr>
-        </p:nvSpPr>
-        <p:spPr/>
-        <p:txBody>
-          <a:bodyPr>
-            <a:normAutofit/>
-          </a:bodyPr>
-          <a:lstStyle/>
-          <a:p>
-            <a:r>
-              <a:rPr lang="ru-RU" dirty="0"/>
-              <a:t>Позволяет создавать новые экземпляры посредством копирования существующих экземпляров</a:t>
-            </a:r>
-          </a:p>
-          <a:p>
-            <a:pPr lvl="1"/>
-            <a:r>
-              <a:rPr lang="ru-RU" dirty="0"/>
-              <a:t>Клиентский код может создавать новые экземпляры, не зная, экземпляр какого конкретного типа создается</a:t>
-            </a:r>
-          </a:p>
-          <a:p>
-            <a:r>
-              <a:rPr lang="ru-RU" dirty="0"/>
-              <a:t>Скрывает от клиента конкретные классы продуктов, уменьшая количество известных клиенту имен</a:t>
-            </a:r>
-          </a:p>
-        </p:txBody>
-      </p:sp>
-    </p:spTree>
-    <p:extLst>
-      <p:ext uri="{BB962C8B-B14F-4D97-AF65-F5344CB8AC3E}">
-        <p14:creationId xmlns:p14="http://schemas.microsoft.com/office/powerpoint/2010/main" val="876963863"/>
-      </p:ext>
-    </p:extLst>
-  </p:cSld>
-  <p:clrMapOvr>
-    <a:masterClrMapping/>
-  </p:clrMapOvr>
-  <p:timing>
-    <p:tnLst>
-      <p:par>
-        <p:cTn id="1" dur="indefinite" restart="never" nodeType="tmRoot">
-          <p:childTnLst>
-            <p:seq concurrent="1" nextAc="seek">
-              <p:cTn id="2" dur="indefinite" nodeType="mainSeq">
-                <p:childTnLst>
-                  <p:par>
-                    <p:cTn id="3" fill="hold">
-                      <p:stCondLst>
-                        <p:cond delay="indefinite"/>
-                      </p:stCondLst>
-                      <p:childTnLst>
-                        <p:par>
-                          <p:cTn id="4" fill="hold">
-                            <p:stCondLst>
-                              <p:cond delay="0"/>
-                            </p:stCondLst>
-                            <p:childTnLst>
-                              <p:par>
-                                <p:cTn id="5" presetID="10" presetClass="entr" presetSubtype="0" fill="hold" grpId="0" nodeType="clickEffect">
-                                  <p:stCondLst>
-                                    <p:cond delay="0"/>
-                                  </p:stCondLst>
-                                  <p:childTnLst>
-                                    <p:set>
-                                      <p:cBhvr>
-                                        <p:cTn id="6" dur="1" fill="hold">
-                                          <p:stCondLst>
-                                            <p:cond delay="0"/>
-                                          </p:stCondLst>
-                                        </p:cTn>
-                                        <p:tgtEl>
-                                          <p:spTgt spid="5">
-                                            <p:txEl>
-                                              <p:pRg st="0" end="0"/>
-                                            </p:txEl>
-                                          </p:spTgt>
-                                        </p:tgtEl>
-                                        <p:attrNameLst>
-                                          <p:attrName>style.visibility</p:attrName>
-                                        </p:attrNameLst>
-                                      </p:cBhvr>
-                                      <p:to>
-                                        <p:strVal val="visible"/>
-                                      </p:to>
-                                    </p:set>
-                                    <p:animEffect transition="in" filter="fade">
-                                      <p:cBhvr>
-                                        <p:cTn id="7" dur="500"/>
-                                        <p:tgtEl>
-                                          <p:spTgt spid="5">
-                                            <p:txEl>
-                                              <p:pRg st="0" end="0"/>
-                                            </p:txEl>
-                                          </p:spTgt>
-                                        </p:tgtEl>
-                                      </p:cBhvr>
-                                    </p:animEffect>
-                                  </p:childTnLst>
-                                </p:cTn>
-                              </p:par>
-                              <p:par>
-                                <p:cTn id="8" presetID="10" presetClass="entr" presetSubtype="0" fill="hold" grpId="0" nodeType="withEffect">
-                                  <p:stCondLst>
-                                    <p:cond delay="0"/>
-                                  </p:stCondLst>
-                                  <p:childTnLst>
-                                    <p:set>
-                                      <p:cBhvr>
-                                        <p:cTn id="9" dur="1" fill="hold">
-                                          <p:stCondLst>
-                                            <p:cond delay="0"/>
-                                          </p:stCondLst>
-                                        </p:cTn>
-                                        <p:tgtEl>
-                                          <p:spTgt spid="5">
-                                            <p:txEl>
-                                              <p:pRg st="1" end="1"/>
-                                            </p:txEl>
-                                          </p:spTgt>
-                                        </p:tgtEl>
-                                        <p:attrNameLst>
-                                          <p:attrName>style.visibility</p:attrName>
-                                        </p:attrNameLst>
-                                      </p:cBhvr>
-                                      <p:to>
-                                        <p:strVal val="visible"/>
-                                      </p:to>
-                                    </p:set>
-                                    <p:animEffect transition="in" filter="fade">
-                                      <p:cBhvr>
-                                        <p:cTn id="10" dur="500"/>
-                                        <p:tgtEl>
-                                          <p:spTgt spid="5">
-                                            <p:txEl>
-                                              <p:pRg st="1" end="1"/>
-                                            </p:txEl>
-                                          </p:spTgt>
-                                        </p:tgtEl>
-                                      </p:cBhvr>
-                                    </p:animEffect>
-                                  </p:childTnLst>
-                                </p:cTn>
-                              </p:par>
-                            </p:childTnLst>
-                          </p:cTn>
-                        </p:par>
-                      </p:childTnLst>
-                    </p:cTn>
-                  </p:par>
-                  <p:par>
-                    <p:cTn id="11" fill="hold">
-                      <p:stCondLst>
-                        <p:cond delay="indefinite"/>
-                      </p:stCondLst>
-                      <p:childTnLst>
-                        <p:par>
-                          <p:cTn id="12" fill="hold">
-                            <p:stCondLst>
-                              <p:cond delay="0"/>
-                            </p:stCondLst>
-                            <p:childTnLst>
-                              <p:par>
-                                <p:cTn id="13" presetID="10" presetClass="entr" presetSubtype="0" fill="hold" grpId="0" nodeType="clickEffect">
-                                  <p:stCondLst>
-                                    <p:cond delay="0"/>
-                                  </p:stCondLst>
-                                  <p:childTnLst>
-                                    <p:set>
-                                      <p:cBhvr>
-                                        <p:cTn id="14" dur="1" fill="hold">
-                                          <p:stCondLst>
-                                            <p:cond delay="0"/>
-                                          </p:stCondLst>
-                                        </p:cTn>
-                                        <p:tgtEl>
-                                          <p:spTgt spid="5">
-                                            <p:txEl>
-                                              <p:pRg st="2" end="2"/>
-                                            </p:txEl>
-                                          </p:spTgt>
-                                        </p:tgtEl>
-                                        <p:attrNameLst>
-                                          <p:attrName>style.visibility</p:attrName>
-                                        </p:attrNameLst>
-                                      </p:cBhvr>
-                                      <p:to>
-                                        <p:strVal val="visible"/>
-                                      </p:to>
-                                    </p:set>
-                                    <p:animEffect transition="in" filter="fade">
-                                      <p:cBhvr>
-                                        <p:cTn id="15" dur="500"/>
-                                        <p:tgtEl>
-                                          <p:spTgt spid="5">
-                                            <p:txEl>
-                                              <p:pRg st="2" end="2"/>
-                                            </p:txEl>
-                                          </p:spTgt>
-                                        </p:tgtEl>
-                                      </p:cBhvr>
-                                    </p:animEffect>
-                                  </p:childTnLst>
-                                </p:cTn>
-                              </p:par>
-                            </p:childTnLst>
-                          </p:cTn>
-                        </p:par>
-                      </p:childTnLst>
-                    </p:cTn>
-                  </p:par>
-                </p:childTnLst>
-              </p:cTn>
-              <p:prevCondLst>
-                <p:cond evt="onPrev" delay="0">
-                  <p:tgtEl>
-                    <p:sldTgt/>
-                  </p:tgtEl>
-                </p:cond>
-              </p:prevCondLst>
-              <p:nextCondLst>
-                <p:cond evt="onNext" delay="0">
-                  <p:tgtEl>
-                    <p:sldTgt/>
-                  </p:tgtEl>
-                </p:cond>
-              </p:nextCondLst>
-            </p:seq>
-          </p:childTnLst>
-        </p:cTn>
-      </p:par>
-    </p:tnLst>
-    <p:bldLst>
-      <p:bldP spid="5" grpId="0" build="p"/>
-    </p:bldLst>
-  </p:timing>
-</p:sld>
-</file>
-
-<file path=ppt/slides/slide3.xml><?xml version="1.0" encoding="utf-8"?>
-<p:sld xmlns:a="http://schemas.openxmlformats.org/drawingml/2006/main" xmlns:r="http://schemas.openxmlformats.org/officeDocument/2006/relationships" xmlns:p="http://schemas.openxmlformats.org/presentationml/2006/main">
-  <p:cSld>
-    <p:spTree>
-      <p:nvGrpSpPr>
-        <p:cNvPr id="1" name=""/>
-        <p:cNvGrpSpPr/>
-        <p:nvPr/>
-      </p:nvGrpSpPr>
-      <p:grpSpPr>
-        <a:xfrm>
-          <a:off x="0" y="0"/>
-          <a:ext cx="0" cy="0"/>
-          <a:chOff x="0" y="0"/>
-          <a:chExt cx="0" cy="0"/>
-        </a:xfrm>
-      </p:grpSpPr>
-      <p:sp>
-        <p:nvSpPr>
-          <p:cNvPr id="4" name="Заголовок 3"/>
-          <p:cNvSpPr>
-            <a:spLocks noGrp="1"/>
-          </p:cNvSpPr>
-          <p:nvPr>
-            <p:ph type="title"/>
-          </p:nvPr>
-        </p:nvSpPr>
-        <p:spPr/>
-        <p:txBody>
-          <a:bodyPr/>
-          <a:lstStyle/>
-          <a:p>
-            <a:r>
-              <a:rPr lang="ru-RU" dirty="0"/>
-              <a:t>Структура паттерна «Прототип»</a:t>
-            </a:r>
-          </a:p>
-        </p:txBody>
-      </p:sp>
-      <p:pic>
-        <p:nvPicPr>
-          <p:cNvPr id="5" name="Рисунок 4"/>
-          <p:cNvPicPr>
-            <a:picLocks noChangeAspect="1"/>
-          </p:cNvPicPr>
-          <p:nvPr/>
-        </p:nvPicPr>
-        <p:blipFill>
-          <a:blip r:embed="rId2"/>
-          <a:stretch>
-            <a:fillRect/>
-          </a:stretch>
-        </p:blipFill>
-        <p:spPr>
-          <a:xfrm>
-            <a:off x="1636402" y="2636912"/>
-            <a:ext cx="5871196" cy="3029918"/>
-          </a:xfrm>
-          <a:prstGeom prst="rect">
-            <a:avLst/>
-          </a:prstGeom>
-        </p:spPr>
-      </p:pic>
-      <p:grpSp>
-        <p:nvGrpSpPr>
-          <p:cNvPr id="12" name="Группа 11"/>
-          <p:cNvGrpSpPr/>
-          <p:nvPr/>
-        </p:nvGrpSpPr>
-        <p:grpSpPr>
-          <a:xfrm>
-            <a:off x="1187624" y="1679881"/>
-            <a:ext cx="2376264" cy="1248046"/>
-            <a:chOff x="1187624" y="1679881"/>
-            <a:chExt cx="2376264" cy="1248046"/>
-          </a:xfrm>
-        </p:grpSpPr>
-        <p:sp>
-          <p:nvSpPr>
-            <p:cNvPr id="6" name="TextBox 5"/>
-            <p:cNvSpPr txBox="1"/>
-            <p:nvPr/>
-          </p:nvSpPr>
-          <p:spPr>
-            <a:xfrm>
-              <a:off x="1187624" y="1679881"/>
-              <a:ext cx="2376264" cy="738664"/>
-            </a:xfrm>
-            <a:prstGeom prst="rect">
-              <a:avLst/>
-            </a:prstGeom>
-            <a:noFill/>
-          </p:spPr>
-          <p:txBody>
-            <a:bodyPr wrap="square" rtlCol="0">
-              <a:spAutoFit/>
-            </a:bodyPr>
-            <a:lstStyle/>
-            <a:p>
-              <a:r>
-                <a:rPr lang="ru-RU" sz="1400" dirty="0"/>
-                <a:t>Создает новый объект, обращаясь к прототипу с запросом клонировать себя</a:t>
-              </a:r>
-            </a:p>
-          </p:txBody>
-        </p:sp>
-        <p:sp>
-          <p:nvSpPr>
-            <p:cNvPr id="9" name="Полилиния 8"/>
-            <p:cNvSpPr/>
-            <p:nvPr/>
-          </p:nvSpPr>
-          <p:spPr>
-            <a:xfrm>
-              <a:off x="1205482" y="2429164"/>
-              <a:ext cx="410882" cy="498763"/>
-            </a:xfrm>
-            <a:custGeom>
-              <a:avLst/>
-              <a:gdLst>
-                <a:gd name="connsiteX0" fmla="*/ 300045 w 410882"/>
-                <a:gd name="connsiteY0" fmla="*/ 0 h 498763"/>
-                <a:gd name="connsiteX1" fmla="*/ 22954 w 410882"/>
-                <a:gd name="connsiteY1" fmla="*/ 166254 h 498763"/>
-                <a:gd name="connsiteX2" fmla="*/ 59900 w 410882"/>
-                <a:gd name="connsiteY2" fmla="*/ 387927 h 498763"/>
-                <a:gd name="connsiteX3" fmla="*/ 410882 w 410882"/>
-                <a:gd name="connsiteY3" fmla="*/ 498763 h 498763"/>
-              </a:gdLst>
-              <a:ahLst/>
-              <a:cxnLst>
-                <a:cxn ang="0">
-                  <a:pos x="connsiteX0" y="connsiteY0"/>
-                </a:cxn>
-                <a:cxn ang="0">
-                  <a:pos x="connsiteX1" y="connsiteY1"/>
-                </a:cxn>
-                <a:cxn ang="0">
-                  <a:pos x="connsiteX2" y="connsiteY2"/>
-                </a:cxn>
-                <a:cxn ang="0">
-                  <a:pos x="connsiteX3" y="connsiteY3"/>
-                </a:cxn>
-              </a:cxnLst>
-              <a:rect l="l" t="t" r="r" b="b"/>
-              <a:pathLst>
-                <a:path w="410882" h="498763">
-                  <a:moveTo>
-                    <a:pt x="300045" y="0"/>
-                  </a:moveTo>
-                  <a:cubicBezTo>
-                    <a:pt x="181511" y="50800"/>
-                    <a:pt x="62978" y="101600"/>
-                    <a:pt x="22954" y="166254"/>
-                  </a:cubicBezTo>
-                  <a:cubicBezTo>
-                    <a:pt x="-17070" y="230909"/>
-                    <a:pt x="-4755" y="332509"/>
-                    <a:pt x="59900" y="387927"/>
-                  </a:cubicBezTo>
-                  <a:cubicBezTo>
-                    <a:pt x="124555" y="443345"/>
-                    <a:pt x="267718" y="471054"/>
-                    <a:pt x="410882" y="498763"/>
-                  </a:cubicBezTo>
-                </a:path>
-              </a:pathLst>
-            </a:custGeom>
-            <a:ln w="9525" cap="flat" cmpd="sng" algn="ctr">
-              <a:solidFill>
-                <a:schemeClr val="dk1"/>
-              </a:solidFill>
-              <a:prstDash val="solid"/>
-              <a:round/>
-              <a:headEnd type="none" w="med" len="med"/>
-              <a:tailEnd type="arrow" w="med" len="med"/>
-            </a:ln>
-          </p:spPr>
-          <p:style>
-            <a:lnRef idx="0">
-              <a:scrgbClr r="0" g="0" b="0"/>
-            </a:lnRef>
-            <a:fillRef idx="0">
-              <a:scrgbClr r="0" g="0" b="0"/>
-            </a:fillRef>
-            <a:effectRef idx="0">
-              <a:scrgbClr r="0" g="0" b="0"/>
-            </a:effectRef>
-            <a:fontRef idx="minor">
-              <a:schemeClr val="tx1"/>
-            </a:fontRef>
-          </p:style>
-          <p:txBody>
-            <a:bodyPr rtlCol="0" anchor="ctr"/>
-            <a:lstStyle/>
-            <a:p>
-              <a:pPr algn="ctr"/>
-              <a:endParaRPr lang="ru-RU"/>
-            </a:p>
-          </p:txBody>
-        </p:sp>
-      </p:grpSp>
-      <p:grpSp>
-        <p:nvGrpSpPr>
-          <p:cNvPr id="13" name="Группа 12"/>
-          <p:cNvGrpSpPr/>
-          <p:nvPr/>
-        </p:nvGrpSpPr>
-        <p:grpSpPr>
-          <a:xfrm>
-            <a:off x="5436096" y="1789065"/>
-            <a:ext cx="2376264" cy="1074208"/>
-            <a:chOff x="5436096" y="1789065"/>
-            <a:chExt cx="2376264" cy="1074208"/>
-          </a:xfrm>
-        </p:grpSpPr>
-        <p:sp>
-          <p:nvSpPr>
-            <p:cNvPr id="7" name="TextBox 6"/>
-            <p:cNvSpPr txBox="1"/>
-            <p:nvPr/>
-          </p:nvSpPr>
-          <p:spPr>
-            <a:xfrm>
-              <a:off x="5436096" y="1789065"/>
-              <a:ext cx="2376264" cy="523220"/>
-            </a:xfrm>
-            <a:prstGeom prst="rect">
-              <a:avLst/>
-            </a:prstGeom>
-            <a:noFill/>
-          </p:spPr>
-          <p:txBody>
-            <a:bodyPr wrap="square" rtlCol="0">
-              <a:spAutoFit/>
-            </a:bodyPr>
-            <a:lstStyle/>
-            <a:p>
-              <a:r>
-                <a:rPr lang="ru-RU" sz="1400" dirty="0"/>
-                <a:t>Объявляет интерфейс для клонирования самого себя</a:t>
-              </a:r>
-            </a:p>
-          </p:txBody>
-        </p:sp>
-        <p:sp>
-          <p:nvSpPr>
-            <p:cNvPr id="10" name="Полилиния 9"/>
-            <p:cNvSpPr/>
-            <p:nvPr/>
-          </p:nvSpPr>
-          <p:spPr>
-            <a:xfrm>
-              <a:off x="6086764" y="2336800"/>
-              <a:ext cx="296306" cy="526473"/>
-            </a:xfrm>
-            <a:custGeom>
-              <a:avLst/>
-              <a:gdLst>
-                <a:gd name="connsiteX0" fmla="*/ 203200 w 296306"/>
-                <a:gd name="connsiteY0" fmla="*/ 0 h 526473"/>
-                <a:gd name="connsiteX1" fmla="*/ 286327 w 296306"/>
-                <a:gd name="connsiteY1" fmla="*/ 240145 h 526473"/>
-                <a:gd name="connsiteX2" fmla="*/ 0 w 296306"/>
-                <a:gd name="connsiteY2" fmla="*/ 526473 h 526473"/>
-              </a:gdLst>
-              <a:ahLst/>
-              <a:cxnLst>
-                <a:cxn ang="0">
-                  <a:pos x="connsiteX0" y="connsiteY0"/>
-                </a:cxn>
-                <a:cxn ang="0">
-                  <a:pos x="connsiteX1" y="connsiteY1"/>
-                </a:cxn>
-                <a:cxn ang="0">
-                  <a:pos x="connsiteX2" y="connsiteY2"/>
-                </a:cxn>
-              </a:cxnLst>
-              <a:rect l="l" t="t" r="r" b="b"/>
-              <a:pathLst>
-                <a:path w="296306" h="526473">
-                  <a:moveTo>
-                    <a:pt x="203200" y="0"/>
-                  </a:moveTo>
-                  <a:cubicBezTo>
-                    <a:pt x="261697" y="76200"/>
-                    <a:pt x="320194" y="152400"/>
-                    <a:pt x="286327" y="240145"/>
-                  </a:cubicBezTo>
-                  <a:cubicBezTo>
-                    <a:pt x="252460" y="327890"/>
-                    <a:pt x="126230" y="427181"/>
-                    <a:pt x="0" y="526473"/>
-                  </a:cubicBezTo>
-                </a:path>
-              </a:pathLst>
-            </a:custGeom>
-            <a:ln w="9525" cap="flat" cmpd="sng" algn="ctr">
-              <a:solidFill>
-                <a:schemeClr val="dk1"/>
-              </a:solidFill>
-              <a:prstDash val="solid"/>
-              <a:round/>
-              <a:headEnd type="none" w="med" len="med"/>
-              <a:tailEnd type="arrow" w="med" len="med"/>
-            </a:ln>
-          </p:spPr>
-          <p:style>
-            <a:lnRef idx="0">
-              <a:scrgbClr r="0" g="0" b="0"/>
-            </a:lnRef>
-            <a:fillRef idx="0">
-              <a:scrgbClr r="0" g="0" b="0"/>
-            </a:fillRef>
-            <a:effectRef idx="0">
-              <a:scrgbClr r="0" g="0" b="0"/>
-            </a:effectRef>
-            <a:fontRef idx="minor">
-              <a:schemeClr val="tx1"/>
-            </a:fontRef>
-          </p:style>
-          <p:txBody>
-            <a:bodyPr rtlCol="0" anchor="ctr"/>
-            <a:lstStyle/>
-            <a:p>
-              <a:pPr algn="ctr"/>
-              <a:endParaRPr lang="ru-RU"/>
-            </a:p>
-          </p:txBody>
-        </p:sp>
-      </p:grpSp>
-      <p:grpSp>
-        <p:nvGrpSpPr>
-          <p:cNvPr id="14" name="Группа 13"/>
-          <p:cNvGrpSpPr/>
-          <p:nvPr/>
-        </p:nvGrpSpPr>
-        <p:grpSpPr>
-          <a:xfrm>
-            <a:off x="6301757" y="3429000"/>
-            <a:ext cx="2376264" cy="1032164"/>
-            <a:chOff x="6301757" y="3429000"/>
-            <a:chExt cx="2376264" cy="1032164"/>
-          </a:xfrm>
-        </p:grpSpPr>
-        <p:sp>
-          <p:nvSpPr>
-            <p:cNvPr id="8" name="TextBox 7"/>
-            <p:cNvSpPr txBox="1"/>
-            <p:nvPr/>
-          </p:nvSpPr>
-          <p:spPr>
-            <a:xfrm>
-              <a:off x="6301757" y="3429000"/>
-              <a:ext cx="2376264" cy="523220"/>
-            </a:xfrm>
-            <a:prstGeom prst="rect">
-              <a:avLst/>
-            </a:prstGeom>
-            <a:noFill/>
-          </p:spPr>
-          <p:txBody>
-            <a:bodyPr wrap="square" rtlCol="0">
-              <a:spAutoFit/>
-            </a:bodyPr>
-            <a:lstStyle/>
-            <a:p>
-              <a:r>
-                <a:rPr lang="ru-RU" sz="1400" dirty="0"/>
-                <a:t>Реализует операцию клонирования самого себя</a:t>
-              </a:r>
-            </a:p>
-          </p:txBody>
-        </p:sp>
-        <p:sp>
-          <p:nvSpPr>
-            <p:cNvPr id="11" name="Полилиния 10"/>
-            <p:cNvSpPr/>
-            <p:nvPr/>
-          </p:nvSpPr>
-          <p:spPr>
-            <a:xfrm>
-              <a:off x="7112000" y="3980873"/>
-              <a:ext cx="637309" cy="480291"/>
-            </a:xfrm>
-            <a:custGeom>
-              <a:avLst/>
-              <a:gdLst>
-                <a:gd name="connsiteX0" fmla="*/ 637309 w 637309"/>
-                <a:gd name="connsiteY0" fmla="*/ 0 h 480291"/>
-                <a:gd name="connsiteX1" fmla="*/ 304800 w 637309"/>
-                <a:gd name="connsiteY1" fmla="*/ 323272 h 480291"/>
-                <a:gd name="connsiteX2" fmla="*/ 0 w 637309"/>
-                <a:gd name="connsiteY2" fmla="*/ 480291 h 480291"/>
-              </a:gdLst>
-              <a:ahLst/>
-              <a:cxnLst>
-                <a:cxn ang="0">
-                  <a:pos x="connsiteX0" y="connsiteY0"/>
-                </a:cxn>
-                <a:cxn ang="0">
-                  <a:pos x="connsiteX1" y="connsiteY1"/>
-                </a:cxn>
-                <a:cxn ang="0">
-                  <a:pos x="connsiteX2" y="connsiteY2"/>
-                </a:cxn>
-              </a:cxnLst>
-              <a:rect l="l" t="t" r="r" b="b"/>
-              <a:pathLst>
-                <a:path w="637309" h="480291">
-                  <a:moveTo>
-                    <a:pt x="637309" y="0"/>
-                  </a:moveTo>
-                  <a:cubicBezTo>
-                    <a:pt x="524163" y="121612"/>
-                    <a:pt x="411018" y="243224"/>
-                    <a:pt x="304800" y="323272"/>
-                  </a:cubicBezTo>
-                  <a:cubicBezTo>
-                    <a:pt x="198582" y="403320"/>
-                    <a:pt x="99291" y="441805"/>
-                    <a:pt x="0" y="480291"/>
-                  </a:cubicBezTo>
-                </a:path>
-              </a:pathLst>
-            </a:custGeom>
-            <a:ln w="9525" cap="flat" cmpd="sng" algn="ctr">
-              <a:solidFill>
-                <a:schemeClr val="dk1"/>
-              </a:solidFill>
-              <a:prstDash val="solid"/>
-              <a:round/>
-              <a:headEnd type="none" w="med" len="med"/>
-              <a:tailEnd type="arrow" w="med" len="med"/>
-            </a:ln>
-          </p:spPr>
-          <p:style>
-            <a:lnRef idx="0">
-              <a:scrgbClr r="0" g="0" b="0"/>
-            </a:lnRef>
-            <a:fillRef idx="0">
-              <a:scrgbClr r="0" g="0" b="0"/>
-            </a:fillRef>
-            <a:effectRef idx="0">
-              <a:scrgbClr r="0" g="0" b="0"/>
-            </a:effectRef>
-            <a:fontRef idx="minor">
-              <a:schemeClr val="tx1"/>
-            </a:fontRef>
-          </p:style>
-          <p:txBody>
-            <a:bodyPr rtlCol="0" anchor="ctr"/>
-            <a:lstStyle/>
-            <a:p>
-              <a:pPr algn="ctr"/>
-              <a:endParaRPr lang="ru-RU"/>
-            </a:p>
-          </p:txBody>
-        </p:sp>
-      </p:grpSp>
-    </p:spTree>
-    <p:extLst>
-      <p:ext uri="{BB962C8B-B14F-4D97-AF65-F5344CB8AC3E}">
-        <p14:creationId xmlns:p14="http://schemas.microsoft.com/office/powerpoint/2010/main" val="3437766202"/>
-      </p:ext>
-    </p:extLst>
-  </p:cSld>
-  <p:clrMapOvr>
-    <a:masterClrMapping/>
-  </p:clrMapOvr>
-  <p:timing>
-    <p:tnLst>
-      <p:par>
-        <p:cTn id="1" dur="indefinite" restart="never" nodeType="tmRoot">
-          <p:childTnLst>
-            <p:seq concurrent="1" nextAc="seek">
-              <p:cTn id="2" dur="indefinite" nodeType="mainSeq">
-                <p:childTnLst>
-                  <p:par>
-                    <p:cTn id="3" fill="hold">
-                      <p:stCondLst>
-                        <p:cond delay="indefinite"/>
-                      </p:stCondLst>
-                      <p:childTnLst>
-                        <p:par>
-                          <p:cTn id="4" fill="hold">
-                            <p:stCondLst>
-                              <p:cond delay="0"/>
-                            </p:stCondLst>
-                            <p:childTnLst>
-                              <p:par>
-                                <p:cTn id="5" presetID="10" presetClass="entr" presetSubtype="0" fill="hold" nodeType="clickEffect">
-                                  <p:stCondLst>
-                                    <p:cond delay="0"/>
-                                  </p:stCondLst>
-                                  <p:childTnLst>
-                                    <p:set>
-                                      <p:cBhvr>
-                                        <p:cTn id="6" dur="1" fill="hold">
-                                          <p:stCondLst>
-                                            <p:cond delay="0"/>
-                                          </p:stCondLst>
-                                        </p:cTn>
-                                        <p:tgtEl>
-                                          <p:spTgt spid="12"/>
-                                        </p:tgtEl>
-                                        <p:attrNameLst>
-                                          <p:attrName>style.visibility</p:attrName>
-                                        </p:attrNameLst>
-                                      </p:cBhvr>
-                                      <p:to>
-                                        <p:strVal val="visible"/>
-                                      </p:to>
-                                    </p:set>
-                                    <p:animEffect transition="in" filter="fade">
-                                      <p:cBhvr>
-                                        <p:cTn id="7" dur="500"/>
-                                        <p:tgtEl>
-                                          <p:spTgt spid="12"/>
-                                        </p:tgtEl>
-                                      </p:cBhvr>
-                                    </p:animEffect>
-                                  </p:childTnLst>
-                                </p:cTn>
-                              </p:par>
-                            </p:childTnLst>
-                          </p:cTn>
-                        </p:par>
-                      </p:childTnLst>
-                    </p:cTn>
-                  </p:par>
-                  <p:par>
-                    <p:cTn id="8" fill="hold">
-                      <p:stCondLst>
-                        <p:cond delay="indefinite"/>
-                      </p:stCondLst>
-                      <p:childTnLst>
-                        <p:par>
-                          <p:cTn id="9" fill="hold">
-                            <p:stCondLst>
-                              <p:cond delay="0"/>
-                            </p:stCondLst>
-                            <p:childTnLst>
-                              <p:par>
-                                <p:cTn id="10" presetID="10" presetClass="entr" presetSubtype="0" fill="hold" nodeType="clickEffect">
-                                  <p:stCondLst>
-                                    <p:cond delay="0"/>
-                                  </p:stCondLst>
-                                  <p:childTnLst>
-                                    <p:set>
-                                      <p:cBhvr>
-                                        <p:cTn id="11" dur="1" fill="hold">
-                                          <p:stCondLst>
-                                            <p:cond delay="0"/>
-                                          </p:stCondLst>
-                                        </p:cTn>
-                                        <p:tgtEl>
-                                          <p:spTgt spid="14"/>
-                                        </p:tgtEl>
-                                        <p:attrNameLst>
-                                          <p:attrName>style.visibility</p:attrName>
-                                        </p:attrNameLst>
-                                      </p:cBhvr>
-                                      <p:to>
-                                        <p:strVal val="visible"/>
-                                      </p:to>
-                                    </p:set>
-                                    <p:animEffect transition="in" filter="fade">
-                                      <p:cBhvr>
-                                        <p:cTn id="12" dur="500"/>
-                                        <p:tgtEl>
-                                          <p:spTgt spid="14"/>
-                                        </p:tgtEl>
-                                      </p:cBhvr>
-                                    </p:animEffect>
-                                  </p:childTnLst>
-                                </p:cTn>
-                              </p:par>
-                            </p:childTnLst>
-                          </p:cTn>
-                        </p:par>
-                      </p:childTnLst>
-                    </p:cTn>
-                  </p:par>
-                </p:childTnLst>
-              </p:cTn>
-              <p:prevCondLst>
-                <p:cond evt="onPrev" delay="0">
-                  <p:tgtEl>
-                    <p:sldTgt/>
-                  </p:tgtEl>
-                </p:cond>
-              </p:prevCondLst>
-              <p:nextCondLst>
-                <p:cond evt="onNext" delay="0">
-                  <p:tgtEl>
-                    <p:sldTgt/>
-                  </p:tgtEl>
-                </p:cond>
-              </p:nextCondLst>
-            </p:seq>
-          </p:childTnLst>
-        </p:cTn>
-      </p:par>
-    </p:tnLst>
-  </p:timing>
-</p:sld>
-</file>
-
-<file path=ppt/slides/slide4.xml><?xml version="1.0" encoding="utf-8"?>
-<p:sld xmlns:a="http://schemas.openxmlformats.org/drawingml/2006/main" xmlns:r="http://schemas.openxmlformats.org/officeDocument/2006/relationships" xmlns:p="http://schemas.openxmlformats.org/presentationml/2006/main">
-  <p:cSld>
-    <p:spTree>
-      <p:nvGrpSpPr>
-        <p:cNvPr id="1" name=""/>
-        <p:cNvGrpSpPr/>
-        <p:nvPr/>
-      </p:nvGrpSpPr>
-      <p:grpSpPr>
-        <a:xfrm>
-          <a:off x="0" y="0"/>
-          <a:ext cx="0" cy="0"/>
-          <a:chOff x="0" y="0"/>
-          <a:chExt cx="0" cy="0"/>
-        </a:xfrm>
-      </p:grpSpPr>
-      <p:sp>
-        <p:nvSpPr>
-          <p:cNvPr id="2" name="Заголовок 1"/>
-          <p:cNvSpPr>
-            <a:spLocks noGrp="1"/>
-          </p:cNvSpPr>
-          <p:nvPr>
-            <p:ph type="title"/>
-          </p:nvPr>
-        </p:nvSpPr>
-        <p:spPr/>
-        <p:txBody>
-          <a:bodyPr>
-            <a:normAutofit fontScale="90000"/>
-          </a:bodyPr>
-          <a:lstStyle/>
-          <a:p>
-            <a:r>
-              <a:rPr lang="ru-RU" dirty="0"/>
-              <a:t>Отношения между участниками паттерна</a:t>
-            </a:r>
-          </a:p>
-        </p:txBody>
-      </p:sp>
-      <p:sp>
-        <p:nvSpPr>
-          <p:cNvPr id="3" name="Содержимое 2"/>
-          <p:cNvSpPr>
-            <a:spLocks noGrp="1"/>
-          </p:cNvSpPr>
-          <p:nvPr>
-            <p:ph idx="1"/>
-          </p:nvPr>
-        </p:nvSpPr>
-        <p:spPr/>
-        <p:txBody>
-          <a:bodyPr/>
-          <a:lstStyle/>
-          <a:p>
-            <a:r>
-              <a:rPr lang="ru-RU" b="1" dirty="0"/>
-              <a:t>Клиент</a:t>
-            </a:r>
-            <a:r>
-              <a:rPr lang="ru-RU" dirty="0"/>
-              <a:t> обращается к </a:t>
-            </a:r>
-            <a:r>
-              <a:rPr lang="ru-RU" b="1" dirty="0"/>
-              <a:t>прототипу</a:t>
-            </a:r>
-            <a:r>
-              <a:rPr lang="ru-RU" dirty="0"/>
-              <a:t>, чтобы тот создал свою копию</a:t>
-            </a:r>
-          </a:p>
-        </p:txBody>
-      </p:sp>
-    </p:spTree>
-    <p:extLst>
-      <p:ext uri="{BB962C8B-B14F-4D97-AF65-F5344CB8AC3E}">
-        <p14:creationId xmlns:p14="http://schemas.microsoft.com/office/powerpoint/2010/main" val="1469231029"/>
-      </p:ext>
-    </p:extLst>
-  </p:cSld>
-  <p:clrMapOvr>
-    <a:masterClrMapping/>
-  </p:clrMapOvr>
-  <p:timing>
-    <p:tnLst>
-      <p:par>
-        <p:cTn id="1" dur="indefinite" restart="never" nodeType="tmRoot"/>
-      </p:par>
-    </p:tnLst>
-  </p:timing>
-</p:sld>
-</file>
-
-<file path=ppt/slides/slide5.xml><?xml version="1.0" encoding="utf-8"?>
-<p:sld xmlns:a="http://schemas.openxmlformats.org/drawingml/2006/main" xmlns:r="http://schemas.openxmlformats.org/officeDocument/2006/relationships" xmlns:p="http://schemas.openxmlformats.org/presentationml/2006/main">
-  <p:cSld>
-    <p:spTree>
-      <p:nvGrpSpPr>
-        <p:cNvPr id="1" name=""/>
-        <p:cNvGrpSpPr/>
-        <p:nvPr/>
-      </p:nvGrpSpPr>
-      <p:grpSpPr>
-        <a:xfrm>
-          <a:off x="0" y="0"/>
-          <a:ext cx="0" cy="0"/>
-          <a:chOff x="0" y="0"/>
-          <a:chExt cx="0" cy="0"/>
-        </a:xfrm>
-      </p:grpSpPr>
-      <p:sp>
-        <p:nvSpPr>
-          <p:cNvPr id="2" name="Заголовок 1"/>
-          <p:cNvSpPr>
-            <a:spLocks noGrp="1"/>
-          </p:cNvSpPr>
-          <p:nvPr>
-            <p:ph type="title"/>
-          </p:nvPr>
-        </p:nvSpPr>
-        <p:spPr/>
-        <p:txBody>
-          <a:bodyPr>
-            <a:normAutofit fontScale="90000"/>
-          </a:bodyPr>
-          <a:lstStyle/>
-          <a:p>
-            <a:r>
-              <a:rPr lang="ru-RU" dirty="0"/>
-              <a:t>Применимость паттерна «Прототип»</a:t>
-            </a:r>
-          </a:p>
-        </p:txBody>
-      </p:sp>
-      <p:sp>
-        <p:nvSpPr>
-          <p:cNvPr id="3" name="Содержимое 2"/>
-          <p:cNvSpPr>
-            <a:spLocks noGrp="1"/>
-          </p:cNvSpPr>
-          <p:nvPr>
-            <p:ph idx="1"/>
-          </p:nvPr>
-        </p:nvSpPr>
-        <p:spPr/>
-        <p:txBody>
-          <a:bodyPr>
-            <a:normAutofit fontScale="92500" lnSpcReduction="20000"/>
-          </a:bodyPr>
-          <a:lstStyle/>
-          <a:p>
-            <a:r>
-              <a:rPr lang="ru-RU" dirty="0"/>
-              <a:t>Система не должна зависеть от того, как в ней создаются, компонуются и представляются продукты</a:t>
-            </a:r>
-          </a:p>
-          <a:p>
-            <a:pPr lvl="1"/>
-            <a:r>
-              <a:rPr lang="ru-RU" dirty="0" err="1"/>
-              <a:t>Инстанцируемые</a:t>
-            </a:r>
-            <a:r>
-              <a:rPr lang="ru-RU" dirty="0"/>
-              <a:t> классы определяются во время выполнения</a:t>
-            </a:r>
-          </a:p>
-          <a:p>
-            <a:pPr lvl="2"/>
-            <a:r>
-              <a:rPr lang="ru-RU" dirty="0"/>
-              <a:t>Например, с помощью динамической загрузки</a:t>
-            </a:r>
-          </a:p>
-          <a:p>
-            <a:pPr lvl="1"/>
-            <a:r>
-              <a:rPr lang="ru-RU" dirty="0"/>
-              <a:t>Избежание построения иерархий классов или фабрик, параллельных иерархии классов продуктов</a:t>
-            </a:r>
-          </a:p>
-          <a:p>
-            <a:pPr lvl="1"/>
-            <a:r>
-              <a:rPr lang="ru-RU" dirty="0"/>
-              <a:t>Экземпляры класса могут находиться в одном из не очень большого числа различных состояний</a:t>
-            </a:r>
-          </a:p>
-          <a:p>
-            <a:pPr lvl="2"/>
-            <a:r>
-              <a:rPr lang="ru-RU" dirty="0"/>
-              <a:t>Может оказаться удобнее задать соответствующее число прототипов и клонировать их</a:t>
-            </a:r>
-          </a:p>
-        </p:txBody>
-      </p:sp>
-    </p:spTree>
-    <p:extLst>
-      <p:ext uri="{BB962C8B-B14F-4D97-AF65-F5344CB8AC3E}">
-        <p14:creationId xmlns:p14="http://schemas.microsoft.com/office/powerpoint/2010/main" val="72291038"/>
-      </p:ext>
-    </p:extLst>
-  </p:cSld>
-  <p:clrMapOvr>
-    <a:masterClrMapping/>
-  </p:clrMapOvr>
-  <p:timing>
-    <p:tnLst>
-      <p:par>
-        <p:cTn id="1" dur="indefinite" restart="never" nodeType="tmRoot">
-          <p:childTnLst>
-            <p:seq concurrent="1" nextAc="seek">
-              <p:cTn id="2" dur="indefinite" nodeType="mainSeq">
-                <p:childTnLst>
-                  <p:par>
-                    <p:cTn id="3" fill="hold">
-                      <p:stCondLst>
-                        <p:cond delay="indefinite"/>
-                      </p:stCondLst>
-                      <p:childTnLst>
-                        <p:par>
-                          <p:cTn id="4" fill="hold">
-                            <p:stCondLst>
-                              <p:cond delay="0"/>
-                            </p:stCondLst>
-                            <p:childTnLst>
-                              <p:par>
-                                <p:cTn id="5" presetID="10" presetClass="entr" presetSubtype="0" fill="hold" grpId="0" nodeType="clickEffect">
-                                  <p:stCondLst>
-                                    <p:cond delay="0"/>
-                                  </p:stCondLst>
-                                  <p:childTnLst>
-                                    <p:set>
-                                      <p:cBhvr>
-                                        <p:cTn id="6" dur="1" fill="hold">
-                                          <p:stCondLst>
-                                            <p:cond delay="0"/>
-                                          </p:stCondLst>
-                                        </p:cTn>
-                                        <p:tgtEl>
-                                          <p:spTgt spid="3">
-                                            <p:txEl>
-                                              <p:pRg st="0" end="0"/>
-                                            </p:txEl>
-                                          </p:spTgt>
-                                        </p:tgtEl>
-                                        <p:attrNameLst>
-                                          <p:attrName>style.visibility</p:attrName>
-                                        </p:attrNameLst>
-                                      </p:cBhvr>
-                                      <p:to>
-                                        <p:strVal val="visible"/>
-                                      </p:to>
-                                    </p:set>
-                                    <p:animEffect transition="in" filter="fade">
-                                      <p:cBhvr>
-                                        <p:cTn id="7" dur="500"/>
-                                        <p:tgtEl>
-                                          <p:spTgt spid="3">
-                                            <p:txEl>
-                                              <p:pRg st="0" end="0"/>
-                                            </p:txEl>
-                                          </p:spTgt>
-                                        </p:tgtEl>
-                                      </p:cBhvr>
-                                    </p:animEffect>
-                                  </p:childTnLst>
-                                </p:cTn>
-                              </p:par>
-                            </p:childTnLst>
-                          </p:cTn>
-                        </p:par>
-                      </p:childTnLst>
-                    </p:cTn>
-                  </p:par>
-                  <p:par>
-                    <p:cTn id="8" fill="hold">
-                      <p:stCondLst>
-                        <p:cond delay="indefinite"/>
-                      </p:stCondLst>
-                      <p:childTnLst>
-                        <p:par>
-                          <p:cTn id="9" fill="hold">
-                            <p:stCondLst>
-                              <p:cond delay="0"/>
-                            </p:stCondLst>
-                            <p:childTnLst>
-                              <p:par>
-                                <p:cTn id="10" presetID="10" presetClass="entr" presetSubtype="0" fill="hold" grpId="0" nodeType="clickEffect">
-                                  <p:stCondLst>
-                                    <p:cond delay="0"/>
-                                  </p:stCondLst>
-                                  <p:childTnLst>
-                                    <p:set>
-                                      <p:cBhvr>
-                                        <p:cTn id="11" dur="1" fill="hold">
-                                          <p:stCondLst>
-                                            <p:cond delay="0"/>
-                                          </p:stCondLst>
-                                        </p:cTn>
-                                        <p:tgtEl>
-                                          <p:spTgt spid="3">
-                                            <p:txEl>
-                                              <p:pRg st="1" end="1"/>
-                                            </p:txEl>
-                                          </p:spTgt>
-                                        </p:tgtEl>
-                                        <p:attrNameLst>
-                                          <p:attrName>style.visibility</p:attrName>
-                                        </p:attrNameLst>
-                                      </p:cBhvr>
-                                      <p:to>
-                                        <p:strVal val="visible"/>
-                                      </p:to>
-                                    </p:set>
-                                    <p:animEffect transition="in" filter="fade">
-                                      <p:cBhvr>
-                                        <p:cTn id="12" dur="500"/>
-                                        <p:tgtEl>
-                                          <p:spTgt spid="3">
-                                            <p:txEl>
-                                              <p:pRg st="1" end="1"/>
-                                            </p:txEl>
-                                          </p:spTgt>
-                                        </p:tgtEl>
-                                      </p:cBhvr>
-                                    </p:animEffect>
-                                  </p:childTnLst>
-                                </p:cTn>
-                              </p:par>
-                              <p:par>
-                                <p:cTn id="13" presetID="10" presetClass="entr" presetSubtype="0" fill="hold" grpId="0" nodeType="withEffect">
-                                  <p:stCondLst>
-                                    <p:cond delay="0"/>
-                                  </p:stCondLst>
-                                  <p:childTnLst>
-                                    <p:set>
-                                      <p:cBhvr>
-                                        <p:cTn id="14" dur="1" fill="hold">
-                                          <p:stCondLst>
-                                            <p:cond delay="0"/>
-                                          </p:stCondLst>
-                                        </p:cTn>
-                                        <p:tgtEl>
-                                          <p:spTgt spid="3">
-                                            <p:txEl>
-                                              <p:pRg st="2" end="2"/>
-                                            </p:txEl>
-                                          </p:spTgt>
-                                        </p:tgtEl>
-                                        <p:attrNameLst>
-                                          <p:attrName>style.visibility</p:attrName>
-                                        </p:attrNameLst>
-                                      </p:cBhvr>
-                                      <p:to>
-                                        <p:strVal val="visible"/>
-                                      </p:to>
-                                    </p:set>
-                                    <p:animEffect transition="in" filter="fade">
-                                      <p:cBhvr>
-                                        <p:cTn id="15" dur="500"/>
-                                        <p:tgtEl>
-                                          <p:spTgt spid="3">
-                                            <p:txEl>
-                                              <p:pRg st="2" end="2"/>
-                                            </p:txEl>
-                                          </p:spTgt>
-                                        </p:tgtEl>
-                                      </p:cBhvr>
-                                    </p:animEffect>
-                                  </p:childTnLst>
-                                </p:cTn>
-                              </p:par>
-                            </p:childTnLst>
-                          </p:cTn>
-                        </p:par>
-                      </p:childTnLst>
-                    </p:cTn>
-                  </p:par>
-                  <p:par>
-                    <p:cTn id="16" fill="hold">
-                      <p:stCondLst>
-                        <p:cond delay="indefinite"/>
-                      </p:stCondLst>
-                      <p:childTnLst>
-                        <p:par>
-                          <p:cTn id="17" fill="hold">
-                            <p:stCondLst>
-                              <p:cond delay="0"/>
-                            </p:stCondLst>
-                            <p:childTnLst>
-                              <p:par>
-                                <p:cTn id="18" presetID="10" presetClass="entr" presetSubtype="0" fill="hold" grpId="0" nodeType="clickEffect">
-                                  <p:stCondLst>
-                                    <p:cond delay="0"/>
-                                  </p:stCondLst>
-                                  <p:childTnLst>
-                                    <p:set>
-                                      <p:cBhvr>
-                                        <p:cTn id="19" dur="1" fill="hold">
-                                          <p:stCondLst>
-                                            <p:cond delay="0"/>
-                                          </p:stCondLst>
-                                        </p:cTn>
-                                        <p:tgtEl>
-                                          <p:spTgt spid="3">
-                                            <p:txEl>
-                                              <p:pRg st="3" end="3"/>
-                                            </p:txEl>
-                                          </p:spTgt>
-                                        </p:tgtEl>
-                                        <p:attrNameLst>
-                                          <p:attrName>style.visibility</p:attrName>
-                                        </p:attrNameLst>
-                                      </p:cBhvr>
-                                      <p:to>
-                                        <p:strVal val="visible"/>
-                                      </p:to>
-                                    </p:set>
-                                    <p:animEffect transition="in" filter="fade">
-                                      <p:cBhvr>
-                                        <p:cTn id="20" dur="500"/>
-                                        <p:tgtEl>
-                                          <p:spTgt spid="3">
-                                            <p:txEl>
-                                              <p:pRg st="3" end="3"/>
-                                            </p:txEl>
-                                          </p:spTgt>
-                                        </p:tgtEl>
-                                      </p:cBhvr>
-                                    </p:animEffect>
-                                  </p:childTnLst>
-                                </p:cTn>
-                              </p:par>
-                            </p:childTnLst>
-                          </p:cTn>
-                        </p:par>
-                      </p:childTnLst>
-                    </p:cTn>
-                  </p:par>
-                  <p:par>
-                    <p:cTn id="21" fill="hold">
-                      <p:stCondLst>
-                        <p:cond delay="indefinite"/>
-                      </p:stCondLst>
-                      <p:childTnLst>
-                        <p:par>
-                          <p:cTn id="22" fill="hold">
-                            <p:stCondLst>
-                              <p:cond delay="0"/>
-                            </p:stCondLst>
-                            <p:childTnLst>
-                              <p:par>
-                                <p:cTn id="23" presetID="10" presetClass="entr" presetSubtype="0" fill="hold" grpId="0" nodeType="clickEffect">
-                                  <p:stCondLst>
-                                    <p:cond delay="0"/>
-                                  </p:stCondLst>
-                                  <p:childTnLst>
-                                    <p:set>
-                                      <p:cBhvr>
-                                        <p:cTn id="24" dur="1" fill="hold">
-                                          <p:stCondLst>
-                                            <p:cond delay="0"/>
-                                          </p:stCondLst>
-                                        </p:cTn>
-                                        <p:tgtEl>
-                                          <p:spTgt spid="3">
-                                            <p:txEl>
-                                              <p:pRg st="4" end="4"/>
-                                            </p:txEl>
-                                          </p:spTgt>
-                                        </p:tgtEl>
-                                        <p:attrNameLst>
-                                          <p:attrName>style.visibility</p:attrName>
-                                        </p:attrNameLst>
-                                      </p:cBhvr>
-                                      <p:to>
-                                        <p:strVal val="visible"/>
-                                      </p:to>
-                                    </p:set>
-                                    <p:animEffect transition="in" filter="fade">
-                                      <p:cBhvr>
-                                        <p:cTn id="25" dur="500"/>
-                                        <p:tgtEl>
-                                          <p:spTgt spid="3">
-                                            <p:txEl>
-                                              <p:pRg st="4" end="4"/>
-                                            </p:txEl>
-                                          </p:spTgt>
-                                        </p:tgtEl>
-                                      </p:cBhvr>
-                                    </p:animEffect>
-                                  </p:childTnLst>
-                                </p:cTn>
-                              </p:par>
-                              <p:par>
-                                <p:cTn id="26" presetID="10" presetClass="entr" presetSubtype="0" fill="hold" grpId="0" nodeType="withEffect">
-                                  <p:stCondLst>
-                                    <p:cond delay="0"/>
-                                  </p:stCondLst>
-                                  <p:childTnLst>
-                                    <p:set>
-                                      <p:cBhvr>
-                                        <p:cTn id="27" dur="1" fill="hold">
-                                          <p:stCondLst>
-                                            <p:cond delay="0"/>
-                                          </p:stCondLst>
-                                        </p:cTn>
-                                        <p:tgtEl>
-                                          <p:spTgt spid="3">
-                                            <p:txEl>
-                                              <p:pRg st="5" end="5"/>
-                                            </p:txEl>
-                                          </p:spTgt>
-                                        </p:tgtEl>
-                                        <p:attrNameLst>
-                                          <p:attrName>style.visibility</p:attrName>
-                                        </p:attrNameLst>
-                                      </p:cBhvr>
-                                      <p:to>
-                                        <p:strVal val="visible"/>
-                                      </p:to>
-                                    </p:set>
-                                    <p:animEffect transition="in" filter="fade">
-                                      <p:cBhvr>
-                                        <p:cTn id="28" dur="500"/>
-                                        <p:tgtEl>
-                                          <p:spTgt spid="3">
-                                            <p:txEl>
-                                              <p:pRg st="5" end="5"/>
-                                            </p:txEl>
-                                          </p:spTgt>
-                                        </p:tgtEl>
-                                      </p:cBhvr>
-                                    </p:animEffect>
-                                  </p:childTnLst>
-                                </p:cTn>
-                              </p:par>
-                            </p:childTnLst>
-                          </p:cTn>
-                        </p:par>
-                      </p:childTnLst>
-                    </p:cTn>
-                  </p:par>
-                </p:childTnLst>
-              </p:cTn>
-              <p:prevCondLst>
-                <p:cond evt="onPrev" delay="0">
-                  <p:tgtEl>
-                    <p:sldTgt/>
-                  </p:tgtEl>
-                </p:cond>
-              </p:prevCondLst>
-              <p:nextCondLst>
-                <p:cond evt="onNext" delay="0">
-                  <p:tgtEl>
-                    <p:sldTgt/>
-                  </p:tgtEl>
-                </p:cond>
-              </p:nextCondLst>
-            </p:seq>
-          </p:childTnLst>
-        </p:cTn>
-      </p:par>
-    </p:tnLst>
-    <p:bldLst>
-      <p:bldP spid="3" grpId="0" build="p" bldLvl="2"/>
-    </p:bldLst>
-  </p:timing>
-</p:sld>
-</file>
-
-<file path=ppt/slides/slide6.xml><?xml version="1.0" encoding="utf-8"?>
+<file path=ppt/slides/slide10.xml><?xml version="1.0" encoding="utf-8"?>
 <p:sld xmlns:a="http://schemas.openxmlformats.org/drawingml/2006/main" xmlns:r="http://schemas.openxmlformats.org/officeDocument/2006/relationships" xmlns:p="http://schemas.openxmlformats.org/presentationml/2006/main">
   <p:cSld>
     <p:spTree>
@@ -10951,7 +6658,7 @@
 </p:sld>
 </file>
 
-<file path=ppt/slides/slide7.xml><?xml version="1.0" encoding="utf-8"?>
+<file path=ppt/slides/slide11.xml><?xml version="1.0" encoding="utf-8"?>
 <p:sld xmlns:a="http://schemas.openxmlformats.org/drawingml/2006/main" xmlns:r="http://schemas.openxmlformats.org/officeDocument/2006/relationships" xmlns:p="http://schemas.openxmlformats.org/presentationml/2006/main">
   <p:cSld>
     <p:spTree>
@@ -11279,18 +6986,7 @@
                 <a:ea typeface="Calibri" panose="020F0502020204030204" pitchFamily="34" charset="0"/>
                 <a:cs typeface="Consolas" panose="020B0609020204030204" pitchFamily="49" charset="0"/>
               </a:rPr>
-              <a:t>  </a:t>
-            </a:r>
-            <a:r>
-              <a:rPr lang="en-US" sz="1600" dirty="0" smtClean="0">
-                <a:solidFill>
-                  <a:srgbClr val="000000"/>
-                </a:solidFill>
-                <a:latin typeface="Consolas" panose="020B0609020204030204" pitchFamily="49" charset="0"/>
-                <a:ea typeface="Calibri" panose="020F0502020204030204" pitchFamily="34" charset="0"/>
-                <a:cs typeface="Consolas" panose="020B0609020204030204" pitchFamily="49" charset="0"/>
-              </a:rPr>
-              <a:t>:</a:t>
+              <a:t>  :</a:t>
             </a:r>
             <a:r>
               <a:rPr lang="en-US" sz="1600" dirty="0" err="1">
@@ -12527,7 +8223,7 @@
 </p:sld>
 </file>
 
-<file path=ppt/slides/slide8.xml><?xml version="1.0" encoding="utf-8"?>
+<file path=ppt/slides/slide12.xml><?xml version="1.0" encoding="utf-8"?>
 <p:sld xmlns:a="http://schemas.openxmlformats.org/drawingml/2006/main" xmlns:r="http://schemas.openxmlformats.org/officeDocument/2006/relationships" xmlns:p="http://schemas.openxmlformats.org/presentationml/2006/main">
   <p:cSld>
     <p:spTree>
@@ -15490,7 +11186,7 @@
 </p:sld>
 </file>
 
-<file path=ppt/slides/slide9.xml><?xml version="1.0" encoding="utf-8"?>
+<file path=ppt/slides/slide13.xml><?xml version="1.0" encoding="utf-8"?>
 <p:sld xmlns:a="http://schemas.openxmlformats.org/drawingml/2006/main" xmlns:r="http://schemas.openxmlformats.org/officeDocument/2006/relationships" xmlns:p="http://schemas.openxmlformats.org/presentationml/2006/main">
   <p:cSld>
     <p:spTree>
@@ -17991,6 +13687,5393 @@
 </p:sld>
 </file>
 
+<file path=ppt/slides/slide14.xml><?xml version="1.0" encoding="utf-8"?>
+<p:sld xmlns:a="http://schemas.openxmlformats.org/drawingml/2006/main" xmlns:r="http://schemas.openxmlformats.org/officeDocument/2006/relationships" xmlns:p="http://schemas.openxmlformats.org/presentationml/2006/main">
+  <p:cSld>
+    <p:spTree>
+      <p:nvGrpSpPr>
+        <p:cNvPr id="1" name=""/>
+        <p:cNvGrpSpPr/>
+        <p:nvPr/>
+      </p:nvGrpSpPr>
+      <p:grpSpPr>
+        <a:xfrm>
+          <a:off x="0" y="0"/>
+          <a:ext cx="0" cy="0"/>
+          <a:chOff x="0" y="0"/>
+          <a:chExt cx="0" cy="0"/>
+        </a:xfrm>
+      </p:grpSpPr>
+      <p:sp>
+        <p:nvSpPr>
+          <p:cNvPr id="2" name="Прямоугольник 1"/>
+          <p:cNvSpPr/>
+          <p:nvPr/>
+        </p:nvSpPr>
+        <p:spPr>
+          <a:xfrm>
+            <a:off x="4440" y="1700808"/>
+            <a:ext cx="9032056" cy="5016758"/>
+          </a:xfrm>
+          <a:prstGeom prst="rect">
+            <a:avLst/>
+          </a:prstGeom>
+        </p:spPr>
+        <p:txBody>
+          <a:bodyPr wrap="square">
+            <a:spAutoFit/>
+          </a:bodyPr>
+          <a:lstStyle/>
+          <a:p>
+            <a:pPr>
+              <a:spcAft>
+                <a:spcPts val="0"/>
+              </a:spcAft>
+            </a:pPr>
+            <a:r>
+              <a:rPr lang="en-US" sz="1600" dirty="0">
+                <a:solidFill>
+                  <a:srgbClr val="0000FF"/>
+                </a:solidFill>
+                <a:latin typeface="Consolas" panose="020B0609020204030204" pitchFamily="49" charset="0"/>
+                <a:ea typeface="Calibri" panose="020F0502020204030204" pitchFamily="34" charset="0"/>
+                <a:cs typeface="Consolas" panose="020B0609020204030204" pitchFamily="49" charset="0"/>
+              </a:rPr>
+              <a:t>template</a:t>
+            </a:r>
+            <a:r>
+              <a:rPr lang="en-US" sz="1600" dirty="0">
+                <a:solidFill>
+                  <a:srgbClr val="000000"/>
+                </a:solidFill>
+                <a:latin typeface="Consolas" panose="020B0609020204030204" pitchFamily="49" charset="0"/>
+                <a:ea typeface="Calibri" panose="020F0502020204030204" pitchFamily="34" charset="0"/>
+                <a:cs typeface="Consolas" panose="020B0609020204030204" pitchFamily="49" charset="0"/>
+              </a:rPr>
+              <a:t> </a:t>
+            </a:r>
+            <a:r>
+              <a:rPr lang="en-US" sz="1600" dirty="0" smtClean="0">
+                <a:solidFill>
+                  <a:srgbClr val="000000"/>
+                </a:solidFill>
+                <a:latin typeface="Consolas" panose="020B0609020204030204" pitchFamily="49" charset="0"/>
+                <a:ea typeface="Calibri" panose="020F0502020204030204" pitchFamily="34" charset="0"/>
+                <a:cs typeface="Consolas" panose="020B0609020204030204" pitchFamily="49" charset="0"/>
+              </a:rPr>
+              <a:t>&lt;</a:t>
+            </a:r>
+            <a:r>
+              <a:rPr lang="en-US" sz="1600" dirty="0" err="1" smtClean="0">
+                <a:solidFill>
+                  <a:srgbClr val="0000FF"/>
+                </a:solidFill>
+                <a:latin typeface="Consolas" panose="020B0609020204030204" pitchFamily="49" charset="0"/>
+                <a:ea typeface="Calibri" panose="020F0502020204030204" pitchFamily="34" charset="0"/>
+                <a:cs typeface="Consolas" panose="020B0609020204030204" pitchFamily="49" charset="0"/>
+              </a:rPr>
+              <a:t>typename</a:t>
+            </a:r>
+            <a:r>
+              <a:rPr lang="en-US" sz="1600" dirty="0" smtClean="0">
+                <a:solidFill>
+                  <a:srgbClr val="000000"/>
+                </a:solidFill>
+                <a:latin typeface="Consolas" panose="020B0609020204030204" pitchFamily="49" charset="0"/>
+                <a:ea typeface="Calibri" panose="020F0502020204030204" pitchFamily="34" charset="0"/>
+                <a:cs typeface="Consolas" panose="020B0609020204030204" pitchFamily="49" charset="0"/>
+              </a:rPr>
+              <a:t> </a:t>
+            </a:r>
+            <a:r>
+              <a:rPr lang="en-US" sz="1600" dirty="0" err="1" smtClean="0">
+                <a:solidFill>
+                  <a:srgbClr val="2B91AF"/>
+                </a:solidFill>
+                <a:latin typeface="Consolas" panose="020B0609020204030204" pitchFamily="49" charset="0"/>
+                <a:ea typeface="Calibri" panose="020F0502020204030204" pitchFamily="34" charset="0"/>
+                <a:cs typeface="Consolas" panose="020B0609020204030204" pitchFamily="49" charset="0"/>
+              </a:rPr>
+              <a:t>CloneType</a:t>
+            </a:r>
+            <a:r>
+              <a:rPr lang="en-US" sz="1600" dirty="0" smtClean="0">
+                <a:solidFill>
+                  <a:srgbClr val="2B91AF"/>
+                </a:solidFill>
+                <a:latin typeface="Consolas" panose="020B0609020204030204" pitchFamily="49" charset="0"/>
+                <a:ea typeface="Calibri" panose="020F0502020204030204" pitchFamily="34" charset="0"/>
+                <a:cs typeface="Consolas" panose="020B0609020204030204" pitchFamily="49" charset="0"/>
+              </a:rPr>
+              <a:t>, </a:t>
+            </a:r>
+            <a:r>
+              <a:rPr lang="en-US" sz="1600" dirty="0" err="1" smtClean="0">
+                <a:solidFill>
+                  <a:srgbClr val="0000FF"/>
+                </a:solidFill>
+                <a:latin typeface="Consolas" panose="020B0609020204030204" pitchFamily="49" charset="0"/>
+                <a:ea typeface="Calibri" panose="020F0502020204030204" pitchFamily="34" charset="0"/>
+                <a:cs typeface="Consolas" panose="020B0609020204030204" pitchFamily="49" charset="0"/>
+              </a:rPr>
+              <a:t>typename</a:t>
+            </a:r>
+            <a:r>
+              <a:rPr lang="en-US" sz="1600" dirty="0" smtClean="0">
+                <a:solidFill>
+                  <a:srgbClr val="000000"/>
+                </a:solidFill>
+                <a:latin typeface="Consolas" panose="020B0609020204030204" pitchFamily="49" charset="0"/>
+                <a:ea typeface="Calibri" panose="020F0502020204030204" pitchFamily="34" charset="0"/>
+                <a:cs typeface="Consolas" panose="020B0609020204030204" pitchFamily="49" charset="0"/>
+              </a:rPr>
+              <a:t> </a:t>
+            </a:r>
+            <a:r>
+              <a:rPr lang="en-US" sz="1600" dirty="0" err="1" smtClean="0">
+                <a:solidFill>
+                  <a:srgbClr val="2B91AF"/>
+                </a:solidFill>
+                <a:latin typeface="Consolas" panose="020B0609020204030204" pitchFamily="49" charset="0"/>
+                <a:ea typeface="Calibri" panose="020F0502020204030204" pitchFamily="34" charset="0"/>
+                <a:cs typeface="Consolas" panose="020B0609020204030204" pitchFamily="49" charset="0"/>
+              </a:rPr>
+              <a:t>BaseClass</a:t>
+            </a:r>
+            <a:r>
+              <a:rPr lang="en-US" sz="1600" dirty="0" smtClean="0">
+                <a:solidFill>
+                  <a:srgbClr val="000000"/>
+                </a:solidFill>
+                <a:latin typeface="Consolas" panose="020B0609020204030204" pitchFamily="49" charset="0"/>
+                <a:ea typeface="Calibri" panose="020F0502020204030204" pitchFamily="34" charset="0"/>
+                <a:cs typeface="Consolas" panose="020B0609020204030204" pitchFamily="49" charset="0"/>
+              </a:rPr>
+              <a:t>, </a:t>
+            </a:r>
+            <a:r>
+              <a:rPr lang="en-US" sz="1600" dirty="0" err="1">
+                <a:solidFill>
+                  <a:srgbClr val="0000FF"/>
+                </a:solidFill>
+                <a:latin typeface="Consolas" panose="020B0609020204030204" pitchFamily="49" charset="0"/>
+                <a:ea typeface="Calibri" panose="020F0502020204030204" pitchFamily="34" charset="0"/>
+                <a:cs typeface="Consolas" panose="020B0609020204030204" pitchFamily="49" charset="0"/>
+              </a:rPr>
+              <a:t>typename</a:t>
+            </a:r>
+            <a:r>
+              <a:rPr lang="en-US" sz="1600" dirty="0">
+                <a:solidFill>
+                  <a:srgbClr val="000000"/>
+                </a:solidFill>
+                <a:latin typeface="Consolas" panose="020B0609020204030204" pitchFamily="49" charset="0"/>
+                <a:ea typeface="Calibri" panose="020F0502020204030204" pitchFamily="34" charset="0"/>
+                <a:cs typeface="Consolas" panose="020B0609020204030204" pitchFamily="49" charset="0"/>
+              </a:rPr>
+              <a:t> </a:t>
+            </a:r>
+            <a:r>
+              <a:rPr lang="en-US" sz="1600" dirty="0" err="1" smtClean="0">
+                <a:solidFill>
+                  <a:srgbClr val="2B91AF"/>
+                </a:solidFill>
+                <a:latin typeface="Consolas" panose="020B0609020204030204" pitchFamily="49" charset="0"/>
+                <a:ea typeface="Calibri" panose="020F0502020204030204" pitchFamily="34" charset="0"/>
+                <a:cs typeface="Consolas" panose="020B0609020204030204" pitchFamily="49" charset="0"/>
+              </a:rPr>
+              <a:t>CloneInterface</a:t>
+            </a:r>
+            <a:r>
+              <a:rPr lang="en-US" sz="1600" dirty="0" smtClean="0">
+                <a:solidFill>
+                  <a:srgbClr val="000000"/>
+                </a:solidFill>
+                <a:latin typeface="Consolas" panose="020B0609020204030204" pitchFamily="49" charset="0"/>
+                <a:ea typeface="Calibri" panose="020F0502020204030204" pitchFamily="34" charset="0"/>
+                <a:cs typeface="Consolas" panose="020B0609020204030204" pitchFamily="49" charset="0"/>
+              </a:rPr>
+              <a:t>&gt;</a:t>
+            </a:r>
+            <a:endParaRPr lang="ru-RU" sz="1600" dirty="0">
+              <a:latin typeface="Consolas" panose="020B0609020204030204" pitchFamily="49" charset="0"/>
+              <a:ea typeface="Calibri" panose="020F0502020204030204" pitchFamily="34" charset="0"/>
+              <a:cs typeface="Consolas" panose="020B0609020204030204" pitchFamily="49" charset="0"/>
+            </a:endParaRPr>
+          </a:p>
+          <a:p>
+            <a:pPr>
+              <a:spcAft>
+                <a:spcPts val="0"/>
+              </a:spcAft>
+            </a:pPr>
+            <a:r>
+              <a:rPr lang="en-US" sz="1600" dirty="0">
+                <a:solidFill>
+                  <a:srgbClr val="0000FF"/>
+                </a:solidFill>
+                <a:latin typeface="Consolas" panose="020B0609020204030204" pitchFamily="49" charset="0"/>
+                <a:ea typeface="Calibri" panose="020F0502020204030204" pitchFamily="34" charset="0"/>
+                <a:cs typeface="Consolas" panose="020B0609020204030204" pitchFamily="49" charset="0"/>
+              </a:rPr>
+              <a:t>class</a:t>
+            </a:r>
+            <a:r>
+              <a:rPr lang="en-US" sz="1600" dirty="0">
+                <a:solidFill>
+                  <a:srgbClr val="000000"/>
+                </a:solidFill>
+                <a:latin typeface="Consolas" panose="020B0609020204030204" pitchFamily="49" charset="0"/>
+                <a:ea typeface="Calibri" panose="020F0502020204030204" pitchFamily="34" charset="0"/>
+                <a:cs typeface="Consolas" panose="020B0609020204030204" pitchFamily="49" charset="0"/>
+              </a:rPr>
+              <a:t> </a:t>
+            </a:r>
+            <a:r>
+              <a:rPr lang="en-US" sz="1600" dirty="0" err="1">
+                <a:solidFill>
+                  <a:srgbClr val="2B91AF"/>
+                </a:solidFill>
+                <a:latin typeface="Consolas" panose="020B0609020204030204" pitchFamily="49" charset="0"/>
+                <a:ea typeface="Calibri" panose="020F0502020204030204" pitchFamily="34" charset="0"/>
+                <a:cs typeface="Consolas" panose="020B0609020204030204" pitchFamily="49" charset="0"/>
+              </a:rPr>
+              <a:t>CPrototypeImpl</a:t>
+            </a:r>
+            <a:r>
+              <a:rPr lang="en-US" sz="1600" dirty="0">
+                <a:solidFill>
+                  <a:srgbClr val="000000"/>
+                </a:solidFill>
+                <a:latin typeface="Consolas" panose="020B0609020204030204" pitchFamily="49" charset="0"/>
+                <a:ea typeface="Calibri" panose="020F0502020204030204" pitchFamily="34" charset="0"/>
+                <a:cs typeface="Consolas" panose="020B0609020204030204" pitchFamily="49" charset="0"/>
+              </a:rPr>
+              <a:t> : </a:t>
+            </a:r>
+            <a:r>
+              <a:rPr lang="en-US" sz="1600" dirty="0">
+                <a:solidFill>
+                  <a:srgbClr val="0000FF"/>
+                </a:solidFill>
+                <a:latin typeface="Consolas" panose="020B0609020204030204" pitchFamily="49" charset="0"/>
+                <a:ea typeface="Calibri" panose="020F0502020204030204" pitchFamily="34" charset="0"/>
+                <a:cs typeface="Consolas" panose="020B0609020204030204" pitchFamily="49" charset="0"/>
+              </a:rPr>
+              <a:t>public</a:t>
+            </a:r>
+            <a:r>
+              <a:rPr lang="en-US" sz="1600" dirty="0">
+                <a:solidFill>
+                  <a:srgbClr val="000000"/>
+                </a:solidFill>
+                <a:latin typeface="Consolas" panose="020B0609020204030204" pitchFamily="49" charset="0"/>
+                <a:ea typeface="Calibri" panose="020F0502020204030204" pitchFamily="34" charset="0"/>
+                <a:cs typeface="Consolas" panose="020B0609020204030204" pitchFamily="49" charset="0"/>
+              </a:rPr>
+              <a:t> </a:t>
+            </a:r>
+            <a:r>
+              <a:rPr lang="en-US" sz="1600" dirty="0" err="1" smtClean="0">
+                <a:solidFill>
+                  <a:srgbClr val="2B91AF"/>
+                </a:solidFill>
+                <a:latin typeface="Consolas" panose="020B0609020204030204" pitchFamily="49" charset="0"/>
+                <a:ea typeface="Calibri" panose="020F0502020204030204" pitchFamily="34" charset="0"/>
+                <a:cs typeface="Consolas" panose="020B0609020204030204" pitchFamily="49" charset="0"/>
+              </a:rPr>
+              <a:t>BaseClass</a:t>
+            </a:r>
+            <a:endParaRPr lang="ru-RU" sz="1600" dirty="0">
+              <a:latin typeface="Consolas" panose="020B0609020204030204" pitchFamily="49" charset="0"/>
+              <a:ea typeface="Calibri" panose="020F0502020204030204" pitchFamily="34" charset="0"/>
+              <a:cs typeface="Consolas" panose="020B0609020204030204" pitchFamily="49" charset="0"/>
+            </a:endParaRPr>
+          </a:p>
+          <a:p>
+            <a:pPr>
+              <a:spcAft>
+                <a:spcPts val="0"/>
+              </a:spcAft>
+            </a:pPr>
+            <a:r>
+              <a:rPr lang="en-US" sz="1600" dirty="0">
+                <a:solidFill>
+                  <a:srgbClr val="000000"/>
+                </a:solidFill>
+                <a:latin typeface="Consolas" panose="020B0609020204030204" pitchFamily="49" charset="0"/>
+                <a:ea typeface="Calibri" panose="020F0502020204030204" pitchFamily="34" charset="0"/>
+                <a:cs typeface="Consolas" panose="020B0609020204030204" pitchFamily="49" charset="0"/>
+              </a:rPr>
+              <a:t>{</a:t>
+            </a:r>
+            <a:endParaRPr lang="ru-RU" sz="1600" dirty="0">
+              <a:latin typeface="Consolas" panose="020B0609020204030204" pitchFamily="49" charset="0"/>
+              <a:ea typeface="Calibri" panose="020F0502020204030204" pitchFamily="34" charset="0"/>
+              <a:cs typeface="Consolas" panose="020B0609020204030204" pitchFamily="49" charset="0"/>
+            </a:endParaRPr>
+          </a:p>
+          <a:p>
+            <a:pPr>
+              <a:spcAft>
+                <a:spcPts val="0"/>
+              </a:spcAft>
+            </a:pPr>
+            <a:r>
+              <a:rPr lang="en-US" sz="1600" dirty="0">
+                <a:solidFill>
+                  <a:srgbClr val="0000FF"/>
+                </a:solidFill>
+                <a:latin typeface="Consolas" panose="020B0609020204030204" pitchFamily="49" charset="0"/>
+                <a:ea typeface="Calibri" panose="020F0502020204030204" pitchFamily="34" charset="0"/>
+                <a:cs typeface="Consolas" panose="020B0609020204030204" pitchFamily="49" charset="0"/>
+              </a:rPr>
+              <a:t>public</a:t>
+            </a:r>
+            <a:r>
+              <a:rPr lang="en-US" sz="1600" dirty="0">
+                <a:solidFill>
+                  <a:srgbClr val="000000"/>
+                </a:solidFill>
+                <a:latin typeface="Consolas" panose="020B0609020204030204" pitchFamily="49" charset="0"/>
+                <a:ea typeface="Calibri" panose="020F0502020204030204" pitchFamily="34" charset="0"/>
+                <a:cs typeface="Consolas" panose="020B0609020204030204" pitchFamily="49" charset="0"/>
+              </a:rPr>
+              <a:t>:</a:t>
+            </a:r>
+            <a:endParaRPr lang="ru-RU" sz="1600" dirty="0">
+              <a:latin typeface="Consolas" panose="020B0609020204030204" pitchFamily="49" charset="0"/>
+              <a:ea typeface="Calibri" panose="020F0502020204030204" pitchFamily="34" charset="0"/>
+              <a:cs typeface="Consolas" panose="020B0609020204030204" pitchFamily="49" charset="0"/>
+            </a:endParaRPr>
+          </a:p>
+          <a:p>
+            <a:pPr>
+              <a:spcAft>
+                <a:spcPts val="0"/>
+              </a:spcAft>
+            </a:pPr>
+            <a:r>
+              <a:rPr lang="en-US" sz="1600" dirty="0">
+                <a:solidFill>
+                  <a:srgbClr val="000000"/>
+                </a:solidFill>
+                <a:latin typeface="Consolas" panose="020B0609020204030204" pitchFamily="49" charset="0"/>
+                <a:ea typeface="Calibri" panose="020F0502020204030204" pitchFamily="34" charset="0"/>
+                <a:cs typeface="Consolas" panose="020B0609020204030204" pitchFamily="49" charset="0"/>
+              </a:rPr>
+              <a:t>  </a:t>
+            </a:r>
+            <a:r>
+              <a:rPr lang="en-US" sz="1600" dirty="0" err="1">
+                <a:solidFill>
+                  <a:srgbClr val="2B91AF"/>
+                </a:solidFill>
+                <a:latin typeface="Consolas" panose="020B0609020204030204" pitchFamily="49" charset="0"/>
+                <a:ea typeface="Calibri" panose="020F0502020204030204" pitchFamily="34" charset="0"/>
+                <a:cs typeface="Consolas" panose="020B0609020204030204" pitchFamily="49" charset="0"/>
+              </a:rPr>
+              <a:t>unique_ptr</a:t>
+            </a:r>
+            <a:r>
+              <a:rPr lang="en-US" sz="1600" dirty="0">
+                <a:solidFill>
+                  <a:srgbClr val="000000"/>
+                </a:solidFill>
+                <a:latin typeface="Consolas" panose="020B0609020204030204" pitchFamily="49" charset="0"/>
+                <a:ea typeface="Calibri" panose="020F0502020204030204" pitchFamily="34" charset="0"/>
+                <a:cs typeface="Consolas" panose="020B0609020204030204" pitchFamily="49" charset="0"/>
+              </a:rPr>
+              <a:t>&lt;</a:t>
+            </a:r>
+            <a:r>
+              <a:rPr lang="en-US" sz="1600" dirty="0" err="1">
+                <a:solidFill>
+                  <a:srgbClr val="2B91AF"/>
+                </a:solidFill>
+                <a:latin typeface="Consolas" panose="020B0609020204030204" pitchFamily="49" charset="0"/>
+                <a:ea typeface="Calibri" panose="020F0502020204030204" pitchFamily="34" charset="0"/>
+                <a:cs typeface="Consolas" panose="020B0609020204030204" pitchFamily="49" charset="0"/>
+              </a:rPr>
+              <a:t>CloneInterface</a:t>
+            </a:r>
+            <a:r>
+              <a:rPr lang="en-US" sz="1600" dirty="0">
+                <a:solidFill>
+                  <a:srgbClr val="000000"/>
+                </a:solidFill>
+                <a:latin typeface="Consolas" panose="020B0609020204030204" pitchFamily="49" charset="0"/>
+                <a:ea typeface="Calibri" panose="020F0502020204030204" pitchFamily="34" charset="0"/>
+                <a:cs typeface="Consolas" panose="020B0609020204030204" pitchFamily="49" charset="0"/>
+              </a:rPr>
+              <a:t>&gt; Clone()</a:t>
+            </a:r>
+            <a:r>
+              <a:rPr lang="en-US" sz="1600" dirty="0" err="1">
+                <a:solidFill>
+                  <a:srgbClr val="0000FF"/>
+                </a:solidFill>
+                <a:latin typeface="Consolas" panose="020B0609020204030204" pitchFamily="49" charset="0"/>
+                <a:ea typeface="Calibri" panose="020F0502020204030204" pitchFamily="34" charset="0"/>
+                <a:cs typeface="Consolas" panose="020B0609020204030204" pitchFamily="49" charset="0"/>
+              </a:rPr>
+              <a:t>const</a:t>
+            </a:r>
+            <a:r>
+              <a:rPr lang="en-US" sz="1600" dirty="0">
+                <a:solidFill>
+                  <a:srgbClr val="000000"/>
+                </a:solidFill>
+                <a:latin typeface="Consolas" panose="020B0609020204030204" pitchFamily="49" charset="0"/>
+                <a:ea typeface="Calibri" panose="020F0502020204030204" pitchFamily="34" charset="0"/>
+                <a:cs typeface="Consolas" panose="020B0609020204030204" pitchFamily="49" charset="0"/>
+              </a:rPr>
+              <a:t> </a:t>
+            </a:r>
+            <a:r>
+              <a:rPr lang="en-US" sz="1600" dirty="0" smtClean="0">
+                <a:solidFill>
+                  <a:srgbClr val="0000FF"/>
+                </a:solidFill>
+                <a:latin typeface="Consolas" panose="020B0609020204030204" pitchFamily="49" charset="0"/>
+                <a:ea typeface="Calibri" panose="020F0502020204030204" pitchFamily="34" charset="0"/>
+                <a:cs typeface="Consolas" panose="020B0609020204030204" pitchFamily="49" charset="0"/>
+              </a:rPr>
+              <a:t>override</a:t>
+            </a:r>
+            <a:r>
+              <a:rPr lang="en-US" sz="1600" dirty="0">
+                <a:latin typeface="Consolas" panose="020B0609020204030204" pitchFamily="49" charset="0"/>
+                <a:ea typeface="Calibri" panose="020F0502020204030204" pitchFamily="34" charset="0"/>
+                <a:cs typeface="Consolas" panose="020B0609020204030204" pitchFamily="49" charset="0"/>
+              </a:rPr>
+              <a:t> </a:t>
+            </a:r>
+            <a:r>
+              <a:rPr lang="en-US" sz="1600" dirty="0" smtClean="0">
+                <a:solidFill>
+                  <a:srgbClr val="000000"/>
+                </a:solidFill>
+                <a:latin typeface="Consolas" panose="020B0609020204030204" pitchFamily="49" charset="0"/>
+                <a:ea typeface="Calibri" panose="020F0502020204030204" pitchFamily="34" charset="0"/>
+                <a:cs typeface="Consolas" panose="020B0609020204030204" pitchFamily="49" charset="0"/>
+              </a:rPr>
+              <a:t>{</a:t>
+            </a:r>
+            <a:endParaRPr lang="ru-RU" sz="1600" dirty="0">
+              <a:latin typeface="Consolas" panose="020B0609020204030204" pitchFamily="49" charset="0"/>
+              <a:ea typeface="Calibri" panose="020F0502020204030204" pitchFamily="34" charset="0"/>
+              <a:cs typeface="Consolas" panose="020B0609020204030204" pitchFamily="49" charset="0"/>
+            </a:endParaRPr>
+          </a:p>
+          <a:p>
+            <a:pPr>
+              <a:spcAft>
+                <a:spcPts val="0"/>
+              </a:spcAft>
+            </a:pPr>
+            <a:r>
+              <a:rPr lang="en-US" sz="1600" dirty="0">
+                <a:solidFill>
+                  <a:srgbClr val="000000"/>
+                </a:solidFill>
+                <a:latin typeface="Consolas" panose="020B0609020204030204" pitchFamily="49" charset="0"/>
+                <a:ea typeface="Calibri" panose="020F0502020204030204" pitchFamily="34" charset="0"/>
+                <a:cs typeface="Consolas" panose="020B0609020204030204" pitchFamily="49" charset="0"/>
+              </a:rPr>
+              <a:t>    </a:t>
+            </a:r>
+            <a:r>
+              <a:rPr lang="en-US" sz="1600" dirty="0">
+                <a:solidFill>
+                  <a:srgbClr val="0000FF"/>
+                </a:solidFill>
+                <a:latin typeface="Consolas" panose="020B0609020204030204" pitchFamily="49" charset="0"/>
+                <a:ea typeface="Calibri" panose="020F0502020204030204" pitchFamily="34" charset="0"/>
+                <a:cs typeface="Consolas" panose="020B0609020204030204" pitchFamily="49" charset="0"/>
+              </a:rPr>
+              <a:t>return</a:t>
+            </a:r>
+            <a:r>
+              <a:rPr lang="en-US" sz="1600" dirty="0">
+                <a:solidFill>
+                  <a:srgbClr val="000000"/>
+                </a:solidFill>
+                <a:latin typeface="Consolas" panose="020B0609020204030204" pitchFamily="49" charset="0"/>
+                <a:ea typeface="Calibri" panose="020F0502020204030204" pitchFamily="34" charset="0"/>
+                <a:cs typeface="Consolas" panose="020B0609020204030204" pitchFamily="49" charset="0"/>
+              </a:rPr>
+              <a:t> </a:t>
+            </a:r>
+            <a:r>
+              <a:rPr lang="en-US" sz="1600" dirty="0" err="1" smtClean="0">
+                <a:solidFill>
+                  <a:srgbClr val="000000"/>
+                </a:solidFill>
+                <a:latin typeface="Consolas" panose="020B0609020204030204" pitchFamily="49" charset="0"/>
+                <a:ea typeface="Calibri" panose="020F0502020204030204" pitchFamily="34" charset="0"/>
+                <a:cs typeface="Consolas" panose="020B0609020204030204" pitchFamily="49" charset="0"/>
+              </a:rPr>
+              <a:t>make_unique</a:t>
+            </a:r>
+            <a:r>
+              <a:rPr lang="en-US" sz="1600" dirty="0" smtClean="0">
+                <a:solidFill>
+                  <a:srgbClr val="000000"/>
+                </a:solidFill>
+                <a:latin typeface="Consolas" panose="020B0609020204030204" pitchFamily="49" charset="0"/>
+                <a:ea typeface="Calibri" panose="020F0502020204030204" pitchFamily="34" charset="0"/>
+                <a:cs typeface="Consolas" panose="020B0609020204030204" pitchFamily="49" charset="0"/>
+              </a:rPr>
+              <a:t>&lt;</a:t>
+            </a:r>
+            <a:r>
+              <a:rPr lang="en-US" sz="1600" dirty="0" err="1" smtClean="0">
+                <a:solidFill>
+                  <a:srgbClr val="2B91AF"/>
+                </a:solidFill>
+                <a:latin typeface="Consolas" panose="020B0609020204030204" pitchFamily="49" charset="0"/>
+                <a:ea typeface="Calibri" panose="020F0502020204030204" pitchFamily="34" charset="0"/>
+                <a:cs typeface="Consolas" panose="020B0609020204030204" pitchFamily="49" charset="0"/>
+              </a:rPr>
+              <a:t>CloneType</a:t>
+            </a:r>
+            <a:r>
+              <a:rPr lang="en-US" sz="1600" dirty="0" smtClean="0">
+                <a:solidFill>
+                  <a:srgbClr val="000000"/>
+                </a:solidFill>
+                <a:latin typeface="Consolas" panose="020B0609020204030204" pitchFamily="49" charset="0"/>
+                <a:ea typeface="Calibri" panose="020F0502020204030204" pitchFamily="34" charset="0"/>
+                <a:cs typeface="Consolas" panose="020B0609020204030204" pitchFamily="49" charset="0"/>
+              </a:rPr>
+              <a:t>&gt;(*</a:t>
+            </a:r>
+            <a:r>
+              <a:rPr lang="en-US" sz="1600" dirty="0" err="1" smtClean="0">
+                <a:solidFill>
+                  <a:srgbClr val="0000FF"/>
+                </a:solidFill>
+                <a:latin typeface="Consolas" panose="020B0609020204030204" pitchFamily="49" charset="0"/>
+                <a:ea typeface="Calibri" panose="020F0502020204030204" pitchFamily="34" charset="0"/>
+                <a:cs typeface="Consolas" panose="020B0609020204030204" pitchFamily="49" charset="0"/>
+              </a:rPr>
+              <a:t>static_cast</a:t>
+            </a:r>
+            <a:r>
+              <a:rPr lang="en-US" sz="1600" dirty="0" smtClean="0">
+                <a:solidFill>
+                  <a:srgbClr val="000000"/>
+                </a:solidFill>
+                <a:latin typeface="Consolas" panose="020B0609020204030204" pitchFamily="49" charset="0"/>
+                <a:ea typeface="Calibri" panose="020F0502020204030204" pitchFamily="34" charset="0"/>
+                <a:cs typeface="Consolas" panose="020B0609020204030204" pitchFamily="49" charset="0"/>
+              </a:rPr>
+              <a:t>&lt;</a:t>
+            </a:r>
+            <a:r>
+              <a:rPr lang="en-US" sz="1600" dirty="0" err="1" smtClean="0">
+                <a:solidFill>
+                  <a:srgbClr val="2B91AF"/>
+                </a:solidFill>
+                <a:latin typeface="Consolas" panose="020B0609020204030204" pitchFamily="49" charset="0"/>
+                <a:ea typeface="Calibri" panose="020F0502020204030204" pitchFamily="34" charset="0"/>
+                <a:cs typeface="Consolas" panose="020B0609020204030204" pitchFamily="49" charset="0"/>
+              </a:rPr>
+              <a:t>CloneType</a:t>
+            </a:r>
+            <a:r>
+              <a:rPr lang="en-US" sz="1600" dirty="0" smtClean="0">
+                <a:solidFill>
+                  <a:srgbClr val="000000"/>
+                </a:solidFill>
+                <a:latin typeface="Consolas" panose="020B0609020204030204" pitchFamily="49" charset="0"/>
+                <a:ea typeface="Calibri" panose="020F0502020204030204" pitchFamily="34" charset="0"/>
+                <a:cs typeface="Consolas" panose="020B0609020204030204" pitchFamily="49" charset="0"/>
+              </a:rPr>
+              <a:t> </a:t>
+            </a:r>
+            <a:r>
+              <a:rPr lang="en-US" sz="1600" dirty="0" err="1">
+                <a:solidFill>
+                  <a:srgbClr val="0000FF"/>
+                </a:solidFill>
+                <a:latin typeface="Consolas" panose="020B0609020204030204" pitchFamily="49" charset="0"/>
+                <a:ea typeface="Calibri" panose="020F0502020204030204" pitchFamily="34" charset="0"/>
+                <a:cs typeface="Consolas" panose="020B0609020204030204" pitchFamily="49" charset="0"/>
+              </a:rPr>
+              <a:t>const</a:t>
+            </a:r>
+            <a:r>
+              <a:rPr lang="en-US" sz="1600" dirty="0">
+                <a:solidFill>
+                  <a:srgbClr val="000000"/>
+                </a:solidFill>
+                <a:latin typeface="Consolas" panose="020B0609020204030204" pitchFamily="49" charset="0"/>
+                <a:ea typeface="Calibri" panose="020F0502020204030204" pitchFamily="34" charset="0"/>
+                <a:cs typeface="Consolas" panose="020B0609020204030204" pitchFamily="49" charset="0"/>
+              </a:rPr>
+              <a:t>*&gt;(</a:t>
+            </a:r>
+            <a:r>
+              <a:rPr lang="en-US" sz="1600" dirty="0">
+                <a:solidFill>
+                  <a:srgbClr val="0000FF"/>
+                </a:solidFill>
+                <a:latin typeface="Consolas" panose="020B0609020204030204" pitchFamily="49" charset="0"/>
+                <a:ea typeface="Calibri" panose="020F0502020204030204" pitchFamily="34" charset="0"/>
+                <a:cs typeface="Consolas" panose="020B0609020204030204" pitchFamily="49" charset="0"/>
+              </a:rPr>
+              <a:t>this</a:t>
+            </a:r>
+            <a:r>
+              <a:rPr lang="en-US" sz="1600" dirty="0">
+                <a:solidFill>
+                  <a:srgbClr val="000000"/>
+                </a:solidFill>
+                <a:latin typeface="Consolas" panose="020B0609020204030204" pitchFamily="49" charset="0"/>
+                <a:ea typeface="Calibri" panose="020F0502020204030204" pitchFamily="34" charset="0"/>
+                <a:cs typeface="Consolas" panose="020B0609020204030204" pitchFamily="49" charset="0"/>
+              </a:rPr>
+              <a:t>));</a:t>
+            </a:r>
+            <a:endParaRPr lang="ru-RU" sz="1600" dirty="0">
+              <a:latin typeface="Consolas" panose="020B0609020204030204" pitchFamily="49" charset="0"/>
+              <a:ea typeface="Calibri" panose="020F0502020204030204" pitchFamily="34" charset="0"/>
+              <a:cs typeface="Consolas" panose="020B0609020204030204" pitchFamily="49" charset="0"/>
+            </a:endParaRPr>
+          </a:p>
+          <a:p>
+            <a:pPr>
+              <a:spcAft>
+                <a:spcPts val="0"/>
+              </a:spcAft>
+            </a:pPr>
+            <a:r>
+              <a:rPr lang="en-US" sz="1600" dirty="0">
+                <a:solidFill>
+                  <a:srgbClr val="000000"/>
+                </a:solidFill>
+                <a:latin typeface="Consolas" panose="020B0609020204030204" pitchFamily="49" charset="0"/>
+                <a:ea typeface="Calibri" panose="020F0502020204030204" pitchFamily="34" charset="0"/>
+                <a:cs typeface="Consolas" panose="020B0609020204030204" pitchFamily="49" charset="0"/>
+              </a:rPr>
+              <a:t>  }</a:t>
+            </a:r>
+            <a:endParaRPr lang="ru-RU" sz="1600" dirty="0">
+              <a:latin typeface="Consolas" panose="020B0609020204030204" pitchFamily="49" charset="0"/>
+              <a:ea typeface="Calibri" panose="020F0502020204030204" pitchFamily="34" charset="0"/>
+              <a:cs typeface="Consolas" panose="020B0609020204030204" pitchFamily="49" charset="0"/>
+            </a:endParaRPr>
+          </a:p>
+          <a:p>
+            <a:pPr>
+              <a:spcAft>
+                <a:spcPts val="0"/>
+              </a:spcAft>
+            </a:pPr>
+            <a:r>
+              <a:rPr lang="en-US" sz="1600" dirty="0">
+                <a:solidFill>
+                  <a:srgbClr val="000000"/>
+                </a:solidFill>
+                <a:latin typeface="Consolas" panose="020B0609020204030204" pitchFamily="49" charset="0"/>
+                <a:ea typeface="Calibri" panose="020F0502020204030204" pitchFamily="34" charset="0"/>
+                <a:cs typeface="Consolas" panose="020B0609020204030204" pitchFamily="49" charset="0"/>
+              </a:rPr>
+              <a:t>};</a:t>
+            </a:r>
+            <a:endParaRPr lang="ru-RU" sz="1600" dirty="0">
+              <a:latin typeface="Consolas" panose="020B0609020204030204" pitchFamily="49" charset="0"/>
+              <a:ea typeface="Calibri" panose="020F0502020204030204" pitchFamily="34" charset="0"/>
+              <a:cs typeface="Consolas" panose="020B0609020204030204" pitchFamily="49" charset="0"/>
+            </a:endParaRPr>
+          </a:p>
+          <a:p>
+            <a:pPr>
+              <a:spcAft>
+                <a:spcPts val="0"/>
+              </a:spcAft>
+            </a:pPr>
+            <a:r>
+              <a:rPr lang="en-US" sz="1600" dirty="0">
+                <a:solidFill>
+                  <a:srgbClr val="000000"/>
+                </a:solidFill>
+                <a:latin typeface="Consolas" panose="020B0609020204030204" pitchFamily="49" charset="0"/>
+                <a:ea typeface="Calibri" panose="020F0502020204030204" pitchFamily="34" charset="0"/>
+                <a:cs typeface="Consolas" panose="020B0609020204030204" pitchFamily="49" charset="0"/>
+              </a:rPr>
+              <a:t> </a:t>
+            </a:r>
+            <a:endParaRPr lang="ru-RU" sz="1600" dirty="0">
+              <a:latin typeface="Consolas" panose="020B0609020204030204" pitchFamily="49" charset="0"/>
+              <a:ea typeface="Calibri" panose="020F0502020204030204" pitchFamily="34" charset="0"/>
+              <a:cs typeface="Consolas" panose="020B0609020204030204" pitchFamily="49" charset="0"/>
+            </a:endParaRPr>
+          </a:p>
+          <a:p>
+            <a:pPr>
+              <a:spcAft>
+                <a:spcPts val="0"/>
+              </a:spcAft>
+            </a:pPr>
+            <a:r>
+              <a:rPr lang="en-US" sz="1600" dirty="0">
+                <a:solidFill>
+                  <a:srgbClr val="0000FF"/>
+                </a:solidFill>
+                <a:latin typeface="Consolas" panose="020B0609020204030204" pitchFamily="49" charset="0"/>
+                <a:ea typeface="Calibri" panose="020F0502020204030204" pitchFamily="34" charset="0"/>
+                <a:cs typeface="Consolas" panose="020B0609020204030204" pitchFamily="49" charset="0"/>
+              </a:rPr>
+              <a:t>class</a:t>
+            </a:r>
+            <a:r>
+              <a:rPr lang="en-US" sz="1600" dirty="0">
+                <a:solidFill>
+                  <a:srgbClr val="000000"/>
+                </a:solidFill>
+                <a:latin typeface="Consolas" panose="020B0609020204030204" pitchFamily="49" charset="0"/>
+                <a:ea typeface="Calibri" panose="020F0502020204030204" pitchFamily="34" charset="0"/>
+                <a:cs typeface="Consolas" panose="020B0609020204030204" pitchFamily="49" charset="0"/>
+              </a:rPr>
+              <a:t> </a:t>
+            </a:r>
+            <a:r>
+              <a:rPr lang="en-US" sz="1600" dirty="0" err="1">
+                <a:solidFill>
+                  <a:srgbClr val="2B91AF"/>
+                </a:solidFill>
+                <a:latin typeface="Consolas" panose="020B0609020204030204" pitchFamily="49" charset="0"/>
+                <a:ea typeface="Calibri" panose="020F0502020204030204" pitchFamily="34" charset="0"/>
+                <a:cs typeface="Consolas" panose="020B0609020204030204" pitchFamily="49" charset="0"/>
+              </a:rPr>
+              <a:t>CPoint</a:t>
+            </a:r>
+            <a:r>
+              <a:rPr lang="en-US" sz="1600" dirty="0">
+                <a:solidFill>
+                  <a:srgbClr val="000000"/>
+                </a:solidFill>
+                <a:latin typeface="Consolas" panose="020B0609020204030204" pitchFamily="49" charset="0"/>
+                <a:ea typeface="Calibri" panose="020F0502020204030204" pitchFamily="34" charset="0"/>
+                <a:cs typeface="Consolas" panose="020B0609020204030204" pitchFamily="49" charset="0"/>
+              </a:rPr>
+              <a:t> : </a:t>
+            </a:r>
+            <a:r>
+              <a:rPr lang="en-US" sz="1600" dirty="0">
+                <a:solidFill>
+                  <a:srgbClr val="0000FF"/>
+                </a:solidFill>
+                <a:latin typeface="Consolas" panose="020B0609020204030204" pitchFamily="49" charset="0"/>
+                <a:ea typeface="Calibri" panose="020F0502020204030204" pitchFamily="34" charset="0"/>
+                <a:cs typeface="Consolas" panose="020B0609020204030204" pitchFamily="49" charset="0"/>
+              </a:rPr>
+              <a:t>public</a:t>
+            </a:r>
+            <a:r>
+              <a:rPr lang="en-US" sz="1600" dirty="0">
+                <a:solidFill>
+                  <a:srgbClr val="000000"/>
+                </a:solidFill>
+                <a:latin typeface="Consolas" panose="020B0609020204030204" pitchFamily="49" charset="0"/>
+                <a:ea typeface="Calibri" panose="020F0502020204030204" pitchFamily="34" charset="0"/>
+                <a:cs typeface="Consolas" panose="020B0609020204030204" pitchFamily="49" charset="0"/>
+              </a:rPr>
+              <a:t> </a:t>
+            </a:r>
+            <a:r>
+              <a:rPr lang="en-US" sz="1600" dirty="0" err="1" smtClean="0">
+                <a:solidFill>
+                  <a:srgbClr val="2B91AF"/>
+                </a:solidFill>
+                <a:latin typeface="Consolas" panose="020B0609020204030204" pitchFamily="49" charset="0"/>
+                <a:ea typeface="Calibri" panose="020F0502020204030204" pitchFamily="34" charset="0"/>
+                <a:cs typeface="Consolas" panose="020B0609020204030204" pitchFamily="49" charset="0"/>
+              </a:rPr>
+              <a:t>CPrototypeImpl</a:t>
+            </a:r>
+            <a:r>
+              <a:rPr lang="en-US" sz="1600" dirty="0" smtClean="0">
+                <a:solidFill>
+                  <a:srgbClr val="000000"/>
+                </a:solidFill>
+                <a:latin typeface="Consolas" panose="020B0609020204030204" pitchFamily="49" charset="0"/>
+                <a:ea typeface="Calibri" panose="020F0502020204030204" pitchFamily="34" charset="0"/>
+                <a:cs typeface="Consolas" panose="020B0609020204030204" pitchFamily="49" charset="0"/>
+              </a:rPr>
+              <a:t>&lt;</a:t>
+            </a:r>
+            <a:r>
+              <a:rPr lang="en-US" sz="1600" dirty="0" err="1" smtClean="0">
+                <a:solidFill>
+                  <a:srgbClr val="2B91AF"/>
+                </a:solidFill>
+                <a:latin typeface="Consolas" panose="020B0609020204030204" pitchFamily="49" charset="0"/>
+                <a:ea typeface="Calibri" panose="020F0502020204030204" pitchFamily="34" charset="0"/>
+                <a:cs typeface="Consolas" panose="020B0609020204030204" pitchFamily="49" charset="0"/>
+              </a:rPr>
+              <a:t>CPoint</a:t>
+            </a:r>
+            <a:r>
+              <a:rPr lang="en-US" sz="1600" dirty="0" smtClean="0">
+                <a:solidFill>
+                  <a:srgbClr val="000000"/>
+                </a:solidFill>
+                <a:latin typeface="Consolas" panose="020B0609020204030204" pitchFamily="49" charset="0"/>
+                <a:ea typeface="Calibri" panose="020F0502020204030204" pitchFamily="34" charset="0"/>
+                <a:cs typeface="Consolas" panose="020B0609020204030204" pitchFamily="49" charset="0"/>
+              </a:rPr>
+              <a:t>, </a:t>
+            </a:r>
+            <a:r>
+              <a:rPr lang="en-US" sz="1600" dirty="0" err="1" smtClean="0">
+                <a:solidFill>
+                  <a:srgbClr val="2B91AF"/>
+                </a:solidFill>
+                <a:latin typeface="Consolas" panose="020B0609020204030204" pitchFamily="49" charset="0"/>
+                <a:ea typeface="Calibri" panose="020F0502020204030204" pitchFamily="34" charset="0"/>
+                <a:cs typeface="Consolas" panose="020B0609020204030204" pitchFamily="49" charset="0"/>
+              </a:rPr>
+              <a:t>CShape</a:t>
+            </a:r>
+            <a:r>
+              <a:rPr lang="en-US" sz="1600" dirty="0">
+                <a:solidFill>
+                  <a:srgbClr val="000000"/>
+                </a:solidFill>
+                <a:latin typeface="Consolas" panose="020B0609020204030204" pitchFamily="49" charset="0"/>
+                <a:ea typeface="Calibri" panose="020F0502020204030204" pitchFamily="34" charset="0"/>
+                <a:cs typeface="Consolas" panose="020B0609020204030204" pitchFamily="49" charset="0"/>
+              </a:rPr>
+              <a:t>, </a:t>
+            </a:r>
+            <a:r>
+              <a:rPr lang="en-US" sz="1600" dirty="0" err="1" smtClean="0">
+                <a:solidFill>
+                  <a:srgbClr val="2B91AF"/>
+                </a:solidFill>
+                <a:latin typeface="Consolas" panose="020B0609020204030204" pitchFamily="49" charset="0"/>
+                <a:ea typeface="Calibri" panose="020F0502020204030204" pitchFamily="34" charset="0"/>
+                <a:cs typeface="Consolas" panose="020B0609020204030204" pitchFamily="49" charset="0"/>
+              </a:rPr>
+              <a:t>CShape</a:t>
+            </a:r>
+            <a:r>
+              <a:rPr lang="en-US" sz="1600" dirty="0" smtClean="0">
+                <a:solidFill>
+                  <a:srgbClr val="000000"/>
+                </a:solidFill>
+                <a:latin typeface="Consolas" panose="020B0609020204030204" pitchFamily="49" charset="0"/>
+                <a:ea typeface="Calibri" panose="020F0502020204030204" pitchFamily="34" charset="0"/>
+                <a:cs typeface="Consolas" panose="020B0609020204030204" pitchFamily="49" charset="0"/>
+              </a:rPr>
+              <a:t>&gt;</a:t>
+            </a:r>
+            <a:endParaRPr lang="ru-RU" sz="1600" dirty="0">
+              <a:latin typeface="Consolas" panose="020B0609020204030204" pitchFamily="49" charset="0"/>
+              <a:ea typeface="Calibri" panose="020F0502020204030204" pitchFamily="34" charset="0"/>
+              <a:cs typeface="Consolas" panose="020B0609020204030204" pitchFamily="49" charset="0"/>
+            </a:endParaRPr>
+          </a:p>
+          <a:p>
+            <a:pPr>
+              <a:spcAft>
+                <a:spcPts val="0"/>
+              </a:spcAft>
+            </a:pPr>
+            <a:r>
+              <a:rPr lang="en-US" sz="1600" dirty="0">
+                <a:solidFill>
+                  <a:srgbClr val="000000"/>
+                </a:solidFill>
+                <a:latin typeface="Consolas" panose="020B0609020204030204" pitchFamily="49" charset="0"/>
+                <a:ea typeface="Calibri" panose="020F0502020204030204" pitchFamily="34" charset="0"/>
+                <a:cs typeface="Consolas" panose="020B0609020204030204" pitchFamily="49" charset="0"/>
+              </a:rPr>
+              <a:t>{</a:t>
+            </a:r>
+            <a:endParaRPr lang="ru-RU" sz="1600" dirty="0">
+              <a:latin typeface="Consolas" panose="020B0609020204030204" pitchFamily="49" charset="0"/>
+              <a:ea typeface="Calibri" panose="020F0502020204030204" pitchFamily="34" charset="0"/>
+              <a:cs typeface="Consolas" panose="020B0609020204030204" pitchFamily="49" charset="0"/>
+            </a:endParaRPr>
+          </a:p>
+          <a:p>
+            <a:pPr>
+              <a:spcAft>
+                <a:spcPts val="0"/>
+              </a:spcAft>
+            </a:pPr>
+            <a:r>
+              <a:rPr lang="en-US" sz="1600" dirty="0">
+                <a:solidFill>
+                  <a:srgbClr val="0000FF"/>
+                </a:solidFill>
+                <a:latin typeface="Consolas" panose="020B0609020204030204" pitchFamily="49" charset="0"/>
+                <a:ea typeface="Calibri" panose="020F0502020204030204" pitchFamily="34" charset="0"/>
+                <a:cs typeface="Consolas" panose="020B0609020204030204" pitchFamily="49" charset="0"/>
+              </a:rPr>
+              <a:t>public</a:t>
+            </a:r>
+            <a:r>
+              <a:rPr lang="en-US" sz="1600" dirty="0">
+                <a:solidFill>
+                  <a:srgbClr val="000000"/>
+                </a:solidFill>
+                <a:latin typeface="Consolas" panose="020B0609020204030204" pitchFamily="49" charset="0"/>
+                <a:ea typeface="Calibri" panose="020F0502020204030204" pitchFamily="34" charset="0"/>
+                <a:cs typeface="Consolas" panose="020B0609020204030204" pitchFamily="49" charset="0"/>
+              </a:rPr>
+              <a:t>:</a:t>
+            </a:r>
+            <a:endParaRPr lang="ru-RU" sz="1600" dirty="0">
+              <a:latin typeface="Consolas" panose="020B0609020204030204" pitchFamily="49" charset="0"/>
+              <a:ea typeface="Calibri" panose="020F0502020204030204" pitchFamily="34" charset="0"/>
+              <a:cs typeface="Consolas" panose="020B0609020204030204" pitchFamily="49" charset="0"/>
+            </a:endParaRPr>
+          </a:p>
+          <a:p>
+            <a:pPr>
+              <a:spcAft>
+                <a:spcPts val="0"/>
+              </a:spcAft>
+            </a:pPr>
+            <a:r>
+              <a:rPr lang="en-US" sz="1600" dirty="0">
+                <a:solidFill>
+                  <a:srgbClr val="000000"/>
+                </a:solidFill>
+                <a:latin typeface="Consolas" panose="020B0609020204030204" pitchFamily="49" charset="0"/>
+                <a:ea typeface="Calibri" panose="020F0502020204030204" pitchFamily="34" charset="0"/>
+                <a:cs typeface="Consolas" panose="020B0609020204030204" pitchFamily="49" charset="0"/>
+              </a:rPr>
+              <a:t>  </a:t>
+            </a:r>
+            <a:r>
+              <a:rPr lang="en-US" sz="1600" dirty="0" err="1">
+                <a:solidFill>
+                  <a:srgbClr val="000000"/>
+                </a:solidFill>
+                <a:latin typeface="Consolas" panose="020B0609020204030204" pitchFamily="49" charset="0"/>
+                <a:ea typeface="Calibri" panose="020F0502020204030204" pitchFamily="34" charset="0"/>
+                <a:cs typeface="Consolas" panose="020B0609020204030204" pitchFamily="49" charset="0"/>
+              </a:rPr>
+              <a:t>CPoint</a:t>
+            </a:r>
+            <a:r>
+              <a:rPr lang="en-US" sz="1600" dirty="0">
+                <a:solidFill>
+                  <a:srgbClr val="000000"/>
+                </a:solidFill>
+                <a:latin typeface="Consolas" panose="020B0609020204030204" pitchFamily="49" charset="0"/>
+                <a:ea typeface="Calibri" panose="020F0502020204030204" pitchFamily="34" charset="0"/>
+                <a:cs typeface="Consolas" panose="020B0609020204030204" pitchFamily="49" charset="0"/>
+              </a:rPr>
+              <a:t>() = </a:t>
+            </a:r>
+            <a:r>
+              <a:rPr lang="en-US" sz="1600" dirty="0">
+                <a:solidFill>
+                  <a:srgbClr val="0000FF"/>
+                </a:solidFill>
+                <a:latin typeface="Consolas" panose="020B0609020204030204" pitchFamily="49" charset="0"/>
+                <a:ea typeface="Calibri" panose="020F0502020204030204" pitchFamily="34" charset="0"/>
+                <a:cs typeface="Consolas" panose="020B0609020204030204" pitchFamily="49" charset="0"/>
+              </a:rPr>
+              <a:t>default</a:t>
+            </a:r>
+            <a:r>
+              <a:rPr lang="en-US" sz="1600" dirty="0">
+                <a:solidFill>
+                  <a:srgbClr val="000000"/>
+                </a:solidFill>
+                <a:latin typeface="Consolas" panose="020B0609020204030204" pitchFamily="49" charset="0"/>
+                <a:ea typeface="Calibri" panose="020F0502020204030204" pitchFamily="34" charset="0"/>
+                <a:cs typeface="Consolas" panose="020B0609020204030204" pitchFamily="49" charset="0"/>
+              </a:rPr>
+              <a:t>;</a:t>
+            </a:r>
+            <a:endParaRPr lang="ru-RU" sz="1600" dirty="0">
+              <a:latin typeface="Consolas" panose="020B0609020204030204" pitchFamily="49" charset="0"/>
+              <a:ea typeface="Calibri" panose="020F0502020204030204" pitchFamily="34" charset="0"/>
+              <a:cs typeface="Consolas" panose="020B0609020204030204" pitchFamily="49" charset="0"/>
+            </a:endParaRPr>
+          </a:p>
+          <a:p>
+            <a:pPr>
+              <a:spcAft>
+                <a:spcPts val="0"/>
+              </a:spcAft>
+            </a:pPr>
+            <a:r>
+              <a:rPr lang="en-US" sz="1600" dirty="0">
+                <a:solidFill>
+                  <a:srgbClr val="000000"/>
+                </a:solidFill>
+                <a:latin typeface="Consolas" panose="020B0609020204030204" pitchFamily="49" charset="0"/>
+                <a:ea typeface="Calibri" panose="020F0502020204030204" pitchFamily="34" charset="0"/>
+                <a:cs typeface="Consolas" panose="020B0609020204030204" pitchFamily="49" charset="0"/>
+              </a:rPr>
+              <a:t>  </a:t>
+            </a:r>
+            <a:r>
+              <a:rPr lang="en-US" sz="1600" dirty="0" err="1">
+                <a:solidFill>
+                  <a:srgbClr val="000000"/>
+                </a:solidFill>
+                <a:latin typeface="Consolas" panose="020B0609020204030204" pitchFamily="49" charset="0"/>
+                <a:ea typeface="Calibri" panose="020F0502020204030204" pitchFamily="34" charset="0"/>
+                <a:cs typeface="Consolas" panose="020B0609020204030204" pitchFamily="49" charset="0"/>
+              </a:rPr>
+              <a:t>CPoint</a:t>
+            </a:r>
+            <a:r>
+              <a:rPr lang="en-US" sz="1600" dirty="0">
+                <a:solidFill>
+                  <a:srgbClr val="000000"/>
+                </a:solidFill>
+                <a:latin typeface="Consolas" panose="020B0609020204030204" pitchFamily="49" charset="0"/>
+                <a:ea typeface="Calibri" panose="020F0502020204030204" pitchFamily="34" charset="0"/>
+                <a:cs typeface="Consolas" panose="020B0609020204030204" pitchFamily="49" charset="0"/>
+              </a:rPr>
+              <a:t>(</a:t>
+            </a:r>
+            <a:r>
+              <a:rPr lang="en-US" sz="1600" dirty="0">
+                <a:solidFill>
+                  <a:srgbClr val="0000FF"/>
+                </a:solidFill>
+                <a:latin typeface="Consolas" panose="020B0609020204030204" pitchFamily="49" charset="0"/>
+                <a:ea typeface="Calibri" panose="020F0502020204030204" pitchFamily="34" charset="0"/>
+                <a:cs typeface="Consolas" panose="020B0609020204030204" pitchFamily="49" charset="0"/>
+              </a:rPr>
+              <a:t>double</a:t>
+            </a:r>
+            <a:r>
+              <a:rPr lang="en-US" sz="1600" dirty="0">
+                <a:solidFill>
+                  <a:srgbClr val="000000"/>
+                </a:solidFill>
+                <a:latin typeface="Consolas" panose="020B0609020204030204" pitchFamily="49" charset="0"/>
+                <a:ea typeface="Calibri" panose="020F0502020204030204" pitchFamily="34" charset="0"/>
+                <a:cs typeface="Consolas" panose="020B0609020204030204" pitchFamily="49" charset="0"/>
+              </a:rPr>
+              <a:t> </a:t>
+            </a:r>
+            <a:r>
+              <a:rPr lang="en-US" sz="1600" dirty="0">
+                <a:solidFill>
+                  <a:srgbClr val="808080"/>
+                </a:solidFill>
+                <a:latin typeface="Consolas" panose="020B0609020204030204" pitchFamily="49" charset="0"/>
+                <a:ea typeface="Calibri" panose="020F0502020204030204" pitchFamily="34" charset="0"/>
+                <a:cs typeface="Consolas" panose="020B0609020204030204" pitchFamily="49" charset="0"/>
+              </a:rPr>
+              <a:t>x</a:t>
+            </a:r>
+            <a:r>
+              <a:rPr lang="en-US" sz="1600" dirty="0">
+                <a:solidFill>
+                  <a:srgbClr val="000000"/>
+                </a:solidFill>
+                <a:latin typeface="Consolas" panose="020B0609020204030204" pitchFamily="49" charset="0"/>
+                <a:ea typeface="Calibri" panose="020F0502020204030204" pitchFamily="34" charset="0"/>
+                <a:cs typeface="Consolas" panose="020B0609020204030204" pitchFamily="49" charset="0"/>
+              </a:rPr>
+              <a:t>, </a:t>
+            </a:r>
+            <a:r>
+              <a:rPr lang="en-US" sz="1600" dirty="0">
+                <a:solidFill>
+                  <a:srgbClr val="0000FF"/>
+                </a:solidFill>
+                <a:latin typeface="Consolas" panose="020B0609020204030204" pitchFamily="49" charset="0"/>
+                <a:ea typeface="Calibri" panose="020F0502020204030204" pitchFamily="34" charset="0"/>
+                <a:cs typeface="Consolas" panose="020B0609020204030204" pitchFamily="49" charset="0"/>
+              </a:rPr>
+              <a:t>double</a:t>
+            </a:r>
+            <a:r>
+              <a:rPr lang="en-US" sz="1600" dirty="0">
+                <a:solidFill>
+                  <a:srgbClr val="000000"/>
+                </a:solidFill>
+                <a:latin typeface="Consolas" panose="020B0609020204030204" pitchFamily="49" charset="0"/>
+                <a:ea typeface="Calibri" panose="020F0502020204030204" pitchFamily="34" charset="0"/>
+                <a:cs typeface="Consolas" panose="020B0609020204030204" pitchFamily="49" charset="0"/>
+              </a:rPr>
+              <a:t> </a:t>
+            </a:r>
+            <a:r>
+              <a:rPr lang="en-US" sz="1600" dirty="0">
+                <a:solidFill>
+                  <a:srgbClr val="808080"/>
+                </a:solidFill>
+                <a:latin typeface="Consolas" panose="020B0609020204030204" pitchFamily="49" charset="0"/>
+                <a:ea typeface="Calibri" panose="020F0502020204030204" pitchFamily="34" charset="0"/>
+                <a:cs typeface="Consolas" panose="020B0609020204030204" pitchFamily="49" charset="0"/>
+              </a:rPr>
+              <a:t>y</a:t>
+            </a:r>
+            <a:r>
+              <a:rPr lang="en-US" sz="1600" dirty="0">
+                <a:solidFill>
+                  <a:srgbClr val="000000"/>
+                </a:solidFill>
+                <a:latin typeface="Consolas" panose="020B0609020204030204" pitchFamily="49" charset="0"/>
+                <a:ea typeface="Calibri" panose="020F0502020204030204" pitchFamily="34" charset="0"/>
+                <a:cs typeface="Consolas" panose="020B0609020204030204" pitchFamily="49" charset="0"/>
+              </a:rPr>
+              <a:t>)</a:t>
+            </a:r>
+            <a:endParaRPr lang="ru-RU" sz="1600" dirty="0">
+              <a:latin typeface="Consolas" panose="020B0609020204030204" pitchFamily="49" charset="0"/>
+              <a:ea typeface="Calibri" panose="020F0502020204030204" pitchFamily="34" charset="0"/>
+              <a:cs typeface="Consolas" panose="020B0609020204030204" pitchFamily="49" charset="0"/>
+            </a:endParaRPr>
+          </a:p>
+          <a:p>
+            <a:pPr>
+              <a:spcAft>
+                <a:spcPts val="0"/>
+              </a:spcAft>
+            </a:pPr>
+            <a:r>
+              <a:rPr lang="en-US" sz="1600" dirty="0">
+                <a:solidFill>
+                  <a:srgbClr val="000000"/>
+                </a:solidFill>
+                <a:latin typeface="Consolas" panose="020B0609020204030204" pitchFamily="49" charset="0"/>
+                <a:ea typeface="Calibri" panose="020F0502020204030204" pitchFamily="34" charset="0"/>
+                <a:cs typeface="Consolas" panose="020B0609020204030204" pitchFamily="49" charset="0"/>
+              </a:rPr>
+              <a:t>    : </a:t>
+            </a:r>
+            <a:r>
+              <a:rPr lang="en-US" sz="1600" dirty="0" err="1">
+                <a:solidFill>
+                  <a:srgbClr val="000000"/>
+                </a:solidFill>
+                <a:latin typeface="Consolas" panose="020B0609020204030204" pitchFamily="49" charset="0"/>
+                <a:ea typeface="Calibri" panose="020F0502020204030204" pitchFamily="34" charset="0"/>
+                <a:cs typeface="Consolas" panose="020B0609020204030204" pitchFamily="49" charset="0"/>
+              </a:rPr>
+              <a:t>m_x</a:t>
+            </a:r>
+            <a:r>
+              <a:rPr lang="en-US" sz="1600" dirty="0">
+                <a:solidFill>
+                  <a:srgbClr val="000000"/>
+                </a:solidFill>
+                <a:latin typeface="Consolas" panose="020B0609020204030204" pitchFamily="49" charset="0"/>
+                <a:ea typeface="Calibri" panose="020F0502020204030204" pitchFamily="34" charset="0"/>
+                <a:cs typeface="Consolas" panose="020B0609020204030204" pitchFamily="49" charset="0"/>
+              </a:rPr>
+              <a:t>(</a:t>
+            </a:r>
+            <a:r>
+              <a:rPr lang="en-US" sz="1600" dirty="0">
+                <a:solidFill>
+                  <a:srgbClr val="808080"/>
+                </a:solidFill>
+                <a:latin typeface="Consolas" panose="020B0609020204030204" pitchFamily="49" charset="0"/>
+                <a:ea typeface="Calibri" panose="020F0502020204030204" pitchFamily="34" charset="0"/>
+                <a:cs typeface="Consolas" panose="020B0609020204030204" pitchFamily="49" charset="0"/>
+              </a:rPr>
+              <a:t>x</a:t>
+            </a:r>
+            <a:r>
+              <a:rPr lang="en-US" sz="1600" dirty="0">
+                <a:solidFill>
+                  <a:srgbClr val="000000"/>
+                </a:solidFill>
+                <a:latin typeface="Consolas" panose="020B0609020204030204" pitchFamily="49" charset="0"/>
+                <a:ea typeface="Calibri" panose="020F0502020204030204" pitchFamily="34" charset="0"/>
+                <a:cs typeface="Consolas" panose="020B0609020204030204" pitchFamily="49" charset="0"/>
+              </a:rPr>
+              <a:t>), </a:t>
+            </a:r>
+            <a:r>
+              <a:rPr lang="en-US" sz="1600" dirty="0" err="1">
+                <a:solidFill>
+                  <a:srgbClr val="000000"/>
+                </a:solidFill>
+                <a:latin typeface="Consolas" panose="020B0609020204030204" pitchFamily="49" charset="0"/>
+                <a:ea typeface="Calibri" panose="020F0502020204030204" pitchFamily="34" charset="0"/>
+                <a:cs typeface="Consolas" panose="020B0609020204030204" pitchFamily="49" charset="0"/>
+              </a:rPr>
+              <a:t>m_y</a:t>
+            </a:r>
+            <a:r>
+              <a:rPr lang="en-US" sz="1600" dirty="0">
+                <a:solidFill>
+                  <a:srgbClr val="000000"/>
+                </a:solidFill>
+                <a:latin typeface="Consolas" panose="020B0609020204030204" pitchFamily="49" charset="0"/>
+                <a:ea typeface="Calibri" panose="020F0502020204030204" pitchFamily="34" charset="0"/>
+                <a:cs typeface="Consolas" panose="020B0609020204030204" pitchFamily="49" charset="0"/>
+              </a:rPr>
+              <a:t>(</a:t>
+            </a:r>
+            <a:r>
+              <a:rPr lang="en-US" sz="1600" dirty="0">
+                <a:solidFill>
+                  <a:srgbClr val="808080"/>
+                </a:solidFill>
+                <a:latin typeface="Consolas" panose="020B0609020204030204" pitchFamily="49" charset="0"/>
+                <a:ea typeface="Calibri" panose="020F0502020204030204" pitchFamily="34" charset="0"/>
+                <a:cs typeface="Consolas" panose="020B0609020204030204" pitchFamily="49" charset="0"/>
+              </a:rPr>
+              <a:t>y</a:t>
+            </a:r>
+            <a:r>
+              <a:rPr lang="en-US" sz="1600" dirty="0" smtClean="0">
+                <a:solidFill>
+                  <a:srgbClr val="000000"/>
+                </a:solidFill>
+                <a:latin typeface="Consolas" panose="020B0609020204030204" pitchFamily="49" charset="0"/>
+                <a:ea typeface="Calibri" panose="020F0502020204030204" pitchFamily="34" charset="0"/>
+                <a:cs typeface="Consolas" panose="020B0609020204030204" pitchFamily="49" charset="0"/>
+              </a:rPr>
+              <a:t>)</a:t>
+            </a:r>
+            <a:r>
+              <a:rPr lang="en-US" sz="1600" dirty="0">
+                <a:latin typeface="Consolas" panose="020B0609020204030204" pitchFamily="49" charset="0"/>
+                <a:ea typeface="Calibri" panose="020F0502020204030204" pitchFamily="34" charset="0"/>
+                <a:cs typeface="Consolas" panose="020B0609020204030204" pitchFamily="49" charset="0"/>
+              </a:rPr>
+              <a:t> </a:t>
+            </a:r>
+            <a:r>
+              <a:rPr lang="en-US" sz="1600" dirty="0" smtClean="0">
+                <a:solidFill>
+                  <a:srgbClr val="000000"/>
+                </a:solidFill>
+                <a:latin typeface="Consolas" panose="020B0609020204030204" pitchFamily="49" charset="0"/>
+                <a:ea typeface="Calibri" panose="020F0502020204030204" pitchFamily="34" charset="0"/>
+                <a:cs typeface="Consolas" panose="020B0609020204030204" pitchFamily="49" charset="0"/>
+              </a:rPr>
+              <a:t>{ }</a:t>
+            </a:r>
+            <a:endParaRPr lang="ru-RU" sz="1600" dirty="0">
+              <a:latin typeface="Consolas" panose="020B0609020204030204" pitchFamily="49" charset="0"/>
+              <a:ea typeface="Calibri" panose="020F0502020204030204" pitchFamily="34" charset="0"/>
+              <a:cs typeface="Consolas" panose="020B0609020204030204" pitchFamily="49" charset="0"/>
+            </a:endParaRPr>
+          </a:p>
+          <a:p>
+            <a:pPr>
+              <a:spcAft>
+                <a:spcPts val="0"/>
+              </a:spcAft>
+            </a:pPr>
+            <a:r>
+              <a:rPr lang="en-US" sz="1600" dirty="0">
+                <a:solidFill>
+                  <a:srgbClr val="0000FF"/>
+                </a:solidFill>
+                <a:latin typeface="Consolas" panose="020B0609020204030204" pitchFamily="49" charset="0"/>
+                <a:ea typeface="Calibri" panose="020F0502020204030204" pitchFamily="34" charset="0"/>
+                <a:cs typeface="Consolas" panose="020B0609020204030204" pitchFamily="49" charset="0"/>
+              </a:rPr>
+              <a:t>private</a:t>
+            </a:r>
+            <a:r>
+              <a:rPr lang="en-US" sz="1600" dirty="0">
+                <a:solidFill>
+                  <a:srgbClr val="000000"/>
+                </a:solidFill>
+                <a:latin typeface="Consolas" panose="020B0609020204030204" pitchFamily="49" charset="0"/>
+                <a:ea typeface="Calibri" panose="020F0502020204030204" pitchFamily="34" charset="0"/>
+                <a:cs typeface="Consolas" panose="020B0609020204030204" pitchFamily="49" charset="0"/>
+              </a:rPr>
+              <a:t>:</a:t>
+            </a:r>
+            <a:endParaRPr lang="ru-RU" sz="1600" dirty="0">
+              <a:latin typeface="Consolas" panose="020B0609020204030204" pitchFamily="49" charset="0"/>
+              <a:ea typeface="Calibri" panose="020F0502020204030204" pitchFamily="34" charset="0"/>
+              <a:cs typeface="Consolas" panose="020B0609020204030204" pitchFamily="49" charset="0"/>
+            </a:endParaRPr>
+          </a:p>
+          <a:p>
+            <a:pPr>
+              <a:spcAft>
+                <a:spcPts val="0"/>
+              </a:spcAft>
+            </a:pPr>
+            <a:r>
+              <a:rPr lang="en-US" sz="1600" dirty="0">
+                <a:solidFill>
+                  <a:srgbClr val="000000"/>
+                </a:solidFill>
+                <a:latin typeface="Consolas" panose="020B0609020204030204" pitchFamily="49" charset="0"/>
+                <a:ea typeface="Calibri" panose="020F0502020204030204" pitchFamily="34" charset="0"/>
+                <a:cs typeface="Consolas" panose="020B0609020204030204" pitchFamily="49" charset="0"/>
+              </a:rPr>
+              <a:t>  </a:t>
+            </a:r>
+            <a:r>
+              <a:rPr lang="en-US" sz="1600" dirty="0">
+                <a:solidFill>
+                  <a:srgbClr val="0000FF"/>
+                </a:solidFill>
+                <a:latin typeface="Consolas" panose="020B0609020204030204" pitchFamily="49" charset="0"/>
+                <a:ea typeface="Calibri" panose="020F0502020204030204" pitchFamily="34" charset="0"/>
+                <a:cs typeface="Consolas" panose="020B0609020204030204" pitchFamily="49" charset="0"/>
+              </a:rPr>
+              <a:t>double</a:t>
+            </a:r>
+            <a:r>
+              <a:rPr lang="en-US" sz="1600" dirty="0">
+                <a:solidFill>
+                  <a:srgbClr val="000000"/>
+                </a:solidFill>
+                <a:latin typeface="Consolas" panose="020B0609020204030204" pitchFamily="49" charset="0"/>
+                <a:ea typeface="Calibri" panose="020F0502020204030204" pitchFamily="34" charset="0"/>
+                <a:cs typeface="Consolas" panose="020B0609020204030204" pitchFamily="49" charset="0"/>
+              </a:rPr>
+              <a:t> </a:t>
+            </a:r>
+            <a:r>
+              <a:rPr lang="en-US" sz="1600" dirty="0" err="1">
+                <a:solidFill>
+                  <a:srgbClr val="000000"/>
+                </a:solidFill>
+                <a:latin typeface="Consolas" panose="020B0609020204030204" pitchFamily="49" charset="0"/>
+                <a:ea typeface="Calibri" panose="020F0502020204030204" pitchFamily="34" charset="0"/>
+                <a:cs typeface="Consolas" panose="020B0609020204030204" pitchFamily="49" charset="0"/>
+              </a:rPr>
+              <a:t>m_x</a:t>
+            </a:r>
+            <a:r>
+              <a:rPr lang="en-US" sz="1600" dirty="0">
+                <a:solidFill>
+                  <a:srgbClr val="000000"/>
+                </a:solidFill>
+                <a:latin typeface="Consolas" panose="020B0609020204030204" pitchFamily="49" charset="0"/>
+                <a:ea typeface="Calibri" panose="020F0502020204030204" pitchFamily="34" charset="0"/>
+                <a:cs typeface="Consolas" panose="020B0609020204030204" pitchFamily="49" charset="0"/>
+              </a:rPr>
+              <a:t> = 0.0;</a:t>
+            </a:r>
+            <a:endParaRPr lang="ru-RU" sz="1600" dirty="0">
+              <a:latin typeface="Consolas" panose="020B0609020204030204" pitchFamily="49" charset="0"/>
+              <a:ea typeface="Calibri" panose="020F0502020204030204" pitchFamily="34" charset="0"/>
+              <a:cs typeface="Consolas" panose="020B0609020204030204" pitchFamily="49" charset="0"/>
+            </a:endParaRPr>
+          </a:p>
+          <a:p>
+            <a:pPr>
+              <a:spcAft>
+                <a:spcPts val="0"/>
+              </a:spcAft>
+            </a:pPr>
+            <a:r>
+              <a:rPr lang="en-US" sz="1600" dirty="0">
+                <a:solidFill>
+                  <a:srgbClr val="000000"/>
+                </a:solidFill>
+                <a:latin typeface="Consolas" panose="020B0609020204030204" pitchFamily="49" charset="0"/>
+                <a:ea typeface="Calibri" panose="020F0502020204030204" pitchFamily="34" charset="0"/>
+                <a:cs typeface="Consolas" panose="020B0609020204030204" pitchFamily="49" charset="0"/>
+              </a:rPr>
+              <a:t>  </a:t>
+            </a:r>
+            <a:r>
+              <a:rPr lang="en-US" sz="1600" dirty="0">
+                <a:solidFill>
+                  <a:srgbClr val="0000FF"/>
+                </a:solidFill>
+                <a:latin typeface="Consolas" panose="020B0609020204030204" pitchFamily="49" charset="0"/>
+                <a:ea typeface="Calibri" panose="020F0502020204030204" pitchFamily="34" charset="0"/>
+                <a:cs typeface="Consolas" panose="020B0609020204030204" pitchFamily="49" charset="0"/>
+              </a:rPr>
+              <a:t>double</a:t>
+            </a:r>
+            <a:r>
+              <a:rPr lang="en-US" sz="1600" dirty="0">
+                <a:solidFill>
+                  <a:srgbClr val="000000"/>
+                </a:solidFill>
+                <a:latin typeface="Consolas" panose="020B0609020204030204" pitchFamily="49" charset="0"/>
+                <a:ea typeface="Calibri" panose="020F0502020204030204" pitchFamily="34" charset="0"/>
+                <a:cs typeface="Consolas" panose="020B0609020204030204" pitchFamily="49" charset="0"/>
+              </a:rPr>
+              <a:t> </a:t>
+            </a:r>
+            <a:r>
+              <a:rPr lang="en-US" sz="1600" dirty="0" err="1">
+                <a:solidFill>
+                  <a:srgbClr val="000000"/>
+                </a:solidFill>
+                <a:latin typeface="Consolas" panose="020B0609020204030204" pitchFamily="49" charset="0"/>
+                <a:ea typeface="Calibri" panose="020F0502020204030204" pitchFamily="34" charset="0"/>
+                <a:cs typeface="Consolas" panose="020B0609020204030204" pitchFamily="49" charset="0"/>
+              </a:rPr>
+              <a:t>m_y</a:t>
+            </a:r>
+            <a:r>
+              <a:rPr lang="en-US" sz="1600" dirty="0">
+                <a:solidFill>
+                  <a:srgbClr val="000000"/>
+                </a:solidFill>
+                <a:latin typeface="Consolas" panose="020B0609020204030204" pitchFamily="49" charset="0"/>
+                <a:ea typeface="Calibri" panose="020F0502020204030204" pitchFamily="34" charset="0"/>
+                <a:cs typeface="Consolas" panose="020B0609020204030204" pitchFamily="49" charset="0"/>
+              </a:rPr>
+              <a:t> = 0.0;</a:t>
+            </a:r>
+            <a:endParaRPr lang="ru-RU" sz="1600" dirty="0">
+              <a:latin typeface="Consolas" panose="020B0609020204030204" pitchFamily="49" charset="0"/>
+              <a:ea typeface="Calibri" panose="020F0502020204030204" pitchFamily="34" charset="0"/>
+              <a:cs typeface="Consolas" panose="020B0609020204030204" pitchFamily="49" charset="0"/>
+            </a:endParaRPr>
+          </a:p>
+          <a:p>
+            <a:pPr>
+              <a:spcAft>
+                <a:spcPts val="0"/>
+              </a:spcAft>
+            </a:pPr>
+            <a:r>
+              <a:rPr lang="ru-RU" sz="1600" dirty="0">
+                <a:solidFill>
+                  <a:srgbClr val="000000"/>
+                </a:solidFill>
+                <a:latin typeface="Consolas" panose="020B0609020204030204" pitchFamily="49" charset="0"/>
+                <a:ea typeface="Calibri" panose="020F0502020204030204" pitchFamily="34" charset="0"/>
+                <a:cs typeface="Consolas" panose="020B0609020204030204" pitchFamily="49" charset="0"/>
+              </a:rPr>
+              <a:t>};</a:t>
+            </a:r>
+            <a:endParaRPr lang="ru-RU" sz="1600" dirty="0">
+              <a:latin typeface="Consolas" panose="020B0609020204030204" pitchFamily="49" charset="0"/>
+              <a:ea typeface="Calibri" panose="020F0502020204030204" pitchFamily="34" charset="0"/>
+              <a:cs typeface="Consolas" panose="020B0609020204030204" pitchFamily="49" charset="0"/>
+            </a:endParaRPr>
+          </a:p>
+          <a:p>
+            <a:pPr>
+              <a:spcAft>
+                <a:spcPts val="0"/>
+              </a:spcAft>
+            </a:pPr>
+            <a:r>
+              <a:rPr lang="ru-RU" sz="1600" dirty="0">
+                <a:latin typeface="Consolas" panose="020B0609020204030204" pitchFamily="49" charset="0"/>
+                <a:ea typeface="Calibri" panose="020F0502020204030204" pitchFamily="34" charset="0"/>
+                <a:cs typeface="Consolas" panose="020B0609020204030204" pitchFamily="49" charset="0"/>
+              </a:rPr>
+              <a:t> </a:t>
+            </a:r>
+            <a:endParaRPr lang="ru-RU" sz="1600" dirty="0">
+              <a:effectLst/>
+              <a:latin typeface="Consolas" panose="020B0609020204030204" pitchFamily="49" charset="0"/>
+              <a:ea typeface="Calibri" panose="020F0502020204030204" pitchFamily="34" charset="0"/>
+              <a:cs typeface="Consolas" panose="020B0609020204030204" pitchFamily="49" charset="0"/>
+            </a:endParaRPr>
+          </a:p>
+        </p:txBody>
+      </p:sp>
+      <p:sp>
+        <p:nvSpPr>
+          <p:cNvPr id="5" name="Заголовок 4"/>
+          <p:cNvSpPr>
+            <a:spLocks noGrp="1"/>
+          </p:cNvSpPr>
+          <p:nvPr>
+            <p:ph type="title"/>
+          </p:nvPr>
+        </p:nvSpPr>
+        <p:spPr/>
+        <p:txBody>
+          <a:bodyPr>
+            <a:normAutofit fontScale="90000"/>
+          </a:bodyPr>
+          <a:lstStyle/>
+          <a:p>
+            <a:r>
+              <a:rPr lang="ru-RU" dirty="0"/>
+              <a:t>Обобщенная реализация прототипа</a:t>
+            </a:r>
+          </a:p>
+        </p:txBody>
+      </p:sp>
+    </p:spTree>
+    <p:extLst>
+      <p:ext uri="{BB962C8B-B14F-4D97-AF65-F5344CB8AC3E}">
+        <p14:creationId xmlns:p14="http://schemas.microsoft.com/office/powerpoint/2010/main" val="715265604"/>
+      </p:ext>
+    </p:extLst>
+  </p:cSld>
+  <p:clrMapOvr>
+    <a:masterClrMapping/>
+  </p:clrMapOvr>
+  <p:timing>
+    <p:tnLst>
+      <p:par>
+        <p:cTn id="1" dur="indefinite" restart="never" nodeType="tmRoot"/>
+      </p:par>
+    </p:tnLst>
+  </p:timing>
+</p:sld>
+</file>
+
+<file path=ppt/slides/slide15.xml><?xml version="1.0" encoding="utf-8"?>
+<p:sld xmlns:a="http://schemas.openxmlformats.org/drawingml/2006/main" xmlns:r="http://schemas.openxmlformats.org/officeDocument/2006/relationships" xmlns:p="http://schemas.openxmlformats.org/presentationml/2006/main">
+  <p:cSld>
+    <p:spTree>
+      <p:nvGrpSpPr>
+        <p:cNvPr id="1" name=""/>
+        <p:cNvGrpSpPr/>
+        <p:nvPr/>
+      </p:nvGrpSpPr>
+      <p:grpSpPr>
+        <a:xfrm>
+          <a:off x="0" y="0"/>
+          <a:ext cx="0" cy="0"/>
+          <a:chOff x="0" y="0"/>
+          <a:chExt cx="0" cy="0"/>
+        </a:xfrm>
+      </p:grpSpPr>
+      <p:sp>
+        <p:nvSpPr>
+          <p:cNvPr id="2" name="Заголовок 1"/>
+          <p:cNvSpPr>
+            <a:spLocks noGrp="1"/>
+          </p:cNvSpPr>
+          <p:nvPr>
+            <p:ph type="title"/>
+          </p:nvPr>
+        </p:nvSpPr>
+        <p:spPr/>
+        <p:txBody>
+          <a:bodyPr>
+            <a:normAutofit fontScale="90000"/>
+          </a:bodyPr>
+          <a:lstStyle/>
+          <a:p>
+            <a:r>
+              <a:rPr lang="ru-RU" dirty="0"/>
+              <a:t>Преимущества использования паттерна «Прототип»</a:t>
+            </a:r>
+          </a:p>
+        </p:txBody>
+      </p:sp>
+      <p:sp>
+        <p:nvSpPr>
+          <p:cNvPr id="3" name="Содержимое 2"/>
+          <p:cNvSpPr>
+            <a:spLocks noGrp="1"/>
+          </p:cNvSpPr>
+          <p:nvPr>
+            <p:ph idx="1"/>
+          </p:nvPr>
+        </p:nvSpPr>
+        <p:spPr/>
+        <p:txBody>
+          <a:bodyPr>
+            <a:normAutofit fontScale="92500" lnSpcReduction="10000"/>
+          </a:bodyPr>
+          <a:lstStyle/>
+          <a:p>
+            <a:r>
+              <a:rPr lang="ru-RU" dirty="0"/>
+              <a:t>Добавление и удаление продуктов во время выполнения</a:t>
+            </a:r>
+          </a:p>
+          <a:p>
+            <a:pPr lvl="1"/>
+            <a:r>
+              <a:rPr lang="ru-RU" dirty="0"/>
+              <a:t>Клиенту просто сообщается о новом экземпляре-прототипе</a:t>
+            </a:r>
+          </a:p>
+          <a:p>
+            <a:r>
+              <a:rPr lang="ru-RU" dirty="0"/>
+              <a:t>Спецификация новых объектов путем изменения значений</a:t>
+            </a:r>
+          </a:p>
+          <a:p>
+            <a:pPr lvl="1"/>
+            <a:r>
+              <a:rPr lang="ru-RU" dirty="0" smtClean="0"/>
+              <a:t>Клонированный </a:t>
+            </a:r>
+            <a:r>
+              <a:rPr lang="ru-RU" dirty="0"/>
+              <a:t>и слегка модифицированный экземпляр прототипа может быть также зарегистрирован в роли прототипа</a:t>
+            </a:r>
+          </a:p>
+          <a:p>
+            <a:r>
+              <a:rPr lang="ru-RU" dirty="0"/>
+              <a:t>Иногда копирование объекта может оказаться эффективнее создания нового объекта</a:t>
+            </a:r>
+          </a:p>
+        </p:txBody>
+      </p:sp>
+    </p:spTree>
+    <p:extLst>
+      <p:ext uri="{BB962C8B-B14F-4D97-AF65-F5344CB8AC3E}">
+        <p14:creationId xmlns:p14="http://schemas.microsoft.com/office/powerpoint/2010/main" val="431059237"/>
+      </p:ext>
+    </p:extLst>
+  </p:cSld>
+  <p:clrMapOvr>
+    <a:masterClrMapping/>
+  </p:clrMapOvr>
+  <p:timing>
+    <p:tnLst>
+      <p:par>
+        <p:cTn id="1" dur="indefinite" restart="never" nodeType="tmRoot">
+          <p:childTnLst>
+            <p:seq concurrent="1" nextAc="seek">
+              <p:cTn id="2" dur="indefinite" nodeType="mainSeq">
+                <p:childTnLst>
+                  <p:par>
+                    <p:cTn id="3" fill="hold">
+                      <p:stCondLst>
+                        <p:cond delay="indefinite"/>
+                      </p:stCondLst>
+                      <p:childTnLst>
+                        <p:par>
+                          <p:cTn id="4" fill="hold">
+                            <p:stCondLst>
+                              <p:cond delay="0"/>
+                            </p:stCondLst>
+                            <p:childTnLst>
+                              <p:par>
+                                <p:cTn id="5" presetID="10" presetClass="entr" presetSubtype="0" fill="hold" grpId="0" nodeType="clickEffect">
+                                  <p:stCondLst>
+                                    <p:cond delay="0"/>
+                                  </p:stCondLst>
+                                  <p:childTnLst>
+                                    <p:set>
+                                      <p:cBhvr>
+                                        <p:cTn id="6" dur="1" fill="hold">
+                                          <p:stCondLst>
+                                            <p:cond delay="0"/>
+                                          </p:stCondLst>
+                                        </p:cTn>
+                                        <p:tgtEl>
+                                          <p:spTgt spid="3">
+                                            <p:txEl>
+                                              <p:pRg st="0" end="0"/>
+                                            </p:txEl>
+                                          </p:spTgt>
+                                        </p:tgtEl>
+                                        <p:attrNameLst>
+                                          <p:attrName>style.visibility</p:attrName>
+                                        </p:attrNameLst>
+                                      </p:cBhvr>
+                                      <p:to>
+                                        <p:strVal val="visible"/>
+                                      </p:to>
+                                    </p:set>
+                                    <p:animEffect transition="in" filter="fade">
+                                      <p:cBhvr>
+                                        <p:cTn id="7" dur="500"/>
+                                        <p:tgtEl>
+                                          <p:spTgt spid="3">
+                                            <p:txEl>
+                                              <p:pRg st="0" end="0"/>
+                                            </p:txEl>
+                                          </p:spTgt>
+                                        </p:tgtEl>
+                                      </p:cBhvr>
+                                    </p:animEffect>
+                                  </p:childTnLst>
+                                </p:cTn>
+                              </p:par>
+                              <p:par>
+                                <p:cTn id="8" presetID="10" presetClass="entr" presetSubtype="0" fill="hold" grpId="0" nodeType="withEffect">
+                                  <p:stCondLst>
+                                    <p:cond delay="0"/>
+                                  </p:stCondLst>
+                                  <p:childTnLst>
+                                    <p:set>
+                                      <p:cBhvr>
+                                        <p:cTn id="9" dur="1" fill="hold">
+                                          <p:stCondLst>
+                                            <p:cond delay="0"/>
+                                          </p:stCondLst>
+                                        </p:cTn>
+                                        <p:tgtEl>
+                                          <p:spTgt spid="3">
+                                            <p:txEl>
+                                              <p:pRg st="1" end="1"/>
+                                            </p:txEl>
+                                          </p:spTgt>
+                                        </p:tgtEl>
+                                        <p:attrNameLst>
+                                          <p:attrName>style.visibility</p:attrName>
+                                        </p:attrNameLst>
+                                      </p:cBhvr>
+                                      <p:to>
+                                        <p:strVal val="visible"/>
+                                      </p:to>
+                                    </p:set>
+                                    <p:animEffect transition="in" filter="fade">
+                                      <p:cBhvr>
+                                        <p:cTn id="10" dur="500"/>
+                                        <p:tgtEl>
+                                          <p:spTgt spid="3">
+                                            <p:txEl>
+                                              <p:pRg st="1" end="1"/>
+                                            </p:txEl>
+                                          </p:spTgt>
+                                        </p:tgtEl>
+                                      </p:cBhvr>
+                                    </p:animEffect>
+                                  </p:childTnLst>
+                                </p:cTn>
+                              </p:par>
+                            </p:childTnLst>
+                          </p:cTn>
+                        </p:par>
+                      </p:childTnLst>
+                    </p:cTn>
+                  </p:par>
+                  <p:par>
+                    <p:cTn id="11" fill="hold">
+                      <p:stCondLst>
+                        <p:cond delay="indefinite"/>
+                      </p:stCondLst>
+                      <p:childTnLst>
+                        <p:par>
+                          <p:cTn id="12" fill="hold">
+                            <p:stCondLst>
+                              <p:cond delay="0"/>
+                            </p:stCondLst>
+                            <p:childTnLst>
+                              <p:par>
+                                <p:cTn id="13" presetID="10" presetClass="entr" presetSubtype="0" fill="hold" grpId="0" nodeType="clickEffect">
+                                  <p:stCondLst>
+                                    <p:cond delay="0"/>
+                                  </p:stCondLst>
+                                  <p:childTnLst>
+                                    <p:set>
+                                      <p:cBhvr>
+                                        <p:cTn id="14" dur="1" fill="hold">
+                                          <p:stCondLst>
+                                            <p:cond delay="0"/>
+                                          </p:stCondLst>
+                                        </p:cTn>
+                                        <p:tgtEl>
+                                          <p:spTgt spid="3">
+                                            <p:txEl>
+                                              <p:pRg st="2" end="2"/>
+                                            </p:txEl>
+                                          </p:spTgt>
+                                        </p:tgtEl>
+                                        <p:attrNameLst>
+                                          <p:attrName>style.visibility</p:attrName>
+                                        </p:attrNameLst>
+                                      </p:cBhvr>
+                                      <p:to>
+                                        <p:strVal val="visible"/>
+                                      </p:to>
+                                    </p:set>
+                                    <p:animEffect transition="in" filter="fade">
+                                      <p:cBhvr>
+                                        <p:cTn id="15" dur="500"/>
+                                        <p:tgtEl>
+                                          <p:spTgt spid="3">
+                                            <p:txEl>
+                                              <p:pRg st="2" end="2"/>
+                                            </p:txEl>
+                                          </p:spTgt>
+                                        </p:tgtEl>
+                                      </p:cBhvr>
+                                    </p:animEffect>
+                                  </p:childTnLst>
+                                </p:cTn>
+                              </p:par>
+                              <p:par>
+                                <p:cTn id="16" presetID="10" presetClass="entr" presetSubtype="0" fill="hold" grpId="0" nodeType="withEffect">
+                                  <p:stCondLst>
+                                    <p:cond delay="0"/>
+                                  </p:stCondLst>
+                                  <p:childTnLst>
+                                    <p:set>
+                                      <p:cBhvr>
+                                        <p:cTn id="17" dur="1" fill="hold">
+                                          <p:stCondLst>
+                                            <p:cond delay="0"/>
+                                          </p:stCondLst>
+                                        </p:cTn>
+                                        <p:tgtEl>
+                                          <p:spTgt spid="3">
+                                            <p:txEl>
+                                              <p:pRg st="3" end="3"/>
+                                            </p:txEl>
+                                          </p:spTgt>
+                                        </p:tgtEl>
+                                        <p:attrNameLst>
+                                          <p:attrName>style.visibility</p:attrName>
+                                        </p:attrNameLst>
+                                      </p:cBhvr>
+                                      <p:to>
+                                        <p:strVal val="visible"/>
+                                      </p:to>
+                                    </p:set>
+                                    <p:animEffect transition="in" filter="fade">
+                                      <p:cBhvr>
+                                        <p:cTn id="18" dur="500"/>
+                                        <p:tgtEl>
+                                          <p:spTgt spid="3">
+                                            <p:txEl>
+                                              <p:pRg st="3" end="3"/>
+                                            </p:txEl>
+                                          </p:spTgt>
+                                        </p:tgtEl>
+                                      </p:cBhvr>
+                                    </p:animEffect>
+                                  </p:childTnLst>
+                                </p:cTn>
+                              </p:par>
+                            </p:childTnLst>
+                          </p:cTn>
+                        </p:par>
+                      </p:childTnLst>
+                    </p:cTn>
+                  </p:par>
+                  <p:par>
+                    <p:cTn id="19" fill="hold">
+                      <p:stCondLst>
+                        <p:cond delay="indefinite"/>
+                      </p:stCondLst>
+                      <p:childTnLst>
+                        <p:par>
+                          <p:cTn id="20" fill="hold">
+                            <p:stCondLst>
+                              <p:cond delay="0"/>
+                            </p:stCondLst>
+                            <p:childTnLst>
+                              <p:par>
+                                <p:cTn id="21" presetID="10" presetClass="entr" presetSubtype="0" fill="hold" grpId="0" nodeType="clickEffect">
+                                  <p:stCondLst>
+                                    <p:cond delay="0"/>
+                                  </p:stCondLst>
+                                  <p:childTnLst>
+                                    <p:set>
+                                      <p:cBhvr>
+                                        <p:cTn id="22" dur="1" fill="hold">
+                                          <p:stCondLst>
+                                            <p:cond delay="0"/>
+                                          </p:stCondLst>
+                                        </p:cTn>
+                                        <p:tgtEl>
+                                          <p:spTgt spid="3">
+                                            <p:txEl>
+                                              <p:pRg st="4" end="4"/>
+                                            </p:txEl>
+                                          </p:spTgt>
+                                        </p:tgtEl>
+                                        <p:attrNameLst>
+                                          <p:attrName>style.visibility</p:attrName>
+                                        </p:attrNameLst>
+                                      </p:cBhvr>
+                                      <p:to>
+                                        <p:strVal val="visible"/>
+                                      </p:to>
+                                    </p:set>
+                                    <p:animEffect transition="in" filter="fade">
+                                      <p:cBhvr>
+                                        <p:cTn id="23" dur="500"/>
+                                        <p:tgtEl>
+                                          <p:spTgt spid="3">
+                                            <p:txEl>
+                                              <p:pRg st="4" end="4"/>
+                                            </p:txEl>
+                                          </p:spTgt>
+                                        </p:tgtEl>
+                                      </p:cBhvr>
+                                    </p:animEffect>
+                                  </p:childTnLst>
+                                </p:cTn>
+                              </p:par>
+                            </p:childTnLst>
+                          </p:cTn>
+                        </p:par>
+                      </p:childTnLst>
+                    </p:cTn>
+                  </p:par>
+                </p:childTnLst>
+              </p:cTn>
+              <p:prevCondLst>
+                <p:cond evt="onPrev" delay="0">
+                  <p:tgtEl>
+                    <p:sldTgt/>
+                  </p:tgtEl>
+                </p:cond>
+              </p:prevCondLst>
+              <p:nextCondLst>
+                <p:cond evt="onNext" delay="0">
+                  <p:tgtEl>
+                    <p:sldTgt/>
+                  </p:tgtEl>
+                </p:cond>
+              </p:nextCondLst>
+            </p:seq>
+          </p:childTnLst>
+        </p:cTn>
+      </p:par>
+    </p:tnLst>
+    <p:bldLst>
+      <p:bldP spid="3" grpId="0" build="p"/>
+    </p:bldLst>
+  </p:timing>
+</p:sld>
+</file>
+
+<file path=ppt/slides/slide16.xml><?xml version="1.0" encoding="utf-8"?>
+<p:sld xmlns:a="http://schemas.openxmlformats.org/drawingml/2006/main" xmlns:r="http://schemas.openxmlformats.org/officeDocument/2006/relationships" xmlns:p="http://schemas.openxmlformats.org/presentationml/2006/main">
+  <p:cSld>
+    <p:spTree>
+      <p:nvGrpSpPr>
+        <p:cNvPr id="1" name=""/>
+        <p:cNvGrpSpPr/>
+        <p:nvPr/>
+      </p:nvGrpSpPr>
+      <p:grpSpPr>
+        <a:xfrm>
+          <a:off x="0" y="0"/>
+          <a:ext cx="0" cy="0"/>
+          <a:chOff x="0" y="0"/>
+          <a:chExt cx="0" cy="0"/>
+        </a:xfrm>
+      </p:grpSpPr>
+      <p:sp>
+        <p:nvSpPr>
+          <p:cNvPr id="2" name="Заголовок 1"/>
+          <p:cNvSpPr>
+            <a:spLocks noGrp="1"/>
+          </p:cNvSpPr>
+          <p:nvPr>
+            <p:ph type="title"/>
+          </p:nvPr>
+        </p:nvSpPr>
+        <p:spPr/>
+        <p:txBody>
+          <a:bodyPr>
+            <a:normAutofit fontScale="90000"/>
+          </a:bodyPr>
+          <a:lstStyle/>
+          <a:p>
+            <a:r>
+              <a:rPr lang="ru-RU" dirty="0"/>
+              <a:t>Преимущества использования паттерна «Прототип»</a:t>
+            </a:r>
+          </a:p>
+        </p:txBody>
+      </p:sp>
+      <p:sp>
+        <p:nvSpPr>
+          <p:cNvPr id="3" name="Содержимое 2"/>
+          <p:cNvSpPr>
+            <a:spLocks noGrp="1"/>
+          </p:cNvSpPr>
+          <p:nvPr>
+            <p:ph idx="1"/>
+          </p:nvPr>
+        </p:nvSpPr>
+        <p:spPr/>
+        <p:txBody>
+          <a:bodyPr>
+            <a:normAutofit fontScale="85000" lnSpcReduction="10000"/>
+          </a:bodyPr>
+          <a:lstStyle/>
+          <a:p>
+            <a:r>
+              <a:rPr lang="ru-RU" dirty="0"/>
+              <a:t>Специфицирование новых объектов путем изменения структуры</a:t>
+            </a:r>
+          </a:p>
+          <a:p>
+            <a:r>
+              <a:rPr lang="ru-RU" dirty="0"/>
+              <a:t>Уменьшение числа подклассов</a:t>
+            </a:r>
+          </a:p>
+          <a:p>
+            <a:pPr lvl="1"/>
+            <a:r>
+              <a:rPr lang="ru-RU" dirty="0"/>
+              <a:t>Фабричный метод часто порождает иерархию классов «Создатель», параллельную иерархии классов продуктов</a:t>
+            </a:r>
+          </a:p>
+          <a:p>
+            <a:pPr lvl="2"/>
+            <a:r>
+              <a:rPr lang="ru-RU" dirty="0"/>
+              <a:t>Паттерн «прототип» может клонировать прототип, а не запрашивать фабричный метод</a:t>
+            </a:r>
+          </a:p>
+          <a:p>
+            <a:r>
+              <a:rPr lang="ru-RU" dirty="0"/>
+              <a:t>Динамическое конфигурирование приложения</a:t>
+            </a:r>
+          </a:p>
+          <a:p>
+            <a:pPr lvl="1"/>
+            <a:r>
+              <a:rPr lang="ru-RU" dirty="0"/>
+              <a:t>Динамически загружаемые классы прототипов регистрируют свои экземпляры в «</a:t>
+            </a:r>
+            <a:r>
+              <a:rPr lang="ru-RU" b="1" dirty="0"/>
+              <a:t>диспетчере прототипов</a:t>
+            </a:r>
+            <a:r>
+              <a:rPr lang="ru-RU" dirty="0"/>
+              <a:t>»</a:t>
+            </a:r>
+          </a:p>
+        </p:txBody>
+      </p:sp>
+    </p:spTree>
+    <p:extLst>
+      <p:ext uri="{BB962C8B-B14F-4D97-AF65-F5344CB8AC3E}">
+        <p14:creationId xmlns:p14="http://schemas.microsoft.com/office/powerpoint/2010/main" val="4197493979"/>
+      </p:ext>
+    </p:extLst>
+  </p:cSld>
+  <p:clrMapOvr>
+    <a:masterClrMapping/>
+  </p:clrMapOvr>
+  <p:timing>
+    <p:tnLst>
+      <p:par>
+        <p:cTn id="1" dur="indefinite" restart="never" nodeType="tmRoot">
+          <p:childTnLst>
+            <p:seq concurrent="1" nextAc="seek">
+              <p:cTn id="2" dur="indefinite" nodeType="mainSeq">
+                <p:childTnLst>
+                  <p:par>
+                    <p:cTn id="3" fill="hold">
+                      <p:stCondLst>
+                        <p:cond delay="indefinite"/>
+                      </p:stCondLst>
+                      <p:childTnLst>
+                        <p:par>
+                          <p:cTn id="4" fill="hold">
+                            <p:stCondLst>
+                              <p:cond delay="0"/>
+                            </p:stCondLst>
+                            <p:childTnLst>
+                              <p:par>
+                                <p:cTn id="5" presetID="10" presetClass="entr" presetSubtype="0" fill="hold" grpId="0" nodeType="clickEffect">
+                                  <p:stCondLst>
+                                    <p:cond delay="0"/>
+                                  </p:stCondLst>
+                                  <p:childTnLst>
+                                    <p:set>
+                                      <p:cBhvr>
+                                        <p:cTn id="6" dur="1" fill="hold">
+                                          <p:stCondLst>
+                                            <p:cond delay="0"/>
+                                          </p:stCondLst>
+                                        </p:cTn>
+                                        <p:tgtEl>
+                                          <p:spTgt spid="3">
+                                            <p:txEl>
+                                              <p:pRg st="0" end="0"/>
+                                            </p:txEl>
+                                          </p:spTgt>
+                                        </p:tgtEl>
+                                        <p:attrNameLst>
+                                          <p:attrName>style.visibility</p:attrName>
+                                        </p:attrNameLst>
+                                      </p:cBhvr>
+                                      <p:to>
+                                        <p:strVal val="visible"/>
+                                      </p:to>
+                                    </p:set>
+                                    <p:animEffect transition="in" filter="fade">
+                                      <p:cBhvr>
+                                        <p:cTn id="7" dur="500"/>
+                                        <p:tgtEl>
+                                          <p:spTgt spid="3">
+                                            <p:txEl>
+                                              <p:pRg st="0" end="0"/>
+                                            </p:txEl>
+                                          </p:spTgt>
+                                        </p:tgtEl>
+                                      </p:cBhvr>
+                                    </p:animEffect>
+                                  </p:childTnLst>
+                                </p:cTn>
+                              </p:par>
+                            </p:childTnLst>
+                          </p:cTn>
+                        </p:par>
+                      </p:childTnLst>
+                    </p:cTn>
+                  </p:par>
+                  <p:par>
+                    <p:cTn id="8" fill="hold">
+                      <p:stCondLst>
+                        <p:cond delay="indefinite"/>
+                      </p:stCondLst>
+                      <p:childTnLst>
+                        <p:par>
+                          <p:cTn id="9" fill="hold">
+                            <p:stCondLst>
+                              <p:cond delay="0"/>
+                            </p:stCondLst>
+                            <p:childTnLst>
+                              <p:par>
+                                <p:cTn id="10" presetID="10" presetClass="entr" presetSubtype="0" fill="hold" grpId="0" nodeType="clickEffect">
+                                  <p:stCondLst>
+                                    <p:cond delay="0"/>
+                                  </p:stCondLst>
+                                  <p:childTnLst>
+                                    <p:set>
+                                      <p:cBhvr>
+                                        <p:cTn id="11" dur="1" fill="hold">
+                                          <p:stCondLst>
+                                            <p:cond delay="0"/>
+                                          </p:stCondLst>
+                                        </p:cTn>
+                                        <p:tgtEl>
+                                          <p:spTgt spid="3">
+                                            <p:txEl>
+                                              <p:pRg st="1" end="1"/>
+                                            </p:txEl>
+                                          </p:spTgt>
+                                        </p:tgtEl>
+                                        <p:attrNameLst>
+                                          <p:attrName>style.visibility</p:attrName>
+                                        </p:attrNameLst>
+                                      </p:cBhvr>
+                                      <p:to>
+                                        <p:strVal val="visible"/>
+                                      </p:to>
+                                    </p:set>
+                                    <p:animEffect transition="in" filter="fade">
+                                      <p:cBhvr>
+                                        <p:cTn id="12" dur="500"/>
+                                        <p:tgtEl>
+                                          <p:spTgt spid="3">
+                                            <p:txEl>
+                                              <p:pRg st="1" end="1"/>
+                                            </p:txEl>
+                                          </p:spTgt>
+                                        </p:tgtEl>
+                                      </p:cBhvr>
+                                    </p:animEffect>
+                                  </p:childTnLst>
+                                </p:cTn>
+                              </p:par>
+                              <p:par>
+                                <p:cTn id="13" presetID="10" presetClass="entr" presetSubtype="0" fill="hold" grpId="0" nodeType="withEffect">
+                                  <p:stCondLst>
+                                    <p:cond delay="0"/>
+                                  </p:stCondLst>
+                                  <p:childTnLst>
+                                    <p:set>
+                                      <p:cBhvr>
+                                        <p:cTn id="14" dur="1" fill="hold">
+                                          <p:stCondLst>
+                                            <p:cond delay="0"/>
+                                          </p:stCondLst>
+                                        </p:cTn>
+                                        <p:tgtEl>
+                                          <p:spTgt spid="3">
+                                            <p:txEl>
+                                              <p:pRg st="2" end="2"/>
+                                            </p:txEl>
+                                          </p:spTgt>
+                                        </p:tgtEl>
+                                        <p:attrNameLst>
+                                          <p:attrName>style.visibility</p:attrName>
+                                        </p:attrNameLst>
+                                      </p:cBhvr>
+                                      <p:to>
+                                        <p:strVal val="visible"/>
+                                      </p:to>
+                                    </p:set>
+                                    <p:animEffect transition="in" filter="fade">
+                                      <p:cBhvr>
+                                        <p:cTn id="15" dur="500"/>
+                                        <p:tgtEl>
+                                          <p:spTgt spid="3">
+                                            <p:txEl>
+                                              <p:pRg st="2" end="2"/>
+                                            </p:txEl>
+                                          </p:spTgt>
+                                        </p:tgtEl>
+                                      </p:cBhvr>
+                                    </p:animEffect>
+                                  </p:childTnLst>
+                                </p:cTn>
+                              </p:par>
+                              <p:par>
+                                <p:cTn id="16" presetID="10" presetClass="entr" presetSubtype="0" fill="hold" grpId="0" nodeType="withEffect">
+                                  <p:stCondLst>
+                                    <p:cond delay="0"/>
+                                  </p:stCondLst>
+                                  <p:childTnLst>
+                                    <p:set>
+                                      <p:cBhvr>
+                                        <p:cTn id="17" dur="1" fill="hold">
+                                          <p:stCondLst>
+                                            <p:cond delay="0"/>
+                                          </p:stCondLst>
+                                        </p:cTn>
+                                        <p:tgtEl>
+                                          <p:spTgt spid="3">
+                                            <p:txEl>
+                                              <p:pRg st="3" end="3"/>
+                                            </p:txEl>
+                                          </p:spTgt>
+                                        </p:tgtEl>
+                                        <p:attrNameLst>
+                                          <p:attrName>style.visibility</p:attrName>
+                                        </p:attrNameLst>
+                                      </p:cBhvr>
+                                      <p:to>
+                                        <p:strVal val="visible"/>
+                                      </p:to>
+                                    </p:set>
+                                    <p:animEffect transition="in" filter="fade">
+                                      <p:cBhvr>
+                                        <p:cTn id="18" dur="500"/>
+                                        <p:tgtEl>
+                                          <p:spTgt spid="3">
+                                            <p:txEl>
+                                              <p:pRg st="3" end="3"/>
+                                            </p:txEl>
+                                          </p:spTgt>
+                                        </p:tgtEl>
+                                      </p:cBhvr>
+                                    </p:animEffect>
+                                  </p:childTnLst>
+                                </p:cTn>
+                              </p:par>
+                            </p:childTnLst>
+                          </p:cTn>
+                        </p:par>
+                      </p:childTnLst>
+                    </p:cTn>
+                  </p:par>
+                  <p:par>
+                    <p:cTn id="19" fill="hold">
+                      <p:stCondLst>
+                        <p:cond delay="indefinite"/>
+                      </p:stCondLst>
+                      <p:childTnLst>
+                        <p:par>
+                          <p:cTn id="20" fill="hold">
+                            <p:stCondLst>
+                              <p:cond delay="0"/>
+                            </p:stCondLst>
+                            <p:childTnLst>
+                              <p:par>
+                                <p:cTn id="21" presetID="10" presetClass="entr" presetSubtype="0" fill="hold" grpId="0" nodeType="clickEffect">
+                                  <p:stCondLst>
+                                    <p:cond delay="0"/>
+                                  </p:stCondLst>
+                                  <p:childTnLst>
+                                    <p:set>
+                                      <p:cBhvr>
+                                        <p:cTn id="22" dur="1" fill="hold">
+                                          <p:stCondLst>
+                                            <p:cond delay="0"/>
+                                          </p:stCondLst>
+                                        </p:cTn>
+                                        <p:tgtEl>
+                                          <p:spTgt spid="3">
+                                            <p:txEl>
+                                              <p:pRg st="4" end="4"/>
+                                            </p:txEl>
+                                          </p:spTgt>
+                                        </p:tgtEl>
+                                        <p:attrNameLst>
+                                          <p:attrName>style.visibility</p:attrName>
+                                        </p:attrNameLst>
+                                      </p:cBhvr>
+                                      <p:to>
+                                        <p:strVal val="visible"/>
+                                      </p:to>
+                                    </p:set>
+                                    <p:animEffect transition="in" filter="fade">
+                                      <p:cBhvr>
+                                        <p:cTn id="23" dur="500"/>
+                                        <p:tgtEl>
+                                          <p:spTgt spid="3">
+                                            <p:txEl>
+                                              <p:pRg st="4" end="4"/>
+                                            </p:txEl>
+                                          </p:spTgt>
+                                        </p:tgtEl>
+                                      </p:cBhvr>
+                                    </p:animEffect>
+                                  </p:childTnLst>
+                                </p:cTn>
+                              </p:par>
+                              <p:par>
+                                <p:cTn id="24" presetID="10" presetClass="entr" presetSubtype="0" fill="hold" grpId="0" nodeType="withEffect">
+                                  <p:stCondLst>
+                                    <p:cond delay="0"/>
+                                  </p:stCondLst>
+                                  <p:childTnLst>
+                                    <p:set>
+                                      <p:cBhvr>
+                                        <p:cTn id="25" dur="1" fill="hold">
+                                          <p:stCondLst>
+                                            <p:cond delay="0"/>
+                                          </p:stCondLst>
+                                        </p:cTn>
+                                        <p:tgtEl>
+                                          <p:spTgt spid="3">
+                                            <p:txEl>
+                                              <p:pRg st="5" end="5"/>
+                                            </p:txEl>
+                                          </p:spTgt>
+                                        </p:tgtEl>
+                                        <p:attrNameLst>
+                                          <p:attrName>style.visibility</p:attrName>
+                                        </p:attrNameLst>
+                                      </p:cBhvr>
+                                      <p:to>
+                                        <p:strVal val="visible"/>
+                                      </p:to>
+                                    </p:set>
+                                    <p:animEffect transition="in" filter="fade">
+                                      <p:cBhvr>
+                                        <p:cTn id="26" dur="500"/>
+                                        <p:tgtEl>
+                                          <p:spTgt spid="3">
+                                            <p:txEl>
+                                              <p:pRg st="5" end="5"/>
+                                            </p:txEl>
+                                          </p:spTgt>
+                                        </p:tgtEl>
+                                      </p:cBhvr>
+                                    </p:animEffect>
+                                  </p:childTnLst>
+                                </p:cTn>
+                              </p:par>
+                            </p:childTnLst>
+                          </p:cTn>
+                        </p:par>
+                      </p:childTnLst>
+                    </p:cTn>
+                  </p:par>
+                </p:childTnLst>
+              </p:cTn>
+              <p:prevCondLst>
+                <p:cond evt="onPrev" delay="0">
+                  <p:tgtEl>
+                    <p:sldTgt/>
+                  </p:tgtEl>
+                </p:cond>
+              </p:prevCondLst>
+              <p:nextCondLst>
+                <p:cond evt="onNext" delay="0">
+                  <p:tgtEl>
+                    <p:sldTgt/>
+                  </p:tgtEl>
+                </p:cond>
+              </p:nextCondLst>
+            </p:seq>
+          </p:childTnLst>
+        </p:cTn>
+      </p:par>
+    </p:tnLst>
+    <p:bldLst>
+      <p:bldP spid="3" grpId="0" build="p"/>
+    </p:bldLst>
+  </p:timing>
+</p:sld>
+</file>
+
+<file path=ppt/slides/slide17.xml><?xml version="1.0" encoding="utf-8"?>
+<p:sld xmlns:a="http://schemas.openxmlformats.org/drawingml/2006/main" xmlns:r="http://schemas.openxmlformats.org/officeDocument/2006/relationships" xmlns:p="http://schemas.openxmlformats.org/presentationml/2006/main">
+  <p:cSld>
+    <p:spTree>
+      <p:nvGrpSpPr>
+        <p:cNvPr id="1" name=""/>
+        <p:cNvGrpSpPr/>
+        <p:nvPr/>
+      </p:nvGrpSpPr>
+      <p:grpSpPr>
+        <a:xfrm>
+          <a:off x="0" y="0"/>
+          <a:ext cx="0" cy="0"/>
+          <a:chOff x="0" y="0"/>
+          <a:chExt cx="0" cy="0"/>
+        </a:xfrm>
+      </p:grpSpPr>
+      <p:sp>
+        <p:nvSpPr>
+          <p:cNvPr id="2" name="Заголовок 1"/>
+          <p:cNvSpPr>
+            <a:spLocks noGrp="1"/>
+          </p:cNvSpPr>
+          <p:nvPr>
+            <p:ph type="title"/>
+          </p:nvPr>
+        </p:nvSpPr>
+        <p:spPr/>
+        <p:txBody>
+          <a:bodyPr>
+            <a:normAutofit/>
+          </a:bodyPr>
+          <a:lstStyle/>
+          <a:p>
+            <a:r>
+              <a:rPr lang="ru-RU" dirty="0"/>
+              <a:t>Недостатки паттерна прототип</a:t>
+            </a:r>
+          </a:p>
+        </p:txBody>
+      </p:sp>
+      <p:sp>
+        <p:nvSpPr>
+          <p:cNvPr id="3" name="Содержимое 2"/>
+          <p:cNvSpPr>
+            <a:spLocks noGrp="1"/>
+          </p:cNvSpPr>
+          <p:nvPr>
+            <p:ph idx="1"/>
+          </p:nvPr>
+        </p:nvSpPr>
+        <p:spPr/>
+        <p:txBody>
+          <a:bodyPr>
+            <a:normAutofit lnSpcReduction="10000"/>
+          </a:bodyPr>
+          <a:lstStyle/>
+          <a:p>
+            <a:r>
+              <a:rPr lang="ru-RU" dirty="0"/>
+              <a:t>Каждый подкласс класса </a:t>
+            </a:r>
+            <a:r>
+              <a:rPr lang="en-US" dirty="0"/>
+              <a:t>Prototype </a:t>
+            </a:r>
+            <a:r>
+              <a:rPr lang="ru-RU" dirty="0"/>
+              <a:t>должен реализовывать операцию </a:t>
+            </a:r>
+            <a:r>
+              <a:rPr lang="en-US" dirty="0"/>
+              <a:t>Clone</a:t>
+            </a:r>
+            <a:endParaRPr lang="ru-RU" dirty="0"/>
+          </a:p>
+          <a:p>
+            <a:pPr lvl="1"/>
+            <a:r>
+              <a:rPr lang="ru-RU" dirty="0"/>
+              <a:t>Для уже существующих классов реализация операции клонирования может быть проблематичной</a:t>
+            </a:r>
+          </a:p>
+          <a:p>
+            <a:pPr lvl="1"/>
+            <a:r>
+              <a:rPr lang="ru-RU" dirty="0"/>
+              <a:t>В ряде случаев задача «глубокого» клонирования может быть нетривиальной</a:t>
+            </a:r>
+          </a:p>
+          <a:p>
+            <a:pPr lvl="2"/>
+            <a:r>
+              <a:rPr lang="ru-RU" dirty="0"/>
+              <a:t>Во внутреннем представлении объекта содержатся другие объекты</a:t>
+            </a:r>
+          </a:p>
+          <a:p>
+            <a:pPr lvl="2"/>
+            <a:r>
+              <a:rPr lang="ru-RU" dirty="0"/>
+              <a:t>Внутри объекта присутствуют круговые ссылки.</a:t>
+            </a:r>
+          </a:p>
+        </p:txBody>
+      </p:sp>
+    </p:spTree>
+    <p:extLst>
+      <p:ext uri="{BB962C8B-B14F-4D97-AF65-F5344CB8AC3E}">
+        <p14:creationId xmlns:p14="http://schemas.microsoft.com/office/powerpoint/2010/main" val="460209868"/>
+      </p:ext>
+    </p:extLst>
+  </p:cSld>
+  <p:clrMapOvr>
+    <a:masterClrMapping/>
+  </p:clrMapOvr>
+  <p:timing>
+    <p:tnLst>
+      <p:par>
+        <p:cTn id="1" dur="indefinite" restart="never" nodeType="tmRoot">
+          <p:childTnLst>
+            <p:seq concurrent="1" nextAc="seek">
+              <p:cTn id="2" dur="indefinite" nodeType="mainSeq">
+                <p:childTnLst>
+                  <p:par>
+                    <p:cTn id="3" fill="hold">
+                      <p:stCondLst>
+                        <p:cond delay="indefinite"/>
+                      </p:stCondLst>
+                      <p:childTnLst>
+                        <p:par>
+                          <p:cTn id="4" fill="hold">
+                            <p:stCondLst>
+                              <p:cond delay="0"/>
+                            </p:stCondLst>
+                            <p:childTnLst>
+                              <p:par>
+                                <p:cTn id="5" presetID="10" presetClass="entr" presetSubtype="0" fill="hold" grpId="0" nodeType="clickEffect">
+                                  <p:stCondLst>
+                                    <p:cond delay="0"/>
+                                  </p:stCondLst>
+                                  <p:childTnLst>
+                                    <p:set>
+                                      <p:cBhvr>
+                                        <p:cTn id="6" dur="1" fill="hold">
+                                          <p:stCondLst>
+                                            <p:cond delay="0"/>
+                                          </p:stCondLst>
+                                        </p:cTn>
+                                        <p:tgtEl>
+                                          <p:spTgt spid="3">
+                                            <p:txEl>
+                                              <p:pRg st="0" end="0"/>
+                                            </p:txEl>
+                                          </p:spTgt>
+                                        </p:tgtEl>
+                                        <p:attrNameLst>
+                                          <p:attrName>style.visibility</p:attrName>
+                                        </p:attrNameLst>
+                                      </p:cBhvr>
+                                      <p:to>
+                                        <p:strVal val="visible"/>
+                                      </p:to>
+                                    </p:set>
+                                    <p:animEffect transition="in" filter="fade">
+                                      <p:cBhvr>
+                                        <p:cTn id="7" dur="500"/>
+                                        <p:tgtEl>
+                                          <p:spTgt spid="3">
+                                            <p:txEl>
+                                              <p:pRg st="0" end="0"/>
+                                            </p:txEl>
+                                          </p:spTgt>
+                                        </p:tgtEl>
+                                      </p:cBhvr>
+                                    </p:animEffect>
+                                  </p:childTnLst>
+                                </p:cTn>
+                              </p:par>
+                            </p:childTnLst>
+                          </p:cTn>
+                        </p:par>
+                      </p:childTnLst>
+                    </p:cTn>
+                  </p:par>
+                  <p:par>
+                    <p:cTn id="8" fill="hold">
+                      <p:stCondLst>
+                        <p:cond delay="indefinite"/>
+                      </p:stCondLst>
+                      <p:childTnLst>
+                        <p:par>
+                          <p:cTn id="9" fill="hold">
+                            <p:stCondLst>
+                              <p:cond delay="0"/>
+                            </p:stCondLst>
+                            <p:childTnLst>
+                              <p:par>
+                                <p:cTn id="10" presetID="10" presetClass="entr" presetSubtype="0" fill="hold" grpId="0" nodeType="clickEffect">
+                                  <p:stCondLst>
+                                    <p:cond delay="0"/>
+                                  </p:stCondLst>
+                                  <p:childTnLst>
+                                    <p:set>
+                                      <p:cBhvr>
+                                        <p:cTn id="11" dur="1" fill="hold">
+                                          <p:stCondLst>
+                                            <p:cond delay="0"/>
+                                          </p:stCondLst>
+                                        </p:cTn>
+                                        <p:tgtEl>
+                                          <p:spTgt spid="3">
+                                            <p:txEl>
+                                              <p:pRg st="1" end="1"/>
+                                            </p:txEl>
+                                          </p:spTgt>
+                                        </p:tgtEl>
+                                        <p:attrNameLst>
+                                          <p:attrName>style.visibility</p:attrName>
+                                        </p:attrNameLst>
+                                      </p:cBhvr>
+                                      <p:to>
+                                        <p:strVal val="visible"/>
+                                      </p:to>
+                                    </p:set>
+                                    <p:animEffect transition="in" filter="fade">
+                                      <p:cBhvr>
+                                        <p:cTn id="12" dur="500"/>
+                                        <p:tgtEl>
+                                          <p:spTgt spid="3">
+                                            <p:txEl>
+                                              <p:pRg st="1" end="1"/>
+                                            </p:txEl>
+                                          </p:spTgt>
+                                        </p:tgtEl>
+                                      </p:cBhvr>
+                                    </p:animEffect>
+                                  </p:childTnLst>
+                                </p:cTn>
+                              </p:par>
+                            </p:childTnLst>
+                          </p:cTn>
+                        </p:par>
+                      </p:childTnLst>
+                    </p:cTn>
+                  </p:par>
+                  <p:par>
+                    <p:cTn id="13" fill="hold">
+                      <p:stCondLst>
+                        <p:cond delay="indefinite"/>
+                      </p:stCondLst>
+                      <p:childTnLst>
+                        <p:par>
+                          <p:cTn id="14" fill="hold">
+                            <p:stCondLst>
+                              <p:cond delay="0"/>
+                            </p:stCondLst>
+                            <p:childTnLst>
+                              <p:par>
+                                <p:cTn id="15" presetID="10" presetClass="entr" presetSubtype="0" fill="hold" grpId="0" nodeType="clickEffect">
+                                  <p:stCondLst>
+                                    <p:cond delay="0"/>
+                                  </p:stCondLst>
+                                  <p:childTnLst>
+                                    <p:set>
+                                      <p:cBhvr>
+                                        <p:cTn id="16" dur="1" fill="hold">
+                                          <p:stCondLst>
+                                            <p:cond delay="0"/>
+                                          </p:stCondLst>
+                                        </p:cTn>
+                                        <p:tgtEl>
+                                          <p:spTgt spid="3">
+                                            <p:txEl>
+                                              <p:pRg st="2" end="2"/>
+                                            </p:txEl>
+                                          </p:spTgt>
+                                        </p:tgtEl>
+                                        <p:attrNameLst>
+                                          <p:attrName>style.visibility</p:attrName>
+                                        </p:attrNameLst>
+                                      </p:cBhvr>
+                                      <p:to>
+                                        <p:strVal val="visible"/>
+                                      </p:to>
+                                    </p:set>
+                                    <p:animEffect transition="in" filter="fade">
+                                      <p:cBhvr>
+                                        <p:cTn id="17" dur="500"/>
+                                        <p:tgtEl>
+                                          <p:spTgt spid="3">
+                                            <p:txEl>
+                                              <p:pRg st="2" end="2"/>
+                                            </p:txEl>
+                                          </p:spTgt>
+                                        </p:tgtEl>
+                                      </p:cBhvr>
+                                    </p:animEffect>
+                                  </p:childTnLst>
+                                </p:cTn>
+                              </p:par>
+                              <p:par>
+                                <p:cTn id="18" presetID="10" presetClass="entr" presetSubtype="0" fill="hold" grpId="0" nodeType="withEffect">
+                                  <p:stCondLst>
+                                    <p:cond delay="0"/>
+                                  </p:stCondLst>
+                                  <p:childTnLst>
+                                    <p:set>
+                                      <p:cBhvr>
+                                        <p:cTn id="19" dur="1" fill="hold">
+                                          <p:stCondLst>
+                                            <p:cond delay="0"/>
+                                          </p:stCondLst>
+                                        </p:cTn>
+                                        <p:tgtEl>
+                                          <p:spTgt spid="3">
+                                            <p:txEl>
+                                              <p:pRg st="3" end="3"/>
+                                            </p:txEl>
+                                          </p:spTgt>
+                                        </p:tgtEl>
+                                        <p:attrNameLst>
+                                          <p:attrName>style.visibility</p:attrName>
+                                        </p:attrNameLst>
+                                      </p:cBhvr>
+                                      <p:to>
+                                        <p:strVal val="visible"/>
+                                      </p:to>
+                                    </p:set>
+                                    <p:animEffect transition="in" filter="fade">
+                                      <p:cBhvr>
+                                        <p:cTn id="20" dur="500"/>
+                                        <p:tgtEl>
+                                          <p:spTgt spid="3">
+                                            <p:txEl>
+                                              <p:pRg st="3" end="3"/>
+                                            </p:txEl>
+                                          </p:spTgt>
+                                        </p:tgtEl>
+                                      </p:cBhvr>
+                                    </p:animEffect>
+                                  </p:childTnLst>
+                                </p:cTn>
+                              </p:par>
+                              <p:par>
+                                <p:cTn id="21" presetID="10" presetClass="entr" presetSubtype="0" fill="hold" grpId="0" nodeType="withEffect">
+                                  <p:stCondLst>
+                                    <p:cond delay="0"/>
+                                  </p:stCondLst>
+                                  <p:childTnLst>
+                                    <p:set>
+                                      <p:cBhvr>
+                                        <p:cTn id="22" dur="1" fill="hold">
+                                          <p:stCondLst>
+                                            <p:cond delay="0"/>
+                                          </p:stCondLst>
+                                        </p:cTn>
+                                        <p:tgtEl>
+                                          <p:spTgt spid="3">
+                                            <p:txEl>
+                                              <p:pRg st="4" end="4"/>
+                                            </p:txEl>
+                                          </p:spTgt>
+                                        </p:tgtEl>
+                                        <p:attrNameLst>
+                                          <p:attrName>style.visibility</p:attrName>
+                                        </p:attrNameLst>
+                                      </p:cBhvr>
+                                      <p:to>
+                                        <p:strVal val="visible"/>
+                                      </p:to>
+                                    </p:set>
+                                    <p:animEffect transition="in" filter="fade">
+                                      <p:cBhvr>
+                                        <p:cTn id="23" dur="500"/>
+                                        <p:tgtEl>
+                                          <p:spTgt spid="3">
+                                            <p:txEl>
+                                              <p:pRg st="4" end="4"/>
+                                            </p:txEl>
+                                          </p:spTgt>
+                                        </p:tgtEl>
+                                      </p:cBhvr>
+                                    </p:animEffect>
+                                  </p:childTnLst>
+                                </p:cTn>
+                              </p:par>
+                            </p:childTnLst>
+                          </p:cTn>
+                        </p:par>
+                      </p:childTnLst>
+                    </p:cTn>
+                  </p:par>
+                </p:childTnLst>
+              </p:cTn>
+              <p:prevCondLst>
+                <p:cond evt="onPrev" delay="0">
+                  <p:tgtEl>
+                    <p:sldTgt/>
+                  </p:tgtEl>
+                </p:cond>
+              </p:prevCondLst>
+              <p:nextCondLst>
+                <p:cond evt="onNext" delay="0">
+                  <p:tgtEl>
+                    <p:sldTgt/>
+                  </p:tgtEl>
+                </p:cond>
+              </p:nextCondLst>
+            </p:seq>
+          </p:childTnLst>
+        </p:cTn>
+      </p:par>
+    </p:tnLst>
+    <p:bldLst>
+      <p:bldP spid="3" grpId="0" build="p" bldLvl="2"/>
+    </p:bldLst>
+  </p:timing>
+</p:sld>
+</file>
+
+<file path=ppt/slides/slide2.xml><?xml version="1.0" encoding="utf-8"?>
+<p:sld xmlns:a="http://schemas.openxmlformats.org/drawingml/2006/main" xmlns:r="http://schemas.openxmlformats.org/officeDocument/2006/relationships" xmlns:p="http://schemas.openxmlformats.org/presentationml/2006/main">
+  <p:cSld>
+    <p:spTree>
+      <p:nvGrpSpPr>
+        <p:cNvPr id="1" name=""/>
+        <p:cNvGrpSpPr/>
+        <p:nvPr/>
+      </p:nvGrpSpPr>
+      <p:grpSpPr>
+        <a:xfrm>
+          <a:off x="0" y="0"/>
+          <a:ext cx="0" cy="0"/>
+          <a:chOff x="0" y="0"/>
+          <a:chExt cx="0" cy="0"/>
+        </a:xfrm>
+      </p:grpSpPr>
+      <p:sp>
+        <p:nvSpPr>
+          <p:cNvPr id="2" name="Title 1"/>
+          <p:cNvSpPr>
+            <a:spLocks noGrp="1"/>
+          </p:cNvSpPr>
+          <p:nvPr>
+            <p:ph type="title"/>
+          </p:nvPr>
+        </p:nvSpPr>
+        <p:spPr/>
+        <p:txBody>
+          <a:bodyPr/>
+          <a:lstStyle/>
+          <a:p>
+            <a:r>
+              <a:rPr lang="ru-RU" dirty="0" smtClean="0"/>
+              <a:t>Задача – создать копию объекта</a:t>
+            </a:r>
+            <a:endParaRPr lang="ru-RU" dirty="0"/>
+          </a:p>
+        </p:txBody>
+      </p:sp>
+      <p:sp>
+        <p:nvSpPr>
+          <p:cNvPr id="3" name="Content Placeholder 2"/>
+          <p:cNvSpPr>
+            <a:spLocks noGrp="1"/>
+          </p:cNvSpPr>
+          <p:nvPr>
+            <p:ph idx="1"/>
+          </p:nvPr>
+        </p:nvSpPr>
+        <p:spPr/>
+        <p:txBody>
+          <a:bodyPr>
+            <a:normAutofit fontScale="92500"/>
+          </a:bodyPr>
+          <a:lstStyle/>
+          <a:p>
+            <a:r>
+              <a:rPr lang="ru-RU" dirty="0" smtClean="0"/>
+              <a:t>Решение, которое не работает</a:t>
+            </a:r>
+          </a:p>
+          <a:p>
+            <a:pPr lvl="1"/>
+            <a:r>
+              <a:rPr lang="ru-RU" dirty="0" smtClean="0"/>
+              <a:t>Создать «пустой» объект такого же класса и поочерёдно скопировать значения полей из старого объекта в новый</a:t>
+            </a:r>
+          </a:p>
+          <a:p>
+            <a:r>
+              <a:rPr lang="ru-RU" dirty="0" smtClean="0"/>
+              <a:t>Проблема 1</a:t>
+            </a:r>
+          </a:p>
+          <a:p>
+            <a:pPr lvl="1"/>
+            <a:r>
+              <a:rPr lang="ru-RU" dirty="0" smtClean="0"/>
+              <a:t>Часть состояния объекта может быть приватной</a:t>
+            </a:r>
+          </a:p>
+          <a:p>
+            <a:r>
+              <a:rPr lang="ru-RU" dirty="0" smtClean="0"/>
+              <a:t>Проблема 2</a:t>
+            </a:r>
+          </a:p>
+          <a:p>
+            <a:pPr lvl="1"/>
+            <a:r>
+              <a:rPr lang="ru-RU" dirty="0" smtClean="0"/>
+              <a:t>Копирующий код зависит от классов копируемых объектов</a:t>
+            </a:r>
+          </a:p>
+          <a:p>
+            <a:pPr lvl="1"/>
+            <a:r>
+              <a:rPr lang="ru-RU" dirty="0" smtClean="0"/>
+              <a:t>Нельзя скопировать объект, зная лишь интерфейс</a:t>
+            </a:r>
+            <a:endParaRPr lang="ru-RU" dirty="0"/>
+          </a:p>
+        </p:txBody>
+      </p:sp>
+    </p:spTree>
+    <p:extLst>
+      <p:ext uri="{BB962C8B-B14F-4D97-AF65-F5344CB8AC3E}">
+        <p14:creationId xmlns:p14="http://schemas.microsoft.com/office/powerpoint/2010/main" val="4152632507"/>
+      </p:ext>
+    </p:extLst>
+  </p:cSld>
+  <p:clrMapOvr>
+    <a:masterClrMapping/>
+  </p:clrMapOvr>
+  <p:timing>
+    <p:tnLst>
+      <p:par>
+        <p:cTn id="1" dur="indefinite" restart="never" nodeType="tmRoot">
+          <p:childTnLst>
+            <p:seq concurrent="1" nextAc="seek">
+              <p:cTn id="2" dur="indefinite" nodeType="mainSeq">
+                <p:childTnLst>
+                  <p:par>
+                    <p:cTn id="3" fill="hold">
+                      <p:stCondLst>
+                        <p:cond delay="indefinite"/>
+                      </p:stCondLst>
+                      <p:childTnLst>
+                        <p:par>
+                          <p:cTn id="4" fill="hold">
+                            <p:stCondLst>
+                              <p:cond delay="0"/>
+                            </p:stCondLst>
+                            <p:childTnLst>
+                              <p:par>
+                                <p:cTn id="5" presetID="10" presetClass="entr" presetSubtype="0" fill="hold" grpId="0" nodeType="clickEffect">
+                                  <p:stCondLst>
+                                    <p:cond delay="0"/>
+                                  </p:stCondLst>
+                                  <p:childTnLst>
+                                    <p:set>
+                                      <p:cBhvr>
+                                        <p:cTn id="6" dur="1" fill="hold">
+                                          <p:stCondLst>
+                                            <p:cond delay="0"/>
+                                          </p:stCondLst>
+                                        </p:cTn>
+                                        <p:tgtEl>
+                                          <p:spTgt spid="3">
+                                            <p:txEl>
+                                              <p:pRg st="0" end="0"/>
+                                            </p:txEl>
+                                          </p:spTgt>
+                                        </p:tgtEl>
+                                        <p:attrNameLst>
+                                          <p:attrName>style.visibility</p:attrName>
+                                        </p:attrNameLst>
+                                      </p:cBhvr>
+                                      <p:to>
+                                        <p:strVal val="visible"/>
+                                      </p:to>
+                                    </p:set>
+                                    <p:animEffect transition="in" filter="fade">
+                                      <p:cBhvr>
+                                        <p:cTn id="7" dur="500"/>
+                                        <p:tgtEl>
+                                          <p:spTgt spid="3">
+                                            <p:txEl>
+                                              <p:pRg st="0" end="0"/>
+                                            </p:txEl>
+                                          </p:spTgt>
+                                        </p:tgtEl>
+                                      </p:cBhvr>
+                                    </p:animEffect>
+                                  </p:childTnLst>
+                                </p:cTn>
+                              </p:par>
+                              <p:par>
+                                <p:cTn id="8" presetID="10" presetClass="entr" presetSubtype="0" fill="hold" grpId="0" nodeType="withEffect">
+                                  <p:stCondLst>
+                                    <p:cond delay="0"/>
+                                  </p:stCondLst>
+                                  <p:childTnLst>
+                                    <p:set>
+                                      <p:cBhvr>
+                                        <p:cTn id="9" dur="1" fill="hold">
+                                          <p:stCondLst>
+                                            <p:cond delay="0"/>
+                                          </p:stCondLst>
+                                        </p:cTn>
+                                        <p:tgtEl>
+                                          <p:spTgt spid="3">
+                                            <p:txEl>
+                                              <p:pRg st="1" end="1"/>
+                                            </p:txEl>
+                                          </p:spTgt>
+                                        </p:tgtEl>
+                                        <p:attrNameLst>
+                                          <p:attrName>style.visibility</p:attrName>
+                                        </p:attrNameLst>
+                                      </p:cBhvr>
+                                      <p:to>
+                                        <p:strVal val="visible"/>
+                                      </p:to>
+                                    </p:set>
+                                    <p:animEffect transition="in" filter="fade">
+                                      <p:cBhvr>
+                                        <p:cTn id="10" dur="500"/>
+                                        <p:tgtEl>
+                                          <p:spTgt spid="3">
+                                            <p:txEl>
+                                              <p:pRg st="1" end="1"/>
+                                            </p:txEl>
+                                          </p:spTgt>
+                                        </p:tgtEl>
+                                      </p:cBhvr>
+                                    </p:animEffect>
+                                  </p:childTnLst>
+                                </p:cTn>
+                              </p:par>
+                            </p:childTnLst>
+                          </p:cTn>
+                        </p:par>
+                      </p:childTnLst>
+                    </p:cTn>
+                  </p:par>
+                  <p:par>
+                    <p:cTn id="11" fill="hold">
+                      <p:stCondLst>
+                        <p:cond delay="indefinite"/>
+                      </p:stCondLst>
+                      <p:childTnLst>
+                        <p:par>
+                          <p:cTn id="12" fill="hold">
+                            <p:stCondLst>
+                              <p:cond delay="0"/>
+                            </p:stCondLst>
+                            <p:childTnLst>
+                              <p:par>
+                                <p:cTn id="13" presetID="10" presetClass="entr" presetSubtype="0" fill="hold" grpId="0" nodeType="clickEffect">
+                                  <p:stCondLst>
+                                    <p:cond delay="0"/>
+                                  </p:stCondLst>
+                                  <p:childTnLst>
+                                    <p:set>
+                                      <p:cBhvr>
+                                        <p:cTn id="14" dur="1" fill="hold">
+                                          <p:stCondLst>
+                                            <p:cond delay="0"/>
+                                          </p:stCondLst>
+                                        </p:cTn>
+                                        <p:tgtEl>
+                                          <p:spTgt spid="3">
+                                            <p:txEl>
+                                              <p:pRg st="2" end="2"/>
+                                            </p:txEl>
+                                          </p:spTgt>
+                                        </p:tgtEl>
+                                        <p:attrNameLst>
+                                          <p:attrName>style.visibility</p:attrName>
+                                        </p:attrNameLst>
+                                      </p:cBhvr>
+                                      <p:to>
+                                        <p:strVal val="visible"/>
+                                      </p:to>
+                                    </p:set>
+                                    <p:animEffect transition="in" filter="fade">
+                                      <p:cBhvr>
+                                        <p:cTn id="15" dur="500"/>
+                                        <p:tgtEl>
+                                          <p:spTgt spid="3">
+                                            <p:txEl>
+                                              <p:pRg st="2" end="2"/>
+                                            </p:txEl>
+                                          </p:spTgt>
+                                        </p:tgtEl>
+                                      </p:cBhvr>
+                                    </p:animEffect>
+                                  </p:childTnLst>
+                                </p:cTn>
+                              </p:par>
+                              <p:par>
+                                <p:cTn id="16" presetID="10" presetClass="entr" presetSubtype="0" fill="hold" grpId="0" nodeType="withEffect">
+                                  <p:stCondLst>
+                                    <p:cond delay="0"/>
+                                  </p:stCondLst>
+                                  <p:childTnLst>
+                                    <p:set>
+                                      <p:cBhvr>
+                                        <p:cTn id="17" dur="1" fill="hold">
+                                          <p:stCondLst>
+                                            <p:cond delay="0"/>
+                                          </p:stCondLst>
+                                        </p:cTn>
+                                        <p:tgtEl>
+                                          <p:spTgt spid="3">
+                                            <p:txEl>
+                                              <p:pRg st="3" end="3"/>
+                                            </p:txEl>
+                                          </p:spTgt>
+                                        </p:tgtEl>
+                                        <p:attrNameLst>
+                                          <p:attrName>style.visibility</p:attrName>
+                                        </p:attrNameLst>
+                                      </p:cBhvr>
+                                      <p:to>
+                                        <p:strVal val="visible"/>
+                                      </p:to>
+                                    </p:set>
+                                    <p:animEffect transition="in" filter="fade">
+                                      <p:cBhvr>
+                                        <p:cTn id="18" dur="500"/>
+                                        <p:tgtEl>
+                                          <p:spTgt spid="3">
+                                            <p:txEl>
+                                              <p:pRg st="3" end="3"/>
+                                            </p:txEl>
+                                          </p:spTgt>
+                                        </p:tgtEl>
+                                      </p:cBhvr>
+                                    </p:animEffect>
+                                  </p:childTnLst>
+                                </p:cTn>
+                              </p:par>
+                            </p:childTnLst>
+                          </p:cTn>
+                        </p:par>
+                      </p:childTnLst>
+                    </p:cTn>
+                  </p:par>
+                  <p:par>
+                    <p:cTn id="19" fill="hold">
+                      <p:stCondLst>
+                        <p:cond delay="indefinite"/>
+                      </p:stCondLst>
+                      <p:childTnLst>
+                        <p:par>
+                          <p:cTn id="20" fill="hold">
+                            <p:stCondLst>
+                              <p:cond delay="0"/>
+                            </p:stCondLst>
+                            <p:childTnLst>
+                              <p:par>
+                                <p:cTn id="21" presetID="10" presetClass="entr" presetSubtype="0" fill="hold" grpId="0" nodeType="clickEffect">
+                                  <p:stCondLst>
+                                    <p:cond delay="0"/>
+                                  </p:stCondLst>
+                                  <p:childTnLst>
+                                    <p:set>
+                                      <p:cBhvr>
+                                        <p:cTn id="22" dur="1" fill="hold">
+                                          <p:stCondLst>
+                                            <p:cond delay="0"/>
+                                          </p:stCondLst>
+                                        </p:cTn>
+                                        <p:tgtEl>
+                                          <p:spTgt spid="3">
+                                            <p:txEl>
+                                              <p:pRg st="4" end="4"/>
+                                            </p:txEl>
+                                          </p:spTgt>
+                                        </p:tgtEl>
+                                        <p:attrNameLst>
+                                          <p:attrName>style.visibility</p:attrName>
+                                        </p:attrNameLst>
+                                      </p:cBhvr>
+                                      <p:to>
+                                        <p:strVal val="visible"/>
+                                      </p:to>
+                                    </p:set>
+                                    <p:animEffect transition="in" filter="fade">
+                                      <p:cBhvr>
+                                        <p:cTn id="23" dur="500"/>
+                                        <p:tgtEl>
+                                          <p:spTgt spid="3">
+                                            <p:txEl>
+                                              <p:pRg st="4" end="4"/>
+                                            </p:txEl>
+                                          </p:spTgt>
+                                        </p:tgtEl>
+                                      </p:cBhvr>
+                                    </p:animEffect>
+                                  </p:childTnLst>
+                                </p:cTn>
+                              </p:par>
+                              <p:par>
+                                <p:cTn id="24" presetID="10" presetClass="entr" presetSubtype="0" fill="hold" grpId="0" nodeType="withEffect">
+                                  <p:stCondLst>
+                                    <p:cond delay="0"/>
+                                  </p:stCondLst>
+                                  <p:childTnLst>
+                                    <p:set>
+                                      <p:cBhvr>
+                                        <p:cTn id="25" dur="1" fill="hold">
+                                          <p:stCondLst>
+                                            <p:cond delay="0"/>
+                                          </p:stCondLst>
+                                        </p:cTn>
+                                        <p:tgtEl>
+                                          <p:spTgt spid="3">
+                                            <p:txEl>
+                                              <p:pRg st="5" end="5"/>
+                                            </p:txEl>
+                                          </p:spTgt>
+                                        </p:tgtEl>
+                                        <p:attrNameLst>
+                                          <p:attrName>style.visibility</p:attrName>
+                                        </p:attrNameLst>
+                                      </p:cBhvr>
+                                      <p:to>
+                                        <p:strVal val="visible"/>
+                                      </p:to>
+                                    </p:set>
+                                    <p:animEffect transition="in" filter="fade">
+                                      <p:cBhvr>
+                                        <p:cTn id="26" dur="500"/>
+                                        <p:tgtEl>
+                                          <p:spTgt spid="3">
+                                            <p:txEl>
+                                              <p:pRg st="5" end="5"/>
+                                            </p:txEl>
+                                          </p:spTgt>
+                                        </p:tgtEl>
+                                      </p:cBhvr>
+                                    </p:animEffect>
+                                  </p:childTnLst>
+                                </p:cTn>
+                              </p:par>
+                              <p:par>
+                                <p:cTn id="27" presetID="10" presetClass="entr" presetSubtype="0" fill="hold" grpId="0" nodeType="withEffect">
+                                  <p:stCondLst>
+                                    <p:cond delay="0"/>
+                                  </p:stCondLst>
+                                  <p:childTnLst>
+                                    <p:set>
+                                      <p:cBhvr>
+                                        <p:cTn id="28" dur="1" fill="hold">
+                                          <p:stCondLst>
+                                            <p:cond delay="0"/>
+                                          </p:stCondLst>
+                                        </p:cTn>
+                                        <p:tgtEl>
+                                          <p:spTgt spid="3">
+                                            <p:txEl>
+                                              <p:pRg st="6" end="6"/>
+                                            </p:txEl>
+                                          </p:spTgt>
+                                        </p:tgtEl>
+                                        <p:attrNameLst>
+                                          <p:attrName>style.visibility</p:attrName>
+                                        </p:attrNameLst>
+                                      </p:cBhvr>
+                                      <p:to>
+                                        <p:strVal val="visible"/>
+                                      </p:to>
+                                    </p:set>
+                                    <p:animEffect transition="in" filter="fade">
+                                      <p:cBhvr>
+                                        <p:cTn id="29" dur="500"/>
+                                        <p:tgtEl>
+                                          <p:spTgt spid="3">
+                                            <p:txEl>
+                                              <p:pRg st="6" end="6"/>
+                                            </p:txEl>
+                                          </p:spTgt>
+                                        </p:tgtEl>
+                                      </p:cBhvr>
+                                    </p:animEffect>
+                                  </p:childTnLst>
+                                </p:cTn>
+                              </p:par>
+                            </p:childTnLst>
+                          </p:cTn>
+                        </p:par>
+                      </p:childTnLst>
+                    </p:cTn>
+                  </p:par>
+                </p:childTnLst>
+              </p:cTn>
+              <p:prevCondLst>
+                <p:cond evt="onPrev" delay="0">
+                  <p:tgtEl>
+                    <p:sldTgt/>
+                  </p:tgtEl>
+                </p:cond>
+              </p:prevCondLst>
+              <p:nextCondLst>
+                <p:cond evt="onNext" delay="0">
+                  <p:tgtEl>
+                    <p:sldTgt/>
+                  </p:tgtEl>
+                </p:cond>
+              </p:nextCondLst>
+            </p:seq>
+          </p:childTnLst>
+        </p:cTn>
+      </p:par>
+    </p:tnLst>
+    <p:bldLst>
+      <p:bldP spid="3" grpId="0" build="p"/>
+    </p:bldLst>
+  </p:timing>
+</p:sld>
+</file>
+
+<file path=ppt/slides/slide3.xml><?xml version="1.0" encoding="utf-8"?>
+<p:sld xmlns:a="http://schemas.openxmlformats.org/drawingml/2006/main" xmlns:r="http://schemas.openxmlformats.org/officeDocument/2006/relationships" xmlns:p="http://schemas.openxmlformats.org/presentationml/2006/main">
+  <p:cSld>
+    <p:spTree>
+      <p:nvGrpSpPr>
+        <p:cNvPr id="1" name=""/>
+        <p:cNvGrpSpPr/>
+        <p:nvPr/>
+      </p:nvGrpSpPr>
+      <p:grpSpPr>
+        <a:xfrm>
+          <a:off x="0" y="0"/>
+          <a:ext cx="0" cy="0"/>
+          <a:chOff x="0" y="0"/>
+          <a:chExt cx="0" cy="0"/>
+        </a:xfrm>
+      </p:grpSpPr>
+      <p:pic>
+        <p:nvPicPr>
+          <p:cNvPr id="4" name="Picture 3"/>
+          <p:cNvPicPr>
+            <a:picLocks noChangeAspect="1"/>
+          </p:cNvPicPr>
+          <p:nvPr/>
+        </p:nvPicPr>
+        <p:blipFill>
+          <a:blip r:embed="rId2">
+            <a:extLst>
+              <a:ext uri="{28A0092B-C50C-407E-A947-70E740481C1C}">
+                <a14:useLocalDpi xmlns:a14="http://schemas.microsoft.com/office/drawing/2010/main" val="0"/>
+              </a:ext>
+            </a:extLst>
+          </a:blip>
+          <a:stretch>
+            <a:fillRect/>
+          </a:stretch>
+        </p:blipFill>
+        <p:spPr>
+          <a:xfrm>
+            <a:off x="0" y="1143000"/>
+            <a:ext cx="9144000" cy="4572000"/>
+          </a:xfrm>
+          <a:prstGeom prst="rect">
+            <a:avLst/>
+          </a:prstGeom>
+        </p:spPr>
+      </p:pic>
+    </p:spTree>
+    <p:extLst>
+      <p:ext uri="{BB962C8B-B14F-4D97-AF65-F5344CB8AC3E}">
+        <p14:creationId xmlns:p14="http://schemas.microsoft.com/office/powerpoint/2010/main" val="3549060052"/>
+      </p:ext>
+    </p:extLst>
+  </p:cSld>
+  <p:clrMapOvr>
+    <a:masterClrMapping/>
+  </p:clrMapOvr>
+  <p:timing>
+    <p:tnLst>
+      <p:par>
+        <p:cTn id="1" dur="indefinite" restart="never" nodeType="tmRoot"/>
+      </p:par>
+    </p:tnLst>
+  </p:timing>
+</p:sld>
+</file>
+
+<file path=ppt/slides/slide4.xml><?xml version="1.0" encoding="utf-8"?>
+<p:sld xmlns:a="http://schemas.openxmlformats.org/drawingml/2006/main" xmlns:r="http://schemas.openxmlformats.org/officeDocument/2006/relationships" xmlns:p="http://schemas.openxmlformats.org/presentationml/2006/main">
+  <p:cSld>
+    <p:spTree>
+      <p:nvGrpSpPr>
+        <p:cNvPr id="1" name=""/>
+        <p:cNvGrpSpPr/>
+        <p:nvPr/>
+      </p:nvGrpSpPr>
+      <p:grpSpPr>
+        <a:xfrm>
+          <a:off x="0" y="0"/>
+          <a:ext cx="0" cy="0"/>
+          <a:chOff x="0" y="0"/>
+          <a:chExt cx="0" cy="0"/>
+        </a:xfrm>
+      </p:grpSpPr>
+      <p:sp>
+        <p:nvSpPr>
+          <p:cNvPr id="2" name="Title 1"/>
+          <p:cNvSpPr>
+            <a:spLocks noGrp="1"/>
+          </p:cNvSpPr>
+          <p:nvPr>
+            <p:ph type="title"/>
+          </p:nvPr>
+        </p:nvSpPr>
+        <p:spPr/>
+        <p:txBody>
+          <a:bodyPr/>
+          <a:lstStyle/>
+          <a:p>
+            <a:r>
+              <a:rPr lang="ru-RU" dirty="0" smtClean="0"/>
+              <a:t>Решение</a:t>
+            </a:r>
+            <a:endParaRPr lang="ru-RU" dirty="0"/>
+          </a:p>
+        </p:txBody>
+      </p:sp>
+      <p:sp>
+        <p:nvSpPr>
+          <p:cNvPr id="3" name="Content Placeholder 2"/>
+          <p:cNvSpPr>
+            <a:spLocks noGrp="1"/>
+          </p:cNvSpPr>
+          <p:nvPr>
+            <p:ph idx="1"/>
+          </p:nvPr>
+        </p:nvSpPr>
+        <p:spPr/>
+        <p:txBody>
+          <a:bodyPr/>
+          <a:lstStyle/>
+          <a:p>
+            <a:r>
+              <a:rPr lang="ru-RU" dirty="0" smtClean="0"/>
+              <a:t>Операция копирования должна выполняться самим объектом</a:t>
+            </a:r>
+          </a:p>
+          <a:p>
+            <a:pPr lvl="1"/>
+            <a:r>
+              <a:rPr lang="ru-RU" dirty="0" smtClean="0"/>
+              <a:t>Решается доступ к приватным полям</a:t>
+            </a:r>
+          </a:p>
+          <a:p>
+            <a:r>
+              <a:rPr lang="ru-RU" dirty="0" smtClean="0"/>
+              <a:t>Чтобы копировать все объекты, нужен интерфейс, поддерживающий клонирование</a:t>
+            </a:r>
+            <a:endParaRPr lang="ru-RU" dirty="0"/>
+          </a:p>
+        </p:txBody>
+      </p:sp>
+    </p:spTree>
+    <p:extLst>
+      <p:ext uri="{BB962C8B-B14F-4D97-AF65-F5344CB8AC3E}">
+        <p14:creationId xmlns:p14="http://schemas.microsoft.com/office/powerpoint/2010/main" val="2170365042"/>
+      </p:ext>
+    </p:extLst>
+  </p:cSld>
+  <p:clrMapOvr>
+    <a:masterClrMapping/>
+  </p:clrMapOvr>
+  <p:timing>
+    <p:tnLst>
+      <p:par>
+        <p:cTn id="1" dur="indefinite" restart="never" nodeType="tmRoot">
+          <p:childTnLst>
+            <p:seq concurrent="1" nextAc="seek">
+              <p:cTn id="2" dur="indefinite" nodeType="mainSeq">
+                <p:childTnLst>
+                  <p:par>
+                    <p:cTn id="3" fill="hold">
+                      <p:stCondLst>
+                        <p:cond delay="indefinite"/>
+                      </p:stCondLst>
+                      <p:childTnLst>
+                        <p:par>
+                          <p:cTn id="4" fill="hold">
+                            <p:stCondLst>
+                              <p:cond delay="0"/>
+                            </p:stCondLst>
+                            <p:childTnLst>
+                              <p:par>
+                                <p:cTn id="5" presetID="10" presetClass="entr" presetSubtype="0" fill="hold" grpId="0" nodeType="clickEffect">
+                                  <p:stCondLst>
+                                    <p:cond delay="0"/>
+                                  </p:stCondLst>
+                                  <p:childTnLst>
+                                    <p:set>
+                                      <p:cBhvr>
+                                        <p:cTn id="6" dur="1" fill="hold">
+                                          <p:stCondLst>
+                                            <p:cond delay="0"/>
+                                          </p:stCondLst>
+                                        </p:cTn>
+                                        <p:tgtEl>
+                                          <p:spTgt spid="3">
+                                            <p:txEl>
+                                              <p:pRg st="0" end="0"/>
+                                            </p:txEl>
+                                          </p:spTgt>
+                                        </p:tgtEl>
+                                        <p:attrNameLst>
+                                          <p:attrName>style.visibility</p:attrName>
+                                        </p:attrNameLst>
+                                      </p:cBhvr>
+                                      <p:to>
+                                        <p:strVal val="visible"/>
+                                      </p:to>
+                                    </p:set>
+                                    <p:animEffect transition="in" filter="fade">
+                                      <p:cBhvr>
+                                        <p:cTn id="7" dur="500"/>
+                                        <p:tgtEl>
+                                          <p:spTgt spid="3">
+                                            <p:txEl>
+                                              <p:pRg st="0" end="0"/>
+                                            </p:txEl>
+                                          </p:spTgt>
+                                        </p:tgtEl>
+                                      </p:cBhvr>
+                                    </p:animEffect>
+                                  </p:childTnLst>
+                                </p:cTn>
+                              </p:par>
+                              <p:par>
+                                <p:cTn id="8" presetID="10" presetClass="entr" presetSubtype="0" fill="hold" grpId="0" nodeType="withEffect">
+                                  <p:stCondLst>
+                                    <p:cond delay="0"/>
+                                  </p:stCondLst>
+                                  <p:childTnLst>
+                                    <p:set>
+                                      <p:cBhvr>
+                                        <p:cTn id="9" dur="1" fill="hold">
+                                          <p:stCondLst>
+                                            <p:cond delay="0"/>
+                                          </p:stCondLst>
+                                        </p:cTn>
+                                        <p:tgtEl>
+                                          <p:spTgt spid="3">
+                                            <p:txEl>
+                                              <p:pRg st="1" end="1"/>
+                                            </p:txEl>
+                                          </p:spTgt>
+                                        </p:tgtEl>
+                                        <p:attrNameLst>
+                                          <p:attrName>style.visibility</p:attrName>
+                                        </p:attrNameLst>
+                                      </p:cBhvr>
+                                      <p:to>
+                                        <p:strVal val="visible"/>
+                                      </p:to>
+                                    </p:set>
+                                    <p:animEffect transition="in" filter="fade">
+                                      <p:cBhvr>
+                                        <p:cTn id="10" dur="500"/>
+                                        <p:tgtEl>
+                                          <p:spTgt spid="3">
+                                            <p:txEl>
+                                              <p:pRg st="1" end="1"/>
+                                            </p:txEl>
+                                          </p:spTgt>
+                                        </p:tgtEl>
+                                      </p:cBhvr>
+                                    </p:animEffect>
+                                  </p:childTnLst>
+                                </p:cTn>
+                              </p:par>
+                            </p:childTnLst>
+                          </p:cTn>
+                        </p:par>
+                      </p:childTnLst>
+                    </p:cTn>
+                  </p:par>
+                  <p:par>
+                    <p:cTn id="11" fill="hold">
+                      <p:stCondLst>
+                        <p:cond delay="indefinite"/>
+                      </p:stCondLst>
+                      <p:childTnLst>
+                        <p:par>
+                          <p:cTn id="12" fill="hold">
+                            <p:stCondLst>
+                              <p:cond delay="0"/>
+                            </p:stCondLst>
+                            <p:childTnLst>
+                              <p:par>
+                                <p:cTn id="13" presetID="10" presetClass="entr" presetSubtype="0" fill="hold" grpId="0" nodeType="clickEffect">
+                                  <p:stCondLst>
+                                    <p:cond delay="0"/>
+                                  </p:stCondLst>
+                                  <p:childTnLst>
+                                    <p:set>
+                                      <p:cBhvr>
+                                        <p:cTn id="14" dur="1" fill="hold">
+                                          <p:stCondLst>
+                                            <p:cond delay="0"/>
+                                          </p:stCondLst>
+                                        </p:cTn>
+                                        <p:tgtEl>
+                                          <p:spTgt spid="3">
+                                            <p:txEl>
+                                              <p:pRg st="2" end="2"/>
+                                            </p:txEl>
+                                          </p:spTgt>
+                                        </p:tgtEl>
+                                        <p:attrNameLst>
+                                          <p:attrName>style.visibility</p:attrName>
+                                        </p:attrNameLst>
+                                      </p:cBhvr>
+                                      <p:to>
+                                        <p:strVal val="visible"/>
+                                      </p:to>
+                                    </p:set>
+                                    <p:animEffect transition="in" filter="fade">
+                                      <p:cBhvr>
+                                        <p:cTn id="15" dur="500"/>
+                                        <p:tgtEl>
+                                          <p:spTgt spid="3">
+                                            <p:txEl>
+                                              <p:pRg st="2" end="2"/>
+                                            </p:txEl>
+                                          </p:spTgt>
+                                        </p:tgtEl>
+                                      </p:cBhvr>
+                                    </p:animEffect>
+                                  </p:childTnLst>
+                                </p:cTn>
+                              </p:par>
+                            </p:childTnLst>
+                          </p:cTn>
+                        </p:par>
+                      </p:childTnLst>
+                    </p:cTn>
+                  </p:par>
+                </p:childTnLst>
+              </p:cTn>
+              <p:prevCondLst>
+                <p:cond evt="onPrev" delay="0">
+                  <p:tgtEl>
+                    <p:sldTgt/>
+                  </p:tgtEl>
+                </p:cond>
+              </p:prevCondLst>
+              <p:nextCondLst>
+                <p:cond evt="onNext" delay="0">
+                  <p:tgtEl>
+                    <p:sldTgt/>
+                  </p:tgtEl>
+                </p:cond>
+              </p:nextCondLst>
+            </p:seq>
+          </p:childTnLst>
+        </p:cTn>
+      </p:par>
+    </p:tnLst>
+    <p:bldLst>
+      <p:bldP spid="3" grpId="0" build="p"/>
+    </p:bldLst>
+  </p:timing>
+</p:sld>
+</file>
+
+<file path=ppt/slides/slide5.xml><?xml version="1.0" encoding="utf-8"?>
+<p:sld xmlns:a="http://schemas.openxmlformats.org/drawingml/2006/main" xmlns:r="http://schemas.openxmlformats.org/officeDocument/2006/relationships" xmlns:p="http://schemas.openxmlformats.org/presentationml/2006/main">
+  <p:cSld>
+    <p:spTree>
+      <p:nvGrpSpPr>
+        <p:cNvPr id="1" name=""/>
+        <p:cNvGrpSpPr/>
+        <p:nvPr/>
+      </p:nvGrpSpPr>
+      <p:grpSpPr>
+        <a:xfrm>
+          <a:off x="0" y="0"/>
+          <a:ext cx="0" cy="0"/>
+          <a:chOff x="0" y="0"/>
+          <a:chExt cx="0" cy="0"/>
+        </a:xfrm>
+      </p:grpSpPr>
+      <p:sp>
+        <p:nvSpPr>
+          <p:cNvPr id="4" name="Заголовок 3"/>
+          <p:cNvSpPr>
+            <a:spLocks noGrp="1"/>
+          </p:cNvSpPr>
+          <p:nvPr>
+            <p:ph type="title"/>
+          </p:nvPr>
+        </p:nvSpPr>
+        <p:spPr/>
+        <p:txBody>
+          <a:bodyPr>
+            <a:normAutofit/>
+          </a:bodyPr>
+          <a:lstStyle/>
+          <a:p>
+            <a:r>
+              <a:rPr lang="ru-RU" dirty="0"/>
+              <a:t>Паттерн «Прототип»</a:t>
+            </a:r>
+          </a:p>
+        </p:txBody>
+      </p:sp>
+      <p:sp>
+        <p:nvSpPr>
+          <p:cNvPr id="5" name="Содержимое 4"/>
+          <p:cNvSpPr>
+            <a:spLocks noGrp="1"/>
+          </p:cNvSpPr>
+          <p:nvPr>
+            <p:ph idx="1"/>
+          </p:nvPr>
+        </p:nvSpPr>
+        <p:spPr/>
+        <p:txBody>
+          <a:bodyPr>
+            <a:normAutofit/>
+          </a:bodyPr>
+          <a:lstStyle/>
+          <a:p>
+            <a:r>
+              <a:rPr lang="ru-RU" dirty="0"/>
+              <a:t>Позволяет создавать новые экземпляры посредством копирования существующих экземпляров</a:t>
+            </a:r>
+          </a:p>
+          <a:p>
+            <a:pPr lvl="1"/>
+            <a:r>
+              <a:rPr lang="ru-RU" dirty="0"/>
+              <a:t>Клиентский код может создавать новые экземпляры, не зная, экземпляр какого конкретного типа создается</a:t>
+            </a:r>
+          </a:p>
+          <a:p>
+            <a:r>
+              <a:rPr lang="ru-RU" dirty="0"/>
+              <a:t>Скрывает от клиента конкретные классы продуктов, уменьшая количество известных клиенту имен</a:t>
+            </a:r>
+          </a:p>
+        </p:txBody>
+      </p:sp>
+    </p:spTree>
+    <p:extLst>
+      <p:ext uri="{BB962C8B-B14F-4D97-AF65-F5344CB8AC3E}">
+        <p14:creationId xmlns:p14="http://schemas.microsoft.com/office/powerpoint/2010/main" val="876963863"/>
+      </p:ext>
+    </p:extLst>
+  </p:cSld>
+  <p:clrMapOvr>
+    <a:masterClrMapping/>
+  </p:clrMapOvr>
+  <p:timing>
+    <p:tnLst>
+      <p:par>
+        <p:cTn id="1" dur="indefinite" restart="never" nodeType="tmRoot">
+          <p:childTnLst>
+            <p:seq concurrent="1" nextAc="seek">
+              <p:cTn id="2" dur="indefinite" nodeType="mainSeq">
+                <p:childTnLst>
+                  <p:par>
+                    <p:cTn id="3" fill="hold">
+                      <p:stCondLst>
+                        <p:cond delay="indefinite"/>
+                      </p:stCondLst>
+                      <p:childTnLst>
+                        <p:par>
+                          <p:cTn id="4" fill="hold">
+                            <p:stCondLst>
+                              <p:cond delay="0"/>
+                            </p:stCondLst>
+                            <p:childTnLst>
+                              <p:par>
+                                <p:cTn id="5" presetID="10" presetClass="entr" presetSubtype="0" fill="hold" grpId="0" nodeType="clickEffect">
+                                  <p:stCondLst>
+                                    <p:cond delay="0"/>
+                                  </p:stCondLst>
+                                  <p:childTnLst>
+                                    <p:set>
+                                      <p:cBhvr>
+                                        <p:cTn id="6" dur="1" fill="hold">
+                                          <p:stCondLst>
+                                            <p:cond delay="0"/>
+                                          </p:stCondLst>
+                                        </p:cTn>
+                                        <p:tgtEl>
+                                          <p:spTgt spid="5">
+                                            <p:txEl>
+                                              <p:pRg st="0" end="0"/>
+                                            </p:txEl>
+                                          </p:spTgt>
+                                        </p:tgtEl>
+                                        <p:attrNameLst>
+                                          <p:attrName>style.visibility</p:attrName>
+                                        </p:attrNameLst>
+                                      </p:cBhvr>
+                                      <p:to>
+                                        <p:strVal val="visible"/>
+                                      </p:to>
+                                    </p:set>
+                                    <p:animEffect transition="in" filter="fade">
+                                      <p:cBhvr>
+                                        <p:cTn id="7" dur="500"/>
+                                        <p:tgtEl>
+                                          <p:spTgt spid="5">
+                                            <p:txEl>
+                                              <p:pRg st="0" end="0"/>
+                                            </p:txEl>
+                                          </p:spTgt>
+                                        </p:tgtEl>
+                                      </p:cBhvr>
+                                    </p:animEffect>
+                                  </p:childTnLst>
+                                </p:cTn>
+                              </p:par>
+                              <p:par>
+                                <p:cTn id="8" presetID="10" presetClass="entr" presetSubtype="0" fill="hold" grpId="0" nodeType="withEffect">
+                                  <p:stCondLst>
+                                    <p:cond delay="0"/>
+                                  </p:stCondLst>
+                                  <p:childTnLst>
+                                    <p:set>
+                                      <p:cBhvr>
+                                        <p:cTn id="9" dur="1" fill="hold">
+                                          <p:stCondLst>
+                                            <p:cond delay="0"/>
+                                          </p:stCondLst>
+                                        </p:cTn>
+                                        <p:tgtEl>
+                                          <p:spTgt spid="5">
+                                            <p:txEl>
+                                              <p:pRg st="1" end="1"/>
+                                            </p:txEl>
+                                          </p:spTgt>
+                                        </p:tgtEl>
+                                        <p:attrNameLst>
+                                          <p:attrName>style.visibility</p:attrName>
+                                        </p:attrNameLst>
+                                      </p:cBhvr>
+                                      <p:to>
+                                        <p:strVal val="visible"/>
+                                      </p:to>
+                                    </p:set>
+                                    <p:animEffect transition="in" filter="fade">
+                                      <p:cBhvr>
+                                        <p:cTn id="10" dur="500"/>
+                                        <p:tgtEl>
+                                          <p:spTgt spid="5">
+                                            <p:txEl>
+                                              <p:pRg st="1" end="1"/>
+                                            </p:txEl>
+                                          </p:spTgt>
+                                        </p:tgtEl>
+                                      </p:cBhvr>
+                                    </p:animEffect>
+                                  </p:childTnLst>
+                                </p:cTn>
+                              </p:par>
+                            </p:childTnLst>
+                          </p:cTn>
+                        </p:par>
+                      </p:childTnLst>
+                    </p:cTn>
+                  </p:par>
+                  <p:par>
+                    <p:cTn id="11" fill="hold">
+                      <p:stCondLst>
+                        <p:cond delay="indefinite"/>
+                      </p:stCondLst>
+                      <p:childTnLst>
+                        <p:par>
+                          <p:cTn id="12" fill="hold">
+                            <p:stCondLst>
+                              <p:cond delay="0"/>
+                            </p:stCondLst>
+                            <p:childTnLst>
+                              <p:par>
+                                <p:cTn id="13" presetID="10" presetClass="entr" presetSubtype="0" fill="hold" grpId="0" nodeType="clickEffect">
+                                  <p:stCondLst>
+                                    <p:cond delay="0"/>
+                                  </p:stCondLst>
+                                  <p:childTnLst>
+                                    <p:set>
+                                      <p:cBhvr>
+                                        <p:cTn id="14" dur="1" fill="hold">
+                                          <p:stCondLst>
+                                            <p:cond delay="0"/>
+                                          </p:stCondLst>
+                                        </p:cTn>
+                                        <p:tgtEl>
+                                          <p:spTgt spid="5">
+                                            <p:txEl>
+                                              <p:pRg st="2" end="2"/>
+                                            </p:txEl>
+                                          </p:spTgt>
+                                        </p:tgtEl>
+                                        <p:attrNameLst>
+                                          <p:attrName>style.visibility</p:attrName>
+                                        </p:attrNameLst>
+                                      </p:cBhvr>
+                                      <p:to>
+                                        <p:strVal val="visible"/>
+                                      </p:to>
+                                    </p:set>
+                                    <p:animEffect transition="in" filter="fade">
+                                      <p:cBhvr>
+                                        <p:cTn id="15" dur="500"/>
+                                        <p:tgtEl>
+                                          <p:spTgt spid="5">
+                                            <p:txEl>
+                                              <p:pRg st="2" end="2"/>
+                                            </p:txEl>
+                                          </p:spTgt>
+                                        </p:tgtEl>
+                                      </p:cBhvr>
+                                    </p:animEffect>
+                                  </p:childTnLst>
+                                </p:cTn>
+                              </p:par>
+                            </p:childTnLst>
+                          </p:cTn>
+                        </p:par>
+                      </p:childTnLst>
+                    </p:cTn>
+                  </p:par>
+                </p:childTnLst>
+              </p:cTn>
+              <p:prevCondLst>
+                <p:cond evt="onPrev" delay="0">
+                  <p:tgtEl>
+                    <p:sldTgt/>
+                  </p:tgtEl>
+                </p:cond>
+              </p:prevCondLst>
+              <p:nextCondLst>
+                <p:cond evt="onNext" delay="0">
+                  <p:tgtEl>
+                    <p:sldTgt/>
+                  </p:tgtEl>
+                </p:cond>
+              </p:nextCondLst>
+            </p:seq>
+          </p:childTnLst>
+        </p:cTn>
+      </p:par>
+    </p:tnLst>
+    <p:bldLst>
+      <p:bldP spid="5" grpId="0" build="p"/>
+    </p:bldLst>
+  </p:timing>
+</p:sld>
+</file>
+
+<file path=ppt/slides/slide6.xml><?xml version="1.0" encoding="utf-8"?>
+<p:sld xmlns:a="http://schemas.openxmlformats.org/drawingml/2006/main" xmlns:r="http://schemas.openxmlformats.org/officeDocument/2006/relationships" xmlns:p="http://schemas.openxmlformats.org/presentationml/2006/main">
+  <p:cSld>
+    <p:spTree>
+      <p:nvGrpSpPr>
+        <p:cNvPr id="1" name=""/>
+        <p:cNvGrpSpPr/>
+        <p:nvPr/>
+      </p:nvGrpSpPr>
+      <p:grpSpPr>
+        <a:xfrm>
+          <a:off x="0" y="0"/>
+          <a:ext cx="0" cy="0"/>
+          <a:chOff x="0" y="0"/>
+          <a:chExt cx="0" cy="0"/>
+        </a:xfrm>
+      </p:grpSpPr>
+      <p:sp>
+        <p:nvSpPr>
+          <p:cNvPr id="4" name="Заголовок 3"/>
+          <p:cNvSpPr>
+            <a:spLocks noGrp="1"/>
+          </p:cNvSpPr>
+          <p:nvPr>
+            <p:ph type="title"/>
+          </p:nvPr>
+        </p:nvSpPr>
+        <p:spPr/>
+        <p:txBody>
+          <a:bodyPr/>
+          <a:lstStyle/>
+          <a:p>
+            <a:r>
+              <a:rPr lang="ru-RU" dirty="0"/>
+              <a:t>Структура паттерна «Прототип»</a:t>
+            </a:r>
+          </a:p>
+        </p:txBody>
+      </p:sp>
+      <p:pic>
+        <p:nvPicPr>
+          <p:cNvPr id="5" name="Рисунок 4"/>
+          <p:cNvPicPr>
+            <a:picLocks noChangeAspect="1"/>
+          </p:cNvPicPr>
+          <p:nvPr/>
+        </p:nvPicPr>
+        <p:blipFill>
+          <a:blip r:embed="rId2"/>
+          <a:stretch>
+            <a:fillRect/>
+          </a:stretch>
+        </p:blipFill>
+        <p:spPr>
+          <a:xfrm>
+            <a:off x="1636402" y="2636912"/>
+            <a:ext cx="5871196" cy="3029918"/>
+          </a:xfrm>
+          <a:prstGeom prst="rect">
+            <a:avLst/>
+          </a:prstGeom>
+        </p:spPr>
+      </p:pic>
+      <p:grpSp>
+        <p:nvGrpSpPr>
+          <p:cNvPr id="12" name="Группа 11"/>
+          <p:cNvGrpSpPr/>
+          <p:nvPr/>
+        </p:nvGrpSpPr>
+        <p:grpSpPr>
+          <a:xfrm>
+            <a:off x="1187624" y="1679881"/>
+            <a:ext cx="2376264" cy="1248046"/>
+            <a:chOff x="1187624" y="1679881"/>
+            <a:chExt cx="2376264" cy="1248046"/>
+          </a:xfrm>
+        </p:grpSpPr>
+        <p:sp>
+          <p:nvSpPr>
+            <p:cNvPr id="6" name="TextBox 5"/>
+            <p:cNvSpPr txBox="1"/>
+            <p:nvPr/>
+          </p:nvSpPr>
+          <p:spPr>
+            <a:xfrm>
+              <a:off x="1187624" y="1679881"/>
+              <a:ext cx="2376264" cy="738664"/>
+            </a:xfrm>
+            <a:prstGeom prst="rect">
+              <a:avLst/>
+            </a:prstGeom>
+            <a:noFill/>
+          </p:spPr>
+          <p:txBody>
+            <a:bodyPr wrap="square" rtlCol="0">
+              <a:spAutoFit/>
+            </a:bodyPr>
+            <a:lstStyle/>
+            <a:p>
+              <a:r>
+                <a:rPr lang="ru-RU" sz="1400" dirty="0"/>
+                <a:t>Создает новый объект, обращаясь к прототипу с запросом клонировать себя</a:t>
+              </a:r>
+            </a:p>
+          </p:txBody>
+        </p:sp>
+        <p:sp>
+          <p:nvSpPr>
+            <p:cNvPr id="9" name="Полилиния 8"/>
+            <p:cNvSpPr/>
+            <p:nvPr/>
+          </p:nvSpPr>
+          <p:spPr>
+            <a:xfrm>
+              <a:off x="1205482" y="2429164"/>
+              <a:ext cx="410882" cy="498763"/>
+            </a:xfrm>
+            <a:custGeom>
+              <a:avLst/>
+              <a:gdLst>
+                <a:gd name="connsiteX0" fmla="*/ 300045 w 410882"/>
+                <a:gd name="connsiteY0" fmla="*/ 0 h 498763"/>
+                <a:gd name="connsiteX1" fmla="*/ 22954 w 410882"/>
+                <a:gd name="connsiteY1" fmla="*/ 166254 h 498763"/>
+                <a:gd name="connsiteX2" fmla="*/ 59900 w 410882"/>
+                <a:gd name="connsiteY2" fmla="*/ 387927 h 498763"/>
+                <a:gd name="connsiteX3" fmla="*/ 410882 w 410882"/>
+                <a:gd name="connsiteY3" fmla="*/ 498763 h 498763"/>
+              </a:gdLst>
+              <a:ahLst/>
+              <a:cxnLst>
+                <a:cxn ang="0">
+                  <a:pos x="connsiteX0" y="connsiteY0"/>
+                </a:cxn>
+                <a:cxn ang="0">
+                  <a:pos x="connsiteX1" y="connsiteY1"/>
+                </a:cxn>
+                <a:cxn ang="0">
+                  <a:pos x="connsiteX2" y="connsiteY2"/>
+                </a:cxn>
+                <a:cxn ang="0">
+                  <a:pos x="connsiteX3" y="connsiteY3"/>
+                </a:cxn>
+              </a:cxnLst>
+              <a:rect l="l" t="t" r="r" b="b"/>
+              <a:pathLst>
+                <a:path w="410882" h="498763">
+                  <a:moveTo>
+                    <a:pt x="300045" y="0"/>
+                  </a:moveTo>
+                  <a:cubicBezTo>
+                    <a:pt x="181511" y="50800"/>
+                    <a:pt x="62978" y="101600"/>
+                    <a:pt x="22954" y="166254"/>
+                  </a:cubicBezTo>
+                  <a:cubicBezTo>
+                    <a:pt x="-17070" y="230909"/>
+                    <a:pt x="-4755" y="332509"/>
+                    <a:pt x="59900" y="387927"/>
+                  </a:cubicBezTo>
+                  <a:cubicBezTo>
+                    <a:pt x="124555" y="443345"/>
+                    <a:pt x="267718" y="471054"/>
+                    <a:pt x="410882" y="498763"/>
+                  </a:cubicBezTo>
+                </a:path>
+              </a:pathLst>
+            </a:custGeom>
+            <a:ln w="9525" cap="flat" cmpd="sng" algn="ctr">
+              <a:solidFill>
+                <a:schemeClr val="dk1"/>
+              </a:solidFill>
+              <a:prstDash val="solid"/>
+              <a:round/>
+              <a:headEnd type="none" w="med" len="med"/>
+              <a:tailEnd type="arrow" w="med" len="med"/>
+            </a:ln>
+          </p:spPr>
+          <p:style>
+            <a:lnRef idx="0">
+              <a:scrgbClr r="0" g="0" b="0"/>
+            </a:lnRef>
+            <a:fillRef idx="0">
+              <a:scrgbClr r="0" g="0" b="0"/>
+            </a:fillRef>
+            <a:effectRef idx="0">
+              <a:scrgbClr r="0" g="0" b="0"/>
+            </a:effectRef>
+            <a:fontRef idx="minor">
+              <a:schemeClr val="tx1"/>
+            </a:fontRef>
+          </p:style>
+          <p:txBody>
+            <a:bodyPr rtlCol="0" anchor="ctr"/>
+            <a:lstStyle/>
+            <a:p>
+              <a:pPr algn="ctr"/>
+              <a:endParaRPr lang="ru-RU"/>
+            </a:p>
+          </p:txBody>
+        </p:sp>
+      </p:grpSp>
+      <p:grpSp>
+        <p:nvGrpSpPr>
+          <p:cNvPr id="13" name="Группа 12"/>
+          <p:cNvGrpSpPr/>
+          <p:nvPr/>
+        </p:nvGrpSpPr>
+        <p:grpSpPr>
+          <a:xfrm>
+            <a:off x="5436096" y="1789065"/>
+            <a:ext cx="2376264" cy="1074208"/>
+            <a:chOff x="5436096" y="1789065"/>
+            <a:chExt cx="2376264" cy="1074208"/>
+          </a:xfrm>
+        </p:grpSpPr>
+        <p:sp>
+          <p:nvSpPr>
+            <p:cNvPr id="7" name="TextBox 6"/>
+            <p:cNvSpPr txBox="1"/>
+            <p:nvPr/>
+          </p:nvSpPr>
+          <p:spPr>
+            <a:xfrm>
+              <a:off x="5436096" y="1789065"/>
+              <a:ext cx="2376264" cy="523220"/>
+            </a:xfrm>
+            <a:prstGeom prst="rect">
+              <a:avLst/>
+            </a:prstGeom>
+            <a:noFill/>
+          </p:spPr>
+          <p:txBody>
+            <a:bodyPr wrap="square" rtlCol="0">
+              <a:spAutoFit/>
+            </a:bodyPr>
+            <a:lstStyle/>
+            <a:p>
+              <a:r>
+                <a:rPr lang="ru-RU" sz="1400" dirty="0"/>
+                <a:t>Объявляет интерфейс для клонирования самого себя</a:t>
+              </a:r>
+            </a:p>
+          </p:txBody>
+        </p:sp>
+        <p:sp>
+          <p:nvSpPr>
+            <p:cNvPr id="10" name="Полилиния 9"/>
+            <p:cNvSpPr/>
+            <p:nvPr/>
+          </p:nvSpPr>
+          <p:spPr>
+            <a:xfrm>
+              <a:off x="6086764" y="2336800"/>
+              <a:ext cx="296306" cy="526473"/>
+            </a:xfrm>
+            <a:custGeom>
+              <a:avLst/>
+              <a:gdLst>
+                <a:gd name="connsiteX0" fmla="*/ 203200 w 296306"/>
+                <a:gd name="connsiteY0" fmla="*/ 0 h 526473"/>
+                <a:gd name="connsiteX1" fmla="*/ 286327 w 296306"/>
+                <a:gd name="connsiteY1" fmla="*/ 240145 h 526473"/>
+                <a:gd name="connsiteX2" fmla="*/ 0 w 296306"/>
+                <a:gd name="connsiteY2" fmla="*/ 526473 h 526473"/>
+              </a:gdLst>
+              <a:ahLst/>
+              <a:cxnLst>
+                <a:cxn ang="0">
+                  <a:pos x="connsiteX0" y="connsiteY0"/>
+                </a:cxn>
+                <a:cxn ang="0">
+                  <a:pos x="connsiteX1" y="connsiteY1"/>
+                </a:cxn>
+                <a:cxn ang="0">
+                  <a:pos x="connsiteX2" y="connsiteY2"/>
+                </a:cxn>
+              </a:cxnLst>
+              <a:rect l="l" t="t" r="r" b="b"/>
+              <a:pathLst>
+                <a:path w="296306" h="526473">
+                  <a:moveTo>
+                    <a:pt x="203200" y="0"/>
+                  </a:moveTo>
+                  <a:cubicBezTo>
+                    <a:pt x="261697" y="76200"/>
+                    <a:pt x="320194" y="152400"/>
+                    <a:pt x="286327" y="240145"/>
+                  </a:cubicBezTo>
+                  <a:cubicBezTo>
+                    <a:pt x="252460" y="327890"/>
+                    <a:pt x="126230" y="427181"/>
+                    <a:pt x="0" y="526473"/>
+                  </a:cubicBezTo>
+                </a:path>
+              </a:pathLst>
+            </a:custGeom>
+            <a:ln w="9525" cap="flat" cmpd="sng" algn="ctr">
+              <a:solidFill>
+                <a:schemeClr val="dk1"/>
+              </a:solidFill>
+              <a:prstDash val="solid"/>
+              <a:round/>
+              <a:headEnd type="none" w="med" len="med"/>
+              <a:tailEnd type="arrow" w="med" len="med"/>
+            </a:ln>
+          </p:spPr>
+          <p:style>
+            <a:lnRef idx="0">
+              <a:scrgbClr r="0" g="0" b="0"/>
+            </a:lnRef>
+            <a:fillRef idx="0">
+              <a:scrgbClr r="0" g="0" b="0"/>
+            </a:fillRef>
+            <a:effectRef idx="0">
+              <a:scrgbClr r="0" g="0" b="0"/>
+            </a:effectRef>
+            <a:fontRef idx="minor">
+              <a:schemeClr val="tx1"/>
+            </a:fontRef>
+          </p:style>
+          <p:txBody>
+            <a:bodyPr rtlCol="0" anchor="ctr"/>
+            <a:lstStyle/>
+            <a:p>
+              <a:pPr algn="ctr"/>
+              <a:endParaRPr lang="ru-RU"/>
+            </a:p>
+          </p:txBody>
+        </p:sp>
+      </p:grpSp>
+      <p:grpSp>
+        <p:nvGrpSpPr>
+          <p:cNvPr id="14" name="Группа 13"/>
+          <p:cNvGrpSpPr/>
+          <p:nvPr/>
+        </p:nvGrpSpPr>
+        <p:grpSpPr>
+          <a:xfrm>
+            <a:off x="6301757" y="3429000"/>
+            <a:ext cx="2376264" cy="1032164"/>
+            <a:chOff x="6301757" y="3429000"/>
+            <a:chExt cx="2376264" cy="1032164"/>
+          </a:xfrm>
+        </p:grpSpPr>
+        <p:sp>
+          <p:nvSpPr>
+            <p:cNvPr id="8" name="TextBox 7"/>
+            <p:cNvSpPr txBox="1"/>
+            <p:nvPr/>
+          </p:nvSpPr>
+          <p:spPr>
+            <a:xfrm>
+              <a:off x="6301757" y="3429000"/>
+              <a:ext cx="2376264" cy="523220"/>
+            </a:xfrm>
+            <a:prstGeom prst="rect">
+              <a:avLst/>
+            </a:prstGeom>
+            <a:noFill/>
+          </p:spPr>
+          <p:txBody>
+            <a:bodyPr wrap="square" rtlCol="0">
+              <a:spAutoFit/>
+            </a:bodyPr>
+            <a:lstStyle/>
+            <a:p>
+              <a:r>
+                <a:rPr lang="ru-RU" sz="1400" dirty="0"/>
+                <a:t>Реализует операцию клонирования самого себя</a:t>
+              </a:r>
+            </a:p>
+          </p:txBody>
+        </p:sp>
+        <p:sp>
+          <p:nvSpPr>
+            <p:cNvPr id="11" name="Полилиния 10"/>
+            <p:cNvSpPr/>
+            <p:nvPr/>
+          </p:nvSpPr>
+          <p:spPr>
+            <a:xfrm>
+              <a:off x="7112000" y="3980873"/>
+              <a:ext cx="637309" cy="480291"/>
+            </a:xfrm>
+            <a:custGeom>
+              <a:avLst/>
+              <a:gdLst>
+                <a:gd name="connsiteX0" fmla="*/ 637309 w 637309"/>
+                <a:gd name="connsiteY0" fmla="*/ 0 h 480291"/>
+                <a:gd name="connsiteX1" fmla="*/ 304800 w 637309"/>
+                <a:gd name="connsiteY1" fmla="*/ 323272 h 480291"/>
+                <a:gd name="connsiteX2" fmla="*/ 0 w 637309"/>
+                <a:gd name="connsiteY2" fmla="*/ 480291 h 480291"/>
+              </a:gdLst>
+              <a:ahLst/>
+              <a:cxnLst>
+                <a:cxn ang="0">
+                  <a:pos x="connsiteX0" y="connsiteY0"/>
+                </a:cxn>
+                <a:cxn ang="0">
+                  <a:pos x="connsiteX1" y="connsiteY1"/>
+                </a:cxn>
+                <a:cxn ang="0">
+                  <a:pos x="connsiteX2" y="connsiteY2"/>
+                </a:cxn>
+              </a:cxnLst>
+              <a:rect l="l" t="t" r="r" b="b"/>
+              <a:pathLst>
+                <a:path w="637309" h="480291">
+                  <a:moveTo>
+                    <a:pt x="637309" y="0"/>
+                  </a:moveTo>
+                  <a:cubicBezTo>
+                    <a:pt x="524163" y="121612"/>
+                    <a:pt x="411018" y="243224"/>
+                    <a:pt x="304800" y="323272"/>
+                  </a:cubicBezTo>
+                  <a:cubicBezTo>
+                    <a:pt x="198582" y="403320"/>
+                    <a:pt x="99291" y="441805"/>
+                    <a:pt x="0" y="480291"/>
+                  </a:cubicBezTo>
+                </a:path>
+              </a:pathLst>
+            </a:custGeom>
+            <a:ln w="9525" cap="flat" cmpd="sng" algn="ctr">
+              <a:solidFill>
+                <a:schemeClr val="dk1"/>
+              </a:solidFill>
+              <a:prstDash val="solid"/>
+              <a:round/>
+              <a:headEnd type="none" w="med" len="med"/>
+              <a:tailEnd type="arrow" w="med" len="med"/>
+            </a:ln>
+          </p:spPr>
+          <p:style>
+            <a:lnRef idx="0">
+              <a:scrgbClr r="0" g="0" b="0"/>
+            </a:lnRef>
+            <a:fillRef idx="0">
+              <a:scrgbClr r="0" g="0" b="0"/>
+            </a:fillRef>
+            <a:effectRef idx="0">
+              <a:scrgbClr r="0" g="0" b="0"/>
+            </a:effectRef>
+            <a:fontRef idx="minor">
+              <a:schemeClr val="tx1"/>
+            </a:fontRef>
+          </p:style>
+          <p:txBody>
+            <a:bodyPr rtlCol="0" anchor="ctr"/>
+            <a:lstStyle/>
+            <a:p>
+              <a:pPr algn="ctr"/>
+              <a:endParaRPr lang="ru-RU"/>
+            </a:p>
+          </p:txBody>
+        </p:sp>
+      </p:grpSp>
+    </p:spTree>
+    <p:extLst>
+      <p:ext uri="{BB962C8B-B14F-4D97-AF65-F5344CB8AC3E}">
+        <p14:creationId xmlns:p14="http://schemas.microsoft.com/office/powerpoint/2010/main" val="3437766202"/>
+      </p:ext>
+    </p:extLst>
+  </p:cSld>
+  <p:clrMapOvr>
+    <a:masterClrMapping/>
+  </p:clrMapOvr>
+  <p:timing>
+    <p:tnLst>
+      <p:par>
+        <p:cTn id="1" dur="indefinite" restart="never" nodeType="tmRoot">
+          <p:childTnLst>
+            <p:seq concurrent="1" nextAc="seek">
+              <p:cTn id="2" dur="indefinite" nodeType="mainSeq">
+                <p:childTnLst>
+                  <p:par>
+                    <p:cTn id="3" fill="hold">
+                      <p:stCondLst>
+                        <p:cond delay="indefinite"/>
+                      </p:stCondLst>
+                      <p:childTnLst>
+                        <p:par>
+                          <p:cTn id="4" fill="hold">
+                            <p:stCondLst>
+                              <p:cond delay="0"/>
+                            </p:stCondLst>
+                            <p:childTnLst>
+                              <p:par>
+                                <p:cTn id="5" presetID="10" presetClass="entr" presetSubtype="0" fill="hold" nodeType="clickEffect">
+                                  <p:stCondLst>
+                                    <p:cond delay="0"/>
+                                  </p:stCondLst>
+                                  <p:childTnLst>
+                                    <p:set>
+                                      <p:cBhvr>
+                                        <p:cTn id="6" dur="1" fill="hold">
+                                          <p:stCondLst>
+                                            <p:cond delay="0"/>
+                                          </p:stCondLst>
+                                        </p:cTn>
+                                        <p:tgtEl>
+                                          <p:spTgt spid="12"/>
+                                        </p:tgtEl>
+                                        <p:attrNameLst>
+                                          <p:attrName>style.visibility</p:attrName>
+                                        </p:attrNameLst>
+                                      </p:cBhvr>
+                                      <p:to>
+                                        <p:strVal val="visible"/>
+                                      </p:to>
+                                    </p:set>
+                                    <p:animEffect transition="in" filter="fade">
+                                      <p:cBhvr>
+                                        <p:cTn id="7" dur="500"/>
+                                        <p:tgtEl>
+                                          <p:spTgt spid="12"/>
+                                        </p:tgtEl>
+                                      </p:cBhvr>
+                                    </p:animEffect>
+                                  </p:childTnLst>
+                                </p:cTn>
+                              </p:par>
+                            </p:childTnLst>
+                          </p:cTn>
+                        </p:par>
+                      </p:childTnLst>
+                    </p:cTn>
+                  </p:par>
+                  <p:par>
+                    <p:cTn id="8" fill="hold">
+                      <p:stCondLst>
+                        <p:cond delay="indefinite"/>
+                      </p:stCondLst>
+                      <p:childTnLst>
+                        <p:par>
+                          <p:cTn id="9" fill="hold">
+                            <p:stCondLst>
+                              <p:cond delay="0"/>
+                            </p:stCondLst>
+                            <p:childTnLst>
+                              <p:par>
+                                <p:cTn id="10" presetID="10" presetClass="entr" presetSubtype="0" fill="hold" nodeType="clickEffect">
+                                  <p:stCondLst>
+                                    <p:cond delay="0"/>
+                                  </p:stCondLst>
+                                  <p:childTnLst>
+                                    <p:set>
+                                      <p:cBhvr>
+                                        <p:cTn id="11" dur="1" fill="hold">
+                                          <p:stCondLst>
+                                            <p:cond delay="0"/>
+                                          </p:stCondLst>
+                                        </p:cTn>
+                                        <p:tgtEl>
+                                          <p:spTgt spid="14"/>
+                                        </p:tgtEl>
+                                        <p:attrNameLst>
+                                          <p:attrName>style.visibility</p:attrName>
+                                        </p:attrNameLst>
+                                      </p:cBhvr>
+                                      <p:to>
+                                        <p:strVal val="visible"/>
+                                      </p:to>
+                                    </p:set>
+                                    <p:animEffect transition="in" filter="fade">
+                                      <p:cBhvr>
+                                        <p:cTn id="12" dur="500"/>
+                                        <p:tgtEl>
+                                          <p:spTgt spid="14"/>
+                                        </p:tgtEl>
+                                      </p:cBhvr>
+                                    </p:animEffect>
+                                  </p:childTnLst>
+                                </p:cTn>
+                              </p:par>
+                            </p:childTnLst>
+                          </p:cTn>
+                        </p:par>
+                      </p:childTnLst>
+                    </p:cTn>
+                  </p:par>
+                </p:childTnLst>
+              </p:cTn>
+              <p:prevCondLst>
+                <p:cond evt="onPrev" delay="0">
+                  <p:tgtEl>
+                    <p:sldTgt/>
+                  </p:tgtEl>
+                </p:cond>
+              </p:prevCondLst>
+              <p:nextCondLst>
+                <p:cond evt="onNext" delay="0">
+                  <p:tgtEl>
+                    <p:sldTgt/>
+                  </p:tgtEl>
+                </p:cond>
+              </p:nextCondLst>
+            </p:seq>
+          </p:childTnLst>
+        </p:cTn>
+      </p:par>
+    </p:tnLst>
+  </p:timing>
+</p:sld>
+</file>
+
+<file path=ppt/slides/slide7.xml><?xml version="1.0" encoding="utf-8"?>
+<p:sld xmlns:a="http://schemas.openxmlformats.org/drawingml/2006/main" xmlns:r="http://schemas.openxmlformats.org/officeDocument/2006/relationships" xmlns:p="http://schemas.openxmlformats.org/presentationml/2006/main">
+  <p:cSld>
+    <p:spTree>
+      <p:nvGrpSpPr>
+        <p:cNvPr id="1" name=""/>
+        <p:cNvGrpSpPr/>
+        <p:nvPr/>
+      </p:nvGrpSpPr>
+      <p:grpSpPr>
+        <a:xfrm>
+          <a:off x="0" y="0"/>
+          <a:ext cx="0" cy="0"/>
+          <a:chOff x="0" y="0"/>
+          <a:chExt cx="0" cy="0"/>
+        </a:xfrm>
+      </p:grpSpPr>
+      <p:sp>
+        <p:nvSpPr>
+          <p:cNvPr id="2" name="Заголовок 1"/>
+          <p:cNvSpPr>
+            <a:spLocks noGrp="1"/>
+          </p:cNvSpPr>
+          <p:nvPr>
+            <p:ph type="title"/>
+          </p:nvPr>
+        </p:nvSpPr>
+        <p:spPr/>
+        <p:txBody>
+          <a:bodyPr>
+            <a:normAutofit fontScale="90000"/>
+          </a:bodyPr>
+          <a:lstStyle/>
+          <a:p>
+            <a:r>
+              <a:rPr lang="ru-RU" dirty="0"/>
+              <a:t>Отношения между участниками паттерна</a:t>
+            </a:r>
+          </a:p>
+        </p:txBody>
+      </p:sp>
+      <p:sp>
+        <p:nvSpPr>
+          <p:cNvPr id="3" name="Содержимое 2"/>
+          <p:cNvSpPr>
+            <a:spLocks noGrp="1"/>
+          </p:cNvSpPr>
+          <p:nvPr>
+            <p:ph idx="1"/>
+          </p:nvPr>
+        </p:nvSpPr>
+        <p:spPr/>
+        <p:txBody>
+          <a:bodyPr/>
+          <a:lstStyle/>
+          <a:p>
+            <a:r>
+              <a:rPr lang="ru-RU" b="1" dirty="0"/>
+              <a:t>Клиент</a:t>
+            </a:r>
+            <a:r>
+              <a:rPr lang="ru-RU" dirty="0"/>
+              <a:t> обращается к </a:t>
+            </a:r>
+            <a:r>
+              <a:rPr lang="ru-RU" b="1" dirty="0"/>
+              <a:t>прототипу</a:t>
+            </a:r>
+            <a:r>
+              <a:rPr lang="ru-RU" dirty="0"/>
+              <a:t>, чтобы тот создал свою копию</a:t>
+            </a:r>
+          </a:p>
+        </p:txBody>
+      </p:sp>
+    </p:spTree>
+    <p:extLst>
+      <p:ext uri="{BB962C8B-B14F-4D97-AF65-F5344CB8AC3E}">
+        <p14:creationId xmlns:p14="http://schemas.microsoft.com/office/powerpoint/2010/main" val="1469231029"/>
+      </p:ext>
+    </p:extLst>
+  </p:cSld>
+  <p:clrMapOvr>
+    <a:masterClrMapping/>
+  </p:clrMapOvr>
+  <p:timing>
+    <p:tnLst>
+      <p:par>
+        <p:cTn id="1" dur="indefinite" restart="never" nodeType="tmRoot"/>
+      </p:par>
+    </p:tnLst>
+  </p:timing>
+</p:sld>
+</file>
+
+<file path=ppt/slides/slide8.xml><?xml version="1.0" encoding="utf-8"?>
+<p:sld xmlns:a="http://schemas.openxmlformats.org/drawingml/2006/main" xmlns:r="http://schemas.openxmlformats.org/officeDocument/2006/relationships" xmlns:p="http://schemas.openxmlformats.org/presentationml/2006/main">
+  <p:cSld>
+    <p:spTree>
+      <p:nvGrpSpPr>
+        <p:cNvPr id="1" name=""/>
+        <p:cNvGrpSpPr/>
+        <p:nvPr/>
+      </p:nvGrpSpPr>
+      <p:grpSpPr>
+        <a:xfrm>
+          <a:off x="0" y="0"/>
+          <a:ext cx="0" cy="0"/>
+          <a:chOff x="0" y="0"/>
+          <a:chExt cx="0" cy="0"/>
+        </a:xfrm>
+      </p:grpSpPr>
+      <p:sp>
+        <p:nvSpPr>
+          <p:cNvPr id="2" name="Заголовок 1"/>
+          <p:cNvSpPr>
+            <a:spLocks noGrp="1"/>
+          </p:cNvSpPr>
+          <p:nvPr>
+            <p:ph type="title"/>
+          </p:nvPr>
+        </p:nvSpPr>
+        <p:spPr/>
+        <p:txBody>
+          <a:bodyPr>
+            <a:normAutofit fontScale="90000"/>
+          </a:bodyPr>
+          <a:lstStyle/>
+          <a:p>
+            <a:r>
+              <a:rPr lang="ru-RU" dirty="0"/>
+              <a:t>Применимость паттерна «Прототип»</a:t>
+            </a:r>
+          </a:p>
+        </p:txBody>
+      </p:sp>
+      <p:sp>
+        <p:nvSpPr>
+          <p:cNvPr id="3" name="Содержимое 2"/>
+          <p:cNvSpPr>
+            <a:spLocks noGrp="1"/>
+          </p:cNvSpPr>
+          <p:nvPr>
+            <p:ph idx="1"/>
+          </p:nvPr>
+        </p:nvSpPr>
+        <p:spPr/>
+        <p:txBody>
+          <a:bodyPr>
+            <a:normAutofit/>
+          </a:bodyPr>
+          <a:lstStyle/>
+          <a:p>
+            <a:r>
+              <a:rPr lang="ru-RU" dirty="0"/>
+              <a:t>Система не должна зависеть от того, как в ней создаются, компонуются и представляются продукты</a:t>
+            </a:r>
+          </a:p>
+          <a:p>
+            <a:pPr lvl="1"/>
+            <a:r>
+              <a:rPr lang="ru-RU" dirty="0" err="1"/>
+              <a:t>Инстанцируемые</a:t>
+            </a:r>
+            <a:r>
+              <a:rPr lang="ru-RU" dirty="0"/>
+              <a:t> классы определяются во время выполнения</a:t>
+            </a:r>
+          </a:p>
+          <a:p>
+            <a:pPr lvl="2"/>
+            <a:r>
+              <a:rPr lang="ru-RU" dirty="0"/>
+              <a:t>Например, с помощью динамической загрузки</a:t>
+            </a:r>
+          </a:p>
+          <a:p>
+            <a:r>
+              <a:rPr lang="ru-RU" dirty="0"/>
+              <a:t>Избежание построения иерархий классов или фабрик, параллельных иерархии классов </a:t>
+            </a:r>
+            <a:r>
+              <a:rPr lang="ru-RU" dirty="0" smtClean="0"/>
+              <a:t>продуктов</a:t>
+            </a:r>
+            <a:endParaRPr lang="ru-RU" dirty="0"/>
+          </a:p>
+        </p:txBody>
+      </p:sp>
+    </p:spTree>
+    <p:extLst>
+      <p:ext uri="{BB962C8B-B14F-4D97-AF65-F5344CB8AC3E}">
+        <p14:creationId xmlns:p14="http://schemas.microsoft.com/office/powerpoint/2010/main" val="72291038"/>
+      </p:ext>
+    </p:extLst>
+  </p:cSld>
+  <p:clrMapOvr>
+    <a:masterClrMapping/>
+  </p:clrMapOvr>
+  <p:timing>
+    <p:tnLst>
+      <p:par>
+        <p:cTn id="1" dur="indefinite" restart="never" nodeType="tmRoot">
+          <p:childTnLst>
+            <p:seq concurrent="1" nextAc="seek">
+              <p:cTn id="2" dur="indefinite" nodeType="mainSeq">
+                <p:childTnLst>
+                  <p:par>
+                    <p:cTn id="3" fill="hold">
+                      <p:stCondLst>
+                        <p:cond delay="indefinite"/>
+                      </p:stCondLst>
+                      <p:childTnLst>
+                        <p:par>
+                          <p:cTn id="4" fill="hold">
+                            <p:stCondLst>
+                              <p:cond delay="0"/>
+                            </p:stCondLst>
+                            <p:childTnLst>
+                              <p:par>
+                                <p:cTn id="5" presetID="10" presetClass="entr" presetSubtype="0" fill="hold" grpId="0" nodeType="clickEffect">
+                                  <p:stCondLst>
+                                    <p:cond delay="0"/>
+                                  </p:stCondLst>
+                                  <p:childTnLst>
+                                    <p:set>
+                                      <p:cBhvr>
+                                        <p:cTn id="6" dur="1" fill="hold">
+                                          <p:stCondLst>
+                                            <p:cond delay="0"/>
+                                          </p:stCondLst>
+                                        </p:cTn>
+                                        <p:tgtEl>
+                                          <p:spTgt spid="3">
+                                            <p:txEl>
+                                              <p:pRg st="0" end="0"/>
+                                            </p:txEl>
+                                          </p:spTgt>
+                                        </p:tgtEl>
+                                        <p:attrNameLst>
+                                          <p:attrName>style.visibility</p:attrName>
+                                        </p:attrNameLst>
+                                      </p:cBhvr>
+                                      <p:to>
+                                        <p:strVal val="visible"/>
+                                      </p:to>
+                                    </p:set>
+                                    <p:animEffect transition="in" filter="fade">
+                                      <p:cBhvr>
+                                        <p:cTn id="7" dur="500"/>
+                                        <p:tgtEl>
+                                          <p:spTgt spid="3">
+                                            <p:txEl>
+                                              <p:pRg st="0" end="0"/>
+                                            </p:txEl>
+                                          </p:spTgt>
+                                        </p:tgtEl>
+                                      </p:cBhvr>
+                                    </p:animEffect>
+                                  </p:childTnLst>
+                                </p:cTn>
+                              </p:par>
+                            </p:childTnLst>
+                          </p:cTn>
+                        </p:par>
+                      </p:childTnLst>
+                    </p:cTn>
+                  </p:par>
+                  <p:par>
+                    <p:cTn id="8" fill="hold">
+                      <p:stCondLst>
+                        <p:cond delay="indefinite"/>
+                      </p:stCondLst>
+                      <p:childTnLst>
+                        <p:par>
+                          <p:cTn id="9" fill="hold">
+                            <p:stCondLst>
+                              <p:cond delay="0"/>
+                            </p:stCondLst>
+                            <p:childTnLst>
+                              <p:par>
+                                <p:cTn id="10" presetID="10" presetClass="entr" presetSubtype="0" fill="hold" grpId="0" nodeType="clickEffect">
+                                  <p:stCondLst>
+                                    <p:cond delay="0"/>
+                                  </p:stCondLst>
+                                  <p:childTnLst>
+                                    <p:set>
+                                      <p:cBhvr>
+                                        <p:cTn id="11" dur="1" fill="hold">
+                                          <p:stCondLst>
+                                            <p:cond delay="0"/>
+                                          </p:stCondLst>
+                                        </p:cTn>
+                                        <p:tgtEl>
+                                          <p:spTgt spid="3">
+                                            <p:txEl>
+                                              <p:pRg st="1" end="1"/>
+                                            </p:txEl>
+                                          </p:spTgt>
+                                        </p:tgtEl>
+                                        <p:attrNameLst>
+                                          <p:attrName>style.visibility</p:attrName>
+                                        </p:attrNameLst>
+                                      </p:cBhvr>
+                                      <p:to>
+                                        <p:strVal val="visible"/>
+                                      </p:to>
+                                    </p:set>
+                                    <p:animEffect transition="in" filter="fade">
+                                      <p:cBhvr>
+                                        <p:cTn id="12" dur="500"/>
+                                        <p:tgtEl>
+                                          <p:spTgt spid="3">
+                                            <p:txEl>
+                                              <p:pRg st="1" end="1"/>
+                                            </p:txEl>
+                                          </p:spTgt>
+                                        </p:tgtEl>
+                                      </p:cBhvr>
+                                    </p:animEffect>
+                                  </p:childTnLst>
+                                </p:cTn>
+                              </p:par>
+                              <p:par>
+                                <p:cTn id="13" presetID="10" presetClass="entr" presetSubtype="0" fill="hold" grpId="0" nodeType="withEffect">
+                                  <p:stCondLst>
+                                    <p:cond delay="0"/>
+                                  </p:stCondLst>
+                                  <p:childTnLst>
+                                    <p:set>
+                                      <p:cBhvr>
+                                        <p:cTn id="14" dur="1" fill="hold">
+                                          <p:stCondLst>
+                                            <p:cond delay="0"/>
+                                          </p:stCondLst>
+                                        </p:cTn>
+                                        <p:tgtEl>
+                                          <p:spTgt spid="3">
+                                            <p:txEl>
+                                              <p:pRg st="2" end="2"/>
+                                            </p:txEl>
+                                          </p:spTgt>
+                                        </p:tgtEl>
+                                        <p:attrNameLst>
+                                          <p:attrName>style.visibility</p:attrName>
+                                        </p:attrNameLst>
+                                      </p:cBhvr>
+                                      <p:to>
+                                        <p:strVal val="visible"/>
+                                      </p:to>
+                                    </p:set>
+                                    <p:animEffect transition="in" filter="fade">
+                                      <p:cBhvr>
+                                        <p:cTn id="15" dur="500"/>
+                                        <p:tgtEl>
+                                          <p:spTgt spid="3">
+                                            <p:txEl>
+                                              <p:pRg st="2" end="2"/>
+                                            </p:txEl>
+                                          </p:spTgt>
+                                        </p:tgtEl>
+                                      </p:cBhvr>
+                                    </p:animEffect>
+                                  </p:childTnLst>
+                                </p:cTn>
+                              </p:par>
+                            </p:childTnLst>
+                          </p:cTn>
+                        </p:par>
+                      </p:childTnLst>
+                    </p:cTn>
+                  </p:par>
+                  <p:par>
+                    <p:cTn id="16" fill="hold">
+                      <p:stCondLst>
+                        <p:cond delay="indefinite"/>
+                      </p:stCondLst>
+                      <p:childTnLst>
+                        <p:par>
+                          <p:cTn id="17" fill="hold">
+                            <p:stCondLst>
+                              <p:cond delay="0"/>
+                            </p:stCondLst>
+                            <p:childTnLst>
+                              <p:par>
+                                <p:cTn id="18" presetID="10" presetClass="entr" presetSubtype="0" fill="hold" grpId="0" nodeType="clickEffect">
+                                  <p:stCondLst>
+                                    <p:cond delay="0"/>
+                                  </p:stCondLst>
+                                  <p:childTnLst>
+                                    <p:set>
+                                      <p:cBhvr>
+                                        <p:cTn id="19" dur="1" fill="hold">
+                                          <p:stCondLst>
+                                            <p:cond delay="0"/>
+                                          </p:stCondLst>
+                                        </p:cTn>
+                                        <p:tgtEl>
+                                          <p:spTgt spid="3">
+                                            <p:txEl>
+                                              <p:pRg st="3" end="3"/>
+                                            </p:txEl>
+                                          </p:spTgt>
+                                        </p:tgtEl>
+                                        <p:attrNameLst>
+                                          <p:attrName>style.visibility</p:attrName>
+                                        </p:attrNameLst>
+                                      </p:cBhvr>
+                                      <p:to>
+                                        <p:strVal val="visible"/>
+                                      </p:to>
+                                    </p:set>
+                                    <p:animEffect transition="in" filter="fade">
+                                      <p:cBhvr>
+                                        <p:cTn id="20" dur="500"/>
+                                        <p:tgtEl>
+                                          <p:spTgt spid="3">
+                                            <p:txEl>
+                                              <p:pRg st="3" end="3"/>
+                                            </p:txEl>
+                                          </p:spTgt>
+                                        </p:tgtEl>
+                                      </p:cBhvr>
+                                    </p:animEffect>
+                                  </p:childTnLst>
+                                </p:cTn>
+                              </p:par>
+                            </p:childTnLst>
+                          </p:cTn>
+                        </p:par>
+                      </p:childTnLst>
+                    </p:cTn>
+                  </p:par>
+                </p:childTnLst>
+              </p:cTn>
+              <p:prevCondLst>
+                <p:cond evt="onPrev" delay="0">
+                  <p:tgtEl>
+                    <p:sldTgt/>
+                  </p:tgtEl>
+                </p:cond>
+              </p:prevCondLst>
+              <p:nextCondLst>
+                <p:cond evt="onNext" delay="0">
+                  <p:tgtEl>
+                    <p:sldTgt/>
+                  </p:tgtEl>
+                </p:cond>
+              </p:nextCondLst>
+            </p:seq>
+          </p:childTnLst>
+        </p:cTn>
+      </p:par>
+    </p:tnLst>
+    <p:bldLst>
+      <p:bldP spid="3" grpId="0" build="p" bldLvl="2"/>
+    </p:bldLst>
+  </p:timing>
+</p:sld>
+</file>
+
+<file path=ppt/slides/slide9.xml><?xml version="1.0" encoding="utf-8"?>
+<p:sld xmlns:a="http://schemas.openxmlformats.org/drawingml/2006/main" xmlns:r="http://schemas.openxmlformats.org/officeDocument/2006/relationships" xmlns:p="http://schemas.openxmlformats.org/presentationml/2006/main">
+  <p:cSld>
+    <p:spTree>
+      <p:nvGrpSpPr>
+        <p:cNvPr id="1" name=""/>
+        <p:cNvGrpSpPr/>
+        <p:nvPr/>
+      </p:nvGrpSpPr>
+      <p:grpSpPr>
+        <a:xfrm>
+          <a:off x="0" y="0"/>
+          <a:ext cx="0" cy="0"/>
+          <a:chOff x="0" y="0"/>
+          <a:chExt cx="0" cy="0"/>
+        </a:xfrm>
+      </p:grpSpPr>
+      <p:sp>
+        <p:nvSpPr>
+          <p:cNvPr id="2" name="Title 1"/>
+          <p:cNvSpPr>
+            <a:spLocks noGrp="1"/>
+          </p:cNvSpPr>
+          <p:nvPr>
+            <p:ph type="title"/>
+          </p:nvPr>
+        </p:nvSpPr>
+        <p:spPr/>
+        <p:txBody>
+          <a:bodyPr/>
+          <a:lstStyle/>
+          <a:p>
+            <a:r>
+              <a:rPr lang="ru-RU" dirty="0" smtClean="0"/>
+              <a:t>Применимость</a:t>
+            </a:r>
+            <a:endParaRPr lang="ru-RU" dirty="0"/>
+          </a:p>
+        </p:txBody>
+      </p:sp>
+      <p:sp>
+        <p:nvSpPr>
+          <p:cNvPr id="3" name="Content Placeholder 2"/>
+          <p:cNvSpPr>
+            <a:spLocks noGrp="1"/>
+          </p:cNvSpPr>
+          <p:nvPr>
+            <p:ph idx="1"/>
+          </p:nvPr>
+        </p:nvSpPr>
+        <p:spPr/>
+        <p:txBody>
+          <a:bodyPr/>
+          <a:lstStyle/>
+          <a:p>
+            <a:r>
+              <a:rPr lang="ru-RU" dirty="0" smtClean="0"/>
+              <a:t>Код не должен зависеть от классов копируемых объектов</a:t>
+            </a:r>
+          </a:p>
+          <a:p>
+            <a:pPr lvl="1"/>
+            <a:r>
+              <a:rPr lang="ru-RU" dirty="0" smtClean="0"/>
+              <a:t>Паттерн предоставляет общий интерфейс для работы с прототипами</a:t>
+            </a:r>
+          </a:p>
+          <a:p>
+            <a:r>
+              <a:rPr lang="ru-RU" dirty="0" smtClean="0"/>
+              <a:t>Есть много подклассов, отличающихся начальными значениями полей</a:t>
+            </a:r>
+          </a:p>
+          <a:p>
+            <a:pPr lvl="1"/>
+            <a:r>
+              <a:rPr lang="ru-RU" dirty="0" smtClean="0"/>
+              <a:t>Паттерн предлагает использовать набор прототипов</a:t>
+            </a:r>
+            <a:endParaRPr lang="ru-RU" dirty="0"/>
+          </a:p>
+        </p:txBody>
+      </p:sp>
+    </p:spTree>
+    <p:extLst>
+      <p:ext uri="{BB962C8B-B14F-4D97-AF65-F5344CB8AC3E}">
+        <p14:creationId xmlns:p14="http://schemas.microsoft.com/office/powerpoint/2010/main" val="4138610924"/>
+      </p:ext>
+    </p:extLst>
+  </p:cSld>
+  <p:clrMapOvr>
+    <a:masterClrMapping/>
+  </p:clrMapOvr>
+  <p:timing>
+    <p:tnLst>
+      <p:par>
+        <p:cTn id="1" dur="indefinite" restart="never" nodeType="tmRoot">
+          <p:childTnLst>
+            <p:seq concurrent="1" nextAc="seek">
+              <p:cTn id="2" dur="indefinite" nodeType="mainSeq">
+                <p:childTnLst>
+                  <p:par>
+                    <p:cTn id="3" fill="hold">
+                      <p:stCondLst>
+                        <p:cond delay="indefinite"/>
+                      </p:stCondLst>
+                      <p:childTnLst>
+                        <p:par>
+                          <p:cTn id="4" fill="hold">
+                            <p:stCondLst>
+                              <p:cond delay="0"/>
+                            </p:stCondLst>
+                            <p:childTnLst>
+                              <p:par>
+                                <p:cTn id="5" presetID="10" presetClass="entr" presetSubtype="0" fill="hold" grpId="0" nodeType="clickEffect">
+                                  <p:stCondLst>
+                                    <p:cond delay="0"/>
+                                  </p:stCondLst>
+                                  <p:childTnLst>
+                                    <p:set>
+                                      <p:cBhvr>
+                                        <p:cTn id="6" dur="1" fill="hold">
+                                          <p:stCondLst>
+                                            <p:cond delay="0"/>
+                                          </p:stCondLst>
+                                        </p:cTn>
+                                        <p:tgtEl>
+                                          <p:spTgt spid="3">
+                                            <p:txEl>
+                                              <p:pRg st="0" end="0"/>
+                                            </p:txEl>
+                                          </p:spTgt>
+                                        </p:tgtEl>
+                                        <p:attrNameLst>
+                                          <p:attrName>style.visibility</p:attrName>
+                                        </p:attrNameLst>
+                                      </p:cBhvr>
+                                      <p:to>
+                                        <p:strVal val="visible"/>
+                                      </p:to>
+                                    </p:set>
+                                    <p:animEffect transition="in" filter="fade">
+                                      <p:cBhvr>
+                                        <p:cTn id="7" dur="500"/>
+                                        <p:tgtEl>
+                                          <p:spTgt spid="3">
+                                            <p:txEl>
+                                              <p:pRg st="0" end="0"/>
+                                            </p:txEl>
+                                          </p:spTgt>
+                                        </p:tgtEl>
+                                      </p:cBhvr>
+                                    </p:animEffect>
+                                  </p:childTnLst>
+                                </p:cTn>
+                              </p:par>
+                              <p:par>
+                                <p:cTn id="8" presetID="10" presetClass="entr" presetSubtype="0" fill="hold" grpId="0" nodeType="withEffect">
+                                  <p:stCondLst>
+                                    <p:cond delay="0"/>
+                                  </p:stCondLst>
+                                  <p:childTnLst>
+                                    <p:set>
+                                      <p:cBhvr>
+                                        <p:cTn id="9" dur="1" fill="hold">
+                                          <p:stCondLst>
+                                            <p:cond delay="0"/>
+                                          </p:stCondLst>
+                                        </p:cTn>
+                                        <p:tgtEl>
+                                          <p:spTgt spid="3">
+                                            <p:txEl>
+                                              <p:pRg st="1" end="1"/>
+                                            </p:txEl>
+                                          </p:spTgt>
+                                        </p:tgtEl>
+                                        <p:attrNameLst>
+                                          <p:attrName>style.visibility</p:attrName>
+                                        </p:attrNameLst>
+                                      </p:cBhvr>
+                                      <p:to>
+                                        <p:strVal val="visible"/>
+                                      </p:to>
+                                    </p:set>
+                                    <p:animEffect transition="in" filter="fade">
+                                      <p:cBhvr>
+                                        <p:cTn id="10" dur="500"/>
+                                        <p:tgtEl>
+                                          <p:spTgt spid="3">
+                                            <p:txEl>
+                                              <p:pRg st="1" end="1"/>
+                                            </p:txEl>
+                                          </p:spTgt>
+                                        </p:tgtEl>
+                                      </p:cBhvr>
+                                    </p:animEffect>
+                                  </p:childTnLst>
+                                </p:cTn>
+                              </p:par>
+                            </p:childTnLst>
+                          </p:cTn>
+                        </p:par>
+                      </p:childTnLst>
+                    </p:cTn>
+                  </p:par>
+                  <p:par>
+                    <p:cTn id="11" fill="hold">
+                      <p:stCondLst>
+                        <p:cond delay="indefinite"/>
+                      </p:stCondLst>
+                      <p:childTnLst>
+                        <p:par>
+                          <p:cTn id="12" fill="hold">
+                            <p:stCondLst>
+                              <p:cond delay="0"/>
+                            </p:stCondLst>
+                            <p:childTnLst>
+                              <p:par>
+                                <p:cTn id="13" presetID="10" presetClass="entr" presetSubtype="0" fill="hold" grpId="0" nodeType="clickEffect">
+                                  <p:stCondLst>
+                                    <p:cond delay="0"/>
+                                  </p:stCondLst>
+                                  <p:childTnLst>
+                                    <p:set>
+                                      <p:cBhvr>
+                                        <p:cTn id="14" dur="1" fill="hold">
+                                          <p:stCondLst>
+                                            <p:cond delay="0"/>
+                                          </p:stCondLst>
+                                        </p:cTn>
+                                        <p:tgtEl>
+                                          <p:spTgt spid="3">
+                                            <p:txEl>
+                                              <p:pRg st="2" end="2"/>
+                                            </p:txEl>
+                                          </p:spTgt>
+                                        </p:tgtEl>
+                                        <p:attrNameLst>
+                                          <p:attrName>style.visibility</p:attrName>
+                                        </p:attrNameLst>
+                                      </p:cBhvr>
+                                      <p:to>
+                                        <p:strVal val="visible"/>
+                                      </p:to>
+                                    </p:set>
+                                    <p:animEffect transition="in" filter="fade">
+                                      <p:cBhvr>
+                                        <p:cTn id="15" dur="500"/>
+                                        <p:tgtEl>
+                                          <p:spTgt spid="3">
+                                            <p:txEl>
+                                              <p:pRg st="2" end="2"/>
+                                            </p:txEl>
+                                          </p:spTgt>
+                                        </p:tgtEl>
+                                      </p:cBhvr>
+                                    </p:animEffect>
+                                  </p:childTnLst>
+                                </p:cTn>
+                              </p:par>
+                              <p:par>
+                                <p:cTn id="16" presetID="10" presetClass="entr" presetSubtype="0" fill="hold" grpId="0" nodeType="withEffect">
+                                  <p:stCondLst>
+                                    <p:cond delay="0"/>
+                                  </p:stCondLst>
+                                  <p:childTnLst>
+                                    <p:set>
+                                      <p:cBhvr>
+                                        <p:cTn id="17" dur="1" fill="hold">
+                                          <p:stCondLst>
+                                            <p:cond delay="0"/>
+                                          </p:stCondLst>
+                                        </p:cTn>
+                                        <p:tgtEl>
+                                          <p:spTgt spid="3">
+                                            <p:txEl>
+                                              <p:pRg st="3" end="3"/>
+                                            </p:txEl>
+                                          </p:spTgt>
+                                        </p:tgtEl>
+                                        <p:attrNameLst>
+                                          <p:attrName>style.visibility</p:attrName>
+                                        </p:attrNameLst>
+                                      </p:cBhvr>
+                                      <p:to>
+                                        <p:strVal val="visible"/>
+                                      </p:to>
+                                    </p:set>
+                                    <p:animEffect transition="in" filter="fade">
+                                      <p:cBhvr>
+                                        <p:cTn id="18" dur="500"/>
+                                        <p:tgtEl>
+                                          <p:spTgt spid="3">
+                                            <p:txEl>
+                                              <p:pRg st="3" end="3"/>
+                                            </p:txEl>
+                                          </p:spTgt>
+                                        </p:tgtEl>
+                                      </p:cBhvr>
+                                    </p:animEffect>
+                                  </p:childTnLst>
+                                </p:cTn>
+                              </p:par>
+                            </p:childTnLst>
+                          </p:cTn>
+                        </p:par>
+                      </p:childTnLst>
+                    </p:cTn>
+                  </p:par>
+                </p:childTnLst>
+              </p:cTn>
+              <p:prevCondLst>
+                <p:cond evt="onPrev" delay="0">
+                  <p:tgtEl>
+                    <p:sldTgt/>
+                  </p:tgtEl>
+                </p:cond>
+              </p:prevCondLst>
+              <p:nextCondLst>
+                <p:cond evt="onNext" delay="0">
+                  <p:tgtEl>
+                    <p:sldTgt/>
+                  </p:tgtEl>
+                </p:cond>
+              </p:nextCondLst>
+            </p:seq>
+          </p:childTnLst>
+        </p:cTn>
+      </p:par>
+    </p:tnLst>
+    <p:bldLst>
+      <p:bldP spid="3" grpId="0" build="p"/>
+    </p:bldLst>
+  </p:timing>
+</p:sld>
+</file>
+
 <file path=ppt/tags/tag1.xml><?xml version="1.0" encoding="utf-8"?>
 <p:tagLst xmlns:a="http://schemas.openxmlformats.org/drawingml/2006/main" xmlns:r="http://schemas.openxmlformats.org/officeDocument/2006/relationships" xmlns:p="http://schemas.openxmlformats.org/presentationml/2006/main">
   <p:tag name="ISPRING_RESOURCE_FOLDER" val="H:\teaching\institutps\2016\ood\lectures\07\07 - Адаптер, Фасад\"/>

--- a/lectures/14.prototype/prototype.pptx
+++ b/lectures/14.prototype/prototype.pptx
@@ -578,6 +578,1350 @@
 </p:notes>
 </file>
 
+<file path=ppt/notesSlides/notesSlide10.xml><?xml version="1.0" encoding="utf-8"?>
+<p:notes xmlns:a="http://schemas.openxmlformats.org/drawingml/2006/main" xmlns:r="http://schemas.openxmlformats.org/officeDocument/2006/relationships" xmlns:p="http://schemas.openxmlformats.org/presentationml/2006/main">
+  <p:cSld>
+    <p:spTree>
+      <p:nvGrpSpPr>
+        <p:cNvPr id="1" name=""/>
+        <p:cNvGrpSpPr/>
+        <p:nvPr/>
+      </p:nvGrpSpPr>
+      <p:grpSpPr>
+        <a:xfrm>
+          <a:off x="0" y="0"/>
+          <a:ext cx="0" cy="0"/>
+          <a:chOff x="0" y="0"/>
+          <a:chExt cx="0" cy="0"/>
+        </a:xfrm>
+      </p:grpSpPr>
+      <p:sp>
+        <p:nvSpPr>
+          <p:cNvPr id="2" name="Slide Image Placeholder 1"/>
+          <p:cNvSpPr>
+            <a:spLocks noGrp="1" noRot="1" noChangeAspect="1"/>
+          </p:cNvSpPr>
+          <p:nvPr>
+            <p:ph type="sldImg"/>
+          </p:nvPr>
+        </p:nvSpPr>
+        <p:spPr/>
+      </p:sp>
+      <p:sp>
+        <p:nvSpPr>
+          <p:cNvPr id="3" name="Notes Placeholder 2"/>
+          <p:cNvSpPr>
+            <a:spLocks noGrp="1"/>
+          </p:cNvSpPr>
+          <p:nvPr>
+            <p:ph type="body" idx="1"/>
+          </p:nvPr>
+        </p:nvSpPr>
+        <p:spPr/>
+        <p:txBody>
+          <a:bodyPr/>
+          <a:lstStyle/>
+          <a:p>
+            <a:endParaRPr lang="ru-RU"/>
+          </a:p>
+        </p:txBody>
+      </p:sp>
+      <p:sp>
+        <p:nvSpPr>
+          <p:cNvPr id="4" name="Slide Number Placeholder 3"/>
+          <p:cNvSpPr>
+            <a:spLocks noGrp="1"/>
+          </p:cNvSpPr>
+          <p:nvPr>
+            <p:ph type="sldNum" sz="quarter" idx="10"/>
+          </p:nvPr>
+        </p:nvSpPr>
+        <p:spPr/>
+        <p:txBody>
+          <a:bodyPr/>
+          <a:lstStyle/>
+          <a:p>
+            <a:fld id="{C72A1285-F988-4153-B7C5-B887A867730D}" type="slidenum">
+              <a:rPr lang="ru-RU" smtClean="0"/>
+              <a:t>10</a:t>
+            </a:fld>
+            <a:endParaRPr lang="ru-RU"/>
+          </a:p>
+        </p:txBody>
+      </p:sp>
+    </p:spTree>
+    <p:extLst>
+      <p:ext uri="{BB962C8B-B14F-4D97-AF65-F5344CB8AC3E}">
+        <p14:creationId xmlns:p14="http://schemas.microsoft.com/office/powerpoint/2010/main" val="347632363"/>
+      </p:ext>
+    </p:extLst>
+  </p:cSld>
+  <p:clrMapOvr>
+    <a:masterClrMapping/>
+  </p:clrMapOvr>
+</p:notes>
+</file>
+
+<file path=ppt/notesSlides/notesSlide11.xml><?xml version="1.0" encoding="utf-8"?>
+<p:notes xmlns:a="http://schemas.openxmlformats.org/drawingml/2006/main" xmlns:r="http://schemas.openxmlformats.org/officeDocument/2006/relationships" xmlns:p="http://schemas.openxmlformats.org/presentationml/2006/main">
+  <p:cSld>
+    <p:spTree>
+      <p:nvGrpSpPr>
+        <p:cNvPr id="1" name=""/>
+        <p:cNvGrpSpPr/>
+        <p:nvPr/>
+      </p:nvGrpSpPr>
+      <p:grpSpPr>
+        <a:xfrm>
+          <a:off x="0" y="0"/>
+          <a:ext cx="0" cy="0"/>
+          <a:chOff x="0" y="0"/>
+          <a:chExt cx="0" cy="0"/>
+        </a:xfrm>
+      </p:grpSpPr>
+      <p:sp>
+        <p:nvSpPr>
+          <p:cNvPr id="2" name="Slide Image Placeholder 1"/>
+          <p:cNvSpPr>
+            <a:spLocks noGrp="1" noRot="1" noChangeAspect="1"/>
+          </p:cNvSpPr>
+          <p:nvPr>
+            <p:ph type="sldImg"/>
+          </p:nvPr>
+        </p:nvSpPr>
+        <p:spPr/>
+      </p:sp>
+      <p:sp>
+        <p:nvSpPr>
+          <p:cNvPr id="3" name="Notes Placeholder 2"/>
+          <p:cNvSpPr>
+            <a:spLocks noGrp="1"/>
+          </p:cNvSpPr>
+          <p:nvPr>
+            <p:ph type="body" idx="1"/>
+          </p:nvPr>
+        </p:nvSpPr>
+        <p:spPr/>
+        <p:txBody>
+          <a:bodyPr/>
+          <a:lstStyle/>
+          <a:p>
+            <a:endParaRPr lang="ru-RU"/>
+          </a:p>
+        </p:txBody>
+      </p:sp>
+      <p:sp>
+        <p:nvSpPr>
+          <p:cNvPr id="4" name="Slide Number Placeholder 3"/>
+          <p:cNvSpPr>
+            <a:spLocks noGrp="1"/>
+          </p:cNvSpPr>
+          <p:nvPr>
+            <p:ph type="sldNum" sz="quarter" idx="10"/>
+          </p:nvPr>
+        </p:nvSpPr>
+        <p:spPr/>
+        <p:txBody>
+          <a:bodyPr/>
+          <a:lstStyle/>
+          <a:p>
+            <a:fld id="{C72A1285-F988-4153-B7C5-B887A867730D}" type="slidenum">
+              <a:rPr lang="ru-RU" smtClean="0"/>
+              <a:t>11</a:t>
+            </a:fld>
+            <a:endParaRPr lang="ru-RU"/>
+          </a:p>
+        </p:txBody>
+      </p:sp>
+    </p:spTree>
+    <p:extLst>
+      <p:ext uri="{BB962C8B-B14F-4D97-AF65-F5344CB8AC3E}">
+        <p14:creationId xmlns:p14="http://schemas.microsoft.com/office/powerpoint/2010/main" val="2952790027"/>
+      </p:ext>
+    </p:extLst>
+  </p:cSld>
+  <p:clrMapOvr>
+    <a:masterClrMapping/>
+  </p:clrMapOvr>
+</p:notes>
+</file>
+
+<file path=ppt/notesSlides/notesSlide12.xml><?xml version="1.0" encoding="utf-8"?>
+<p:notes xmlns:a="http://schemas.openxmlformats.org/drawingml/2006/main" xmlns:r="http://schemas.openxmlformats.org/officeDocument/2006/relationships" xmlns:p="http://schemas.openxmlformats.org/presentationml/2006/main">
+  <p:cSld>
+    <p:spTree>
+      <p:nvGrpSpPr>
+        <p:cNvPr id="1" name=""/>
+        <p:cNvGrpSpPr/>
+        <p:nvPr/>
+      </p:nvGrpSpPr>
+      <p:grpSpPr>
+        <a:xfrm>
+          <a:off x="0" y="0"/>
+          <a:ext cx="0" cy="0"/>
+          <a:chOff x="0" y="0"/>
+          <a:chExt cx="0" cy="0"/>
+        </a:xfrm>
+      </p:grpSpPr>
+      <p:sp>
+        <p:nvSpPr>
+          <p:cNvPr id="2" name="Slide Image Placeholder 1"/>
+          <p:cNvSpPr>
+            <a:spLocks noGrp="1" noRot="1" noChangeAspect="1"/>
+          </p:cNvSpPr>
+          <p:nvPr>
+            <p:ph type="sldImg"/>
+          </p:nvPr>
+        </p:nvSpPr>
+        <p:spPr/>
+      </p:sp>
+      <p:sp>
+        <p:nvSpPr>
+          <p:cNvPr id="3" name="Notes Placeholder 2"/>
+          <p:cNvSpPr>
+            <a:spLocks noGrp="1"/>
+          </p:cNvSpPr>
+          <p:nvPr>
+            <p:ph type="body" idx="1"/>
+          </p:nvPr>
+        </p:nvSpPr>
+        <p:spPr/>
+        <p:txBody>
+          <a:bodyPr/>
+          <a:lstStyle/>
+          <a:p>
+            <a:endParaRPr lang="ru-RU"/>
+          </a:p>
+        </p:txBody>
+      </p:sp>
+      <p:sp>
+        <p:nvSpPr>
+          <p:cNvPr id="4" name="Slide Number Placeholder 3"/>
+          <p:cNvSpPr>
+            <a:spLocks noGrp="1"/>
+          </p:cNvSpPr>
+          <p:nvPr>
+            <p:ph type="sldNum" sz="quarter" idx="10"/>
+          </p:nvPr>
+        </p:nvSpPr>
+        <p:spPr/>
+        <p:txBody>
+          <a:bodyPr/>
+          <a:lstStyle/>
+          <a:p>
+            <a:fld id="{C72A1285-F988-4153-B7C5-B887A867730D}" type="slidenum">
+              <a:rPr lang="ru-RU" smtClean="0"/>
+              <a:t>12</a:t>
+            </a:fld>
+            <a:endParaRPr lang="ru-RU"/>
+          </a:p>
+        </p:txBody>
+      </p:sp>
+    </p:spTree>
+    <p:extLst>
+      <p:ext uri="{BB962C8B-B14F-4D97-AF65-F5344CB8AC3E}">
+        <p14:creationId xmlns:p14="http://schemas.microsoft.com/office/powerpoint/2010/main" val="2642493221"/>
+      </p:ext>
+    </p:extLst>
+  </p:cSld>
+  <p:clrMapOvr>
+    <a:masterClrMapping/>
+  </p:clrMapOvr>
+</p:notes>
+</file>
+
+<file path=ppt/notesSlides/notesSlide13.xml><?xml version="1.0" encoding="utf-8"?>
+<p:notes xmlns:a="http://schemas.openxmlformats.org/drawingml/2006/main" xmlns:r="http://schemas.openxmlformats.org/officeDocument/2006/relationships" xmlns:p="http://schemas.openxmlformats.org/presentationml/2006/main">
+  <p:cSld>
+    <p:spTree>
+      <p:nvGrpSpPr>
+        <p:cNvPr id="1" name=""/>
+        <p:cNvGrpSpPr/>
+        <p:nvPr/>
+      </p:nvGrpSpPr>
+      <p:grpSpPr>
+        <a:xfrm>
+          <a:off x="0" y="0"/>
+          <a:ext cx="0" cy="0"/>
+          <a:chOff x="0" y="0"/>
+          <a:chExt cx="0" cy="0"/>
+        </a:xfrm>
+      </p:grpSpPr>
+      <p:sp>
+        <p:nvSpPr>
+          <p:cNvPr id="2" name="Slide Image Placeholder 1"/>
+          <p:cNvSpPr>
+            <a:spLocks noGrp="1" noRot="1" noChangeAspect="1"/>
+          </p:cNvSpPr>
+          <p:nvPr>
+            <p:ph type="sldImg"/>
+          </p:nvPr>
+        </p:nvSpPr>
+        <p:spPr/>
+      </p:sp>
+      <p:sp>
+        <p:nvSpPr>
+          <p:cNvPr id="3" name="Notes Placeholder 2"/>
+          <p:cNvSpPr>
+            <a:spLocks noGrp="1"/>
+          </p:cNvSpPr>
+          <p:nvPr>
+            <p:ph type="body" idx="1"/>
+          </p:nvPr>
+        </p:nvSpPr>
+        <p:spPr/>
+        <p:txBody>
+          <a:bodyPr/>
+          <a:lstStyle/>
+          <a:p>
+            <a:endParaRPr lang="ru-RU"/>
+          </a:p>
+        </p:txBody>
+      </p:sp>
+      <p:sp>
+        <p:nvSpPr>
+          <p:cNvPr id="4" name="Slide Number Placeholder 3"/>
+          <p:cNvSpPr>
+            <a:spLocks noGrp="1"/>
+          </p:cNvSpPr>
+          <p:nvPr>
+            <p:ph type="sldNum" sz="quarter" idx="10"/>
+          </p:nvPr>
+        </p:nvSpPr>
+        <p:spPr/>
+        <p:txBody>
+          <a:bodyPr/>
+          <a:lstStyle/>
+          <a:p>
+            <a:fld id="{C72A1285-F988-4153-B7C5-B887A867730D}" type="slidenum">
+              <a:rPr lang="ru-RU" smtClean="0"/>
+              <a:t>13</a:t>
+            </a:fld>
+            <a:endParaRPr lang="ru-RU"/>
+          </a:p>
+        </p:txBody>
+      </p:sp>
+    </p:spTree>
+    <p:extLst>
+      <p:ext uri="{BB962C8B-B14F-4D97-AF65-F5344CB8AC3E}">
+        <p14:creationId xmlns:p14="http://schemas.microsoft.com/office/powerpoint/2010/main" val="1448147352"/>
+      </p:ext>
+    </p:extLst>
+  </p:cSld>
+  <p:clrMapOvr>
+    <a:masterClrMapping/>
+  </p:clrMapOvr>
+</p:notes>
+</file>
+
+<file path=ppt/notesSlides/notesSlide14.xml><?xml version="1.0" encoding="utf-8"?>
+<p:notes xmlns:a="http://schemas.openxmlformats.org/drawingml/2006/main" xmlns:r="http://schemas.openxmlformats.org/officeDocument/2006/relationships" xmlns:p="http://schemas.openxmlformats.org/presentationml/2006/main">
+  <p:cSld>
+    <p:spTree>
+      <p:nvGrpSpPr>
+        <p:cNvPr id="1" name=""/>
+        <p:cNvGrpSpPr/>
+        <p:nvPr/>
+      </p:nvGrpSpPr>
+      <p:grpSpPr>
+        <a:xfrm>
+          <a:off x="0" y="0"/>
+          <a:ext cx="0" cy="0"/>
+          <a:chOff x="0" y="0"/>
+          <a:chExt cx="0" cy="0"/>
+        </a:xfrm>
+      </p:grpSpPr>
+      <p:sp>
+        <p:nvSpPr>
+          <p:cNvPr id="2" name="Slide Image Placeholder 1"/>
+          <p:cNvSpPr>
+            <a:spLocks noGrp="1" noRot="1" noChangeAspect="1"/>
+          </p:cNvSpPr>
+          <p:nvPr>
+            <p:ph type="sldImg"/>
+          </p:nvPr>
+        </p:nvSpPr>
+        <p:spPr/>
+      </p:sp>
+      <p:sp>
+        <p:nvSpPr>
+          <p:cNvPr id="3" name="Notes Placeholder 2"/>
+          <p:cNvSpPr>
+            <a:spLocks noGrp="1"/>
+          </p:cNvSpPr>
+          <p:nvPr>
+            <p:ph type="body" idx="1"/>
+          </p:nvPr>
+        </p:nvSpPr>
+        <p:spPr/>
+        <p:txBody>
+          <a:bodyPr/>
+          <a:lstStyle/>
+          <a:p>
+            <a:endParaRPr lang="ru-RU"/>
+          </a:p>
+        </p:txBody>
+      </p:sp>
+      <p:sp>
+        <p:nvSpPr>
+          <p:cNvPr id="4" name="Slide Number Placeholder 3"/>
+          <p:cNvSpPr>
+            <a:spLocks noGrp="1"/>
+          </p:cNvSpPr>
+          <p:nvPr>
+            <p:ph type="sldNum" sz="quarter" idx="10"/>
+          </p:nvPr>
+        </p:nvSpPr>
+        <p:spPr/>
+        <p:txBody>
+          <a:bodyPr/>
+          <a:lstStyle/>
+          <a:p>
+            <a:fld id="{C72A1285-F988-4153-B7C5-B887A867730D}" type="slidenum">
+              <a:rPr lang="ru-RU" smtClean="0"/>
+              <a:t>14</a:t>
+            </a:fld>
+            <a:endParaRPr lang="ru-RU"/>
+          </a:p>
+        </p:txBody>
+      </p:sp>
+    </p:spTree>
+    <p:extLst>
+      <p:ext uri="{BB962C8B-B14F-4D97-AF65-F5344CB8AC3E}">
+        <p14:creationId xmlns:p14="http://schemas.microsoft.com/office/powerpoint/2010/main" val="4210571456"/>
+      </p:ext>
+    </p:extLst>
+  </p:cSld>
+  <p:clrMapOvr>
+    <a:masterClrMapping/>
+  </p:clrMapOvr>
+</p:notes>
+</file>
+
+<file path=ppt/notesSlides/notesSlide15.xml><?xml version="1.0" encoding="utf-8"?>
+<p:notes xmlns:a="http://schemas.openxmlformats.org/drawingml/2006/main" xmlns:r="http://schemas.openxmlformats.org/officeDocument/2006/relationships" xmlns:p="http://schemas.openxmlformats.org/presentationml/2006/main">
+  <p:cSld>
+    <p:spTree>
+      <p:nvGrpSpPr>
+        <p:cNvPr id="1" name=""/>
+        <p:cNvGrpSpPr/>
+        <p:nvPr/>
+      </p:nvGrpSpPr>
+      <p:grpSpPr>
+        <a:xfrm>
+          <a:off x="0" y="0"/>
+          <a:ext cx="0" cy="0"/>
+          <a:chOff x="0" y="0"/>
+          <a:chExt cx="0" cy="0"/>
+        </a:xfrm>
+      </p:grpSpPr>
+      <p:sp>
+        <p:nvSpPr>
+          <p:cNvPr id="2" name="Slide Image Placeholder 1"/>
+          <p:cNvSpPr>
+            <a:spLocks noGrp="1" noRot="1" noChangeAspect="1"/>
+          </p:cNvSpPr>
+          <p:nvPr>
+            <p:ph type="sldImg"/>
+          </p:nvPr>
+        </p:nvSpPr>
+        <p:spPr/>
+      </p:sp>
+      <p:sp>
+        <p:nvSpPr>
+          <p:cNvPr id="3" name="Notes Placeholder 2"/>
+          <p:cNvSpPr>
+            <a:spLocks noGrp="1"/>
+          </p:cNvSpPr>
+          <p:nvPr>
+            <p:ph type="body" idx="1"/>
+          </p:nvPr>
+        </p:nvSpPr>
+        <p:spPr/>
+        <p:txBody>
+          <a:bodyPr/>
+          <a:lstStyle/>
+          <a:p>
+            <a:endParaRPr lang="ru-RU"/>
+          </a:p>
+        </p:txBody>
+      </p:sp>
+      <p:sp>
+        <p:nvSpPr>
+          <p:cNvPr id="4" name="Slide Number Placeholder 3"/>
+          <p:cNvSpPr>
+            <a:spLocks noGrp="1"/>
+          </p:cNvSpPr>
+          <p:nvPr>
+            <p:ph type="sldNum" sz="quarter" idx="10"/>
+          </p:nvPr>
+        </p:nvSpPr>
+        <p:spPr/>
+        <p:txBody>
+          <a:bodyPr/>
+          <a:lstStyle/>
+          <a:p>
+            <a:fld id="{C72A1285-F988-4153-B7C5-B887A867730D}" type="slidenum">
+              <a:rPr lang="ru-RU" smtClean="0"/>
+              <a:t>15</a:t>
+            </a:fld>
+            <a:endParaRPr lang="ru-RU"/>
+          </a:p>
+        </p:txBody>
+      </p:sp>
+    </p:spTree>
+    <p:extLst>
+      <p:ext uri="{BB962C8B-B14F-4D97-AF65-F5344CB8AC3E}">
+        <p14:creationId xmlns:p14="http://schemas.microsoft.com/office/powerpoint/2010/main" val="3982065728"/>
+      </p:ext>
+    </p:extLst>
+  </p:cSld>
+  <p:clrMapOvr>
+    <a:masterClrMapping/>
+  </p:clrMapOvr>
+</p:notes>
+</file>
+
+<file path=ppt/notesSlides/notesSlide16.xml><?xml version="1.0" encoding="utf-8"?>
+<p:notes xmlns:a="http://schemas.openxmlformats.org/drawingml/2006/main" xmlns:r="http://schemas.openxmlformats.org/officeDocument/2006/relationships" xmlns:p="http://schemas.openxmlformats.org/presentationml/2006/main">
+  <p:cSld>
+    <p:spTree>
+      <p:nvGrpSpPr>
+        <p:cNvPr id="1" name=""/>
+        <p:cNvGrpSpPr/>
+        <p:nvPr/>
+      </p:nvGrpSpPr>
+      <p:grpSpPr>
+        <a:xfrm>
+          <a:off x="0" y="0"/>
+          <a:ext cx="0" cy="0"/>
+          <a:chOff x="0" y="0"/>
+          <a:chExt cx="0" cy="0"/>
+        </a:xfrm>
+      </p:grpSpPr>
+      <p:sp>
+        <p:nvSpPr>
+          <p:cNvPr id="2" name="Slide Image Placeholder 1"/>
+          <p:cNvSpPr>
+            <a:spLocks noGrp="1" noRot="1" noChangeAspect="1"/>
+          </p:cNvSpPr>
+          <p:nvPr>
+            <p:ph type="sldImg"/>
+          </p:nvPr>
+        </p:nvSpPr>
+        <p:spPr/>
+      </p:sp>
+      <p:sp>
+        <p:nvSpPr>
+          <p:cNvPr id="3" name="Notes Placeholder 2"/>
+          <p:cNvSpPr>
+            <a:spLocks noGrp="1"/>
+          </p:cNvSpPr>
+          <p:nvPr>
+            <p:ph type="body" idx="1"/>
+          </p:nvPr>
+        </p:nvSpPr>
+        <p:spPr/>
+        <p:txBody>
+          <a:bodyPr/>
+          <a:lstStyle/>
+          <a:p>
+            <a:endParaRPr lang="ru-RU"/>
+          </a:p>
+        </p:txBody>
+      </p:sp>
+      <p:sp>
+        <p:nvSpPr>
+          <p:cNvPr id="4" name="Slide Number Placeholder 3"/>
+          <p:cNvSpPr>
+            <a:spLocks noGrp="1"/>
+          </p:cNvSpPr>
+          <p:nvPr>
+            <p:ph type="sldNum" sz="quarter" idx="10"/>
+          </p:nvPr>
+        </p:nvSpPr>
+        <p:spPr/>
+        <p:txBody>
+          <a:bodyPr/>
+          <a:lstStyle/>
+          <a:p>
+            <a:fld id="{C72A1285-F988-4153-B7C5-B887A867730D}" type="slidenum">
+              <a:rPr lang="ru-RU" smtClean="0"/>
+              <a:t>16</a:t>
+            </a:fld>
+            <a:endParaRPr lang="ru-RU"/>
+          </a:p>
+        </p:txBody>
+      </p:sp>
+    </p:spTree>
+    <p:extLst>
+      <p:ext uri="{BB962C8B-B14F-4D97-AF65-F5344CB8AC3E}">
+        <p14:creationId xmlns:p14="http://schemas.microsoft.com/office/powerpoint/2010/main" val="3820698168"/>
+      </p:ext>
+    </p:extLst>
+  </p:cSld>
+  <p:clrMapOvr>
+    <a:masterClrMapping/>
+  </p:clrMapOvr>
+</p:notes>
+</file>
+
+<file path=ppt/notesSlides/notesSlide17.xml><?xml version="1.0" encoding="utf-8"?>
+<p:notes xmlns:a="http://schemas.openxmlformats.org/drawingml/2006/main" xmlns:r="http://schemas.openxmlformats.org/officeDocument/2006/relationships" xmlns:p="http://schemas.openxmlformats.org/presentationml/2006/main">
+  <p:cSld>
+    <p:spTree>
+      <p:nvGrpSpPr>
+        <p:cNvPr id="1" name=""/>
+        <p:cNvGrpSpPr/>
+        <p:nvPr/>
+      </p:nvGrpSpPr>
+      <p:grpSpPr>
+        <a:xfrm>
+          <a:off x="0" y="0"/>
+          <a:ext cx="0" cy="0"/>
+          <a:chOff x="0" y="0"/>
+          <a:chExt cx="0" cy="0"/>
+        </a:xfrm>
+      </p:grpSpPr>
+      <p:sp>
+        <p:nvSpPr>
+          <p:cNvPr id="2" name="Slide Image Placeholder 1"/>
+          <p:cNvSpPr>
+            <a:spLocks noGrp="1" noRot="1" noChangeAspect="1"/>
+          </p:cNvSpPr>
+          <p:nvPr>
+            <p:ph type="sldImg"/>
+          </p:nvPr>
+        </p:nvSpPr>
+        <p:spPr/>
+      </p:sp>
+      <p:sp>
+        <p:nvSpPr>
+          <p:cNvPr id="3" name="Notes Placeholder 2"/>
+          <p:cNvSpPr>
+            <a:spLocks noGrp="1"/>
+          </p:cNvSpPr>
+          <p:nvPr>
+            <p:ph type="body" idx="1"/>
+          </p:nvPr>
+        </p:nvSpPr>
+        <p:spPr/>
+        <p:txBody>
+          <a:bodyPr/>
+          <a:lstStyle/>
+          <a:p>
+            <a:endParaRPr lang="ru-RU"/>
+          </a:p>
+        </p:txBody>
+      </p:sp>
+      <p:sp>
+        <p:nvSpPr>
+          <p:cNvPr id="4" name="Slide Number Placeholder 3"/>
+          <p:cNvSpPr>
+            <a:spLocks noGrp="1"/>
+          </p:cNvSpPr>
+          <p:nvPr>
+            <p:ph type="sldNum" sz="quarter" idx="10"/>
+          </p:nvPr>
+        </p:nvSpPr>
+        <p:spPr/>
+        <p:txBody>
+          <a:bodyPr/>
+          <a:lstStyle/>
+          <a:p>
+            <a:fld id="{C72A1285-F988-4153-B7C5-B887A867730D}" type="slidenum">
+              <a:rPr lang="ru-RU" smtClean="0"/>
+              <a:t>17</a:t>
+            </a:fld>
+            <a:endParaRPr lang="ru-RU"/>
+          </a:p>
+        </p:txBody>
+      </p:sp>
+    </p:spTree>
+    <p:extLst>
+      <p:ext uri="{BB962C8B-B14F-4D97-AF65-F5344CB8AC3E}">
+        <p14:creationId xmlns:p14="http://schemas.microsoft.com/office/powerpoint/2010/main" val="2303556942"/>
+      </p:ext>
+    </p:extLst>
+  </p:cSld>
+  <p:clrMapOvr>
+    <a:masterClrMapping/>
+  </p:clrMapOvr>
+</p:notes>
+</file>
+
+<file path=ppt/notesSlides/notesSlide2.xml><?xml version="1.0" encoding="utf-8"?>
+<p:notes xmlns:a="http://schemas.openxmlformats.org/drawingml/2006/main" xmlns:r="http://schemas.openxmlformats.org/officeDocument/2006/relationships" xmlns:p="http://schemas.openxmlformats.org/presentationml/2006/main">
+  <p:cSld>
+    <p:spTree>
+      <p:nvGrpSpPr>
+        <p:cNvPr id="1" name=""/>
+        <p:cNvGrpSpPr/>
+        <p:nvPr/>
+      </p:nvGrpSpPr>
+      <p:grpSpPr>
+        <a:xfrm>
+          <a:off x="0" y="0"/>
+          <a:ext cx="0" cy="0"/>
+          <a:chOff x="0" y="0"/>
+          <a:chExt cx="0" cy="0"/>
+        </a:xfrm>
+      </p:grpSpPr>
+      <p:sp>
+        <p:nvSpPr>
+          <p:cNvPr id="2" name="Slide Image Placeholder 1"/>
+          <p:cNvSpPr>
+            <a:spLocks noGrp="1" noRot="1" noChangeAspect="1"/>
+          </p:cNvSpPr>
+          <p:nvPr>
+            <p:ph type="sldImg"/>
+          </p:nvPr>
+        </p:nvSpPr>
+        <p:spPr/>
+      </p:sp>
+      <p:sp>
+        <p:nvSpPr>
+          <p:cNvPr id="3" name="Notes Placeholder 2"/>
+          <p:cNvSpPr>
+            <a:spLocks noGrp="1"/>
+          </p:cNvSpPr>
+          <p:nvPr>
+            <p:ph type="body" idx="1"/>
+          </p:nvPr>
+        </p:nvSpPr>
+        <p:spPr/>
+        <p:txBody>
+          <a:bodyPr/>
+          <a:lstStyle/>
+          <a:p>
+            <a:endParaRPr lang="ru-RU"/>
+          </a:p>
+        </p:txBody>
+      </p:sp>
+      <p:sp>
+        <p:nvSpPr>
+          <p:cNvPr id="4" name="Slide Number Placeholder 3"/>
+          <p:cNvSpPr>
+            <a:spLocks noGrp="1"/>
+          </p:cNvSpPr>
+          <p:nvPr>
+            <p:ph type="sldNum" sz="quarter" idx="10"/>
+          </p:nvPr>
+        </p:nvSpPr>
+        <p:spPr/>
+        <p:txBody>
+          <a:bodyPr/>
+          <a:lstStyle/>
+          <a:p>
+            <a:fld id="{C72A1285-F988-4153-B7C5-B887A867730D}" type="slidenum">
+              <a:rPr lang="ru-RU" smtClean="0"/>
+              <a:t>2</a:t>
+            </a:fld>
+            <a:endParaRPr lang="ru-RU"/>
+          </a:p>
+        </p:txBody>
+      </p:sp>
+    </p:spTree>
+    <p:extLst>
+      <p:ext uri="{BB962C8B-B14F-4D97-AF65-F5344CB8AC3E}">
+        <p14:creationId xmlns:p14="http://schemas.microsoft.com/office/powerpoint/2010/main" val="3593346508"/>
+      </p:ext>
+    </p:extLst>
+  </p:cSld>
+  <p:clrMapOvr>
+    <a:masterClrMapping/>
+  </p:clrMapOvr>
+</p:notes>
+</file>
+
+<file path=ppt/notesSlides/notesSlide3.xml><?xml version="1.0" encoding="utf-8"?>
+<p:notes xmlns:a="http://schemas.openxmlformats.org/drawingml/2006/main" xmlns:r="http://schemas.openxmlformats.org/officeDocument/2006/relationships" xmlns:p="http://schemas.openxmlformats.org/presentationml/2006/main">
+  <p:cSld>
+    <p:spTree>
+      <p:nvGrpSpPr>
+        <p:cNvPr id="1" name=""/>
+        <p:cNvGrpSpPr/>
+        <p:nvPr/>
+      </p:nvGrpSpPr>
+      <p:grpSpPr>
+        <a:xfrm>
+          <a:off x="0" y="0"/>
+          <a:ext cx="0" cy="0"/>
+          <a:chOff x="0" y="0"/>
+          <a:chExt cx="0" cy="0"/>
+        </a:xfrm>
+      </p:grpSpPr>
+      <p:sp>
+        <p:nvSpPr>
+          <p:cNvPr id="2" name="Slide Image Placeholder 1"/>
+          <p:cNvSpPr>
+            <a:spLocks noGrp="1" noRot="1" noChangeAspect="1"/>
+          </p:cNvSpPr>
+          <p:nvPr>
+            <p:ph type="sldImg"/>
+          </p:nvPr>
+        </p:nvSpPr>
+        <p:spPr/>
+      </p:sp>
+      <p:sp>
+        <p:nvSpPr>
+          <p:cNvPr id="3" name="Notes Placeholder 2"/>
+          <p:cNvSpPr>
+            <a:spLocks noGrp="1"/>
+          </p:cNvSpPr>
+          <p:nvPr>
+            <p:ph type="body" idx="1"/>
+          </p:nvPr>
+        </p:nvSpPr>
+        <p:spPr/>
+        <p:txBody>
+          <a:bodyPr/>
+          <a:lstStyle/>
+          <a:p>
+            <a:endParaRPr lang="ru-RU"/>
+          </a:p>
+        </p:txBody>
+      </p:sp>
+      <p:sp>
+        <p:nvSpPr>
+          <p:cNvPr id="4" name="Slide Number Placeholder 3"/>
+          <p:cNvSpPr>
+            <a:spLocks noGrp="1"/>
+          </p:cNvSpPr>
+          <p:nvPr>
+            <p:ph type="sldNum" sz="quarter" idx="10"/>
+          </p:nvPr>
+        </p:nvSpPr>
+        <p:spPr/>
+        <p:txBody>
+          <a:bodyPr/>
+          <a:lstStyle/>
+          <a:p>
+            <a:fld id="{C72A1285-F988-4153-B7C5-B887A867730D}" type="slidenum">
+              <a:rPr lang="ru-RU" smtClean="0"/>
+              <a:t>3</a:t>
+            </a:fld>
+            <a:endParaRPr lang="ru-RU"/>
+          </a:p>
+        </p:txBody>
+      </p:sp>
+    </p:spTree>
+    <p:extLst>
+      <p:ext uri="{BB962C8B-B14F-4D97-AF65-F5344CB8AC3E}">
+        <p14:creationId xmlns:p14="http://schemas.microsoft.com/office/powerpoint/2010/main" val="1763174603"/>
+      </p:ext>
+    </p:extLst>
+  </p:cSld>
+  <p:clrMapOvr>
+    <a:masterClrMapping/>
+  </p:clrMapOvr>
+</p:notes>
+</file>
+
+<file path=ppt/notesSlides/notesSlide4.xml><?xml version="1.0" encoding="utf-8"?>
+<p:notes xmlns:a="http://schemas.openxmlformats.org/drawingml/2006/main" xmlns:r="http://schemas.openxmlformats.org/officeDocument/2006/relationships" xmlns:p="http://schemas.openxmlformats.org/presentationml/2006/main">
+  <p:cSld>
+    <p:spTree>
+      <p:nvGrpSpPr>
+        <p:cNvPr id="1" name=""/>
+        <p:cNvGrpSpPr/>
+        <p:nvPr/>
+      </p:nvGrpSpPr>
+      <p:grpSpPr>
+        <a:xfrm>
+          <a:off x="0" y="0"/>
+          <a:ext cx="0" cy="0"/>
+          <a:chOff x="0" y="0"/>
+          <a:chExt cx="0" cy="0"/>
+        </a:xfrm>
+      </p:grpSpPr>
+      <p:sp>
+        <p:nvSpPr>
+          <p:cNvPr id="2" name="Slide Image Placeholder 1"/>
+          <p:cNvSpPr>
+            <a:spLocks noGrp="1" noRot="1" noChangeAspect="1"/>
+          </p:cNvSpPr>
+          <p:nvPr>
+            <p:ph type="sldImg"/>
+          </p:nvPr>
+        </p:nvSpPr>
+        <p:spPr/>
+      </p:sp>
+      <p:sp>
+        <p:nvSpPr>
+          <p:cNvPr id="3" name="Notes Placeholder 2"/>
+          <p:cNvSpPr>
+            <a:spLocks noGrp="1"/>
+          </p:cNvSpPr>
+          <p:nvPr>
+            <p:ph type="body" idx="1"/>
+          </p:nvPr>
+        </p:nvSpPr>
+        <p:spPr/>
+        <p:txBody>
+          <a:bodyPr/>
+          <a:lstStyle/>
+          <a:p>
+            <a:endParaRPr lang="ru-RU"/>
+          </a:p>
+        </p:txBody>
+      </p:sp>
+      <p:sp>
+        <p:nvSpPr>
+          <p:cNvPr id="4" name="Slide Number Placeholder 3"/>
+          <p:cNvSpPr>
+            <a:spLocks noGrp="1"/>
+          </p:cNvSpPr>
+          <p:nvPr>
+            <p:ph type="sldNum" sz="quarter" idx="10"/>
+          </p:nvPr>
+        </p:nvSpPr>
+        <p:spPr/>
+        <p:txBody>
+          <a:bodyPr/>
+          <a:lstStyle/>
+          <a:p>
+            <a:fld id="{C72A1285-F988-4153-B7C5-B887A867730D}" type="slidenum">
+              <a:rPr lang="ru-RU" smtClean="0"/>
+              <a:t>4</a:t>
+            </a:fld>
+            <a:endParaRPr lang="ru-RU"/>
+          </a:p>
+        </p:txBody>
+      </p:sp>
+    </p:spTree>
+    <p:extLst>
+      <p:ext uri="{BB962C8B-B14F-4D97-AF65-F5344CB8AC3E}">
+        <p14:creationId xmlns:p14="http://schemas.microsoft.com/office/powerpoint/2010/main" val="515258218"/>
+      </p:ext>
+    </p:extLst>
+  </p:cSld>
+  <p:clrMapOvr>
+    <a:masterClrMapping/>
+  </p:clrMapOvr>
+</p:notes>
+</file>
+
+<file path=ppt/notesSlides/notesSlide5.xml><?xml version="1.0" encoding="utf-8"?>
+<p:notes xmlns:a="http://schemas.openxmlformats.org/drawingml/2006/main" xmlns:r="http://schemas.openxmlformats.org/officeDocument/2006/relationships" xmlns:p="http://schemas.openxmlformats.org/presentationml/2006/main">
+  <p:cSld>
+    <p:spTree>
+      <p:nvGrpSpPr>
+        <p:cNvPr id="1" name=""/>
+        <p:cNvGrpSpPr/>
+        <p:nvPr/>
+      </p:nvGrpSpPr>
+      <p:grpSpPr>
+        <a:xfrm>
+          <a:off x="0" y="0"/>
+          <a:ext cx="0" cy="0"/>
+          <a:chOff x="0" y="0"/>
+          <a:chExt cx="0" cy="0"/>
+        </a:xfrm>
+      </p:grpSpPr>
+      <p:sp>
+        <p:nvSpPr>
+          <p:cNvPr id="2" name="Slide Image Placeholder 1"/>
+          <p:cNvSpPr>
+            <a:spLocks noGrp="1" noRot="1" noChangeAspect="1"/>
+          </p:cNvSpPr>
+          <p:nvPr>
+            <p:ph type="sldImg"/>
+          </p:nvPr>
+        </p:nvSpPr>
+        <p:spPr/>
+      </p:sp>
+      <p:sp>
+        <p:nvSpPr>
+          <p:cNvPr id="3" name="Notes Placeholder 2"/>
+          <p:cNvSpPr>
+            <a:spLocks noGrp="1"/>
+          </p:cNvSpPr>
+          <p:nvPr>
+            <p:ph type="body" idx="1"/>
+          </p:nvPr>
+        </p:nvSpPr>
+        <p:spPr/>
+        <p:txBody>
+          <a:bodyPr/>
+          <a:lstStyle/>
+          <a:p>
+            <a:endParaRPr lang="ru-RU"/>
+          </a:p>
+        </p:txBody>
+      </p:sp>
+      <p:sp>
+        <p:nvSpPr>
+          <p:cNvPr id="4" name="Slide Number Placeholder 3"/>
+          <p:cNvSpPr>
+            <a:spLocks noGrp="1"/>
+          </p:cNvSpPr>
+          <p:nvPr>
+            <p:ph type="sldNum" sz="quarter" idx="10"/>
+          </p:nvPr>
+        </p:nvSpPr>
+        <p:spPr/>
+        <p:txBody>
+          <a:bodyPr/>
+          <a:lstStyle/>
+          <a:p>
+            <a:fld id="{C72A1285-F988-4153-B7C5-B887A867730D}" type="slidenum">
+              <a:rPr lang="ru-RU" smtClean="0"/>
+              <a:t>5</a:t>
+            </a:fld>
+            <a:endParaRPr lang="ru-RU"/>
+          </a:p>
+        </p:txBody>
+      </p:sp>
+    </p:spTree>
+    <p:extLst>
+      <p:ext uri="{BB962C8B-B14F-4D97-AF65-F5344CB8AC3E}">
+        <p14:creationId xmlns:p14="http://schemas.microsoft.com/office/powerpoint/2010/main" val="2246659069"/>
+      </p:ext>
+    </p:extLst>
+  </p:cSld>
+  <p:clrMapOvr>
+    <a:masterClrMapping/>
+  </p:clrMapOvr>
+</p:notes>
+</file>
+
+<file path=ppt/notesSlides/notesSlide6.xml><?xml version="1.0" encoding="utf-8"?>
+<p:notes xmlns:a="http://schemas.openxmlformats.org/drawingml/2006/main" xmlns:r="http://schemas.openxmlformats.org/officeDocument/2006/relationships" xmlns:p="http://schemas.openxmlformats.org/presentationml/2006/main">
+  <p:cSld>
+    <p:spTree>
+      <p:nvGrpSpPr>
+        <p:cNvPr id="1" name=""/>
+        <p:cNvGrpSpPr/>
+        <p:nvPr/>
+      </p:nvGrpSpPr>
+      <p:grpSpPr>
+        <a:xfrm>
+          <a:off x="0" y="0"/>
+          <a:ext cx="0" cy="0"/>
+          <a:chOff x="0" y="0"/>
+          <a:chExt cx="0" cy="0"/>
+        </a:xfrm>
+      </p:grpSpPr>
+      <p:sp>
+        <p:nvSpPr>
+          <p:cNvPr id="2" name="Slide Image Placeholder 1"/>
+          <p:cNvSpPr>
+            <a:spLocks noGrp="1" noRot="1" noChangeAspect="1"/>
+          </p:cNvSpPr>
+          <p:nvPr>
+            <p:ph type="sldImg"/>
+          </p:nvPr>
+        </p:nvSpPr>
+        <p:spPr/>
+      </p:sp>
+      <p:sp>
+        <p:nvSpPr>
+          <p:cNvPr id="3" name="Notes Placeholder 2"/>
+          <p:cNvSpPr>
+            <a:spLocks noGrp="1"/>
+          </p:cNvSpPr>
+          <p:nvPr>
+            <p:ph type="body" idx="1"/>
+          </p:nvPr>
+        </p:nvSpPr>
+        <p:spPr/>
+        <p:txBody>
+          <a:bodyPr/>
+          <a:lstStyle/>
+          <a:p>
+            <a:endParaRPr lang="ru-RU"/>
+          </a:p>
+        </p:txBody>
+      </p:sp>
+      <p:sp>
+        <p:nvSpPr>
+          <p:cNvPr id="4" name="Slide Number Placeholder 3"/>
+          <p:cNvSpPr>
+            <a:spLocks noGrp="1"/>
+          </p:cNvSpPr>
+          <p:nvPr>
+            <p:ph type="sldNum" sz="quarter" idx="10"/>
+          </p:nvPr>
+        </p:nvSpPr>
+        <p:spPr/>
+        <p:txBody>
+          <a:bodyPr/>
+          <a:lstStyle/>
+          <a:p>
+            <a:fld id="{C72A1285-F988-4153-B7C5-B887A867730D}" type="slidenum">
+              <a:rPr lang="ru-RU" smtClean="0"/>
+              <a:t>6</a:t>
+            </a:fld>
+            <a:endParaRPr lang="ru-RU"/>
+          </a:p>
+        </p:txBody>
+      </p:sp>
+    </p:spTree>
+    <p:extLst>
+      <p:ext uri="{BB962C8B-B14F-4D97-AF65-F5344CB8AC3E}">
+        <p14:creationId xmlns:p14="http://schemas.microsoft.com/office/powerpoint/2010/main" val="1864884956"/>
+      </p:ext>
+    </p:extLst>
+  </p:cSld>
+  <p:clrMapOvr>
+    <a:masterClrMapping/>
+  </p:clrMapOvr>
+</p:notes>
+</file>
+
+<file path=ppt/notesSlides/notesSlide7.xml><?xml version="1.0" encoding="utf-8"?>
+<p:notes xmlns:a="http://schemas.openxmlformats.org/drawingml/2006/main" xmlns:r="http://schemas.openxmlformats.org/officeDocument/2006/relationships" xmlns:p="http://schemas.openxmlformats.org/presentationml/2006/main">
+  <p:cSld>
+    <p:spTree>
+      <p:nvGrpSpPr>
+        <p:cNvPr id="1" name=""/>
+        <p:cNvGrpSpPr/>
+        <p:nvPr/>
+      </p:nvGrpSpPr>
+      <p:grpSpPr>
+        <a:xfrm>
+          <a:off x="0" y="0"/>
+          <a:ext cx="0" cy="0"/>
+          <a:chOff x="0" y="0"/>
+          <a:chExt cx="0" cy="0"/>
+        </a:xfrm>
+      </p:grpSpPr>
+      <p:sp>
+        <p:nvSpPr>
+          <p:cNvPr id="2" name="Slide Image Placeholder 1"/>
+          <p:cNvSpPr>
+            <a:spLocks noGrp="1" noRot="1" noChangeAspect="1"/>
+          </p:cNvSpPr>
+          <p:nvPr>
+            <p:ph type="sldImg"/>
+          </p:nvPr>
+        </p:nvSpPr>
+        <p:spPr/>
+      </p:sp>
+      <p:sp>
+        <p:nvSpPr>
+          <p:cNvPr id="3" name="Notes Placeholder 2"/>
+          <p:cNvSpPr>
+            <a:spLocks noGrp="1"/>
+          </p:cNvSpPr>
+          <p:nvPr>
+            <p:ph type="body" idx="1"/>
+          </p:nvPr>
+        </p:nvSpPr>
+        <p:spPr/>
+        <p:txBody>
+          <a:bodyPr/>
+          <a:lstStyle/>
+          <a:p>
+            <a:endParaRPr lang="ru-RU"/>
+          </a:p>
+        </p:txBody>
+      </p:sp>
+      <p:sp>
+        <p:nvSpPr>
+          <p:cNvPr id="4" name="Slide Number Placeholder 3"/>
+          <p:cNvSpPr>
+            <a:spLocks noGrp="1"/>
+          </p:cNvSpPr>
+          <p:nvPr>
+            <p:ph type="sldNum" sz="quarter" idx="10"/>
+          </p:nvPr>
+        </p:nvSpPr>
+        <p:spPr/>
+        <p:txBody>
+          <a:bodyPr/>
+          <a:lstStyle/>
+          <a:p>
+            <a:fld id="{C72A1285-F988-4153-B7C5-B887A867730D}" type="slidenum">
+              <a:rPr lang="ru-RU" smtClean="0"/>
+              <a:t>7</a:t>
+            </a:fld>
+            <a:endParaRPr lang="ru-RU"/>
+          </a:p>
+        </p:txBody>
+      </p:sp>
+    </p:spTree>
+    <p:extLst>
+      <p:ext uri="{BB962C8B-B14F-4D97-AF65-F5344CB8AC3E}">
+        <p14:creationId xmlns:p14="http://schemas.microsoft.com/office/powerpoint/2010/main" val="4170322952"/>
+      </p:ext>
+    </p:extLst>
+  </p:cSld>
+  <p:clrMapOvr>
+    <a:masterClrMapping/>
+  </p:clrMapOvr>
+</p:notes>
+</file>
+
+<file path=ppt/notesSlides/notesSlide8.xml><?xml version="1.0" encoding="utf-8"?>
+<p:notes xmlns:a="http://schemas.openxmlformats.org/drawingml/2006/main" xmlns:r="http://schemas.openxmlformats.org/officeDocument/2006/relationships" xmlns:p="http://schemas.openxmlformats.org/presentationml/2006/main">
+  <p:cSld>
+    <p:spTree>
+      <p:nvGrpSpPr>
+        <p:cNvPr id="1" name=""/>
+        <p:cNvGrpSpPr/>
+        <p:nvPr/>
+      </p:nvGrpSpPr>
+      <p:grpSpPr>
+        <a:xfrm>
+          <a:off x="0" y="0"/>
+          <a:ext cx="0" cy="0"/>
+          <a:chOff x="0" y="0"/>
+          <a:chExt cx="0" cy="0"/>
+        </a:xfrm>
+      </p:grpSpPr>
+      <p:sp>
+        <p:nvSpPr>
+          <p:cNvPr id="2" name="Slide Image Placeholder 1"/>
+          <p:cNvSpPr>
+            <a:spLocks noGrp="1" noRot="1" noChangeAspect="1"/>
+          </p:cNvSpPr>
+          <p:nvPr>
+            <p:ph type="sldImg"/>
+          </p:nvPr>
+        </p:nvSpPr>
+        <p:spPr/>
+      </p:sp>
+      <p:sp>
+        <p:nvSpPr>
+          <p:cNvPr id="3" name="Notes Placeholder 2"/>
+          <p:cNvSpPr>
+            <a:spLocks noGrp="1"/>
+          </p:cNvSpPr>
+          <p:nvPr>
+            <p:ph type="body" idx="1"/>
+          </p:nvPr>
+        </p:nvSpPr>
+        <p:spPr/>
+        <p:txBody>
+          <a:bodyPr/>
+          <a:lstStyle/>
+          <a:p>
+            <a:endParaRPr lang="ru-RU"/>
+          </a:p>
+        </p:txBody>
+      </p:sp>
+      <p:sp>
+        <p:nvSpPr>
+          <p:cNvPr id="4" name="Slide Number Placeholder 3"/>
+          <p:cNvSpPr>
+            <a:spLocks noGrp="1"/>
+          </p:cNvSpPr>
+          <p:nvPr>
+            <p:ph type="sldNum" sz="quarter" idx="10"/>
+          </p:nvPr>
+        </p:nvSpPr>
+        <p:spPr/>
+        <p:txBody>
+          <a:bodyPr/>
+          <a:lstStyle/>
+          <a:p>
+            <a:fld id="{C72A1285-F988-4153-B7C5-B887A867730D}" type="slidenum">
+              <a:rPr lang="ru-RU" smtClean="0"/>
+              <a:t>8</a:t>
+            </a:fld>
+            <a:endParaRPr lang="ru-RU"/>
+          </a:p>
+        </p:txBody>
+      </p:sp>
+    </p:spTree>
+    <p:extLst>
+      <p:ext uri="{BB962C8B-B14F-4D97-AF65-F5344CB8AC3E}">
+        <p14:creationId xmlns:p14="http://schemas.microsoft.com/office/powerpoint/2010/main" val="4231373138"/>
+      </p:ext>
+    </p:extLst>
+  </p:cSld>
+  <p:clrMapOvr>
+    <a:masterClrMapping/>
+  </p:clrMapOvr>
+</p:notes>
+</file>
+
+<file path=ppt/notesSlides/notesSlide9.xml><?xml version="1.0" encoding="utf-8"?>
+<p:notes xmlns:a="http://schemas.openxmlformats.org/drawingml/2006/main" xmlns:r="http://schemas.openxmlformats.org/officeDocument/2006/relationships" xmlns:p="http://schemas.openxmlformats.org/presentationml/2006/main">
+  <p:cSld>
+    <p:spTree>
+      <p:nvGrpSpPr>
+        <p:cNvPr id="1" name=""/>
+        <p:cNvGrpSpPr/>
+        <p:nvPr/>
+      </p:nvGrpSpPr>
+      <p:grpSpPr>
+        <a:xfrm>
+          <a:off x="0" y="0"/>
+          <a:ext cx="0" cy="0"/>
+          <a:chOff x="0" y="0"/>
+          <a:chExt cx="0" cy="0"/>
+        </a:xfrm>
+      </p:grpSpPr>
+      <p:sp>
+        <p:nvSpPr>
+          <p:cNvPr id="2" name="Slide Image Placeholder 1"/>
+          <p:cNvSpPr>
+            <a:spLocks noGrp="1" noRot="1" noChangeAspect="1"/>
+          </p:cNvSpPr>
+          <p:nvPr>
+            <p:ph type="sldImg"/>
+          </p:nvPr>
+        </p:nvSpPr>
+        <p:spPr/>
+      </p:sp>
+      <p:sp>
+        <p:nvSpPr>
+          <p:cNvPr id="3" name="Notes Placeholder 2"/>
+          <p:cNvSpPr>
+            <a:spLocks noGrp="1"/>
+          </p:cNvSpPr>
+          <p:nvPr>
+            <p:ph type="body" idx="1"/>
+          </p:nvPr>
+        </p:nvSpPr>
+        <p:spPr/>
+        <p:txBody>
+          <a:bodyPr/>
+          <a:lstStyle/>
+          <a:p>
+            <a:endParaRPr lang="ru-RU"/>
+          </a:p>
+        </p:txBody>
+      </p:sp>
+      <p:sp>
+        <p:nvSpPr>
+          <p:cNvPr id="4" name="Slide Number Placeholder 3"/>
+          <p:cNvSpPr>
+            <a:spLocks noGrp="1"/>
+          </p:cNvSpPr>
+          <p:nvPr>
+            <p:ph type="sldNum" sz="quarter" idx="10"/>
+          </p:nvPr>
+        </p:nvSpPr>
+        <p:spPr/>
+        <p:txBody>
+          <a:bodyPr/>
+          <a:lstStyle/>
+          <a:p>
+            <a:fld id="{C72A1285-F988-4153-B7C5-B887A867730D}" type="slidenum">
+              <a:rPr lang="ru-RU" smtClean="0"/>
+              <a:t>9</a:t>
+            </a:fld>
+            <a:endParaRPr lang="ru-RU"/>
+          </a:p>
+        </p:txBody>
+      </p:sp>
+    </p:spTree>
+    <p:extLst>
+      <p:ext uri="{BB962C8B-B14F-4D97-AF65-F5344CB8AC3E}">
+        <p14:creationId xmlns:p14="http://schemas.microsoft.com/office/powerpoint/2010/main" val="2562902449"/>
+      </p:ext>
+    </p:extLst>
+  </p:cSld>
+  <p:clrMapOvr>
+    <a:masterClrMapping/>
+  </p:clrMapOvr>
+</p:notes>
+</file>
+
 <file path=ppt/slideLayouts/slideLayout1.xml><?xml version="1.0" encoding="utf-8"?>
 <p:sldLayout xmlns:a="http://schemas.openxmlformats.org/drawingml/2006/main" xmlns:r="http://schemas.openxmlformats.org/officeDocument/2006/relationships" xmlns:p="http://schemas.openxmlformats.org/presentationml/2006/main" showMasterSp="0" type="title" preserve="1">
   <p:cSld name="Титульный слайд">
@@ -929,6 +2273,13 @@
   <p:clrMapOvr>
     <a:overrideClrMapping bg1="dk1" tx1="lt1" bg2="dk2" tx2="lt2" accent1="accent1" accent2="accent2" accent3="accent3" accent4="accent4" accent5="accent5" accent6="accent6" hlink="hlink" folHlink="folHlink"/>
   </p:clrMapOvr>
+  <p:timing>
+    <p:tnLst>
+      <p:par>
+        <p:cTn id="1" dur="indefinite" restart="never" nodeType="tmRoot"/>
+      </p:par>
+    </p:tnLst>
+  </p:timing>
 </p:sldLayout>
 </file>
 
@@ -1541,6 +2892,13 @@
   <p:clrMapOvr>
     <a:masterClrMapping/>
   </p:clrMapOvr>
+  <p:timing>
+    <p:tnLst>
+      <p:par>
+        <p:cTn id="1" dur="indefinite" restart="never" nodeType="tmRoot"/>
+      </p:par>
+    </p:tnLst>
+  </p:timing>
 </p:sldLayout>
 </file>
 
@@ -2715,6 +4073,13 @@
   <p:clrMapOvr>
     <a:masterClrMapping/>
   </p:clrMapOvr>
+  <p:timing>
+    <p:tnLst>
+      <p:par>
+        <p:cTn id="1" dur="indefinite" restart="never" nodeType="tmRoot"/>
+      </p:par>
+    </p:tnLst>
+  </p:timing>
 </p:sldLayout>
 </file>
 
@@ -2805,6 +4170,13 @@
   <p:clrMapOvr>
     <a:masterClrMapping/>
   </p:clrMapOvr>
+  <p:timing>
+    <p:tnLst>
+      <p:par>
+        <p:cTn id="1" dur="indefinite" restart="never" nodeType="tmRoot"/>
+      </p:par>
+    </p:tnLst>
+  </p:timing>
 </p:sldLayout>
 </file>
 
@@ -3919,6 +5291,13 @@
     <p:sldLayoutId id="2147483682" r:id="rId10"/>
     <p:sldLayoutId id="2147483683" r:id="rId11"/>
   </p:sldLayoutIdLst>
+  <p:timing>
+    <p:tnLst>
+      <p:par>
+        <p:cTn id="1" dur="indefinite" restart="never" nodeType="tmRoot"/>
+      </p:par>
+    </p:tnLst>
+  </p:timing>
   <p:txStyles>
     <p:titleStyle>
       <a:lvl1pPr algn="l" rtl="0" eaLnBrk="1" latinLnBrk="0" hangingPunct="1">
@@ -17050,7 +18429,7 @@
           <p:nvPr/>
         </p:nvPicPr>
         <p:blipFill>
-          <a:blip r:embed="rId2">
+          <a:blip r:embed="rId3">
             <a:extLst>
               <a:ext uri="{28A0092B-C50C-407E-A947-70E740481C1C}">
                 <a14:useLocalDpi xmlns:a14="http://schemas.microsoft.com/office/drawing/2010/main" val="0"/>
@@ -17715,7 +19094,7 @@
           <p:nvPr/>
         </p:nvPicPr>
         <p:blipFill>
-          <a:blip r:embed="rId2"/>
+          <a:blip r:embed="rId3"/>
           <a:stretch>
             <a:fillRect/>
           </a:stretch>
@@ -19082,6 +20461,23 @@
   <p:tag name="ISPRING_SCREEN_RECS_UPDATED" val="H:\teaching\institutps\2016\ood\lectures\07\07 - Адаптер, Фасад"/>
   <p:tag name="ISPRING_UUID" val="{77CEB02E-0205-4D42-AC68-BCD00A9879B0}"/>
   <p:tag name="ISPRING_RESOURCE_PATHS_HASH_PRESENTER" val="813a237fe57c449da5f0a53f5431dc9b56935deb"/>
+  <p:tag name="ISPRING_PRESENTATION_COURSE_TITLE" val="prototype"/>
+  <p:tag name="ISPRING_LMS_API_VERSION" val="Experience API"/>
+  <p:tag name="ISPRING_ULTRA_SCORM_COURSE_ID" val="AC95B9CB-2D3D-4F76-8523-55D752332B54"/>
+  <p:tag name="ISPRING_CMI5_LAUNCH_METHOD" val="any window"/>
+  <p:tag name="ISPRING_SCORM_ENDPOINT" val="&lt;endpoint&gt;&lt;enable&gt;0&lt;/enable&gt;&lt;lrs&gt;http://&lt;/lrs&gt;&lt;auth&gt;0&lt;/auth&gt;&lt;login&gt;&lt;/login&gt;&lt;password&gt;&lt;/password&gt;&lt;key&gt;&lt;/key&gt;&lt;name&gt;&lt;/name&gt;&lt;email&gt;&lt;/email&gt;&lt;/endpoint&gt;&#10;"/>
+  <p:tag name="ISPRINGCLOUDFOLDERID" val="1"/>
+  <p:tag name="ISPRINGCLOUDFOLDERPATH" val="Repository/"/>
+  <p:tag name="ISPRINGCLOUDFOLDERDOMAIN" val="https://pro.ispringcloud.com"/>
+  <p:tag name="ISPRINGONLINEFOLDERID" val="0"/>
+  <p:tag name="ISPRING_OUTPUT_FOLDER" val="[[&quot;ӹ\uFFFD\uFFFD{040CDB75-1F2E-450F-8275-E9D5176AD77C}&quot;,&quot;C:\\teaching\\ood\\ood\\lectures\\14.prototype&quot;]]"/>
+  <p:tag name="ISPRING_PUBLISH_SETTINGS" val="{&quot;commonSettings&quot;:{&quot;webSettings&quot;:{&quot;useMobileViewer&quot;:&quot;T_FALSE&quot;},&quot;lmsSettings&quot;:{&quot;useMobileViewer&quot;:&quot;T_FALSE&quot;},&quot;cloudSettings&quot;:{&quot;useMobileViewer&quot;:&quot;T_FALSE&quot;},&quot;ispringLmsSettings&quot;:{&quot;useMobileViewer&quot;:&quot;T_FALSE&quot;},&quot;playerId&quot;:&quot;universal&quot;},&quot;advancedSettings&quot;:{&quot;enableTextAllocation&quot;:&quot;T_TRUE&quot;,&quot;viewingFromLocalDrive&quot;:&quot;T_TRUE&quot;,&quot;contentScale&quot;:75,&quot;contentScaleMode&quot;:&quot;SCALE&quot;},&quot;compressionSettings&quot;:{&quot;imageSettings&quot;:{&quot;jpegQuality&quot;:70,&quot;optimizeImageForResolution&quot;:&quot;T_FALSE&quot;},&quot;audioQuality&quot;:70,&quot;videoQuality&quot;:65},&quot;protectionSettings&quot;:{&quot;watermarkEnabled&quot;:&quot;T_FALSE&quot;,&quot;watermarkPosition&quot;:&quot;MIDDLE_CENTER&quot;,&quot;openWatermarkUrl&quot;:&quot;T_FALSE&quot;,&quot;openWatermarkWebPageInNewWindow&quot;:&quot;T_FALSE&quot;,&quot;displayAfterEnabled&quot;:&quot;T_FALSE&quot;,&quot;displayUntilEnabled&quot;:&quot;T_FALSE&quot;,&quot;domainRestrictionEnabled&quot;:&quot;T_FALSE&quot;,&quot;enablePassword&quot;:&quot;T_FALSE&quot;},&quot;videoSettings&quot;:{&quot;videoCompressionSettings&quot;:{&quot;audioQuality&quot;:70,&quot;videoQuality&quot;:75},&quot;secondsOnEachSlide&quot;:5,&quot;hostingSettings&quot;:{}},&quot;ispringOnlineSettings&quot;:{&quot;onlineDestinationFolderId&quot;:&quot;0&quot;},&quot;cloudSettings&quot;:{&quot;onlineDestinationPath&quot;:&quot;Repository/&quot;,&quot;onlineDestinationFolderId&quot;:&quot;1&quot;,&quot;onlineDestinationUrl&quot;:&quot;https://pro.ispringcloud.com&quot;},&quot;publishDestination&quot;:&quot;ISPRING_CLOUD&quot;,&quot;wordSettings&quot;:{&quot;printCopies&quot;:1}}"/>
+  <p:tag name="ISPRING_SCORM_RATE_SLIDES" val="0"/>
+  <p:tag name="ISPRING_SCORM_RATE_QUIZZES" val="0"/>
+  <p:tag name="ISPRING_SCORM_PASSING_SCORE" val="0.000000"/>
+  <p:tag name="ISPRING_CURRENT_PLAYER_ID" val="universal"/>
+  <p:tag name="ISPRING_PRESENTATION_TITLE" val="prototype"/>
+  <p:tag name="ISPRING_FIRST_PUBLISH" val="1"/>
 </p:tagLst>
 </file>
 

--- a/lectures/14.prototype/prototype.pptx
+++ b/lectures/14.prototype/prototype.pptx
@@ -227,7 +227,7 @@
           <a:p>
             <a:fld id="{2F3DCB6D-0B48-4A3D-B663-06C3F903A9D3}" type="datetimeFigureOut">
               <a:rPr lang="ru-RU" smtClean="0"/>
-              <a:t>14.11.2019</a:t>
+              <a:t>09.12.2021</a:t>
             </a:fld>
             <a:endParaRPr lang="ru-RU"/>
           </a:p>
@@ -2168,7 +2168,7 @@
           <a:p>
             <a:fld id="{2590F9C9-AB92-4E86-B698-DEC9BF4350FF}" type="datetimeFigureOut">
               <a:rPr lang="ru-RU" smtClean="0"/>
-              <a:t>14.11.2019</a:t>
+              <a:t>09.12.2021</a:t>
             </a:fld>
             <a:endParaRPr lang="ru-RU"/>
           </a:p>
@@ -2273,13 +2273,6 @@
   <p:clrMapOvr>
     <a:overrideClrMapping bg1="dk1" tx1="lt1" bg2="dk2" tx2="lt2" accent1="accent1" accent2="accent2" accent3="accent3" accent4="accent4" accent5="accent5" accent6="accent6" hlink="hlink" folHlink="folHlink"/>
   </p:clrMapOvr>
-  <p:timing>
-    <p:tnLst>
-      <p:par>
-        <p:cTn id="1" dur="indefinite" restart="never" nodeType="tmRoot"/>
-      </p:par>
-    </p:tnLst>
-  </p:timing>
 </p:sldLayout>
 </file>
 
@@ -2392,7 +2385,7 @@
           <a:p>
             <a:fld id="{2590F9C9-AB92-4E86-B698-DEC9BF4350FF}" type="datetimeFigureOut">
               <a:rPr lang="ru-RU" smtClean="0"/>
-              <a:t>14.11.2019</a:t>
+              <a:t>09.12.2021</a:t>
             </a:fld>
             <a:endParaRPr lang="ru-RU"/>
           </a:p>
@@ -2664,7 +2657,7 @@
           <a:p>
             <a:fld id="{2590F9C9-AB92-4E86-B698-DEC9BF4350FF}" type="datetimeFigureOut">
               <a:rPr lang="ru-RU" smtClean="0"/>
-              <a:t>14.11.2019</a:t>
+              <a:t>09.12.2021</a:t>
             </a:fld>
             <a:endParaRPr lang="ru-RU"/>
           </a:p>
@@ -2839,7 +2832,7 @@
           <a:p>
             <a:fld id="{2590F9C9-AB92-4E86-B698-DEC9BF4350FF}" type="datetimeFigureOut">
               <a:rPr lang="ru-RU" smtClean="0"/>
-              <a:t>14.11.2019</a:t>
+              <a:t>09.12.2021</a:t>
             </a:fld>
             <a:endParaRPr lang="ru-RU"/>
           </a:p>
@@ -2892,13 +2885,6 @@
   <p:clrMapOvr>
     <a:masterClrMapping/>
   </p:clrMapOvr>
-  <p:timing>
-    <p:tnLst>
-      <p:par>
-        <p:cTn id="1" dur="indefinite" restart="never" nodeType="tmRoot"/>
-      </p:par>
-    </p:tnLst>
-  </p:timing>
 </p:sldLayout>
 </file>
 
@@ -3200,7 +3186,7 @@
           <a:p>
             <a:fld id="{2590F9C9-AB92-4E86-B698-DEC9BF4350FF}" type="datetimeFigureOut">
               <a:rPr lang="ru-RU" smtClean="0"/>
-              <a:t>14.11.2019</a:t>
+              <a:t>09.12.2021</a:t>
             </a:fld>
             <a:endParaRPr lang="ru-RU"/>
           </a:p>
@@ -3485,7 +3471,7 @@
           <a:p>
             <a:fld id="{2590F9C9-AB92-4E86-B698-DEC9BF4350FF}" type="datetimeFigureOut">
               <a:rPr lang="ru-RU" smtClean="0"/>
-              <a:t>14.11.2019</a:t>
+              <a:t>09.12.2021</a:t>
             </a:fld>
             <a:endParaRPr lang="ru-RU"/>
           </a:p>
@@ -3907,7 +3893,7 @@
           <a:p>
             <a:fld id="{2590F9C9-AB92-4E86-B698-DEC9BF4350FF}" type="datetimeFigureOut">
               <a:rPr lang="ru-RU" smtClean="0"/>
-              <a:t>14.11.2019</a:t>
+              <a:t>09.12.2021</a:t>
             </a:fld>
             <a:endParaRPr lang="ru-RU"/>
           </a:p>
@@ -4020,7 +4006,7 @@
           <a:p>
             <a:fld id="{2590F9C9-AB92-4E86-B698-DEC9BF4350FF}" type="datetimeFigureOut">
               <a:rPr lang="ru-RU" smtClean="0"/>
-              <a:t>14.11.2019</a:t>
+              <a:t>09.12.2021</a:t>
             </a:fld>
             <a:endParaRPr lang="ru-RU"/>
           </a:p>
@@ -4073,13 +4059,6 @@
   <p:clrMapOvr>
     <a:masterClrMapping/>
   </p:clrMapOvr>
-  <p:timing>
-    <p:tnLst>
-      <p:par>
-        <p:cTn id="1" dur="indefinite" restart="never" nodeType="tmRoot"/>
-      </p:par>
-    </p:tnLst>
-  </p:timing>
 </p:sldLayout>
 </file>
 
@@ -4117,7 +4096,7 @@
           <a:p>
             <a:fld id="{2590F9C9-AB92-4E86-B698-DEC9BF4350FF}" type="datetimeFigureOut">
               <a:rPr lang="ru-RU" smtClean="0"/>
-              <a:t>14.11.2019</a:t>
+              <a:t>09.12.2021</a:t>
             </a:fld>
             <a:endParaRPr lang="ru-RU"/>
           </a:p>
@@ -4170,13 +4149,6 @@
   <p:clrMapOvr>
     <a:masterClrMapping/>
   </p:clrMapOvr>
-  <p:timing>
-    <p:tnLst>
-      <p:par>
-        <p:cTn id="1" dur="indefinite" restart="never" nodeType="tmRoot"/>
-      </p:par>
-    </p:tnLst>
-  </p:timing>
 </p:sldLayout>
 </file>
 
@@ -4402,7 +4374,7 @@
           <a:p>
             <a:fld id="{2590F9C9-AB92-4E86-B698-DEC9BF4350FF}" type="datetimeFigureOut">
               <a:rPr lang="ru-RU" smtClean="0"/>
-              <a:t>14.11.2019</a:t>
+              <a:t>09.12.2021</a:t>
             </a:fld>
             <a:endParaRPr lang="ru-RU"/>
           </a:p>
@@ -4764,7 +4736,7 @@
           <a:p>
             <a:fld id="{2590F9C9-AB92-4E86-B698-DEC9BF4350FF}" type="datetimeFigureOut">
               <a:rPr lang="ru-RU" smtClean="0"/>
-              <a:t>14.11.2019</a:t>
+              <a:t>09.12.2021</a:t>
             </a:fld>
             <a:endParaRPr lang="ru-RU"/>
           </a:p>
@@ -5189,7 +5161,7 @@
           <a:p>
             <a:fld id="{2590F9C9-AB92-4E86-B698-DEC9BF4350FF}" type="datetimeFigureOut">
               <a:rPr lang="ru-RU" smtClean="0"/>
-              <a:t>14.11.2019</a:t>
+              <a:t>09.12.2021</a:t>
             </a:fld>
             <a:endParaRPr lang="ru-RU"/>
           </a:p>
@@ -5291,13 +5263,6 @@
     <p:sldLayoutId id="2147483682" r:id="rId10"/>
     <p:sldLayoutId id="2147483683" r:id="rId11"/>
   </p:sldLayoutIdLst>
-  <p:timing>
-    <p:tnLst>
-      <p:par>
-        <p:cTn id="1" dur="indefinite" restart="never" nodeType="tmRoot"/>
-      </p:par>
-    </p:tnLst>
-  </p:timing>
   <p:txStyles>
     <p:titleStyle>
       <a:lvl1pPr algn="l" rtl="0" eaLnBrk="1" latinLnBrk="0" hangingPunct="1">
@@ -5657,6 +5622,9 @@
         </p:txBody>
       </p:sp>
     </p:spTree>
+    <p:custDataLst>
+      <p:tags r:id="rId1"/>
+    </p:custDataLst>
     <p:extLst>
       <p:ext uri="{BB962C8B-B14F-4D97-AF65-F5344CB8AC3E}">
         <p14:creationId xmlns:p14="http://schemas.microsoft.com/office/powerpoint/2010/main" val="4239331289"/>
@@ -5666,13 +5634,6 @@
   <p:clrMapOvr>
     <a:masterClrMapping/>
   </p:clrMapOvr>
-  <p:timing>
-    <p:tnLst>
-      <p:par>
-        <p:cTn id="1" dur="indefinite" restart="never" nodeType="tmRoot"/>
-      </p:par>
-    </p:tnLst>
-  </p:timing>
 </p:sld>
 </file>
 
@@ -6481,18 +6442,7 @@
                 <a:ea typeface="Calibri" panose="020F0502020204030204" pitchFamily="34" charset="0"/>
                 <a:cs typeface="Consolas" panose="020B0609020204030204" pitchFamily="49" charset="0"/>
               </a:rPr>
-              <a:t>) </a:t>
-            </a:r>
-            <a:r>
-              <a:rPr lang="en-US" sz="1600" dirty="0" smtClean="0">
-                <a:solidFill>
-                  <a:srgbClr val="000000"/>
-                </a:solidFill>
-                <a:latin typeface="Consolas" panose="020B0609020204030204" pitchFamily="49" charset="0"/>
-                <a:ea typeface="Calibri" panose="020F0502020204030204" pitchFamily="34" charset="0"/>
-                <a:cs typeface="Consolas" panose="020B0609020204030204" pitchFamily="49" charset="0"/>
-              </a:rPr>
-              <a:t>{}</a:t>
+              <a:t>) {}</a:t>
             </a:r>
           </a:p>
           <a:p>
@@ -6569,7 +6519,7 @@
               <a:t>()</a:t>
             </a:r>
             <a:r>
-              <a:rPr lang="en-US" sz="1600" dirty="0" err="1" smtClean="0">
+              <a:rPr lang="en-US" sz="1600" dirty="0" err="1">
                 <a:solidFill>
                   <a:srgbClr val="0000FF"/>
                 </a:solidFill>
@@ -6580,7 +6530,7 @@
               <a:t>const</a:t>
             </a:r>
             <a:r>
-              <a:rPr lang="en-US" sz="1600" dirty="0" smtClean="0">
+              <a:rPr lang="en-US" sz="1600" dirty="0">
                 <a:solidFill>
                   <a:srgbClr val="000000"/>
                 </a:solidFill>
@@ -6771,7 +6721,7 @@
               <a:t>()</a:t>
             </a:r>
             <a:r>
-              <a:rPr lang="en-US" sz="1600" dirty="0" err="1" smtClean="0">
+              <a:rPr lang="en-US" sz="1600" dirty="0" err="1">
                 <a:solidFill>
                   <a:srgbClr val="0000FF"/>
                 </a:solidFill>
@@ -6782,26 +6732,15 @@
               <a:t>const</a:t>
             </a:r>
             <a:r>
-              <a:rPr lang="en-US" sz="1600" dirty="0" smtClean="0">
-                <a:solidFill>
-                  <a:srgbClr val="000000"/>
-                </a:solidFill>
-                <a:latin typeface="Consolas" panose="020B0609020204030204" pitchFamily="49" charset="0"/>
-                <a:ea typeface="Calibri" panose="020F0502020204030204" pitchFamily="34" charset="0"/>
-                <a:cs typeface="Consolas" panose="020B0609020204030204" pitchFamily="49" charset="0"/>
-              </a:rPr>
-              <a:t> </a:t>
-            </a:r>
-            <a:r>
-              <a:rPr lang="en-US" sz="1600" dirty="0">
-                <a:solidFill>
-                  <a:srgbClr val="000000"/>
-                </a:solidFill>
-                <a:latin typeface="Consolas" panose="020B0609020204030204" pitchFamily="49" charset="0"/>
-                <a:ea typeface="Calibri" panose="020F0502020204030204" pitchFamily="34" charset="0"/>
-                <a:cs typeface="Consolas" panose="020B0609020204030204" pitchFamily="49" charset="0"/>
-              </a:rPr>
-              <a:t>{</a:t>
+              <a:rPr lang="en-US" sz="1600" dirty="0">
+                <a:solidFill>
+                  <a:srgbClr val="000000"/>
+                </a:solidFill>
+                <a:latin typeface="Consolas" panose="020B0609020204030204" pitchFamily="49" charset="0"/>
+                <a:ea typeface="Calibri" panose="020F0502020204030204" pitchFamily="34" charset="0"/>
+                <a:cs typeface="Consolas" panose="020B0609020204030204" pitchFamily="49" charset="0"/>
+              </a:rPr>
+              <a:t> {</a:t>
             </a:r>
             <a:endParaRPr lang="ru-RU" sz="1600" dirty="0">
               <a:latin typeface="Consolas" panose="020B0609020204030204" pitchFamily="49" charset="0"/>
@@ -7006,7 +6945,7 @@
               <a:t> </a:t>
             </a:r>
             <a:r>
-              <a:rPr lang="en-US" sz="1600" dirty="0" smtClean="0">
+              <a:rPr lang="en-US" sz="1600" dirty="0">
                 <a:solidFill>
                   <a:srgbClr val="0000FF"/>
                 </a:solidFill>
@@ -7017,7 +6956,7 @@
               <a:t>override </a:t>
             </a:r>
             <a:r>
-              <a:rPr lang="en-US" sz="1600" dirty="0" smtClean="0">
+              <a:rPr lang="en-US" sz="1600" dirty="0">
                 <a:solidFill>
                   <a:srgbClr val="000000"/>
                 </a:solidFill>
@@ -7274,7 +7213,7 @@
               <a:t>m_height</a:t>
             </a:r>
             <a:r>
-              <a:rPr lang="en-US" sz="1600" dirty="0" smtClean="0">
+              <a:rPr lang="en-US" sz="1600" dirty="0">
                 <a:solidFill>
                   <a:srgbClr val="000000"/>
                 </a:solidFill>
@@ -7297,7 +7236,7 @@
               </a:spcAft>
             </a:pPr>
             <a:r>
-              <a:rPr lang="en-US" sz="1600" dirty="0" smtClean="0">
+              <a:rPr lang="en-US" sz="1600" dirty="0">
                 <a:solidFill>
                   <a:srgbClr val="000000"/>
                 </a:solidFill>
@@ -7350,14 +7289,16 @@
           <a:p>
             <a:pPr algn="ctr"/>
             <a:r>
-              <a:rPr lang="ru-RU" dirty="0" smtClean="0"/>
+              <a:rPr lang="ru-RU" dirty="0"/>
               <a:t>Возвращаем свою копию при помощи конструктора копирования</a:t>
             </a:r>
-            <a:endParaRPr lang="ru-RU" dirty="0"/>
           </a:p>
         </p:txBody>
       </p:sp>
     </p:spTree>
+    <p:custDataLst>
+      <p:tags r:id="rId1"/>
+    </p:custDataLst>
     <p:extLst>
       <p:ext uri="{BB962C8B-B14F-4D97-AF65-F5344CB8AC3E}">
         <p14:creationId xmlns:p14="http://schemas.microsoft.com/office/powerpoint/2010/main" val="1676066087"/>
@@ -8334,14 +8275,6 @@
               </a:rPr>
               <a:t>) </a:t>
             </a:r>
-            <a:endParaRPr lang="en-US" sz="1600" dirty="0" smtClean="0">
-              <a:solidFill>
-                <a:srgbClr val="000000"/>
-              </a:solidFill>
-              <a:latin typeface="Consolas" panose="020B0609020204030204" pitchFamily="49" charset="0"/>
-              <a:ea typeface="Calibri" panose="020F0502020204030204" pitchFamily="34" charset="0"/>
-              <a:cs typeface="Consolas" panose="020B0609020204030204" pitchFamily="49" charset="0"/>
-            </a:endParaRPr>
           </a:p>
           <a:p>
             <a:pPr lvl="0"/>
@@ -8354,18 +8287,7 @@
                 <a:ea typeface="Calibri" panose="020F0502020204030204" pitchFamily="34" charset="0"/>
                 <a:cs typeface="Consolas" panose="020B0609020204030204" pitchFamily="49" charset="0"/>
               </a:rPr>
-              <a:t> </a:t>
-            </a:r>
-            <a:r>
-              <a:rPr lang="en-US" sz="1600" dirty="0" smtClean="0">
-                <a:solidFill>
-                  <a:srgbClr val="000000"/>
-                </a:solidFill>
-                <a:latin typeface="Consolas" panose="020B0609020204030204" pitchFamily="49" charset="0"/>
-                <a:ea typeface="Calibri" panose="020F0502020204030204" pitchFamily="34" charset="0"/>
-                <a:cs typeface="Consolas" panose="020B0609020204030204" pitchFamily="49" charset="0"/>
-              </a:rPr>
-              <a:t>  :</a:t>
+              <a:t>   :</a:t>
             </a:r>
             <a:r>
               <a:rPr lang="en-US" sz="1600" dirty="0" err="1">
@@ -8422,7 +8344,7 @@
           </a:p>
           <a:p>
             <a:pPr lvl="0"/>
-            <a:endParaRPr lang="en-US" sz="1600" dirty="0" smtClean="0">
+            <a:endParaRPr lang="en-US" sz="1600" dirty="0">
               <a:solidFill>
                 <a:srgbClr val="000000"/>
               </a:solidFill>
@@ -8434,7 +8356,7 @@
           <a:p>
             <a:pPr lvl="0"/>
             <a:r>
-              <a:rPr lang="en-US" sz="1600" dirty="0" smtClean="0">
+              <a:rPr lang="en-US" sz="1600" dirty="0">
                 <a:solidFill>
                   <a:srgbClr val="000000"/>
                 </a:solidFill>
@@ -8489,7 +8411,7 @@
               <a:t>()</a:t>
             </a:r>
             <a:r>
-              <a:rPr lang="en-US" sz="1600" dirty="0" err="1" smtClean="0">
+              <a:rPr lang="en-US" sz="1600" dirty="0" err="1">
                 <a:solidFill>
                   <a:srgbClr val="0000FF"/>
                 </a:solidFill>
@@ -8500,7 +8422,7 @@
               <a:t>const</a:t>
             </a:r>
             <a:r>
-              <a:rPr lang="en-US" sz="1600" dirty="0" smtClean="0">
+              <a:rPr lang="en-US" sz="1600" dirty="0">
                 <a:solidFill>
                   <a:srgbClr val="000000"/>
                 </a:solidFill>
@@ -8509,72 +8431,6 @@
                 <a:cs typeface="Consolas" panose="020B0609020204030204" pitchFamily="49" charset="0"/>
               </a:rPr>
               <a:t> {</a:t>
-            </a:r>
-            <a:endParaRPr lang="ru-RU" sz="1600" dirty="0" smtClean="0">
-              <a:solidFill>
-                <a:prstClr val="black"/>
-              </a:solidFill>
-              <a:latin typeface="Consolas" panose="020B0609020204030204" pitchFamily="49" charset="0"/>
-              <a:ea typeface="Calibri" panose="020F0502020204030204" pitchFamily="34" charset="0"/>
-              <a:cs typeface="Consolas" panose="020B0609020204030204" pitchFamily="49" charset="0"/>
-            </a:endParaRPr>
-          </a:p>
-          <a:p>
-            <a:pPr lvl="0"/>
-            <a:r>
-              <a:rPr lang="en-US" sz="1600" dirty="0" smtClean="0">
-                <a:solidFill>
-                  <a:srgbClr val="000000"/>
-                </a:solidFill>
-                <a:latin typeface="Consolas" panose="020B0609020204030204" pitchFamily="49" charset="0"/>
-                <a:ea typeface="Calibri" panose="020F0502020204030204" pitchFamily="34" charset="0"/>
-                <a:cs typeface="Consolas" panose="020B0609020204030204" pitchFamily="49" charset="0"/>
-              </a:rPr>
-              <a:t>    </a:t>
-            </a:r>
-            <a:r>
-              <a:rPr lang="en-US" sz="1600" dirty="0">
-                <a:solidFill>
-                  <a:srgbClr val="0000FF"/>
-                </a:solidFill>
-                <a:latin typeface="Consolas" panose="020B0609020204030204" pitchFamily="49" charset="0"/>
-                <a:ea typeface="Calibri" panose="020F0502020204030204" pitchFamily="34" charset="0"/>
-                <a:cs typeface="Consolas" panose="020B0609020204030204" pitchFamily="49" charset="0"/>
-              </a:rPr>
-              <a:t>return</a:t>
-            </a:r>
-            <a:r>
-              <a:rPr lang="en-US" sz="1600" dirty="0">
-                <a:solidFill>
-                  <a:srgbClr val="000000"/>
-                </a:solidFill>
-                <a:latin typeface="Consolas" panose="020B0609020204030204" pitchFamily="49" charset="0"/>
-                <a:ea typeface="Calibri" panose="020F0502020204030204" pitchFamily="34" charset="0"/>
-                <a:cs typeface="Consolas" panose="020B0609020204030204" pitchFamily="49" charset="0"/>
-              </a:rPr>
-              <a:t> </a:t>
-            </a:r>
-            <a:r>
-              <a:rPr lang="en-US" sz="1600" dirty="0" err="1">
-                <a:solidFill>
-                  <a:srgbClr val="000000"/>
-                </a:solidFill>
-                <a:latin typeface="Consolas" panose="020B0609020204030204" pitchFamily="49" charset="0"/>
-                <a:ea typeface="Calibri" panose="020F0502020204030204" pitchFamily="34" charset="0"/>
-                <a:cs typeface="Consolas" panose="020B0609020204030204" pitchFamily="49" charset="0"/>
-              </a:rPr>
-              <a:t>m_radius</a:t>
-            </a:r>
-            <a:r>
-              <a:rPr lang="en-US" sz="1600" dirty="0">
-                <a:solidFill>
-                  <a:srgbClr val="000000"/>
-                </a:solidFill>
-                <a:latin typeface="Consolas" panose="020B0609020204030204" pitchFamily="49" charset="0"/>
-                <a:ea typeface="Calibri" panose="020F0502020204030204" pitchFamily="34" charset="0"/>
-                <a:cs typeface="Consolas" panose="020B0609020204030204" pitchFamily="49" charset="0"/>
-              </a:rPr>
-              <a:t>;</a:t>
             </a:r>
             <a:endParaRPr lang="ru-RU" sz="1600" dirty="0">
               <a:solidFill>
@@ -8596,7 +8452,51 @@
                 <a:ea typeface="Calibri" panose="020F0502020204030204" pitchFamily="34" charset="0"/>
                 <a:cs typeface="Consolas" panose="020B0609020204030204" pitchFamily="49" charset="0"/>
               </a:rPr>
-              <a:t>  }</a:t>
+              <a:t>    </a:t>
+            </a:r>
+            <a:r>
+              <a:rPr lang="en-US" sz="1600" dirty="0">
+                <a:solidFill>
+                  <a:srgbClr val="0000FF"/>
+                </a:solidFill>
+                <a:latin typeface="Consolas" panose="020B0609020204030204" pitchFamily="49" charset="0"/>
+                <a:ea typeface="Calibri" panose="020F0502020204030204" pitchFamily="34" charset="0"/>
+                <a:cs typeface="Consolas" panose="020B0609020204030204" pitchFamily="49" charset="0"/>
+              </a:rPr>
+              <a:t>return</a:t>
+            </a:r>
+            <a:r>
+              <a:rPr lang="en-US" sz="1600" dirty="0">
+                <a:solidFill>
+                  <a:srgbClr val="000000"/>
+                </a:solidFill>
+                <a:latin typeface="Consolas" panose="020B0609020204030204" pitchFamily="49" charset="0"/>
+                <a:ea typeface="Calibri" panose="020F0502020204030204" pitchFamily="34" charset="0"/>
+                <a:cs typeface="Consolas" panose="020B0609020204030204" pitchFamily="49" charset="0"/>
+              </a:rPr>
+              <a:t> </a:t>
+            </a:r>
+            <a:r>
+              <a:rPr lang="en-US" sz="1600" dirty="0" err="1">
+                <a:solidFill>
+                  <a:srgbClr val="000000"/>
+                </a:solidFill>
+                <a:latin typeface="Consolas" panose="020B0609020204030204" pitchFamily="49" charset="0"/>
+                <a:ea typeface="Calibri" panose="020F0502020204030204" pitchFamily="34" charset="0"/>
+                <a:cs typeface="Consolas" panose="020B0609020204030204" pitchFamily="49" charset="0"/>
+              </a:rPr>
+              <a:t>m_radius</a:t>
+            </a:r>
+            <a:r>
+              <a:rPr lang="en-US" sz="1600" dirty="0">
+                <a:solidFill>
+                  <a:srgbClr val="000000"/>
+                </a:solidFill>
+                <a:latin typeface="Consolas" panose="020B0609020204030204" pitchFamily="49" charset="0"/>
+                <a:ea typeface="Calibri" panose="020F0502020204030204" pitchFamily="34" charset="0"/>
+                <a:cs typeface="Consolas" panose="020B0609020204030204" pitchFamily="49" charset="0"/>
+              </a:rPr>
+              <a:t>;</a:t>
             </a:r>
             <a:endParaRPr lang="ru-RU" sz="1600" dirty="0">
               <a:solidFill>
@@ -8618,7 +8518,7 @@
                 <a:ea typeface="Calibri" panose="020F0502020204030204" pitchFamily="34" charset="0"/>
                 <a:cs typeface="Consolas" panose="020B0609020204030204" pitchFamily="49" charset="0"/>
               </a:rPr>
-              <a:t> </a:t>
+              <a:t>  }</a:t>
             </a:r>
             <a:endParaRPr lang="ru-RU" sz="1600" dirty="0">
               <a:solidFill>
@@ -8640,6 +8540,28 @@
                 <a:ea typeface="Calibri" panose="020F0502020204030204" pitchFamily="34" charset="0"/>
                 <a:cs typeface="Consolas" panose="020B0609020204030204" pitchFamily="49" charset="0"/>
               </a:rPr>
+              <a:t> </a:t>
+            </a:r>
+            <a:endParaRPr lang="ru-RU" sz="1600" dirty="0">
+              <a:solidFill>
+                <a:prstClr val="black"/>
+              </a:solidFill>
+              <a:latin typeface="Consolas" panose="020B0609020204030204" pitchFamily="49" charset="0"/>
+              <a:ea typeface="Calibri" panose="020F0502020204030204" pitchFamily="34" charset="0"/>
+              <a:cs typeface="Consolas" panose="020B0609020204030204" pitchFamily="49" charset="0"/>
+            </a:endParaRPr>
+          </a:p>
+          <a:p>
+            <a:pPr lvl="0"/>
+            <a:r>
+              <a:rPr lang="en-US" sz="1600" dirty="0">
+                <a:solidFill>
+                  <a:srgbClr val="000000"/>
+                </a:solidFill>
+                <a:latin typeface="Consolas" panose="020B0609020204030204" pitchFamily="49" charset="0"/>
+                <a:ea typeface="Calibri" panose="020F0502020204030204" pitchFamily="34" charset="0"/>
+                <a:cs typeface="Consolas" panose="020B0609020204030204" pitchFamily="49" charset="0"/>
+              </a:rPr>
               <a:t>  </a:t>
             </a:r>
             <a:r>
@@ -8709,7 +8631,7 @@
               <a:t> </a:t>
             </a:r>
             <a:r>
-              <a:rPr lang="en-US" sz="1600" dirty="0" smtClean="0">
+              <a:rPr lang="en-US" sz="1600" dirty="0">
                 <a:solidFill>
                   <a:srgbClr val="0000FF"/>
                 </a:solidFill>
@@ -8728,18 +8650,7 @@
                 <a:ea typeface="Calibri" panose="020F0502020204030204" pitchFamily="34" charset="0"/>
                 <a:cs typeface="Consolas" panose="020B0609020204030204" pitchFamily="49" charset="0"/>
               </a:rPr>
-              <a:t> </a:t>
-            </a:r>
-            <a:r>
-              <a:rPr lang="en-US" sz="1600" dirty="0" smtClean="0">
-                <a:solidFill>
-                  <a:srgbClr val="000000"/>
-                </a:solidFill>
-                <a:latin typeface="Consolas" panose="020B0609020204030204" pitchFamily="49" charset="0"/>
-                <a:ea typeface="Calibri" panose="020F0502020204030204" pitchFamily="34" charset="0"/>
-                <a:cs typeface="Consolas" panose="020B0609020204030204" pitchFamily="49" charset="0"/>
-              </a:rPr>
-              <a:t>{</a:t>
+              <a:t> {</a:t>
             </a:r>
             <a:endParaRPr lang="ru-RU" sz="1600" dirty="0">
               <a:solidFill>
@@ -9062,14 +8973,16 @@
           <a:p>
             <a:pPr algn="ctr"/>
             <a:r>
-              <a:rPr lang="ru-RU" dirty="0" smtClean="0"/>
+              <a:rPr lang="ru-RU" dirty="0"/>
               <a:t>Создаём свою копию при помощи конструктора копирования</a:t>
             </a:r>
-            <a:endParaRPr lang="ru-RU" dirty="0"/>
           </a:p>
         </p:txBody>
       </p:sp>
     </p:spTree>
+    <p:custDataLst>
+      <p:tags r:id="rId1"/>
+    </p:custDataLst>
     <p:extLst>
       <p:ext uri="{BB962C8B-B14F-4D97-AF65-F5344CB8AC3E}">
         <p14:creationId xmlns:p14="http://schemas.microsoft.com/office/powerpoint/2010/main" val="943113166"/>
@@ -9718,7 +9631,7 @@
           <a:p>
             <a:pPr lvl="0"/>
             <a:r>
-              <a:rPr lang="en-US" sz="1600" dirty="0" smtClean="0">
+              <a:rPr lang="en-US" sz="1600" dirty="0">
                 <a:solidFill>
                   <a:srgbClr val="0000FF"/>
                 </a:solidFill>
@@ -9729,7 +9642,7 @@
               <a:t>using</a:t>
             </a:r>
             <a:r>
-              <a:rPr lang="en-US" sz="1600" dirty="0" smtClean="0">
+              <a:rPr lang="en-US" sz="1600" dirty="0">
                 <a:solidFill>
                   <a:srgbClr val="000000"/>
                 </a:solidFill>
@@ -9751,7 +9664,7 @@
               <a:t>Shapes </a:t>
             </a:r>
             <a:r>
-              <a:rPr lang="en-US" sz="1600" dirty="0" smtClean="0">
+              <a:rPr lang="en-US" sz="1600" dirty="0">
                 <a:solidFill>
                   <a:srgbClr val="000000"/>
                 </a:solidFill>
@@ -9762,7 +9675,7 @@
               <a:t>= </a:t>
             </a:r>
             <a:r>
-              <a:rPr lang="en-US" sz="1600" dirty="0" smtClean="0">
+              <a:rPr lang="en-US" sz="1600" dirty="0">
                 <a:solidFill>
                   <a:srgbClr val="2B91AF"/>
                 </a:solidFill>
@@ -9773,7 +9686,7 @@
               <a:t>vector</a:t>
             </a:r>
             <a:r>
-              <a:rPr lang="en-US" sz="1600" dirty="0" smtClean="0">
+              <a:rPr lang="en-US" sz="1600" dirty="0">
                 <a:solidFill>
                   <a:srgbClr val="000000"/>
                 </a:solidFill>
@@ -9784,7 +9697,7 @@
               <a:t>&lt;</a:t>
             </a:r>
             <a:r>
-              <a:rPr lang="en-US" sz="1600" dirty="0" err="1" smtClean="0">
+              <a:rPr lang="en-US" sz="1600" dirty="0" err="1">
                 <a:solidFill>
                   <a:srgbClr val="2B91AF"/>
                 </a:solidFill>
@@ -9795,7 +9708,7 @@
               <a:t>shared_ptr</a:t>
             </a:r>
             <a:r>
-              <a:rPr lang="en-US" sz="1600" dirty="0" smtClean="0">
+              <a:rPr lang="en-US" sz="1600" dirty="0">
                 <a:solidFill>
                   <a:srgbClr val="000000"/>
                 </a:solidFill>
@@ -9806,7 +9719,7 @@
               <a:t>&lt;</a:t>
             </a:r>
             <a:r>
-              <a:rPr lang="en-US" sz="1600" dirty="0" err="1" smtClean="0">
+              <a:rPr lang="en-US" sz="1600" dirty="0" err="1">
                 <a:solidFill>
                   <a:srgbClr val="2B91AF"/>
                 </a:solidFill>
@@ -9817,7 +9730,7 @@
               <a:t>CShape</a:t>
             </a:r>
             <a:r>
-              <a:rPr lang="en-US" sz="1600" dirty="0" smtClean="0">
+              <a:rPr lang="en-US" sz="1600" dirty="0">
                 <a:solidFill>
                   <a:srgbClr val="000000"/>
                 </a:solidFill>
@@ -10158,7 +10071,7 @@
               <a:t>group</a:t>
             </a:r>
             <a:r>
-              <a:rPr lang="en-US" sz="1600" dirty="0" smtClean="0">
+              <a:rPr lang="en-US" sz="1600" dirty="0">
                 <a:solidFill>
                   <a:srgbClr val="000000"/>
                 </a:solidFill>
@@ -10180,7 +10093,7 @@
               <a:t> </a:t>
             </a:r>
             <a:r>
-              <a:rPr lang="en-US" sz="1600" dirty="0" smtClean="0">
+              <a:rPr lang="en-US" sz="1600" dirty="0">
                 <a:solidFill>
                   <a:srgbClr val="000000"/>
                 </a:solidFill>
@@ -10235,7 +10148,7 @@
               <a:t> (</a:t>
             </a:r>
             <a:r>
-              <a:rPr lang="en-US" sz="1600" dirty="0" smtClean="0">
+              <a:rPr lang="en-US" sz="1600" dirty="0">
                 <a:solidFill>
                   <a:srgbClr val="0000FF"/>
                 </a:solidFill>
@@ -10246,26 +10159,15 @@
               <a:t>auto</a:t>
             </a:r>
             <a:r>
-              <a:rPr lang="en-US" sz="1600" dirty="0" smtClean="0">
-                <a:solidFill>
-                  <a:srgbClr val="000000"/>
-                </a:solidFill>
-                <a:latin typeface="Consolas" panose="020B0609020204030204" pitchFamily="49" charset="0"/>
-                <a:ea typeface="Calibri" panose="020F0502020204030204" pitchFamily="34" charset="0"/>
-                <a:cs typeface="Consolas" panose="020B0609020204030204" pitchFamily="49" charset="0"/>
-              </a:rPr>
-              <a:t> &amp;&amp; </a:t>
-            </a:r>
-            <a:r>
-              <a:rPr lang="en-US" sz="1600" dirty="0">
-                <a:solidFill>
-                  <a:srgbClr val="000000"/>
-                </a:solidFill>
-                <a:latin typeface="Consolas" panose="020B0609020204030204" pitchFamily="49" charset="0"/>
-                <a:ea typeface="Calibri" panose="020F0502020204030204" pitchFamily="34" charset="0"/>
-                <a:cs typeface="Consolas" panose="020B0609020204030204" pitchFamily="49" charset="0"/>
-              </a:rPr>
-              <a:t>shape : </a:t>
+              <a:rPr lang="en-US" sz="1600" dirty="0">
+                <a:solidFill>
+                  <a:srgbClr val="000000"/>
+                </a:solidFill>
+                <a:latin typeface="Consolas" panose="020B0609020204030204" pitchFamily="49" charset="0"/>
+                <a:ea typeface="Calibri" panose="020F0502020204030204" pitchFamily="34" charset="0"/>
+                <a:cs typeface="Consolas" panose="020B0609020204030204" pitchFamily="49" charset="0"/>
+              </a:rPr>
+              <a:t> &amp;&amp; shape : </a:t>
             </a:r>
             <a:r>
               <a:rPr lang="en-US" sz="1600" dirty="0" err="1">
@@ -10290,7 +10192,7 @@
               <a:t>.m_shapes</a:t>
             </a:r>
             <a:r>
-              <a:rPr lang="en-US" sz="1600" dirty="0" smtClean="0">
+              <a:rPr lang="en-US" sz="1600" dirty="0">
                 <a:solidFill>
                   <a:srgbClr val="000000"/>
                 </a:solidFill>
@@ -10312,7 +10214,7 @@
               <a:t> </a:t>
             </a:r>
             <a:r>
-              <a:rPr lang="en-US" sz="1600" dirty="0" smtClean="0">
+              <a:rPr lang="en-US" sz="1600" dirty="0">
                 <a:solidFill>
                   <a:srgbClr val="000000"/>
                 </a:solidFill>
@@ -10430,18 +10332,7 @@
                 <a:ea typeface="Calibri" panose="020F0502020204030204" pitchFamily="34" charset="0"/>
                 <a:cs typeface="Consolas" panose="020B0609020204030204" pitchFamily="49" charset="0"/>
               </a:rPr>
-              <a:t>  </a:t>
-            </a:r>
-            <a:r>
-              <a:rPr lang="en-US" sz="1600" dirty="0" smtClean="0">
-                <a:solidFill>
-                  <a:srgbClr val="000000"/>
-                </a:solidFill>
-                <a:latin typeface="Consolas" panose="020B0609020204030204" pitchFamily="49" charset="0"/>
-                <a:ea typeface="Calibri" panose="020F0502020204030204" pitchFamily="34" charset="0"/>
-                <a:cs typeface="Consolas" panose="020B0609020204030204" pitchFamily="49" charset="0"/>
-              </a:rPr>
-              <a:t>}</a:t>
+              <a:t>  }</a:t>
             </a:r>
           </a:p>
           <a:p>
@@ -10568,7 +10459,7 @@
               <a:t>shape</a:t>
             </a:r>
             <a:r>
-              <a:rPr lang="en-US" sz="1600" dirty="0" smtClean="0">
+              <a:rPr lang="en-US" sz="1600" dirty="0">
                 <a:solidFill>
                   <a:srgbClr val="000000"/>
                 </a:solidFill>
@@ -10664,18 +10555,7 @@
                 <a:ea typeface="Calibri" panose="020F0502020204030204" pitchFamily="34" charset="0"/>
                 <a:cs typeface="Consolas" panose="020B0609020204030204" pitchFamily="49" charset="0"/>
               </a:rPr>
-              <a:t>  </a:t>
-            </a:r>
-            <a:r>
-              <a:rPr lang="en-US" sz="1600" dirty="0" smtClean="0">
-                <a:solidFill>
-                  <a:srgbClr val="000000"/>
-                </a:solidFill>
-                <a:latin typeface="Consolas" panose="020B0609020204030204" pitchFamily="49" charset="0"/>
-                <a:ea typeface="Calibri" panose="020F0502020204030204" pitchFamily="34" charset="0"/>
-                <a:cs typeface="Consolas" panose="020B0609020204030204" pitchFamily="49" charset="0"/>
-              </a:rPr>
-              <a:t>}</a:t>
+              <a:t>  }</a:t>
             </a:r>
           </a:p>
           <a:p>
@@ -10703,7 +10583,7 @@
               <a:t>  </a:t>
             </a:r>
             <a:r>
-              <a:rPr lang="en-US" sz="1600" dirty="0" err="1" smtClean="0">
+              <a:rPr lang="en-US" sz="1600" dirty="0" err="1">
                 <a:solidFill>
                   <a:srgbClr val="2B91AF"/>
                 </a:solidFill>
@@ -10714,7 +10594,7 @@
               <a:t>size_t</a:t>
             </a:r>
             <a:r>
-              <a:rPr lang="en-US" sz="1600" dirty="0" smtClean="0">
+              <a:rPr lang="en-US" sz="1600" dirty="0">
                 <a:solidFill>
                   <a:srgbClr val="000000"/>
                 </a:solidFill>
@@ -10747,7 +10627,7 @@
               <a:t>()</a:t>
             </a:r>
             <a:r>
-              <a:rPr lang="en-US" sz="1600" dirty="0" err="1" smtClean="0">
+              <a:rPr lang="en-US" sz="1600" dirty="0" err="1">
                 <a:solidFill>
                   <a:srgbClr val="0000FF"/>
                 </a:solidFill>
@@ -10758,7 +10638,7 @@
               <a:t>const</a:t>
             </a:r>
             <a:r>
-              <a:rPr lang="en-US" sz="1600" dirty="0" smtClean="0">
+              <a:rPr lang="en-US" sz="1600" dirty="0">
                 <a:solidFill>
                   <a:srgbClr val="000000"/>
                 </a:solidFill>
@@ -10802,7 +10682,7 @@
               <a:t>m_shapes.size</a:t>
             </a:r>
             <a:r>
-              <a:rPr lang="en-US" sz="1600" dirty="0" smtClean="0">
+              <a:rPr lang="en-US" sz="1600" dirty="0">
                 <a:solidFill>
                   <a:srgbClr val="000000"/>
                 </a:solidFill>
@@ -10926,7 +10806,7 @@
               <a:t> </a:t>
             </a:r>
             <a:r>
-              <a:rPr lang="en-US" sz="1600" dirty="0" smtClean="0">
+              <a:rPr lang="en-US" sz="1600" dirty="0">
                 <a:solidFill>
                   <a:srgbClr val="808080"/>
                 </a:solidFill>
@@ -10937,7 +10817,7 @@
               <a:t>index</a:t>
             </a:r>
             <a:r>
-              <a:rPr lang="en-US" sz="1600" dirty="0" smtClean="0">
+              <a:rPr lang="en-US" sz="1600" dirty="0">
                 <a:solidFill>
                   <a:srgbClr val="000000"/>
                 </a:solidFill>
@@ -10948,7 +10828,7 @@
               <a:t>)</a:t>
             </a:r>
             <a:r>
-              <a:rPr lang="en-US" sz="1600" dirty="0" err="1" smtClean="0">
+              <a:rPr lang="en-US" sz="1600" dirty="0" err="1">
                 <a:solidFill>
                   <a:srgbClr val="0000FF"/>
                 </a:solidFill>
@@ -10959,26 +10839,15 @@
               <a:t>const</a:t>
             </a:r>
             <a:r>
-              <a:rPr lang="en-US" sz="1600" dirty="0" smtClean="0">
-                <a:solidFill>
-                  <a:srgbClr val="000000"/>
-                </a:solidFill>
-                <a:latin typeface="Consolas" panose="020B0609020204030204" pitchFamily="49" charset="0"/>
-                <a:ea typeface="Calibri" panose="020F0502020204030204" pitchFamily="34" charset="0"/>
-                <a:cs typeface="Consolas" panose="020B0609020204030204" pitchFamily="49" charset="0"/>
-              </a:rPr>
-              <a:t> </a:t>
-            </a:r>
-            <a:r>
-              <a:rPr lang="en-US" sz="1600" dirty="0">
-                <a:solidFill>
-                  <a:srgbClr val="000000"/>
-                </a:solidFill>
-                <a:latin typeface="Consolas" panose="020B0609020204030204" pitchFamily="49" charset="0"/>
-                <a:ea typeface="Calibri" panose="020F0502020204030204" pitchFamily="34" charset="0"/>
-                <a:cs typeface="Consolas" panose="020B0609020204030204" pitchFamily="49" charset="0"/>
-              </a:rPr>
-              <a:t>{</a:t>
+              <a:rPr lang="en-US" sz="1600" dirty="0">
+                <a:solidFill>
+                  <a:srgbClr val="000000"/>
+                </a:solidFill>
+                <a:latin typeface="Consolas" panose="020B0609020204030204" pitchFamily="49" charset="0"/>
+                <a:ea typeface="Calibri" panose="020F0502020204030204" pitchFamily="34" charset="0"/>
+                <a:cs typeface="Consolas" panose="020B0609020204030204" pitchFamily="49" charset="0"/>
+              </a:rPr>
+              <a:t> {</a:t>
             </a:r>
             <a:endParaRPr lang="ru-RU" sz="1600" dirty="0">
               <a:solidFill>
@@ -11066,18 +10935,7 @@
                 <a:ea typeface="Calibri" panose="020F0502020204030204" pitchFamily="34" charset="0"/>
                 <a:cs typeface="Consolas" panose="020B0609020204030204" pitchFamily="49" charset="0"/>
               </a:rPr>
-              <a:t>  </a:t>
-            </a:r>
-            <a:r>
-              <a:rPr lang="en-US" sz="1600" dirty="0" smtClean="0">
-                <a:solidFill>
-                  <a:srgbClr val="000000"/>
-                </a:solidFill>
-                <a:latin typeface="Consolas" panose="020B0609020204030204" pitchFamily="49" charset="0"/>
-                <a:ea typeface="Calibri" panose="020F0502020204030204" pitchFamily="34" charset="0"/>
-                <a:cs typeface="Consolas" panose="020B0609020204030204" pitchFamily="49" charset="0"/>
-              </a:rPr>
-              <a:t>}</a:t>
+              <a:t>  }</a:t>
             </a:r>
           </a:p>
           <a:p>
@@ -11171,7 +11029,7 @@
               <a:t> </a:t>
             </a:r>
             <a:r>
-              <a:rPr lang="en-US" sz="1600" dirty="0" smtClean="0">
+              <a:rPr lang="en-US" sz="1600" dirty="0">
                 <a:solidFill>
                   <a:srgbClr val="0000FF"/>
                 </a:solidFill>
@@ -11182,26 +11040,15 @@
               <a:t>override</a:t>
             </a:r>
             <a:r>
-              <a:rPr lang="en-US" sz="1600" dirty="0" smtClean="0">
-                <a:solidFill>
-                  <a:srgbClr val="000000"/>
-                </a:solidFill>
-                <a:latin typeface="Consolas" panose="020B0609020204030204" pitchFamily="49" charset="0"/>
-                <a:ea typeface="Calibri" panose="020F0502020204030204" pitchFamily="34" charset="0"/>
-                <a:cs typeface="Consolas" panose="020B0609020204030204" pitchFamily="49" charset="0"/>
-              </a:rPr>
-              <a:t> </a:t>
-            </a:r>
-            <a:r>
-              <a:rPr lang="en-US" sz="1600" dirty="0">
-                <a:solidFill>
-                  <a:srgbClr val="000000"/>
-                </a:solidFill>
-                <a:latin typeface="Consolas" panose="020B0609020204030204" pitchFamily="49" charset="0"/>
-                <a:ea typeface="Calibri" panose="020F0502020204030204" pitchFamily="34" charset="0"/>
-                <a:cs typeface="Consolas" panose="020B0609020204030204" pitchFamily="49" charset="0"/>
-              </a:rPr>
-              <a:t>{</a:t>
+              <a:rPr lang="en-US" sz="1600" dirty="0">
+                <a:solidFill>
+                  <a:srgbClr val="000000"/>
+                </a:solidFill>
+                <a:latin typeface="Consolas" panose="020B0609020204030204" pitchFamily="49" charset="0"/>
+                <a:ea typeface="Calibri" panose="020F0502020204030204" pitchFamily="34" charset="0"/>
+                <a:cs typeface="Consolas" panose="020B0609020204030204" pitchFamily="49" charset="0"/>
+              </a:rPr>
+              <a:t> {</a:t>
             </a:r>
             <a:endParaRPr lang="ru-RU" sz="1600" dirty="0">
               <a:solidFill>
@@ -11446,26 +11293,15 @@
           <a:p>
             <a:pPr lvl="0"/>
             <a:r>
-              <a:rPr lang="en-US" sz="1600" dirty="0" smtClean="0">
-                <a:solidFill>
-                  <a:srgbClr val="000000"/>
-                </a:solidFill>
-                <a:latin typeface="Consolas" panose="020B0609020204030204" pitchFamily="49" charset="0"/>
-                <a:ea typeface="Calibri" panose="020F0502020204030204" pitchFamily="34" charset="0"/>
-                <a:cs typeface="Consolas" panose="020B0609020204030204" pitchFamily="49" charset="0"/>
-              </a:rPr>
-              <a:t>};</a:t>
-            </a:r>
-            <a:r>
-              <a:rPr lang="en-US" sz="1600" dirty="0">
-                <a:solidFill>
-                  <a:srgbClr val="000000"/>
-                </a:solidFill>
-                <a:latin typeface="Consolas" panose="020B0609020204030204" pitchFamily="49" charset="0"/>
-                <a:ea typeface="Calibri" panose="020F0502020204030204" pitchFamily="34" charset="0"/>
-                <a:cs typeface="Consolas" panose="020B0609020204030204" pitchFamily="49" charset="0"/>
-              </a:rPr>
-              <a:t> </a:t>
+              <a:rPr lang="en-US" sz="1600" dirty="0">
+                <a:solidFill>
+                  <a:srgbClr val="000000"/>
+                </a:solidFill>
+                <a:latin typeface="Consolas" panose="020B0609020204030204" pitchFamily="49" charset="0"/>
+                <a:ea typeface="Calibri" panose="020F0502020204030204" pitchFamily="34" charset="0"/>
+                <a:cs typeface="Consolas" panose="020B0609020204030204" pitchFamily="49" charset="0"/>
+              </a:rPr>
+              <a:t>}; </a:t>
             </a:r>
             <a:endParaRPr lang="ru-RU" sz="1600" dirty="0">
               <a:solidFill>
@@ -11513,10 +11349,9 @@
           <a:p>
             <a:pPr algn="ctr"/>
             <a:r>
-              <a:rPr lang="ru-RU" dirty="0" smtClean="0"/>
+              <a:rPr lang="ru-RU" dirty="0"/>
               <a:t>Копия группы содержит копию всех фигур, находящихся внутри группы</a:t>
             </a:r>
-            <a:endParaRPr lang="ru-RU" dirty="0"/>
           </a:p>
         </p:txBody>
       </p:sp>
@@ -11555,14 +11390,16 @@
           <a:p>
             <a:pPr algn="ctr"/>
             <a:r>
-              <a:rPr lang="ru-RU" dirty="0" smtClean="0"/>
+              <a:rPr lang="ru-RU" dirty="0"/>
               <a:t>Создаём копию при помощи конструктора копирования</a:t>
             </a:r>
-            <a:endParaRPr lang="ru-RU" dirty="0"/>
           </a:p>
         </p:txBody>
       </p:sp>
     </p:spTree>
+    <p:custDataLst>
+      <p:tags r:id="rId1"/>
+    </p:custDataLst>
     <p:extLst>
       <p:ext uri="{BB962C8B-B14F-4D97-AF65-F5344CB8AC3E}">
         <p14:creationId xmlns:p14="http://schemas.microsoft.com/office/powerpoint/2010/main" val="3887548802"/>
@@ -12880,7 +12717,7 @@
               <a:t>prototype</a:t>
             </a:r>
             <a:r>
-              <a:rPr lang="en-US" sz="1600" dirty="0" smtClean="0">
+              <a:rPr lang="en-US" sz="1600" dirty="0">
                 <a:solidFill>
                   <a:srgbClr val="000000"/>
                 </a:solidFill>
@@ -12902,7 +12739,7 @@
               <a:t> </a:t>
             </a:r>
             <a:r>
-              <a:rPr lang="en-US" sz="1600" dirty="0" smtClean="0">
+              <a:rPr lang="en-US" sz="1600" dirty="0">
                 <a:solidFill>
                   <a:srgbClr val="000000"/>
                 </a:solidFill>
@@ -13031,20 +12868,9 @@
                 <a:ea typeface="Calibri" panose="020F0502020204030204" pitchFamily="34" charset="0"/>
                 <a:cs typeface="Consolas" panose="020B0609020204030204" pitchFamily="49" charset="0"/>
               </a:rPr>
-              <a:t>  </a:t>
-            </a:r>
-            <a:r>
-              <a:rPr lang="en-US" sz="1600" dirty="0" smtClean="0">
-                <a:solidFill>
-                  <a:srgbClr val="000000"/>
-                </a:solidFill>
-                <a:latin typeface="Consolas" panose="020B0609020204030204" pitchFamily="49" charset="0"/>
-                <a:ea typeface="Calibri" panose="020F0502020204030204" pitchFamily="34" charset="0"/>
-                <a:cs typeface="Consolas" panose="020B0609020204030204" pitchFamily="49" charset="0"/>
-              </a:rPr>
-              <a:t>}</a:t>
-            </a:r>
-            <a:endParaRPr lang="ru-RU" sz="1600" dirty="0" smtClean="0">
+              <a:t>  }</a:t>
+            </a:r>
+            <a:endParaRPr lang="ru-RU" sz="1600" dirty="0">
               <a:solidFill>
                 <a:srgbClr val="000000"/>
               </a:solidFill>
@@ -13199,7 +13025,7 @@
               <a:t>id</a:t>
             </a:r>
             <a:r>
-              <a:rPr lang="en-US" sz="1600" dirty="0" smtClean="0">
+              <a:rPr lang="en-US" sz="1600" dirty="0">
                 <a:solidFill>
                   <a:srgbClr val="000000"/>
                 </a:solidFill>
@@ -13221,7 +13047,7 @@
               <a:t> </a:t>
             </a:r>
             <a:r>
-              <a:rPr lang="en-US" sz="1600" dirty="0" smtClean="0">
+              <a:rPr lang="en-US" sz="1600" dirty="0">
                 <a:solidFill>
                   <a:srgbClr val="000000"/>
                 </a:solidFill>
@@ -13836,7 +13662,7 @@
           </a:p>
           <a:p>
             <a:pPr lvl="0"/>
-            <a:endParaRPr lang="ru-RU" sz="1600" dirty="0" smtClean="0">
+            <a:endParaRPr lang="ru-RU" sz="1600" dirty="0">
               <a:solidFill>
                 <a:srgbClr val="000000"/>
               </a:solidFill>
@@ -13848,7 +13674,7 @@
           <a:p>
             <a:pPr lvl="0"/>
             <a:r>
-              <a:rPr lang="en-US" sz="1600" dirty="0" smtClean="0">
+              <a:rPr lang="en-US" sz="1600" dirty="0">
                 <a:solidFill>
                   <a:srgbClr val="000000"/>
                 </a:solidFill>
@@ -14332,6 +14158,9 @@
         </p:txBody>
       </p:sp>
     </p:spTree>
+    <p:custDataLst>
+      <p:tags r:id="rId1"/>
+    </p:custDataLst>
     <p:extLst>
       <p:ext uri="{BB962C8B-B14F-4D97-AF65-F5344CB8AC3E}">
         <p14:creationId xmlns:p14="http://schemas.microsoft.com/office/powerpoint/2010/main" val="307717099"/>
@@ -15129,21 +14958,54 @@
                 <a:ea typeface="Calibri" panose="020F0502020204030204" pitchFamily="34" charset="0"/>
                 <a:cs typeface="Consolas" panose="020B0609020204030204" pitchFamily="49" charset="0"/>
               </a:rPr>
+              <a:t> &lt;</a:t>
+            </a:r>
+            <a:r>
+              <a:rPr lang="en-US" sz="1600" dirty="0" err="1">
+                <a:solidFill>
+                  <a:srgbClr val="0000FF"/>
+                </a:solidFill>
+                <a:latin typeface="Consolas" panose="020B0609020204030204" pitchFamily="49" charset="0"/>
+                <a:ea typeface="Calibri" panose="020F0502020204030204" pitchFamily="34" charset="0"/>
+                <a:cs typeface="Consolas" panose="020B0609020204030204" pitchFamily="49" charset="0"/>
+              </a:rPr>
+              <a:t>typename</a:t>
+            </a:r>
+            <a:r>
+              <a:rPr lang="en-US" sz="1600" dirty="0">
+                <a:solidFill>
+                  <a:srgbClr val="000000"/>
+                </a:solidFill>
+                <a:latin typeface="Consolas" panose="020B0609020204030204" pitchFamily="49" charset="0"/>
+                <a:ea typeface="Calibri" panose="020F0502020204030204" pitchFamily="34" charset="0"/>
+                <a:cs typeface="Consolas" panose="020B0609020204030204" pitchFamily="49" charset="0"/>
+              </a:rPr>
               <a:t> </a:t>
             </a:r>
             <a:r>
-              <a:rPr lang="en-US" sz="1600" dirty="0" smtClean="0">
-                <a:solidFill>
-                  <a:srgbClr val="000000"/>
-                </a:solidFill>
-                <a:latin typeface="Consolas" panose="020B0609020204030204" pitchFamily="49" charset="0"/>
-                <a:ea typeface="Calibri" panose="020F0502020204030204" pitchFamily="34" charset="0"/>
-                <a:cs typeface="Consolas" panose="020B0609020204030204" pitchFamily="49" charset="0"/>
-              </a:rPr>
-              <a:t>&lt;</a:t>
-            </a:r>
-            <a:r>
-              <a:rPr lang="en-US" sz="1600" dirty="0" err="1" smtClean="0">
+              <a:rPr lang="en-US" sz="1600" dirty="0" err="1">
+                <a:solidFill>
+                  <a:srgbClr val="2B91AF"/>
+                </a:solidFill>
+                <a:latin typeface="Consolas" panose="020B0609020204030204" pitchFamily="49" charset="0"/>
+                <a:ea typeface="Calibri" panose="020F0502020204030204" pitchFamily="34" charset="0"/>
+                <a:cs typeface="Consolas" panose="020B0609020204030204" pitchFamily="49" charset="0"/>
+              </a:rPr>
+              <a:t>CloneType</a:t>
+            </a:r>
+            <a:r>
+              <a:rPr lang="en-US" sz="1600" dirty="0">
+                <a:solidFill>
+                  <a:srgbClr val="2B91AF"/>
+                </a:solidFill>
+                <a:latin typeface="Consolas" panose="020B0609020204030204" pitchFamily="49" charset="0"/>
+                <a:ea typeface="Calibri" panose="020F0502020204030204" pitchFamily="34" charset="0"/>
+                <a:cs typeface="Consolas" panose="020B0609020204030204" pitchFamily="49" charset="0"/>
+              </a:rPr>
+              <a:t>, </a:t>
+            </a:r>
+            <a:r>
+              <a:rPr lang="en-US" sz="1600" dirty="0" err="1">
                 <a:solidFill>
                   <a:srgbClr val="0000FF"/>
                 </a:solidFill>
@@ -15154,7 +15016,7 @@
               <a:t>typename</a:t>
             </a:r>
             <a:r>
-              <a:rPr lang="en-US" sz="1600" dirty="0" smtClean="0">
+              <a:rPr lang="en-US" sz="1600" dirty="0">
                 <a:solidFill>
                   <a:srgbClr val="000000"/>
                 </a:solidFill>
@@ -15165,7 +15027,7 @@
               <a:t> </a:t>
             </a:r>
             <a:r>
-              <a:rPr lang="en-US" sz="1600" dirty="0" err="1" smtClean="0">
+              <a:rPr lang="en-US" sz="1600" dirty="0" err="1">
                 <a:solidFill>
                   <a:srgbClr val="2B91AF"/>
                 </a:solidFill>
@@ -15173,10 +15035,43 @@
                 <a:ea typeface="Calibri" panose="020F0502020204030204" pitchFamily="34" charset="0"/>
                 <a:cs typeface="Consolas" panose="020B0609020204030204" pitchFamily="49" charset="0"/>
               </a:rPr>
-              <a:t>CloneType</a:t>
-            </a:r>
-            <a:r>
-              <a:rPr lang="en-US" sz="1600" dirty="0" smtClean="0">
+              <a:t>BaseClass</a:t>
+            </a:r>
+            <a:r>
+              <a:rPr lang="en-US" sz="1600" dirty="0">
+                <a:solidFill>
+                  <a:srgbClr val="000000"/>
+                </a:solidFill>
+                <a:latin typeface="Consolas" panose="020B0609020204030204" pitchFamily="49" charset="0"/>
+                <a:ea typeface="Calibri" panose="020F0502020204030204" pitchFamily="34" charset="0"/>
+                <a:cs typeface="Consolas" panose="020B0609020204030204" pitchFamily="49" charset="0"/>
+              </a:rPr>
+              <a:t>, </a:t>
+            </a:r>
+            <a:r>
+              <a:rPr lang="en-US" sz="1600" dirty="0" err="1">
+                <a:solidFill>
+                  <a:srgbClr val="0000FF"/>
+                </a:solidFill>
+                <a:latin typeface="Consolas" panose="020B0609020204030204" pitchFamily="49" charset="0"/>
+                <a:ea typeface="Calibri" panose="020F0502020204030204" pitchFamily="34" charset="0"/>
+                <a:cs typeface="Consolas" panose="020B0609020204030204" pitchFamily="49" charset="0"/>
+              </a:rPr>
+              <a:t>typename</a:t>
+            </a:r>
+            <a:r>
+              <a:rPr lang="en-US" sz="1600" dirty="0">
+                <a:solidFill>
+                  <a:srgbClr val="000000"/>
+                </a:solidFill>
+                <a:latin typeface="Consolas" panose="020B0609020204030204" pitchFamily="49" charset="0"/>
+                <a:ea typeface="Calibri" panose="020F0502020204030204" pitchFamily="34" charset="0"/>
+                <a:cs typeface="Consolas" panose="020B0609020204030204" pitchFamily="49" charset="0"/>
+              </a:rPr>
+              <a:t> </a:t>
+            </a:r>
+            <a:r>
+              <a:rPr lang="en-US" sz="1600" dirty="0" err="1">
                 <a:solidFill>
                   <a:srgbClr val="2B91AF"/>
                 </a:solidFill>
@@ -15184,87 +15079,10 @@
                 <a:ea typeface="Calibri" panose="020F0502020204030204" pitchFamily="34" charset="0"/>
                 <a:cs typeface="Consolas" panose="020B0609020204030204" pitchFamily="49" charset="0"/>
               </a:rPr>
-              <a:t>, </a:t>
-            </a:r>
-            <a:r>
-              <a:rPr lang="en-US" sz="1600" dirty="0" err="1" smtClean="0">
-                <a:solidFill>
-                  <a:srgbClr val="0000FF"/>
-                </a:solidFill>
-                <a:latin typeface="Consolas" panose="020B0609020204030204" pitchFamily="49" charset="0"/>
-                <a:ea typeface="Calibri" panose="020F0502020204030204" pitchFamily="34" charset="0"/>
-                <a:cs typeface="Consolas" panose="020B0609020204030204" pitchFamily="49" charset="0"/>
-              </a:rPr>
-              <a:t>typename</a:t>
-            </a:r>
-            <a:r>
-              <a:rPr lang="en-US" sz="1600" dirty="0" smtClean="0">
-                <a:solidFill>
-                  <a:srgbClr val="000000"/>
-                </a:solidFill>
-                <a:latin typeface="Consolas" panose="020B0609020204030204" pitchFamily="49" charset="0"/>
-                <a:ea typeface="Calibri" panose="020F0502020204030204" pitchFamily="34" charset="0"/>
-                <a:cs typeface="Consolas" panose="020B0609020204030204" pitchFamily="49" charset="0"/>
-              </a:rPr>
-              <a:t> </a:t>
-            </a:r>
-            <a:r>
-              <a:rPr lang="en-US" sz="1600" dirty="0" err="1" smtClean="0">
-                <a:solidFill>
-                  <a:srgbClr val="2B91AF"/>
-                </a:solidFill>
-                <a:latin typeface="Consolas" panose="020B0609020204030204" pitchFamily="49" charset="0"/>
-                <a:ea typeface="Calibri" panose="020F0502020204030204" pitchFamily="34" charset="0"/>
-                <a:cs typeface="Consolas" panose="020B0609020204030204" pitchFamily="49" charset="0"/>
-              </a:rPr>
-              <a:t>BaseClass</a:t>
-            </a:r>
-            <a:r>
-              <a:rPr lang="en-US" sz="1600" dirty="0" smtClean="0">
-                <a:solidFill>
-                  <a:srgbClr val="000000"/>
-                </a:solidFill>
-                <a:latin typeface="Consolas" panose="020B0609020204030204" pitchFamily="49" charset="0"/>
-                <a:ea typeface="Calibri" panose="020F0502020204030204" pitchFamily="34" charset="0"/>
-                <a:cs typeface="Consolas" panose="020B0609020204030204" pitchFamily="49" charset="0"/>
-              </a:rPr>
-              <a:t>, </a:t>
-            </a:r>
-            <a:r>
-              <a:rPr lang="en-US" sz="1600" dirty="0" err="1">
-                <a:solidFill>
-                  <a:srgbClr val="0000FF"/>
-                </a:solidFill>
-                <a:latin typeface="Consolas" panose="020B0609020204030204" pitchFamily="49" charset="0"/>
-                <a:ea typeface="Calibri" panose="020F0502020204030204" pitchFamily="34" charset="0"/>
-                <a:cs typeface="Consolas" panose="020B0609020204030204" pitchFamily="49" charset="0"/>
-              </a:rPr>
-              <a:t>typename</a:t>
-            </a:r>
-            <a:r>
-              <a:rPr lang="en-US" sz="1600" dirty="0">
-                <a:solidFill>
-                  <a:srgbClr val="000000"/>
-                </a:solidFill>
-                <a:latin typeface="Consolas" panose="020B0609020204030204" pitchFamily="49" charset="0"/>
-                <a:ea typeface="Calibri" panose="020F0502020204030204" pitchFamily="34" charset="0"/>
-                <a:cs typeface="Consolas" panose="020B0609020204030204" pitchFamily="49" charset="0"/>
-              </a:rPr>
-              <a:t> </a:t>
-            </a:r>
-            <a:r>
-              <a:rPr lang="en-US" sz="1600" dirty="0" err="1" smtClean="0">
-                <a:solidFill>
-                  <a:srgbClr val="2B91AF"/>
-                </a:solidFill>
-                <a:latin typeface="Consolas" panose="020B0609020204030204" pitchFamily="49" charset="0"/>
-                <a:ea typeface="Calibri" panose="020F0502020204030204" pitchFamily="34" charset="0"/>
-                <a:cs typeface="Consolas" panose="020B0609020204030204" pitchFamily="49" charset="0"/>
-              </a:rPr>
               <a:t>CloneInterface</a:t>
             </a:r>
             <a:r>
-              <a:rPr lang="en-US" sz="1600" dirty="0" smtClean="0">
+              <a:rPr lang="en-US" sz="1600" dirty="0">
                 <a:solidFill>
                   <a:srgbClr val="000000"/>
                 </a:solidFill>
@@ -15353,7 +15171,7 @@
               <a:t> </a:t>
             </a:r>
             <a:r>
-              <a:rPr lang="en-US" sz="1600" dirty="0" err="1" smtClean="0">
+              <a:rPr lang="en-US" sz="1600" dirty="0" err="1">
                 <a:solidFill>
                   <a:srgbClr val="2B91AF"/>
                 </a:solidFill>
@@ -15510,7 +15328,7 @@
               <a:t> </a:t>
             </a:r>
             <a:r>
-              <a:rPr lang="en-US" sz="1600" dirty="0" smtClean="0">
+              <a:rPr lang="en-US" sz="1600" dirty="0">
                 <a:solidFill>
                   <a:srgbClr val="0000FF"/>
                 </a:solidFill>
@@ -15529,7 +15347,7 @@
               <a:t> </a:t>
             </a:r>
             <a:r>
-              <a:rPr lang="en-US" sz="1600" dirty="0" smtClean="0">
+              <a:rPr lang="en-US" sz="1600" dirty="0">
                 <a:solidFill>
                   <a:srgbClr val="000000"/>
                 </a:solidFill>
@@ -15585,7 +15403,7 @@
               <a:t> </a:t>
             </a:r>
             <a:r>
-              <a:rPr lang="en-US" sz="1600" dirty="0" err="1" smtClean="0">
+              <a:rPr lang="en-US" sz="1600" dirty="0" err="1">
                 <a:solidFill>
                   <a:srgbClr val="000000"/>
                 </a:solidFill>
@@ -15596,7 +15414,7 @@
               <a:t>make_unique</a:t>
             </a:r>
             <a:r>
-              <a:rPr lang="en-US" sz="1600" dirty="0" smtClean="0">
+              <a:rPr lang="en-US" sz="1600" dirty="0">
                 <a:solidFill>
                   <a:srgbClr val="000000"/>
                 </a:solidFill>
@@ -15607,7 +15425,7 @@
               <a:t>&lt;</a:t>
             </a:r>
             <a:r>
-              <a:rPr lang="en-US" sz="1600" dirty="0" err="1" smtClean="0">
+              <a:rPr lang="en-US" sz="1600" dirty="0" err="1">
                 <a:solidFill>
                   <a:srgbClr val="2B91AF"/>
                 </a:solidFill>
@@ -15618,7 +15436,7 @@
               <a:t>CloneType</a:t>
             </a:r>
             <a:r>
-              <a:rPr lang="en-US" sz="1600" dirty="0" smtClean="0">
+              <a:rPr lang="en-US" sz="1600" dirty="0">
                 <a:solidFill>
                   <a:srgbClr val="000000"/>
                 </a:solidFill>
@@ -15629,7 +15447,7 @@
               <a:t>&gt;(*</a:t>
             </a:r>
             <a:r>
-              <a:rPr lang="en-US" sz="1600" dirty="0" err="1" smtClean="0">
+              <a:rPr lang="en-US" sz="1600" dirty="0" err="1">
                 <a:solidFill>
                   <a:srgbClr val="0000FF"/>
                 </a:solidFill>
@@ -15640,7 +15458,7 @@
               <a:t>static_cast</a:t>
             </a:r>
             <a:r>
-              <a:rPr lang="en-US" sz="1600" dirty="0" smtClean="0">
+              <a:rPr lang="en-US" sz="1600" dirty="0">
                 <a:solidFill>
                   <a:srgbClr val="000000"/>
                 </a:solidFill>
@@ -15651,7 +15469,7 @@
               <a:t>&lt;</a:t>
             </a:r>
             <a:r>
-              <a:rPr lang="en-US" sz="1600" dirty="0" err="1" smtClean="0">
+              <a:rPr lang="en-US" sz="1600" dirty="0" err="1">
                 <a:solidFill>
                   <a:srgbClr val="2B91AF"/>
                 </a:solidFill>
@@ -15662,7 +15480,7 @@
               <a:t>CloneType</a:t>
             </a:r>
             <a:r>
-              <a:rPr lang="en-US" sz="1600" dirty="0" smtClean="0">
+              <a:rPr lang="en-US" sz="1600" dirty="0">
                 <a:solidFill>
                   <a:srgbClr val="000000"/>
                 </a:solidFill>
@@ -15864,7 +15682,7 @@
               <a:t> </a:t>
             </a:r>
             <a:r>
-              <a:rPr lang="en-US" sz="1600" dirty="0" err="1" smtClean="0">
+              <a:rPr lang="en-US" sz="1600" dirty="0" err="1">
                 <a:solidFill>
                   <a:srgbClr val="2B91AF"/>
                 </a:solidFill>
@@ -15875,7 +15693,7 @@
               <a:t>CPrototypeImpl</a:t>
             </a:r>
             <a:r>
-              <a:rPr lang="en-US" sz="1600" dirty="0" smtClean="0">
+              <a:rPr lang="en-US" sz="1600" dirty="0">
                 <a:solidFill>
                   <a:srgbClr val="000000"/>
                 </a:solidFill>
@@ -15886,7 +15704,7 @@
               <a:t>&lt;</a:t>
             </a:r>
             <a:r>
-              <a:rPr lang="en-US" sz="1600" dirty="0" err="1" smtClean="0">
+              <a:rPr lang="en-US" sz="1600" dirty="0" err="1">
                 <a:solidFill>
                   <a:srgbClr val="2B91AF"/>
                 </a:solidFill>
@@ -15897,7 +15715,7 @@
               <a:t>CPoint</a:t>
             </a:r>
             <a:r>
-              <a:rPr lang="en-US" sz="1600" dirty="0" smtClean="0">
+              <a:rPr lang="en-US" sz="1600" dirty="0">
                 <a:solidFill>
                   <a:srgbClr val="000000"/>
                 </a:solidFill>
@@ -15908,7 +15726,7 @@
               <a:t>, </a:t>
             </a:r>
             <a:r>
-              <a:rPr lang="en-US" sz="1600" dirty="0" err="1" smtClean="0">
+              <a:rPr lang="en-US" sz="1600" dirty="0" err="1">
                 <a:solidFill>
                   <a:srgbClr val="2B91AF"/>
                 </a:solidFill>
@@ -15930,7 +15748,7 @@
               <a:t>, </a:t>
             </a:r>
             <a:r>
-              <a:rPr lang="en-US" sz="1600" dirty="0" err="1" smtClean="0">
+              <a:rPr lang="en-US" sz="1600" dirty="0" err="1">
                 <a:solidFill>
                   <a:srgbClr val="2B91AF"/>
                 </a:solidFill>
@@ -15941,7 +15759,7 @@
               <a:t>CShape</a:t>
             </a:r>
             <a:r>
-              <a:rPr lang="en-US" sz="1600" dirty="0" smtClean="0">
+              <a:rPr lang="en-US" sz="1600" dirty="0">
                 <a:solidFill>
                   <a:srgbClr val="000000"/>
                 </a:solidFill>
@@ -16309,7 +16127,7 @@
               <a:t>y</a:t>
             </a:r>
             <a:r>
-              <a:rPr lang="en-US" sz="1600" dirty="0" smtClean="0">
+              <a:rPr lang="en-US" sz="1600" dirty="0">
                 <a:solidFill>
                   <a:srgbClr val="000000"/>
                 </a:solidFill>
@@ -16328,7 +16146,7 @@
               <a:t> </a:t>
             </a:r>
             <a:r>
-              <a:rPr lang="en-US" sz="1600" dirty="0" smtClean="0">
+              <a:rPr lang="en-US" sz="1600" dirty="0">
                 <a:solidFill>
                   <a:srgbClr val="000000"/>
                 </a:solidFill>
@@ -16583,6 +16401,9 @@
         </p:txBody>
       </p:sp>
     </p:spTree>
+    <p:custDataLst>
+      <p:tags r:id="rId1"/>
+    </p:custDataLst>
     <p:extLst>
       <p:ext uri="{BB962C8B-B14F-4D97-AF65-F5344CB8AC3E}">
         <p14:creationId xmlns:p14="http://schemas.microsoft.com/office/powerpoint/2010/main" val="715265604"/>
@@ -16592,13 +16413,6 @@
   <p:clrMapOvr>
     <a:masterClrMapping/>
   </p:clrMapOvr>
-  <p:timing>
-    <p:tnLst>
-      <p:par>
-        <p:cTn id="1" dur="indefinite" restart="never" nodeType="tmRoot"/>
-      </p:par>
-    </p:tnLst>
-  </p:timing>
 </p:sld>
 </file>
 
@@ -16681,12 +16495,8 @@
           <a:p>
             <a:pPr lvl="1"/>
             <a:r>
-              <a:rPr lang="ru-RU" dirty="0" smtClean="0"/>
-              <a:t>Клонированный </a:t>
-            </a:r>
-            <a:r>
               <a:rPr lang="ru-RU" dirty="0"/>
-              <a:t>и слегка модифицированный экземпляр прототипа может быть также зарегистрирован в роли прототипа</a:t>
+              <a:t>Клонированный и слегка модифицированный экземпляр прототипа может быть также зарегистрирован в роли прототипа</a:t>
             </a:r>
           </a:p>
           <a:p>
@@ -16698,6 +16508,9 @@
         </p:txBody>
       </p:sp>
     </p:spTree>
+    <p:custDataLst>
+      <p:tags r:id="rId1"/>
+    </p:custDataLst>
     <p:extLst>
       <p:ext uri="{BB962C8B-B14F-4D97-AF65-F5344CB8AC3E}">
         <p14:creationId xmlns:p14="http://schemas.microsoft.com/office/powerpoint/2010/main" val="431059237"/>
@@ -17119,6 +16932,9 @@
         </p:txBody>
       </p:sp>
     </p:spTree>
+    <p:custDataLst>
+      <p:tags r:id="rId1"/>
+    </p:custDataLst>
     <p:extLst>
       <p:ext uri="{BB962C8B-B14F-4D97-AF65-F5344CB8AC3E}">
         <p14:creationId xmlns:p14="http://schemas.microsoft.com/office/powerpoint/2010/main" val="4197493979"/>
@@ -17583,6 +17399,9 @@
         </p:txBody>
       </p:sp>
     </p:spTree>
+    <p:custDataLst>
+      <p:tags r:id="rId1"/>
+    </p:custDataLst>
     <p:extLst>
       <p:ext uri="{BB962C8B-B14F-4D97-AF65-F5344CB8AC3E}">
         <p14:creationId xmlns:p14="http://schemas.microsoft.com/office/powerpoint/2010/main" val="460209868"/>
@@ -17930,10 +17749,9 @@
           <a:lstStyle/>
           <a:p>
             <a:r>
-              <a:rPr lang="ru-RU" dirty="0" smtClean="0"/>
+              <a:rPr lang="ru-RU" dirty="0"/>
               <a:t>Задача – создать копию объекта</a:t>
             </a:r>
-            <a:endParaRPr lang="ru-RU" dirty="0"/>
           </a:p>
         </p:txBody>
       </p:sp>
@@ -17955,54 +17773,56 @@
           <a:lstStyle/>
           <a:p>
             <a:r>
-              <a:rPr lang="ru-RU" dirty="0" smtClean="0"/>
+              <a:rPr lang="ru-RU" dirty="0"/>
               <a:t>Решение, которое не работает</a:t>
             </a:r>
           </a:p>
           <a:p>
             <a:pPr lvl="1"/>
             <a:r>
-              <a:rPr lang="ru-RU" dirty="0" smtClean="0"/>
+              <a:rPr lang="ru-RU" dirty="0"/>
               <a:t>Создать «пустой» объект такого же класса и поочерёдно скопировать значения полей из старого объекта в новый</a:t>
             </a:r>
           </a:p>
           <a:p>
             <a:r>
-              <a:rPr lang="ru-RU" dirty="0" smtClean="0"/>
+              <a:rPr lang="ru-RU" dirty="0"/>
               <a:t>Проблема 1</a:t>
             </a:r>
           </a:p>
           <a:p>
             <a:pPr lvl="1"/>
             <a:r>
-              <a:rPr lang="ru-RU" dirty="0" smtClean="0"/>
+              <a:rPr lang="ru-RU" dirty="0"/>
               <a:t>Часть состояния объекта может быть приватной</a:t>
             </a:r>
           </a:p>
           <a:p>
             <a:r>
-              <a:rPr lang="ru-RU" dirty="0" smtClean="0"/>
+              <a:rPr lang="ru-RU" dirty="0"/>
               <a:t>Проблема 2</a:t>
             </a:r>
           </a:p>
           <a:p>
             <a:pPr lvl="1"/>
             <a:r>
-              <a:rPr lang="ru-RU" dirty="0" smtClean="0"/>
+              <a:rPr lang="ru-RU" dirty="0"/>
               <a:t>Копирующий код зависит от классов копируемых объектов</a:t>
             </a:r>
           </a:p>
           <a:p>
             <a:pPr lvl="1"/>
             <a:r>
-              <a:rPr lang="ru-RU" dirty="0" smtClean="0"/>
+              <a:rPr lang="ru-RU" dirty="0"/>
               <a:t>Нельзя скопировать объект, зная лишь интерфейс</a:t>
             </a:r>
-            <a:endParaRPr lang="ru-RU" dirty="0"/>
           </a:p>
         </p:txBody>
       </p:sp>
     </p:spTree>
+    <p:custDataLst>
+      <p:tags r:id="rId1"/>
+    </p:custDataLst>
     <p:extLst>
       <p:ext uri="{BB962C8B-B14F-4D97-AF65-F5344CB8AC3E}">
         <p14:creationId xmlns:p14="http://schemas.microsoft.com/office/powerpoint/2010/main" val="4152632507"/>
@@ -18429,7 +18249,7 @@
           <p:nvPr/>
         </p:nvPicPr>
         <p:blipFill>
-          <a:blip r:embed="rId3">
+          <a:blip r:embed="rId4">
             <a:extLst>
               <a:ext uri="{28A0092B-C50C-407E-A947-70E740481C1C}">
                 <a14:useLocalDpi xmlns:a14="http://schemas.microsoft.com/office/drawing/2010/main" val="0"/>
@@ -18451,6 +18271,9 @@
         </p:spPr>
       </p:pic>
     </p:spTree>
+    <p:custDataLst>
+      <p:tags r:id="rId1"/>
+    </p:custDataLst>
     <p:extLst>
       <p:ext uri="{BB962C8B-B14F-4D97-AF65-F5344CB8AC3E}">
         <p14:creationId xmlns:p14="http://schemas.microsoft.com/office/powerpoint/2010/main" val="3549060052"/>
@@ -18460,13 +18283,6 @@
   <p:clrMapOvr>
     <a:masterClrMapping/>
   </p:clrMapOvr>
-  <p:timing>
-    <p:tnLst>
-      <p:par>
-        <p:cTn id="1" dur="indefinite" restart="never" nodeType="tmRoot"/>
-      </p:par>
-    </p:tnLst>
-  </p:timing>
 </p:sld>
 </file>
 
@@ -18503,10 +18319,9 @@
           <a:lstStyle/>
           <a:p>
             <a:r>
-              <a:rPr lang="ru-RU" dirty="0" smtClean="0"/>
+              <a:rPr lang="ru-RU" dirty="0"/>
               <a:t>Решение</a:t>
             </a:r>
-            <a:endParaRPr lang="ru-RU" dirty="0"/>
           </a:p>
         </p:txBody>
       </p:sp>
@@ -18526,27 +18341,29 @@
           <a:lstStyle/>
           <a:p>
             <a:r>
-              <a:rPr lang="ru-RU" dirty="0" smtClean="0"/>
+              <a:rPr lang="ru-RU" dirty="0"/>
               <a:t>Операция копирования должна выполняться самим объектом</a:t>
             </a:r>
           </a:p>
           <a:p>
             <a:pPr lvl="1"/>
             <a:r>
-              <a:rPr lang="ru-RU" dirty="0" smtClean="0"/>
+              <a:rPr lang="ru-RU" dirty="0"/>
               <a:t>Решается доступ к приватным полям</a:t>
             </a:r>
           </a:p>
           <a:p>
             <a:r>
-              <a:rPr lang="ru-RU" dirty="0" smtClean="0"/>
+              <a:rPr lang="ru-RU" dirty="0"/>
               <a:t>Чтобы копировать все объекты, нужен интерфейс, поддерживающий клонирование</a:t>
             </a:r>
-            <a:endParaRPr lang="ru-RU" dirty="0"/>
           </a:p>
         </p:txBody>
       </p:sp>
     </p:spTree>
+    <p:custDataLst>
+      <p:tags r:id="rId1"/>
+    </p:custDataLst>
     <p:extLst>
       <p:ext uri="{BB962C8B-B14F-4D97-AF65-F5344CB8AC3E}">
         <p14:creationId xmlns:p14="http://schemas.microsoft.com/office/powerpoint/2010/main" val="2170365042"/>
@@ -18836,6 +18653,9 @@
         </p:txBody>
       </p:sp>
     </p:spTree>
+    <p:custDataLst>
+      <p:tags r:id="rId1"/>
+    </p:custDataLst>
     <p:extLst>
       <p:ext uri="{BB962C8B-B14F-4D97-AF65-F5344CB8AC3E}">
         <p14:creationId xmlns:p14="http://schemas.microsoft.com/office/powerpoint/2010/main" val="876963863"/>
@@ -19094,7 +18914,7 @@
           <p:nvPr/>
         </p:nvPicPr>
         <p:blipFill>
-          <a:blip r:embed="rId3"/>
+          <a:blip r:embed="rId4"/>
           <a:stretch>
             <a:fillRect/>
           </a:stretch>
@@ -19507,6 +19327,9 @@
         </p:sp>
       </p:grpSp>
     </p:spTree>
+    <p:custDataLst>
+      <p:tags r:id="rId1"/>
+    </p:custDataLst>
     <p:extLst>
       <p:ext uri="{BB962C8B-B14F-4D97-AF65-F5344CB8AC3E}">
         <p14:creationId xmlns:p14="http://schemas.microsoft.com/office/powerpoint/2010/main" val="3437766202"/>
@@ -19731,6 +19554,9 @@
         </p:txBody>
       </p:sp>
     </p:spTree>
+    <p:custDataLst>
+      <p:tags r:id="rId1"/>
+    </p:custDataLst>
     <p:extLst>
       <p:ext uri="{BB962C8B-B14F-4D97-AF65-F5344CB8AC3E}">
         <p14:creationId xmlns:p14="http://schemas.microsoft.com/office/powerpoint/2010/main" val="1469231029"/>
@@ -19740,13 +19566,6 @@
   <p:clrMapOvr>
     <a:masterClrMapping/>
   </p:clrMapOvr>
-  <p:timing>
-    <p:tnLst>
-      <p:par>
-        <p:cTn id="1" dur="indefinite" restart="never" nodeType="tmRoot"/>
-      </p:par>
-    </p:tnLst>
-  </p:timing>
 </p:sld>
 </file>
 
@@ -19834,17 +19653,15 @@
           <a:p>
             <a:r>
               <a:rPr lang="ru-RU" dirty="0"/>
-              <a:t>Избежание построения иерархий классов или фабрик, параллельных иерархии классов </a:t>
-            </a:r>
-            <a:r>
-              <a:rPr lang="ru-RU" dirty="0" smtClean="0"/>
-              <a:t>продуктов</a:t>
-            </a:r>
-            <a:endParaRPr lang="ru-RU" dirty="0"/>
+              <a:t>Избежание построения иерархий классов или фабрик, параллельных иерархии классов продуктов</a:t>
+            </a:r>
           </a:p>
         </p:txBody>
       </p:sp>
     </p:spTree>
+    <p:custDataLst>
+      <p:tags r:id="rId1"/>
+    </p:custDataLst>
     <p:extLst>
       <p:ext uri="{BB962C8B-B14F-4D97-AF65-F5344CB8AC3E}">
         <p14:creationId xmlns:p14="http://schemas.microsoft.com/office/powerpoint/2010/main" val="72291038"/>
@@ -20149,10 +19966,9 @@
           <a:lstStyle/>
           <a:p>
             <a:r>
-              <a:rPr lang="ru-RU" dirty="0" smtClean="0"/>
+              <a:rPr lang="ru-RU" dirty="0"/>
               <a:t>Применимость</a:t>
             </a:r>
-            <a:endParaRPr lang="ru-RU" dirty="0"/>
           </a:p>
         </p:txBody>
       </p:sp>
@@ -20172,34 +19988,36 @@
           <a:lstStyle/>
           <a:p>
             <a:r>
-              <a:rPr lang="ru-RU" dirty="0" smtClean="0"/>
+              <a:rPr lang="ru-RU" dirty="0"/>
               <a:t>Код не должен зависеть от классов копируемых объектов</a:t>
             </a:r>
           </a:p>
           <a:p>
             <a:pPr lvl="1"/>
             <a:r>
-              <a:rPr lang="ru-RU" dirty="0" smtClean="0"/>
+              <a:rPr lang="ru-RU" dirty="0"/>
               <a:t>Паттерн предоставляет общий интерфейс для работы с прототипами</a:t>
             </a:r>
           </a:p>
           <a:p>
             <a:r>
-              <a:rPr lang="ru-RU" dirty="0" smtClean="0"/>
+              <a:rPr lang="ru-RU" dirty="0"/>
               <a:t>Есть много подклассов, отличающихся начальными значениями полей</a:t>
             </a:r>
           </a:p>
           <a:p>
             <a:pPr lvl="1"/>
             <a:r>
-              <a:rPr lang="ru-RU" dirty="0" smtClean="0"/>
+              <a:rPr lang="ru-RU" dirty="0"/>
               <a:t>Паттерн предлагает использовать набор прототипов</a:t>
             </a:r>
-            <a:endParaRPr lang="ru-RU" dirty="0"/>
           </a:p>
         </p:txBody>
       </p:sp>
     </p:spTree>
+    <p:custDataLst>
+      <p:tags r:id="rId1"/>
+    </p:custDataLst>
     <p:extLst>
       <p:ext uri="{BB962C8B-B14F-4D97-AF65-F5344CB8AC3E}">
         <p14:creationId xmlns:p14="http://schemas.microsoft.com/office/powerpoint/2010/main" val="4138610924"/>
@@ -20465,19 +20283,119 @@
   <p:tag name="ISPRING_LMS_API_VERSION" val="Experience API"/>
   <p:tag name="ISPRING_ULTRA_SCORM_COURSE_ID" val="AC95B9CB-2D3D-4F76-8523-55D752332B54"/>
   <p:tag name="ISPRING_CMI5_LAUNCH_METHOD" val="any window"/>
-  <p:tag name="ISPRING_SCORM_ENDPOINT" val="&lt;endpoint&gt;&lt;enable&gt;0&lt;/enable&gt;&lt;lrs&gt;http://&lt;/lrs&gt;&lt;auth&gt;0&lt;/auth&gt;&lt;login&gt;&lt;/login&gt;&lt;password&gt;&lt;/password&gt;&lt;key&gt;&lt;/key&gt;&lt;name&gt;&lt;/name&gt;&lt;email&gt;&lt;/email&gt;&lt;/endpoint&gt;&#10;"/>
-  <p:tag name="ISPRINGCLOUDFOLDERID" val="1"/>
-  <p:tag name="ISPRINGCLOUDFOLDERPATH" val="Repository/"/>
-  <p:tag name="ISPRINGCLOUDFOLDERDOMAIN" val="https://pro.ispringcloud.com"/>
   <p:tag name="ISPRINGONLINEFOLDERID" val="0"/>
-  <p:tag name="ISPRING_OUTPUT_FOLDER" val="[[&quot;ӹ\uFFFD\uFFFD{040CDB75-1F2E-450F-8275-E9D5176AD77C}&quot;,&quot;C:\\teaching\\ood\\ood\\lectures\\14.prototype&quot;]]"/>
-  <p:tag name="ISPRING_PUBLISH_SETTINGS" val="{&quot;commonSettings&quot;:{&quot;webSettings&quot;:{&quot;useMobileViewer&quot;:&quot;T_FALSE&quot;},&quot;lmsSettings&quot;:{&quot;useMobileViewer&quot;:&quot;T_FALSE&quot;},&quot;cloudSettings&quot;:{&quot;useMobileViewer&quot;:&quot;T_FALSE&quot;},&quot;ispringLmsSettings&quot;:{&quot;useMobileViewer&quot;:&quot;T_FALSE&quot;},&quot;playerId&quot;:&quot;universal&quot;},&quot;advancedSettings&quot;:{&quot;enableTextAllocation&quot;:&quot;T_TRUE&quot;,&quot;viewingFromLocalDrive&quot;:&quot;T_TRUE&quot;,&quot;contentScale&quot;:75,&quot;contentScaleMode&quot;:&quot;SCALE&quot;},&quot;compressionSettings&quot;:{&quot;imageSettings&quot;:{&quot;jpegQuality&quot;:70,&quot;optimizeImageForResolution&quot;:&quot;T_FALSE&quot;},&quot;audioQuality&quot;:70,&quot;videoQuality&quot;:65},&quot;protectionSettings&quot;:{&quot;watermarkEnabled&quot;:&quot;T_FALSE&quot;,&quot;watermarkPosition&quot;:&quot;MIDDLE_CENTER&quot;,&quot;openWatermarkUrl&quot;:&quot;T_FALSE&quot;,&quot;openWatermarkWebPageInNewWindow&quot;:&quot;T_FALSE&quot;,&quot;displayAfterEnabled&quot;:&quot;T_FALSE&quot;,&quot;displayUntilEnabled&quot;:&quot;T_FALSE&quot;,&quot;domainRestrictionEnabled&quot;:&quot;T_FALSE&quot;,&quot;enablePassword&quot;:&quot;T_FALSE&quot;},&quot;videoSettings&quot;:{&quot;videoCompressionSettings&quot;:{&quot;audioQuality&quot;:70,&quot;videoQuality&quot;:75},&quot;secondsOnEachSlide&quot;:5,&quot;hostingSettings&quot;:{}},&quot;ispringOnlineSettings&quot;:{&quot;onlineDestinationFolderId&quot;:&quot;0&quot;},&quot;cloudSettings&quot;:{&quot;onlineDestinationPath&quot;:&quot;Repository/&quot;,&quot;onlineDestinationFolderId&quot;:&quot;1&quot;,&quot;onlineDestinationUrl&quot;:&quot;https://pro.ispringcloud.com&quot;},&quot;publishDestination&quot;:&quot;ISPRING_CLOUD&quot;,&quot;wordSettings&quot;:{&quot;printCopies&quot;:1}}"/>
   <p:tag name="ISPRING_SCORM_RATE_SLIDES" val="0"/>
-  <p:tag name="ISPRING_SCORM_RATE_QUIZZES" val="0"/>
   <p:tag name="ISPRING_SCORM_PASSING_SCORE" val="0.000000"/>
   <p:tag name="ISPRING_CURRENT_PLAYER_ID" val="universal"/>
   <p:tag name="ISPRING_PRESENTATION_TITLE" val="prototype"/>
   <p:tag name="ISPRING_FIRST_PUBLISH" val="1"/>
+  <p:tag name="ISPRING_SCORM_ENDPOINT" val="&lt;endpoint&gt;&lt;enable&gt;0&lt;/enable&gt;&lt;lrs&gt;http://&lt;/lrs&gt;&lt;auth&gt;0&lt;/auth&gt;&lt;login&gt;&lt;/login&gt;&lt;password&gt;&lt;/password&gt;&lt;key&gt;&lt;/key&gt;&lt;name&gt;&lt;/name&gt;&lt;email&gt;&lt;/email&gt;&lt;/endpoint&gt;&#10;"/>
+  <p:tag name="ISPRINGCLOUDFOLDERID" val="0"/>
+  <p:tag name="ISPRING_OUTPUT_FOLDER" val="[[&quot;(\uFFFDG&gt;{9C96D814-AC7A-4E76-A11B-A40A46B24955}&quot;,&quot;C:\\teaching\\ood\\ood\\lectures\\14.prototype&quot;],[&quot;ӹ\uFFFD\uFFFD{040CDB75-1F2E-450F-8275-E9D5176AD77C}&quot;,&quot;C:\\teaching\\ood\\ood\\lectures\\14.prototype&quot;]]"/>
+  <p:tag name="ISPRING_PUBLISH_SETTINGS" val="{&quot;commonSettings&quot;:{&quot;webSettings&quot;:{&quot;useMobileViewer&quot;:&quot;T_FALSE&quot;},&quot;lmsSettings&quot;:{&quot;useMobileViewer&quot;:&quot;T_FALSE&quot;},&quot;cloudSettings&quot;:{&quot;useMobileViewer&quot;:&quot;T_FALSE&quot;},&quot;ispringLmsSettings&quot;:{&quot;useMobileViewer&quot;:&quot;T_FALSE&quot;},&quot;playerId&quot;:&quot;universal&quot;,&quot;studioSettings&quot;:{&quot;useMobileViewer&quot;:&quot;T_FALSE&quot;}},&quot;advancedSettings&quot;:{&quot;enableTextAllocation&quot;:&quot;T_TRUE&quot;,&quot;viewingFromLocalDrive&quot;:&quot;T_TRUE&quot;,&quot;contentScale&quot;:75,&quot;contentScaleMode&quot;:&quot;SCALE&quot;},&quot;accessibilitySettings&quot;:{&quot;enabled&quot;:&quot;T_FALSE&quot;},&quot;compressionSettings&quot;:{&quot;imageSettings&quot;:{&quot;jpegQuality&quot;:70,&quot;optimizeImageForResolution&quot;:&quot;T_FALSE&quot;},&quot;audioQuality&quot;:70,&quot;videoQuality&quot;:65},&quot;protectionSettings&quot;:{&quot;watermarkEnabled&quot;:&quot;T_FALSE&quot;,&quot;watermarkPosition&quot;:&quot;MIDDLE_CENTER&quot;,&quot;openWatermarkUrl&quot;:&quot;T_FALSE&quot;,&quot;openWatermarkWebPageInNewWindow&quot;:&quot;T_FALSE&quot;,&quot;displayAfterEnabled&quot;:&quot;T_FALSE&quot;,&quot;displayUntilEnabled&quot;:&quot;T_FALSE&quot;,&quot;domainRestrictionEnabled&quot;:&quot;T_FALSE&quot;,&quot;enablePassword&quot;:&quot;T_FALSE&quot;},&quot;videoSettings&quot;:{&quot;videoCompressionSettings&quot;:{&quot;audioQuality&quot;:70,&quot;videoQuality&quot;:75},&quot;secondsOnEachSlide&quot;:5,&quot;hostingSettings&quot;:{}},&quot;ispringOnlineSettings&quot;:{&quot;onlineDestinationFolderId&quot;:&quot;0&quot;},&quot;cloudSettings&quot;:{&quot;onlineDestinationFolderId&quot;:&quot;0&quot;},&quot;wordSettings&quot;:{&quot;printCopies&quot;:1},&quot;studioSettings&quot;:{}}"/>
+  <p:tag name="ISPRING_SCORM_RATE_QUIZZES" val="0"/>
+</p:tagLst>
+</file>
+
+<file path=ppt/tags/tag10.xml><?xml version="1.0" encoding="utf-8"?>
+<p:tagLst xmlns:a="http://schemas.openxmlformats.org/drawingml/2006/main" xmlns:r="http://schemas.openxmlformats.org/officeDocument/2006/relationships" xmlns:p="http://schemas.openxmlformats.org/presentationml/2006/main">
+  <p:tag name="GENSWF_SLIDE_UID" val="{74A24AE5-FD83-4A3A-A8BC-72A327413F5F}:279"/>
+</p:tagLst>
+</file>
+
+<file path=ppt/tags/tag11.xml><?xml version="1.0" encoding="utf-8"?>
+<p:tagLst xmlns:a="http://schemas.openxmlformats.org/drawingml/2006/main" xmlns:r="http://schemas.openxmlformats.org/officeDocument/2006/relationships" xmlns:p="http://schemas.openxmlformats.org/presentationml/2006/main">
+  <p:tag name="GENSWF_SLIDE_UID" val="{8775FFA3-EE0D-45BD-B865-4AB94EF9E908}:271"/>
+</p:tagLst>
+</file>
+
+<file path=ppt/tags/tag12.xml><?xml version="1.0" encoding="utf-8"?>
+<p:tagLst xmlns:a="http://schemas.openxmlformats.org/drawingml/2006/main" xmlns:r="http://schemas.openxmlformats.org/officeDocument/2006/relationships" xmlns:p="http://schemas.openxmlformats.org/presentationml/2006/main">
+  <p:tag name="GENSWF_SLIDE_UID" val="{290693B2-AB0B-4866-B7D5-8081B58DF272}:275"/>
+</p:tagLst>
+</file>
+
+<file path=ppt/tags/tag13.xml><?xml version="1.0" encoding="utf-8"?>
+<p:tagLst xmlns:a="http://schemas.openxmlformats.org/drawingml/2006/main" xmlns:r="http://schemas.openxmlformats.org/officeDocument/2006/relationships" xmlns:p="http://schemas.openxmlformats.org/presentationml/2006/main">
+  <p:tag name="GENSWF_SLIDE_UID" val="{C4FF1905-89DB-46BE-B99D-C7549AF59DA3}:272"/>
+</p:tagLst>
+</file>
+
+<file path=ppt/tags/tag14.xml><?xml version="1.0" encoding="utf-8"?>
+<p:tagLst xmlns:a="http://schemas.openxmlformats.org/drawingml/2006/main" xmlns:r="http://schemas.openxmlformats.org/officeDocument/2006/relationships" xmlns:p="http://schemas.openxmlformats.org/presentationml/2006/main">
+  <p:tag name="GENSWF_SLIDE_UID" val="{A21454EC-3554-406D-A0A6-5DBC3B1FDAEE}:273"/>
+</p:tagLst>
+</file>
+
+<file path=ppt/tags/tag15.xml><?xml version="1.0" encoding="utf-8"?>
+<p:tagLst xmlns:a="http://schemas.openxmlformats.org/drawingml/2006/main" xmlns:r="http://schemas.openxmlformats.org/officeDocument/2006/relationships" xmlns:p="http://schemas.openxmlformats.org/presentationml/2006/main">
+  <p:tag name="GENSWF_SLIDE_UID" val="{6BB42112-1E37-4149-A39D-915906203B06}:274"/>
+</p:tagLst>
+</file>
+
+<file path=ppt/tags/tag16.xml><?xml version="1.0" encoding="utf-8"?>
+<p:tagLst xmlns:a="http://schemas.openxmlformats.org/drawingml/2006/main" xmlns:r="http://schemas.openxmlformats.org/officeDocument/2006/relationships" xmlns:p="http://schemas.openxmlformats.org/presentationml/2006/main">
+  <p:tag name="GENSWF_SLIDE_UID" val="{998C6654-5A46-48E2-A350-25398A2E1CA5}:261"/>
+</p:tagLst>
+</file>
+
+<file path=ppt/tags/tag17.xml><?xml version="1.0" encoding="utf-8"?>
+<p:tagLst xmlns:a="http://schemas.openxmlformats.org/drawingml/2006/main" xmlns:r="http://schemas.openxmlformats.org/officeDocument/2006/relationships" xmlns:p="http://schemas.openxmlformats.org/presentationml/2006/main">
+  <p:tag name="GENSWF_SLIDE_UID" val="{DBE441DB-703D-4B1A-B973-4BF0971C522F}:262"/>
+</p:tagLst>
+</file>
+
+<file path=ppt/tags/tag18.xml><?xml version="1.0" encoding="utf-8"?>
+<p:tagLst xmlns:a="http://schemas.openxmlformats.org/drawingml/2006/main" xmlns:r="http://schemas.openxmlformats.org/officeDocument/2006/relationships" xmlns:p="http://schemas.openxmlformats.org/presentationml/2006/main">
+  <p:tag name="GENSWF_SLIDE_UID" val="{3A064131-701A-44EB-82EB-15C375AAB257}:268"/>
+</p:tagLst>
+</file>
+
+<file path=ppt/tags/tag2.xml><?xml version="1.0" encoding="utf-8"?>
+<p:tagLst xmlns:a="http://schemas.openxmlformats.org/drawingml/2006/main" xmlns:r="http://schemas.openxmlformats.org/officeDocument/2006/relationships" xmlns:p="http://schemas.openxmlformats.org/presentationml/2006/main">
+  <p:tag name="GENSWF_SLIDE_UID" val="{CEDD1447-F977-4444-9ECE-BC67A5C2A746}:256"/>
+</p:tagLst>
+</file>
+
+<file path=ppt/tags/tag3.xml><?xml version="1.0" encoding="utf-8"?>
+<p:tagLst xmlns:a="http://schemas.openxmlformats.org/drawingml/2006/main" xmlns:r="http://schemas.openxmlformats.org/officeDocument/2006/relationships" xmlns:p="http://schemas.openxmlformats.org/presentationml/2006/main">
+  <p:tag name="GENSWF_SLIDE_UID" val="{6A15B677-5815-4F7F-9EC1-B01F2BC31BA9}:276"/>
+</p:tagLst>
+</file>
+
+<file path=ppt/tags/tag4.xml><?xml version="1.0" encoding="utf-8"?>
+<p:tagLst xmlns:a="http://schemas.openxmlformats.org/drawingml/2006/main" xmlns:r="http://schemas.openxmlformats.org/officeDocument/2006/relationships" xmlns:p="http://schemas.openxmlformats.org/presentationml/2006/main">
+  <p:tag name="GENSWF_SLIDE_UID" val="{8DF7B175-88A1-4A85-BCBC-A0F04A0D9C5C}:277"/>
+</p:tagLst>
+</file>
+
+<file path=ppt/tags/tag5.xml><?xml version="1.0" encoding="utf-8"?>
+<p:tagLst xmlns:a="http://schemas.openxmlformats.org/drawingml/2006/main" xmlns:r="http://schemas.openxmlformats.org/officeDocument/2006/relationships" xmlns:p="http://schemas.openxmlformats.org/presentationml/2006/main">
+  <p:tag name="GENSWF_SLIDE_UID" val="{49BACD10-1ADC-4E99-AC32-9A513D785491}:278"/>
+</p:tagLst>
+</file>
+
+<file path=ppt/tags/tag6.xml><?xml version="1.0" encoding="utf-8"?>
+<p:tagLst xmlns:a="http://schemas.openxmlformats.org/drawingml/2006/main" xmlns:r="http://schemas.openxmlformats.org/officeDocument/2006/relationships" xmlns:p="http://schemas.openxmlformats.org/presentationml/2006/main">
+  <p:tag name="GENSWF_SLIDE_UID" val="{64734F28-4A46-4E0C-BC05-176F90ABEA05}:258"/>
+</p:tagLst>
+</file>
+
+<file path=ppt/tags/tag7.xml><?xml version="1.0" encoding="utf-8"?>
+<p:tagLst xmlns:a="http://schemas.openxmlformats.org/drawingml/2006/main" xmlns:r="http://schemas.openxmlformats.org/officeDocument/2006/relationships" xmlns:p="http://schemas.openxmlformats.org/presentationml/2006/main">
+  <p:tag name="GENSWF_SLIDE_UID" val="{F9FA9616-C38D-4DA7-8D42-B8CE2DAC1642}:269"/>
+</p:tagLst>
+</file>
+
+<file path=ppt/tags/tag8.xml><?xml version="1.0" encoding="utf-8"?>
+<p:tagLst xmlns:a="http://schemas.openxmlformats.org/drawingml/2006/main" xmlns:r="http://schemas.openxmlformats.org/officeDocument/2006/relationships" xmlns:p="http://schemas.openxmlformats.org/presentationml/2006/main">
+  <p:tag name="GENSWF_SLIDE_UID" val="{DC92BCD7-D7D0-4844-83F2-93A287BA803F}:259"/>
+</p:tagLst>
+</file>
+
+<file path=ppt/tags/tag9.xml><?xml version="1.0" encoding="utf-8"?>
+<p:tagLst xmlns:a="http://schemas.openxmlformats.org/drawingml/2006/main" xmlns:r="http://schemas.openxmlformats.org/officeDocument/2006/relationships" xmlns:p="http://schemas.openxmlformats.org/presentationml/2006/main">
+  <p:tag name="GENSWF_SLIDE_UID" val="{1C8568BE-7CC3-40D4-AE40-903E64BB0586}:260"/>
 </p:tagLst>
 </file>
 

--- a/lectures/14.prototype/prototype.pptx
+++ b/lectures/14.prototype/prototype.pptx
@@ -5,32 +5,34 @@
     <p:sldMasterId id="2147483684" r:id="rId1"/>
   </p:sldMasterIdLst>
   <p:notesMasterIdLst>
-    <p:notesMasterId r:id="rId20"/>
+    <p:notesMasterId r:id="rId22"/>
   </p:notesMasterIdLst>
   <p:sldIdLst>
     <p:sldId id="320" r:id="rId2"/>
-    <p:sldId id="276" r:id="rId3"/>
-    <p:sldId id="277" r:id="rId4"/>
-    <p:sldId id="278" r:id="rId5"/>
-    <p:sldId id="258" r:id="rId6"/>
-    <p:sldId id="269" r:id="rId7"/>
-    <p:sldId id="259" r:id="rId8"/>
-    <p:sldId id="260" r:id="rId9"/>
-    <p:sldId id="279" r:id="rId10"/>
-    <p:sldId id="271" r:id="rId11"/>
-    <p:sldId id="275" r:id="rId12"/>
-    <p:sldId id="272" r:id="rId13"/>
-    <p:sldId id="273" r:id="rId14"/>
-    <p:sldId id="274" r:id="rId15"/>
-    <p:sldId id="261" r:id="rId16"/>
-    <p:sldId id="262" r:id="rId17"/>
-    <p:sldId id="268" r:id="rId18"/>
-    <p:sldId id="321" r:id="rId19"/>
+    <p:sldId id="322" r:id="rId3"/>
+    <p:sldId id="323" r:id="rId4"/>
+    <p:sldId id="276" r:id="rId5"/>
+    <p:sldId id="277" r:id="rId6"/>
+    <p:sldId id="278" r:id="rId7"/>
+    <p:sldId id="258" r:id="rId8"/>
+    <p:sldId id="269" r:id="rId9"/>
+    <p:sldId id="259" r:id="rId10"/>
+    <p:sldId id="260" r:id="rId11"/>
+    <p:sldId id="279" r:id="rId12"/>
+    <p:sldId id="271" r:id="rId13"/>
+    <p:sldId id="275" r:id="rId14"/>
+    <p:sldId id="272" r:id="rId15"/>
+    <p:sldId id="273" r:id="rId16"/>
+    <p:sldId id="274" r:id="rId17"/>
+    <p:sldId id="261" r:id="rId18"/>
+    <p:sldId id="262" r:id="rId19"/>
+    <p:sldId id="268" r:id="rId20"/>
+    <p:sldId id="321" r:id="rId21"/>
   </p:sldIdLst>
   <p:sldSz cx="12192000" cy="6858000"/>
   <p:notesSz cx="6858000" cy="9144000"/>
   <p:custDataLst>
-    <p:tags r:id="rId21"/>
+    <p:tags r:id="rId23"/>
   </p:custDataLst>
   <p:defaultTextStyle>
     <a:defPPr>
@@ -228,7 +230,7 @@
           <a:p>
             <a:fld id="{2F3DCB6D-0B48-4A3D-B663-06C3F903A9D3}" type="datetimeFigureOut">
               <a:rPr lang="ru-RU" smtClean="0"/>
-              <a:t>29.11.2024</a:t>
+              <a:t>20.01.2025</a:t>
             </a:fld>
             <a:endParaRPr lang="ru-RU"/>
           </a:p>
@@ -565,7 +567,7 @@
           <a:p>
             <a:fld id="{C72A1285-F988-4153-B7C5-B887A867730D}" type="slidenum">
               <a:rPr lang="ru-RU" smtClean="0"/>
-              <a:t>2</a:t>
+              <a:t>4</a:t>
             </a:fld>
             <a:endParaRPr lang="ru-RU"/>
           </a:p>
@@ -654,7 +656,7 @@
           <a:p>
             <a:fld id="{C72A1285-F988-4153-B7C5-B887A867730D}" type="slidenum">
               <a:rPr lang="ru-RU" smtClean="0"/>
-              <a:t>11</a:t>
+              <a:t>13</a:t>
             </a:fld>
             <a:endParaRPr lang="ru-RU"/>
           </a:p>
@@ -743,7 +745,7 @@
           <a:p>
             <a:fld id="{C72A1285-F988-4153-B7C5-B887A867730D}" type="slidenum">
               <a:rPr lang="ru-RU" smtClean="0"/>
-              <a:t>12</a:t>
+              <a:t>14</a:t>
             </a:fld>
             <a:endParaRPr lang="ru-RU"/>
           </a:p>
@@ -832,7 +834,7 @@
           <a:p>
             <a:fld id="{C72A1285-F988-4153-B7C5-B887A867730D}" type="slidenum">
               <a:rPr lang="ru-RU" smtClean="0"/>
-              <a:t>13</a:t>
+              <a:t>15</a:t>
             </a:fld>
             <a:endParaRPr lang="ru-RU"/>
           </a:p>
@@ -921,7 +923,7 @@
           <a:p>
             <a:fld id="{C72A1285-F988-4153-B7C5-B887A867730D}" type="slidenum">
               <a:rPr lang="ru-RU" smtClean="0"/>
-              <a:t>14</a:t>
+              <a:t>16</a:t>
             </a:fld>
             <a:endParaRPr lang="ru-RU"/>
           </a:p>
@@ -1010,7 +1012,7 @@
           <a:p>
             <a:fld id="{C72A1285-F988-4153-B7C5-B887A867730D}" type="slidenum">
               <a:rPr lang="ru-RU" smtClean="0"/>
-              <a:t>15</a:t>
+              <a:t>17</a:t>
             </a:fld>
             <a:endParaRPr lang="ru-RU"/>
           </a:p>
@@ -1099,7 +1101,7 @@
           <a:p>
             <a:fld id="{C72A1285-F988-4153-B7C5-B887A867730D}" type="slidenum">
               <a:rPr lang="ru-RU" smtClean="0"/>
-              <a:t>16</a:t>
+              <a:t>18</a:t>
             </a:fld>
             <a:endParaRPr lang="ru-RU"/>
           </a:p>
@@ -1188,7 +1190,7 @@
           <a:p>
             <a:fld id="{C72A1285-F988-4153-B7C5-B887A867730D}" type="slidenum">
               <a:rPr lang="ru-RU" smtClean="0"/>
-              <a:t>17</a:t>
+              <a:t>19</a:t>
             </a:fld>
             <a:endParaRPr lang="ru-RU"/>
           </a:p>
@@ -1277,7 +1279,7 @@
           <a:p>
             <a:fld id="{C72A1285-F988-4153-B7C5-B887A867730D}" type="slidenum">
               <a:rPr lang="ru-RU" smtClean="0"/>
-              <a:t>3</a:t>
+              <a:t>5</a:t>
             </a:fld>
             <a:endParaRPr lang="ru-RU"/>
           </a:p>
@@ -1366,7 +1368,7 @@
           <a:p>
             <a:fld id="{C72A1285-F988-4153-B7C5-B887A867730D}" type="slidenum">
               <a:rPr lang="ru-RU" smtClean="0"/>
-              <a:t>4</a:t>
+              <a:t>6</a:t>
             </a:fld>
             <a:endParaRPr lang="ru-RU"/>
           </a:p>
@@ -1455,7 +1457,7 @@
           <a:p>
             <a:fld id="{C72A1285-F988-4153-B7C5-B887A867730D}" type="slidenum">
               <a:rPr lang="ru-RU" smtClean="0"/>
-              <a:t>5</a:t>
+              <a:t>7</a:t>
             </a:fld>
             <a:endParaRPr lang="ru-RU"/>
           </a:p>
@@ -1544,7 +1546,7 @@
           <a:p>
             <a:fld id="{C72A1285-F988-4153-B7C5-B887A867730D}" type="slidenum">
               <a:rPr lang="ru-RU" smtClean="0"/>
-              <a:t>6</a:t>
+              <a:t>8</a:t>
             </a:fld>
             <a:endParaRPr lang="ru-RU"/>
           </a:p>
@@ -1633,7 +1635,7 @@
           <a:p>
             <a:fld id="{C72A1285-F988-4153-B7C5-B887A867730D}" type="slidenum">
               <a:rPr lang="ru-RU" smtClean="0"/>
-              <a:t>7</a:t>
+              <a:t>9</a:t>
             </a:fld>
             <a:endParaRPr lang="ru-RU"/>
           </a:p>
@@ -1722,7 +1724,7 @@
           <a:p>
             <a:fld id="{C72A1285-F988-4153-B7C5-B887A867730D}" type="slidenum">
               <a:rPr lang="ru-RU" smtClean="0"/>
-              <a:t>8</a:t>
+              <a:t>10</a:t>
             </a:fld>
             <a:endParaRPr lang="ru-RU"/>
           </a:p>
@@ -1811,7 +1813,7 @@
           <a:p>
             <a:fld id="{C72A1285-F988-4153-B7C5-B887A867730D}" type="slidenum">
               <a:rPr lang="ru-RU" smtClean="0"/>
-              <a:t>9</a:t>
+              <a:t>11</a:t>
             </a:fld>
             <a:endParaRPr lang="ru-RU"/>
           </a:p>
@@ -1900,7 +1902,7 @@
           <a:p>
             <a:fld id="{C72A1285-F988-4153-B7C5-B887A867730D}" type="slidenum">
               <a:rPr lang="ru-RU" smtClean="0"/>
-              <a:t>10</a:t>
+              <a:t>12</a:t>
             </a:fld>
             <a:endParaRPr lang="ru-RU"/>
           </a:p>
@@ -2066,7 +2068,7 @@
           <a:p>
             <a:fld id="{2590F9C9-AB92-4E86-B698-DEC9BF4350FF}" type="datetimeFigureOut">
               <a:rPr lang="ru-RU" smtClean="0"/>
-              <a:t>29.11.2024</a:t>
+              <a:t>20.01.2025</a:t>
             </a:fld>
             <a:endParaRPr lang="ru-RU"/>
           </a:p>
@@ -2264,7 +2266,7 @@
           <a:p>
             <a:fld id="{2590F9C9-AB92-4E86-B698-DEC9BF4350FF}" type="datetimeFigureOut">
               <a:rPr lang="ru-RU" smtClean="0"/>
-              <a:t>29.11.2024</a:t>
+              <a:t>20.01.2025</a:t>
             </a:fld>
             <a:endParaRPr lang="ru-RU"/>
           </a:p>
@@ -2472,7 +2474,7 @@
           <a:p>
             <a:fld id="{2590F9C9-AB92-4E86-B698-DEC9BF4350FF}" type="datetimeFigureOut">
               <a:rPr lang="ru-RU" smtClean="0"/>
-              <a:t>29.11.2024</a:t>
+              <a:t>20.01.2025</a:t>
             </a:fld>
             <a:endParaRPr lang="ru-RU"/>
           </a:p>
@@ -2670,7 +2672,7 @@
           <a:p>
             <a:fld id="{2590F9C9-AB92-4E86-B698-DEC9BF4350FF}" type="datetimeFigureOut">
               <a:rPr lang="ru-RU" smtClean="0"/>
-              <a:t>29.11.2024</a:t>
+              <a:t>20.01.2025</a:t>
             </a:fld>
             <a:endParaRPr lang="ru-RU"/>
           </a:p>
@@ -2945,7 +2947,7 @@
           <a:p>
             <a:fld id="{2590F9C9-AB92-4E86-B698-DEC9BF4350FF}" type="datetimeFigureOut">
               <a:rPr lang="ru-RU" smtClean="0"/>
-              <a:t>29.11.2024</a:t>
+              <a:t>20.01.2025</a:t>
             </a:fld>
             <a:endParaRPr lang="ru-RU"/>
           </a:p>
@@ -3210,7 +3212,7 @@
           <a:p>
             <a:fld id="{2590F9C9-AB92-4E86-B698-DEC9BF4350FF}" type="datetimeFigureOut">
               <a:rPr lang="ru-RU" smtClean="0"/>
-              <a:t>29.11.2024</a:t>
+              <a:t>20.01.2025</a:t>
             </a:fld>
             <a:endParaRPr lang="ru-RU"/>
           </a:p>
@@ -3622,7 +3624,7 @@
           <a:p>
             <a:fld id="{2590F9C9-AB92-4E86-B698-DEC9BF4350FF}" type="datetimeFigureOut">
               <a:rPr lang="ru-RU" smtClean="0"/>
-              <a:t>29.11.2024</a:t>
+              <a:t>20.01.2025</a:t>
             </a:fld>
             <a:endParaRPr lang="ru-RU"/>
           </a:p>
@@ -3763,7 +3765,7 @@
           <a:p>
             <a:fld id="{2590F9C9-AB92-4E86-B698-DEC9BF4350FF}" type="datetimeFigureOut">
               <a:rPr lang="ru-RU" smtClean="0"/>
-              <a:t>29.11.2024</a:t>
+              <a:t>20.01.2025</a:t>
             </a:fld>
             <a:endParaRPr lang="ru-RU"/>
           </a:p>
@@ -3876,7 +3878,7 @@
           <a:p>
             <a:fld id="{2590F9C9-AB92-4E86-B698-DEC9BF4350FF}" type="datetimeFigureOut">
               <a:rPr lang="ru-RU" smtClean="0"/>
-              <a:t>29.11.2024</a:t>
+              <a:t>20.01.2025</a:t>
             </a:fld>
             <a:endParaRPr lang="ru-RU"/>
           </a:p>
@@ -4187,7 +4189,7 @@
           <a:p>
             <a:fld id="{2590F9C9-AB92-4E86-B698-DEC9BF4350FF}" type="datetimeFigureOut">
               <a:rPr lang="ru-RU" smtClean="0"/>
-              <a:t>29.11.2024</a:t>
+              <a:t>20.01.2025</a:t>
             </a:fld>
             <a:endParaRPr lang="ru-RU"/>
           </a:p>
@@ -4475,7 +4477,7 @@
           <a:p>
             <a:fld id="{2590F9C9-AB92-4E86-B698-DEC9BF4350FF}" type="datetimeFigureOut">
               <a:rPr lang="ru-RU" smtClean="0"/>
-              <a:t>29.11.2024</a:t>
+              <a:t>20.01.2025</a:t>
             </a:fld>
             <a:endParaRPr lang="ru-RU"/>
           </a:p>
@@ -4716,7 +4718,7 @@
           <a:p>
             <a:fld id="{2590F9C9-AB92-4E86-B698-DEC9BF4350FF}" type="datetimeFigureOut">
               <a:rPr lang="ru-RU" smtClean="0"/>
-              <a:t>29.11.2024</a:t>
+              <a:t>20.01.2025</a:t>
             </a:fld>
             <a:endParaRPr lang="ru-RU"/>
           </a:p>
@@ -5343,6 +5345,708 @@
       </p:grpSpPr>
       <p:sp>
         <p:nvSpPr>
+          <p:cNvPr id="2" name="Заголовок 1"/>
+          <p:cNvSpPr>
+            <a:spLocks noGrp="1"/>
+          </p:cNvSpPr>
+          <p:nvPr>
+            <p:ph type="title"/>
+          </p:nvPr>
+        </p:nvSpPr>
+        <p:spPr/>
+        <p:txBody>
+          <a:bodyPr>
+            <a:normAutofit/>
+          </a:bodyPr>
+          <a:lstStyle/>
+          <a:p>
+            <a:r>
+              <a:rPr lang="ru-RU" dirty="0"/>
+              <a:t>Применимость паттерна «Прототип»</a:t>
+            </a:r>
+          </a:p>
+        </p:txBody>
+      </p:sp>
+      <p:sp>
+        <p:nvSpPr>
+          <p:cNvPr id="3" name="Содержимое 2"/>
+          <p:cNvSpPr>
+            <a:spLocks noGrp="1"/>
+          </p:cNvSpPr>
+          <p:nvPr>
+            <p:ph idx="1"/>
+          </p:nvPr>
+        </p:nvSpPr>
+        <p:spPr/>
+        <p:txBody>
+          <a:bodyPr>
+            <a:normAutofit/>
+          </a:bodyPr>
+          <a:lstStyle/>
+          <a:p>
+            <a:r>
+              <a:rPr lang="ru-RU" dirty="0"/>
+              <a:t>Система не должна зависеть от того, как в ней создаются, компонуются и представляются продукты</a:t>
+            </a:r>
+          </a:p>
+          <a:p>
+            <a:pPr lvl="1"/>
+            <a:r>
+              <a:rPr lang="ru-RU" dirty="0" err="1"/>
+              <a:t>Инстанцируемые</a:t>
+            </a:r>
+            <a:r>
+              <a:rPr lang="ru-RU" dirty="0"/>
+              <a:t> классы определяются во время выполнения</a:t>
+            </a:r>
+          </a:p>
+          <a:p>
+            <a:pPr lvl="2"/>
+            <a:r>
+              <a:rPr lang="ru-RU" dirty="0"/>
+              <a:t>Например, с помощью динамической загрузки</a:t>
+            </a:r>
+          </a:p>
+          <a:p>
+            <a:r>
+              <a:rPr lang="ru-RU" dirty="0"/>
+              <a:t>Избежание построения иерархий классов или фабрик, параллельных иерархии классов продуктов</a:t>
+            </a:r>
+          </a:p>
+        </p:txBody>
+      </p:sp>
+    </p:spTree>
+    <p:custDataLst>
+      <p:tags r:id="rId1"/>
+    </p:custDataLst>
+    <p:extLst>
+      <p:ext uri="{BB962C8B-B14F-4D97-AF65-F5344CB8AC3E}">
+        <p14:creationId xmlns:p14="http://schemas.microsoft.com/office/powerpoint/2010/main" val="72291038"/>
+      </p:ext>
+    </p:extLst>
+  </p:cSld>
+  <p:clrMapOvr>
+    <a:masterClrMapping/>
+  </p:clrMapOvr>
+  <p:timing>
+    <p:tnLst>
+      <p:par>
+        <p:cTn id="1" dur="indefinite" restart="never" nodeType="tmRoot">
+          <p:childTnLst>
+            <p:seq concurrent="1" nextAc="seek">
+              <p:cTn id="2" dur="indefinite" nodeType="mainSeq">
+                <p:childTnLst>
+                  <p:par>
+                    <p:cTn id="3" fill="hold">
+                      <p:stCondLst>
+                        <p:cond delay="indefinite"/>
+                      </p:stCondLst>
+                      <p:childTnLst>
+                        <p:par>
+                          <p:cTn id="4" fill="hold">
+                            <p:stCondLst>
+                              <p:cond delay="0"/>
+                            </p:stCondLst>
+                            <p:childTnLst>
+                              <p:par>
+                                <p:cTn id="5" presetID="10" presetClass="entr" presetSubtype="0" fill="hold" grpId="0" nodeType="clickEffect">
+                                  <p:stCondLst>
+                                    <p:cond delay="0"/>
+                                  </p:stCondLst>
+                                  <p:childTnLst>
+                                    <p:set>
+                                      <p:cBhvr>
+                                        <p:cTn id="6" dur="1" fill="hold">
+                                          <p:stCondLst>
+                                            <p:cond delay="0"/>
+                                          </p:stCondLst>
+                                        </p:cTn>
+                                        <p:tgtEl>
+                                          <p:spTgt spid="3">
+                                            <p:txEl>
+                                              <p:pRg st="0" end="0"/>
+                                            </p:txEl>
+                                          </p:spTgt>
+                                        </p:tgtEl>
+                                        <p:attrNameLst>
+                                          <p:attrName>style.visibility</p:attrName>
+                                        </p:attrNameLst>
+                                      </p:cBhvr>
+                                      <p:to>
+                                        <p:strVal val="visible"/>
+                                      </p:to>
+                                    </p:set>
+                                    <p:animEffect transition="in" filter="fade">
+                                      <p:cBhvr>
+                                        <p:cTn id="7" dur="500"/>
+                                        <p:tgtEl>
+                                          <p:spTgt spid="3">
+                                            <p:txEl>
+                                              <p:pRg st="0" end="0"/>
+                                            </p:txEl>
+                                          </p:spTgt>
+                                        </p:tgtEl>
+                                      </p:cBhvr>
+                                    </p:animEffect>
+                                  </p:childTnLst>
+                                </p:cTn>
+                              </p:par>
+                            </p:childTnLst>
+                          </p:cTn>
+                        </p:par>
+                      </p:childTnLst>
+                    </p:cTn>
+                  </p:par>
+                  <p:par>
+                    <p:cTn id="8" fill="hold">
+                      <p:stCondLst>
+                        <p:cond delay="indefinite"/>
+                      </p:stCondLst>
+                      <p:childTnLst>
+                        <p:par>
+                          <p:cTn id="9" fill="hold">
+                            <p:stCondLst>
+                              <p:cond delay="0"/>
+                            </p:stCondLst>
+                            <p:childTnLst>
+                              <p:par>
+                                <p:cTn id="10" presetID="10" presetClass="entr" presetSubtype="0" fill="hold" grpId="0" nodeType="clickEffect">
+                                  <p:stCondLst>
+                                    <p:cond delay="0"/>
+                                  </p:stCondLst>
+                                  <p:childTnLst>
+                                    <p:set>
+                                      <p:cBhvr>
+                                        <p:cTn id="11" dur="1" fill="hold">
+                                          <p:stCondLst>
+                                            <p:cond delay="0"/>
+                                          </p:stCondLst>
+                                        </p:cTn>
+                                        <p:tgtEl>
+                                          <p:spTgt spid="3">
+                                            <p:txEl>
+                                              <p:pRg st="1" end="1"/>
+                                            </p:txEl>
+                                          </p:spTgt>
+                                        </p:tgtEl>
+                                        <p:attrNameLst>
+                                          <p:attrName>style.visibility</p:attrName>
+                                        </p:attrNameLst>
+                                      </p:cBhvr>
+                                      <p:to>
+                                        <p:strVal val="visible"/>
+                                      </p:to>
+                                    </p:set>
+                                    <p:animEffect transition="in" filter="fade">
+                                      <p:cBhvr>
+                                        <p:cTn id="12" dur="500"/>
+                                        <p:tgtEl>
+                                          <p:spTgt spid="3">
+                                            <p:txEl>
+                                              <p:pRg st="1" end="1"/>
+                                            </p:txEl>
+                                          </p:spTgt>
+                                        </p:tgtEl>
+                                      </p:cBhvr>
+                                    </p:animEffect>
+                                  </p:childTnLst>
+                                </p:cTn>
+                              </p:par>
+                              <p:par>
+                                <p:cTn id="13" presetID="10" presetClass="entr" presetSubtype="0" fill="hold" grpId="0" nodeType="withEffect">
+                                  <p:stCondLst>
+                                    <p:cond delay="0"/>
+                                  </p:stCondLst>
+                                  <p:childTnLst>
+                                    <p:set>
+                                      <p:cBhvr>
+                                        <p:cTn id="14" dur="1" fill="hold">
+                                          <p:stCondLst>
+                                            <p:cond delay="0"/>
+                                          </p:stCondLst>
+                                        </p:cTn>
+                                        <p:tgtEl>
+                                          <p:spTgt spid="3">
+                                            <p:txEl>
+                                              <p:pRg st="2" end="2"/>
+                                            </p:txEl>
+                                          </p:spTgt>
+                                        </p:tgtEl>
+                                        <p:attrNameLst>
+                                          <p:attrName>style.visibility</p:attrName>
+                                        </p:attrNameLst>
+                                      </p:cBhvr>
+                                      <p:to>
+                                        <p:strVal val="visible"/>
+                                      </p:to>
+                                    </p:set>
+                                    <p:animEffect transition="in" filter="fade">
+                                      <p:cBhvr>
+                                        <p:cTn id="15" dur="500"/>
+                                        <p:tgtEl>
+                                          <p:spTgt spid="3">
+                                            <p:txEl>
+                                              <p:pRg st="2" end="2"/>
+                                            </p:txEl>
+                                          </p:spTgt>
+                                        </p:tgtEl>
+                                      </p:cBhvr>
+                                    </p:animEffect>
+                                  </p:childTnLst>
+                                </p:cTn>
+                              </p:par>
+                            </p:childTnLst>
+                          </p:cTn>
+                        </p:par>
+                      </p:childTnLst>
+                    </p:cTn>
+                  </p:par>
+                  <p:par>
+                    <p:cTn id="16" fill="hold">
+                      <p:stCondLst>
+                        <p:cond delay="indefinite"/>
+                      </p:stCondLst>
+                      <p:childTnLst>
+                        <p:par>
+                          <p:cTn id="17" fill="hold">
+                            <p:stCondLst>
+                              <p:cond delay="0"/>
+                            </p:stCondLst>
+                            <p:childTnLst>
+                              <p:par>
+                                <p:cTn id="18" presetID="10" presetClass="entr" presetSubtype="0" fill="hold" grpId="0" nodeType="clickEffect">
+                                  <p:stCondLst>
+                                    <p:cond delay="0"/>
+                                  </p:stCondLst>
+                                  <p:childTnLst>
+                                    <p:set>
+                                      <p:cBhvr>
+                                        <p:cTn id="19" dur="1" fill="hold">
+                                          <p:stCondLst>
+                                            <p:cond delay="0"/>
+                                          </p:stCondLst>
+                                        </p:cTn>
+                                        <p:tgtEl>
+                                          <p:spTgt spid="3">
+                                            <p:txEl>
+                                              <p:pRg st="3" end="3"/>
+                                            </p:txEl>
+                                          </p:spTgt>
+                                        </p:tgtEl>
+                                        <p:attrNameLst>
+                                          <p:attrName>style.visibility</p:attrName>
+                                        </p:attrNameLst>
+                                      </p:cBhvr>
+                                      <p:to>
+                                        <p:strVal val="visible"/>
+                                      </p:to>
+                                    </p:set>
+                                    <p:animEffect transition="in" filter="fade">
+                                      <p:cBhvr>
+                                        <p:cTn id="20" dur="500"/>
+                                        <p:tgtEl>
+                                          <p:spTgt spid="3">
+                                            <p:txEl>
+                                              <p:pRg st="3" end="3"/>
+                                            </p:txEl>
+                                          </p:spTgt>
+                                        </p:tgtEl>
+                                      </p:cBhvr>
+                                    </p:animEffect>
+                                  </p:childTnLst>
+                                </p:cTn>
+                              </p:par>
+                            </p:childTnLst>
+                          </p:cTn>
+                        </p:par>
+                      </p:childTnLst>
+                    </p:cTn>
+                  </p:par>
+                </p:childTnLst>
+              </p:cTn>
+              <p:prevCondLst>
+                <p:cond evt="onPrev" delay="0">
+                  <p:tgtEl>
+                    <p:sldTgt/>
+                  </p:tgtEl>
+                </p:cond>
+              </p:prevCondLst>
+              <p:nextCondLst>
+                <p:cond evt="onNext" delay="0">
+                  <p:tgtEl>
+                    <p:sldTgt/>
+                  </p:tgtEl>
+                </p:cond>
+              </p:nextCondLst>
+            </p:seq>
+          </p:childTnLst>
+        </p:cTn>
+      </p:par>
+    </p:tnLst>
+    <p:bldLst>
+      <p:bldP spid="3" grpId="0" build="p" bldLvl="2"/>
+    </p:bldLst>
+  </p:timing>
+</p:sld>
+</file>
+
+<file path=ppt/slides/slide11.xml><?xml version="1.0" encoding="utf-8"?>
+<p:sld xmlns:a="http://schemas.openxmlformats.org/drawingml/2006/main" xmlns:r="http://schemas.openxmlformats.org/officeDocument/2006/relationships" xmlns:p="http://schemas.openxmlformats.org/presentationml/2006/main">
+  <p:cSld>
+    <p:spTree>
+      <p:nvGrpSpPr>
+        <p:cNvPr id="1" name=""/>
+        <p:cNvGrpSpPr/>
+        <p:nvPr/>
+      </p:nvGrpSpPr>
+      <p:grpSpPr>
+        <a:xfrm>
+          <a:off x="0" y="0"/>
+          <a:ext cx="0" cy="0"/>
+          <a:chOff x="0" y="0"/>
+          <a:chExt cx="0" cy="0"/>
+        </a:xfrm>
+      </p:grpSpPr>
+      <p:sp>
+        <p:nvSpPr>
+          <p:cNvPr id="2" name="Title 1"/>
+          <p:cNvSpPr>
+            <a:spLocks noGrp="1"/>
+          </p:cNvSpPr>
+          <p:nvPr>
+            <p:ph type="title"/>
+          </p:nvPr>
+        </p:nvSpPr>
+        <p:spPr/>
+        <p:txBody>
+          <a:bodyPr/>
+          <a:lstStyle/>
+          <a:p>
+            <a:r>
+              <a:rPr lang="ru-RU" dirty="0"/>
+              <a:t>Применимость</a:t>
+            </a:r>
+          </a:p>
+        </p:txBody>
+      </p:sp>
+      <p:sp>
+        <p:nvSpPr>
+          <p:cNvPr id="3" name="Content Placeholder 2"/>
+          <p:cNvSpPr>
+            <a:spLocks noGrp="1"/>
+          </p:cNvSpPr>
+          <p:nvPr>
+            <p:ph idx="1"/>
+          </p:nvPr>
+        </p:nvSpPr>
+        <p:spPr/>
+        <p:txBody>
+          <a:bodyPr/>
+          <a:lstStyle/>
+          <a:p>
+            <a:r>
+              <a:rPr lang="ru-RU" dirty="0"/>
+              <a:t>Код не должен зависеть от классов копируемых объектов</a:t>
+            </a:r>
+          </a:p>
+          <a:p>
+            <a:pPr lvl="1"/>
+            <a:r>
+              <a:rPr lang="ru-RU" dirty="0"/>
+              <a:t>Паттерн предоставляет общий интерфейс для работы с прототипами</a:t>
+            </a:r>
+          </a:p>
+          <a:p>
+            <a:r>
+              <a:rPr lang="ru-RU" dirty="0"/>
+              <a:t>Есть много подклассов, отличающихся начальными значениями полей</a:t>
+            </a:r>
+          </a:p>
+          <a:p>
+            <a:pPr lvl="1"/>
+            <a:r>
+              <a:rPr lang="ru-RU" dirty="0"/>
+              <a:t>Паттерн предлагает использовать набор прототипов</a:t>
+            </a:r>
+          </a:p>
+        </p:txBody>
+      </p:sp>
+    </p:spTree>
+    <p:custDataLst>
+      <p:tags r:id="rId1"/>
+    </p:custDataLst>
+    <p:extLst>
+      <p:ext uri="{BB962C8B-B14F-4D97-AF65-F5344CB8AC3E}">
+        <p14:creationId xmlns:p14="http://schemas.microsoft.com/office/powerpoint/2010/main" val="4138610924"/>
+      </p:ext>
+    </p:extLst>
+  </p:cSld>
+  <p:clrMapOvr>
+    <a:masterClrMapping/>
+  </p:clrMapOvr>
+  <p:timing>
+    <p:tnLst>
+      <p:par>
+        <p:cTn id="1" dur="indefinite" restart="never" nodeType="tmRoot">
+          <p:childTnLst>
+            <p:seq concurrent="1" nextAc="seek">
+              <p:cTn id="2" dur="indefinite" nodeType="mainSeq">
+                <p:childTnLst>
+                  <p:par>
+                    <p:cTn id="3" fill="hold">
+                      <p:stCondLst>
+                        <p:cond delay="indefinite"/>
+                      </p:stCondLst>
+                      <p:childTnLst>
+                        <p:par>
+                          <p:cTn id="4" fill="hold">
+                            <p:stCondLst>
+                              <p:cond delay="0"/>
+                            </p:stCondLst>
+                            <p:childTnLst>
+                              <p:par>
+                                <p:cTn id="5" presetID="10" presetClass="entr" presetSubtype="0" fill="hold" grpId="0" nodeType="clickEffect">
+                                  <p:stCondLst>
+                                    <p:cond delay="0"/>
+                                  </p:stCondLst>
+                                  <p:childTnLst>
+                                    <p:set>
+                                      <p:cBhvr>
+                                        <p:cTn id="6" dur="1" fill="hold">
+                                          <p:stCondLst>
+                                            <p:cond delay="0"/>
+                                          </p:stCondLst>
+                                        </p:cTn>
+                                        <p:tgtEl>
+                                          <p:spTgt spid="3">
+                                            <p:txEl>
+                                              <p:pRg st="0" end="0"/>
+                                            </p:txEl>
+                                          </p:spTgt>
+                                        </p:tgtEl>
+                                        <p:attrNameLst>
+                                          <p:attrName>style.visibility</p:attrName>
+                                        </p:attrNameLst>
+                                      </p:cBhvr>
+                                      <p:to>
+                                        <p:strVal val="visible"/>
+                                      </p:to>
+                                    </p:set>
+                                    <p:animEffect transition="in" filter="fade">
+                                      <p:cBhvr>
+                                        <p:cTn id="7" dur="500"/>
+                                        <p:tgtEl>
+                                          <p:spTgt spid="3">
+                                            <p:txEl>
+                                              <p:pRg st="0" end="0"/>
+                                            </p:txEl>
+                                          </p:spTgt>
+                                        </p:tgtEl>
+                                      </p:cBhvr>
+                                    </p:animEffect>
+                                  </p:childTnLst>
+                                </p:cTn>
+                              </p:par>
+                              <p:par>
+                                <p:cTn id="8" presetID="10" presetClass="entr" presetSubtype="0" fill="hold" grpId="0" nodeType="withEffect">
+                                  <p:stCondLst>
+                                    <p:cond delay="0"/>
+                                  </p:stCondLst>
+                                  <p:childTnLst>
+                                    <p:set>
+                                      <p:cBhvr>
+                                        <p:cTn id="9" dur="1" fill="hold">
+                                          <p:stCondLst>
+                                            <p:cond delay="0"/>
+                                          </p:stCondLst>
+                                        </p:cTn>
+                                        <p:tgtEl>
+                                          <p:spTgt spid="3">
+                                            <p:txEl>
+                                              <p:pRg st="1" end="1"/>
+                                            </p:txEl>
+                                          </p:spTgt>
+                                        </p:tgtEl>
+                                        <p:attrNameLst>
+                                          <p:attrName>style.visibility</p:attrName>
+                                        </p:attrNameLst>
+                                      </p:cBhvr>
+                                      <p:to>
+                                        <p:strVal val="visible"/>
+                                      </p:to>
+                                    </p:set>
+                                    <p:animEffect transition="in" filter="fade">
+                                      <p:cBhvr>
+                                        <p:cTn id="10" dur="500"/>
+                                        <p:tgtEl>
+                                          <p:spTgt spid="3">
+                                            <p:txEl>
+                                              <p:pRg st="1" end="1"/>
+                                            </p:txEl>
+                                          </p:spTgt>
+                                        </p:tgtEl>
+                                      </p:cBhvr>
+                                    </p:animEffect>
+                                  </p:childTnLst>
+                                </p:cTn>
+                              </p:par>
+                            </p:childTnLst>
+                          </p:cTn>
+                        </p:par>
+                      </p:childTnLst>
+                    </p:cTn>
+                  </p:par>
+                  <p:par>
+                    <p:cTn id="11" fill="hold">
+                      <p:stCondLst>
+                        <p:cond delay="indefinite"/>
+                      </p:stCondLst>
+                      <p:childTnLst>
+                        <p:par>
+                          <p:cTn id="12" fill="hold">
+                            <p:stCondLst>
+                              <p:cond delay="0"/>
+                            </p:stCondLst>
+                            <p:childTnLst>
+                              <p:par>
+                                <p:cTn id="13" presetID="10" presetClass="entr" presetSubtype="0" fill="hold" grpId="0" nodeType="clickEffect">
+                                  <p:stCondLst>
+                                    <p:cond delay="0"/>
+                                  </p:stCondLst>
+                                  <p:childTnLst>
+                                    <p:set>
+                                      <p:cBhvr>
+                                        <p:cTn id="14" dur="1" fill="hold">
+                                          <p:stCondLst>
+                                            <p:cond delay="0"/>
+                                          </p:stCondLst>
+                                        </p:cTn>
+                                        <p:tgtEl>
+                                          <p:spTgt spid="3">
+                                            <p:txEl>
+                                              <p:pRg st="2" end="2"/>
+                                            </p:txEl>
+                                          </p:spTgt>
+                                        </p:tgtEl>
+                                        <p:attrNameLst>
+                                          <p:attrName>style.visibility</p:attrName>
+                                        </p:attrNameLst>
+                                      </p:cBhvr>
+                                      <p:to>
+                                        <p:strVal val="visible"/>
+                                      </p:to>
+                                    </p:set>
+                                    <p:animEffect transition="in" filter="fade">
+                                      <p:cBhvr>
+                                        <p:cTn id="15" dur="500"/>
+                                        <p:tgtEl>
+                                          <p:spTgt spid="3">
+                                            <p:txEl>
+                                              <p:pRg st="2" end="2"/>
+                                            </p:txEl>
+                                          </p:spTgt>
+                                        </p:tgtEl>
+                                      </p:cBhvr>
+                                    </p:animEffect>
+                                  </p:childTnLst>
+                                </p:cTn>
+                              </p:par>
+                              <p:par>
+                                <p:cTn id="16" presetID="10" presetClass="entr" presetSubtype="0" fill="hold" grpId="0" nodeType="withEffect">
+                                  <p:stCondLst>
+                                    <p:cond delay="0"/>
+                                  </p:stCondLst>
+                                  <p:childTnLst>
+                                    <p:set>
+                                      <p:cBhvr>
+                                        <p:cTn id="17" dur="1" fill="hold">
+                                          <p:stCondLst>
+                                            <p:cond delay="0"/>
+                                          </p:stCondLst>
+                                        </p:cTn>
+                                        <p:tgtEl>
+                                          <p:spTgt spid="3">
+                                            <p:txEl>
+                                              <p:pRg st="3" end="3"/>
+                                            </p:txEl>
+                                          </p:spTgt>
+                                        </p:tgtEl>
+                                        <p:attrNameLst>
+                                          <p:attrName>style.visibility</p:attrName>
+                                        </p:attrNameLst>
+                                      </p:cBhvr>
+                                      <p:to>
+                                        <p:strVal val="visible"/>
+                                      </p:to>
+                                    </p:set>
+                                    <p:animEffect transition="in" filter="fade">
+                                      <p:cBhvr>
+                                        <p:cTn id="18" dur="500"/>
+                                        <p:tgtEl>
+                                          <p:spTgt spid="3">
+                                            <p:txEl>
+                                              <p:pRg st="3" end="3"/>
+                                            </p:txEl>
+                                          </p:spTgt>
+                                        </p:tgtEl>
+                                      </p:cBhvr>
+                                    </p:animEffect>
+                                  </p:childTnLst>
+                                </p:cTn>
+                              </p:par>
+                            </p:childTnLst>
+                          </p:cTn>
+                        </p:par>
+                      </p:childTnLst>
+                    </p:cTn>
+                  </p:par>
+                </p:childTnLst>
+              </p:cTn>
+              <p:prevCondLst>
+                <p:cond evt="onPrev" delay="0">
+                  <p:tgtEl>
+                    <p:sldTgt/>
+                  </p:tgtEl>
+                </p:cond>
+              </p:prevCondLst>
+              <p:nextCondLst>
+                <p:cond evt="onNext" delay="0">
+                  <p:tgtEl>
+                    <p:sldTgt/>
+                  </p:tgtEl>
+                </p:cond>
+              </p:nextCondLst>
+            </p:seq>
+          </p:childTnLst>
+        </p:cTn>
+      </p:par>
+    </p:tnLst>
+    <p:bldLst>
+      <p:bldP spid="3" grpId="0" build="p"/>
+    </p:bldLst>
+  </p:timing>
+</p:sld>
+</file>
+
+<file path=ppt/slides/slide12.xml><?xml version="1.0" encoding="utf-8"?>
+<p:sld xmlns:a="http://schemas.openxmlformats.org/drawingml/2006/main" xmlns:r="http://schemas.openxmlformats.org/officeDocument/2006/relationships" xmlns:p="http://schemas.openxmlformats.org/presentationml/2006/main">
+  <p:cSld>
+    <p:spTree>
+      <p:nvGrpSpPr>
+        <p:cNvPr id="1" name=""/>
+        <p:cNvGrpSpPr/>
+        <p:nvPr/>
+      </p:nvGrpSpPr>
+      <p:grpSpPr>
+        <a:xfrm>
+          <a:off x="0" y="0"/>
+          <a:ext cx="0" cy="0"/>
+          <a:chOff x="0" y="0"/>
+          <a:chExt cx="0" cy="0"/>
+        </a:xfrm>
+      </p:grpSpPr>
+      <p:sp>
+        <p:nvSpPr>
           <p:cNvPr id="2" name="Rectangle 1"/>
           <p:cNvSpPr/>
           <p:nvPr/>
@@ -7486,7 +8190,7 @@
 </p:sld>
 </file>
 
-<file path=ppt/slides/slide11.xml><?xml version="1.0" encoding="utf-8"?>
+<file path=ppt/slides/slide13.xml><?xml version="1.0" encoding="utf-8"?>
 <p:sld xmlns:a="http://schemas.openxmlformats.org/drawingml/2006/main" xmlns:r="http://schemas.openxmlformats.org/officeDocument/2006/relationships" xmlns:p="http://schemas.openxmlformats.org/presentationml/2006/main">
   <p:cSld>
     <p:spTree>
@@ -9001,7 +9705,7 @@
 </p:sld>
 </file>
 
-<file path=ppt/slides/slide12.xml><?xml version="1.0" encoding="utf-8"?>
+<file path=ppt/slides/slide14.xml><?xml version="1.0" encoding="utf-8"?>
 <p:sld xmlns:a="http://schemas.openxmlformats.org/drawingml/2006/main" xmlns:r="http://schemas.openxmlformats.org/officeDocument/2006/relationships" xmlns:p="http://schemas.openxmlformats.org/presentationml/2006/main">
   <p:cSld>
     <p:spTree>
@@ -11924,7 +12628,7 @@
 </p:sld>
 </file>
 
-<file path=ppt/slides/slide13.xml><?xml version="1.0" encoding="utf-8"?>
+<file path=ppt/slides/slide15.xml><?xml version="1.0" encoding="utf-8"?>
 <p:sld xmlns:a="http://schemas.openxmlformats.org/drawingml/2006/main" xmlns:r="http://schemas.openxmlformats.org/officeDocument/2006/relationships" xmlns:p="http://schemas.openxmlformats.org/presentationml/2006/main">
   <p:cSld>
     <p:spTree>
@@ -12561,6 +13265,28 @@
               <a:rPr lang="ru-RU" sz="1600" dirty="0">
                 <a:solidFill>
                   <a:prstClr val="black"/>
+                </a:solidFill>
+                <a:latin typeface="Consolas" panose="020B0609020204030204" pitchFamily="49" charset="0"/>
+                <a:ea typeface="Calibri" panose="020F0502020204030204" pitchFamily="34" charset="0"/>
+                <a:cs typeface="Consolas" panose="020B0609020204030204" pitchFamily="49" charset="0"/>
+              </a:rPr>
+              <a:t> </a:t>
+            </a:r>
+            <a:r>
+              <a:rPr lang="en-US" sz="1600" dirty="0">
+                <a:solidFill>
+                  <a:srgbClr val="0000FF"/>
+                </a:solidFill>
+                <a:latin typeface="Consolas" panose="020B0609020204030204" pitchFamily="49" charset="0"/>
+                <a:ea typeface="Calibri" panose="020F0502020204030204" pitchFamily="34" charset="0"/>
+                <a:cs typeface="Consolas" panose="020B0609020204030204" pitchFamily="49" charset="0"/>
+              </a:rPr>
+              <a:t>const</a:t>
+            </a:r>
+            <a:r>
+              <a:rPr lang="ru-RU" sz="1600" dirty="0">
+                <a:solidFill>
+                  <a:srgbClr val="0000FF"/>
                 </a:solidFill>
                 <a:latin typeface="Consolas" panose="020B0609020204030204" pitchFamily="49" charset="0"/>
                 <a:ea typeface="Calibri" panose="020F0502020204030204" pitchFamily="34" charset="0"/>
@@ -14417,7 +15143,7 @@
 </p:sld>
 </file>
 
-<file path=ppt/slides/slide14.xml><?xml version="1.0" encoding="utf-8"?>
+<file path=ppt/slides/slide16.xml><?xml version="1.0" encoding="utf-8"?>
 <p:sld xmlns:a="http://schemas.openxmlformats.org/drawingml/2006/main" xmlns:r="http://schemas.openxmlformats.org/officeDocument/2006/relationships" xmlns:p="http://schemas.openxmlformats.org/presentationml/2006/main">
   <p:cSld>
     <p:spTree>
@@ -16421,7 +17147,7 @@
 </p:sld>
 </file>
 
-<file path=ppt/slides/slide15.xml><?xml version="1.0" encoding="utf-8"?>
+<file path=ppt/slides/slide17.xml><?xml version="1.0" encoding="utf-8"?>
 <p:sld xmlns:a="http://schemas.openxmlformats.org/drawingml/2006/main" xmlns:r="http://schemas.openxmlformats.org/officeDocument/2006/relationships" xmlns:p="http://schemas.openxmlformats.org/presentationml/2006/main">
   <p:cSld>
     <p:spTree>
@@ -16830,7 +17556,7 @@
 </p:sld>
 </file>
 
-<file path=ppt/slides/slide16.xml><?xml version="1.0" encoding="utf-8"?>
+<file path=ppt/slides/slide18.xml><?xml version="1.0" encoding="utf-8"?>
 <p:sld xmlns:a="http://schemas.openxmlformats.org/drawingml/2006/main" xmlns:r="http://schemas.openxmlformats.org/officeDocument/2006/relationships" xmlns:p="http://schemas.openxmlformats.org/presentationml/2006/main">
   <p:cSld>
     <p:spTree>
@@ -17297,7 +18023,7 @@
 </p:sld>
 </file>
 
-<file path=ppt/slides/slide17.xml><?xml version="1.0" encoding="utf-8"?>
+<file path=ppt/slides/slide19.xml><?xml version="1.0" encoding="utf-8"?>
 <p:sld xmlns:a="http://schemas.openxmlformats.org/drawingml/2006/main" xmlns:r="http://schemas.openxmlformats.org/officeDocument/2006/relationships" xmlns:p="http://schemas.openxmlformats.org/presentationml/2006/main">
   <p:cSld>
     <p:spTree>
@@ -17755,7 +18481,211 @@
 </p:sld>
 </file>
 
-<file path=ppt/slides/slide18.xml><?xml version="1.0" encoding="utf-8"?>
+<file path=ppt/slides/slide2.xml><?xml version="1.0" encoding="utf-8"?>
+<p:sld xmlns:a="http://schemas.openxmlformats.org/drawingml/2006/main" xmlns:r="http://schemas.openxmlformats.org/officeDocument/2006/relationships" xmlns:p="http://schemas.openxmlformats.org/presentationml/2006/main" show="0">
+  <p:cSld>
+    <p:spTree>
+      <p:nvGrpSpPr>
+        <p:cNvPr id="1" name="">
+          <a:extLst>
+            <a:ext uri="{FF2B5EF4-FFF2-40B4-BE49-F238E27FC236}">
+              <a16:creationId xmlns:a16="http://schemas.microsoft.com/office/drawing/2014/main" id="{694D3CB2-98F5-4484-7016-64FF93061C12}"/>
+            </a:ext>
+          </a:extLst>
+        </p:cNvPr>
+        <p:cNvGrpSpPr/>
+        <p:nvPr/>
+      </p:nvGrpSpPr>
+      <p:grpSpPr>
+        <a:xfrm>
+          <a:off x="0" y="0"/>
+          <a:ext cx="0" cy="0"/>
+          <a:chOff x="0" y="0"/>
+          <a:chExt cx="0" cy="0"/>
+        </a:xfrm>
+      </p:grpSpPr>
+      <p:pic>
+        <p:nvPicPr>
+          <p:cNvPr id="5" name="Picture 4">
+            <a:extLst>
+              <a:ext uri="{FF2B5EF4-FFF2-40B4-BE49-F238E27FC236}">
+                <a16:creationId xmlns:a16="http://schemas.microsoft.com/office/drawing/2014/main" id="{FA3FA203-6335-C37C-ACDC-852849AF88F2}"/>
+              </a:ext>
+            </a:extLst>
+          </p:cNvPr>
+          <p:cNvPicPr>
+            <a:picLocks noChangeAspect="1"/>
+          </p:cNvPicPr>
+          <p:nvPr/>
+        </p:nvPicPr>
+        <p:blipFill>
+          <a:blip r:embed="rId2"/>
+          <a:stretch>
+            <a:fillRect/>
+          </a:stretch>
+        </p:blipFill>
+        <p:spPr>
+          <a:xfrm>
+            <a:off x="0" y="0"/>
+            <a:ext cx="12191999" cy="6858000"/>
+          </a:xfrm>
+          <a:prstGeom prst="rect">
+            <a:avLst/>
+          </a:prstGeom>
+        </p:spPr>
+      </p:pic>
+      <p:sp>
+        <p:nvSpPr>
+          <p:cNvPr id="2" name="Заголовок 1">
+            <a:extLst>
+              <a:ext uri="{FF2B5EF4-FFF2-40B4-BE49-F238E27FC236}">
+                <a16:creationId xmlns:a16="http://schemas.microsoft.com/office/drawing/2014/main" id="{6B989F27-929D-8786-F4AB-51E0DB695D04}"/>
+              </a:ext>
+            </a:extLst>
+          </p:cNvPr>
+          <p:cNvSpPr>
+            <a:spLocks noGrp="1"/>
+          </p:cNvSpPr>
+          <p:nvPr>
+            <p:ph type="ctrTitle"/>
+          </p:nvPr>
+        </p:nvSpPr>
+        <p:spPr>
+          <a:xfrm>
+            <a:off x="335360" y="1122362"/>
+            <a:ext cx="11521280" cy="3962822"/>
+          </a:xfrm>
+        </p:spPr>
+        <p:txBody>
+          <a:bodyPr>
+            <a:noAutofit/>
+          </a:bodyPr>
+          <a:lstStyle/>
+          <a:p>
+            <a:r>
+              <a:rPr lang="ru-RU" sz="8000" dirty="0">
+                <a:solidFill>
+                  <a:schemeClr val="bg1"/>
+                </a:solidFill>
+                <a:effectLst>
+                  <a:outerShdw blurRad="38100" dist="38100" dir="2700000" algn="tl">
+                    <a:srgbClr val="000000">
+                      <a:alpha val="43137"/>
+                    </a:srgbClr>
+                  </a:outerShdw>
+                </a:effectLst>
+                <a:latin typeface="Impact" panose="020B0806030902050204" pitchFamily="34" charset="0"/>
+              </a:rPr>
+              <a:t>Паттерн</a:t>
+            </a:r>
+            <a:br>
+              <a:rPr lang="en-US" sz="8000" dirty="0">
+                <a:solidFill>
+                  <a:schemeClr val="bg1"/>
+                </a:solidFill>
+                <a:effectLst>
+                  <a:outerShdw blurRad="38100" dist="38100" dir="2700000" algn="tl">
+                    <a:srgbClr val="000000">
+                      <a:alpha val="43137"/>
+                    </a:srgbClr>
+                  </a:outerShdw>
+                </a:effectLst>
+                <a:latin typeface="Impact" panose="020B0806030902050204" pitchFamily="34" charset="0"/>
+              </a:rPr>
+            </a:br>
+            <a:r>
+              <a:rPr lang="ru-RU" sz="8000" dirty="0">
+                <a:solidFill>
+                  <a:schemeClr val="bg1"/>
+                </a:solidFill>
+                <a:effectLst>
+                  <a:outerShdw blurRad="38100" dist="38100" dir="2700000" algn="tl">
+                    <a:srgbClr val="000000">
+                      <a:alpha val="43137"/>
+                    </a:srgbClr>
+                  </a:outerShdw>
+                </a:effectLst>
+                <a:latin typeface="Impact" panose="020B0806030902050204" pitchFamily="34" charset="0"/>
+              </a:rPr>
+              <a:t>проектирования</a:t>
+            </a:r>
+            <a:br>
+              <a:rPr lang="ru-RU" sz="8000" dirty="0">
+                <a:solidFill>
+                  <a:schemeClr val="bg1"/>
+                </a:solidFill>
+                <a:effectLst>
+                  <a:outerShdw blurRad="38100" dist="38100" dir="2700000" algn="tl">
+                    <a:srgbClr val="000000">
+                      <a:alpha val="43137"/>
+                    </a:srgbClr>
+                  </a:outerShdw>
+                </a:effectLst>
+                <a:latin typeface="Impact" panose="020B0806030902050204" pitchFamily="34" charset="0"/>
+              </a:rPr>
+            </a:br>
+            <a:r>
+              <a:rPr lang="ru-RU" sz="8000" dirty="0">
+                <a:solidFill>
+                  <a:schemeClr val="bg1"/>
+                </a:solidFill>
+                <a:effectLst>
+                  <a:outerShdw blurRad="38100" dist="38100" dir="2700000" algn="tl">
+                    <a:srgbClr val="000000">
+                      <a:alpha val="43137"/>
+                    </a:srgbClr>
+                  </a:outerShdw>
+                </a:effectLst>
+                <a:latin typeface="Impact" panose="020B0806030902050204" pitchFamily="34" charset="0"/>
+              </a:rPr>
+              <a:t> </a:t>
+            </a:r>
+            <a:r>
+              <a:rPr lang="ru-RU" sz="11500" dirty="0">
+                <a:solidFill>
+                  <a:schemeClr val="bg1"/>
+                </a:solidFill>
+                <a:effectLst>
+                  <a:outerShdw blurRad="38100" dist="38100" dir="2700000" algn="tl">
+                    <a:srgbClr val="000000">
+                      <a:alpha val="43137"/>
+                    </a:srgbClr>
+                  </a:outerShdw>
+                </a:effectLst>
+                <a:latin typeface="Impact" panose="020B0806030902050204" pitchFamily="34" charset="0"/>
+              </a:rPr>
+              <a:t>«Прототип»</a:t>
+            </a:r>
+            <a:endParaRPr lang="ru-RU" sz="8800" dirty="0">
+              <a:solidFill>
+                <a:schemeClr val="bg1"/>
+              </a:solidFill>
+              <a:effectLst>
+                <a:outerShdw blurRad="38100" dist="38100" dir="2700000" algn="tl">
+                  <a:srgbClr val="000000">
+                    <a:alpha val="43137"/>
+                  </a:srgbClr>
+                </a:outerShdw>
+              </a:effectLst>
+              <a:latin typeface="Impact" panose="020B0806030902050204" pitchFamily="34" charset="0"/>
+            </a:endParaRPr>
+          </a:p>
+        </p:txBody>
+      </p:sp>
+    </p:spTree>
+    <p:extLst>
+      <p:ext uri="{BB962C8B-B14F-4D97-AF65-F5344CB8AC3E}">
+        <p14:creationId xmlns:p14="http://schemas.microsoft.com/office/powerpoint/2010/main" val="2247828827"/>
+      </p:ext>
+    </p:extLst>
+  </p:cSld>
+  <p:clrMapOvr>
+    <a:masterClrMapping/>
+  </p:clrMapOvr>
+</p:sld>
+</file>
+
+<file path=ppt/slides/slide20.xml><?xml version="1.0" encoding="utf-8"?>
 <p:sld xmlns:a="http://schemas.openxmlformats.org/drawingml/2006/main" xmlns:r="http://schemas.openxmlformats.org/officeDocument/2006/relationships" xmlns:p="http://schemas.openxmlformats.org/presentationml/2006/main">
   <p:cSld>
     <p:spTree>
@@ -17842,7 +18772,211 @@
 </p:sld>
 </file>
 
-<file path=ppt/slides/slide2.xml><?xml version="1.0" encoding="utf-8"?>
+<file path=ppt/slides/slide3.xml><?xml version="1.0" encoding="utf-8"?>
+<p:sld xmlns:a="http://schemas.openxmlformats.org/drawingml/2006/main" xmlns:r="http://schemas.openxmlformats.org/officeDocument/2006/relationships" xmlns:p="http://schemas.openxmlformats.org/presentationml/2006/main" show="0">
+  <p:cSld>
+    <p:spTree>
+      <p:nvGrpSpPr>
+        <p:cNvPr id="1" name="">
+          <a:extLst>
+            <a:ext uri="{FF2B5EF4-FFF2-40B4-BE49-F238E27FC236}">
+              <a16:creationId xmlns:a16="http://schemas.microsoft.com/office/drawing/2014/main" id="{DE1D507A-CFAF-ADE1-0949-0C6307326657}"/>
+            </a:ext>
+          </a:extLst>
+        </p:cNvPr>
+        <p:cNvGrpSpPr/>
+        <p:nvPr/>
+      </p:nvGrpSpPr>
+      <p:grpSpPr>
+        <a:xfrm>
+          <a:off x="0" y="0"/>
+          <a:ext cx="0" cy="0"/>
+          <a:chOff x="0" y="0"/>
+          <a:chExt cx="0" cy="0"/>
+        </a:xfrm>
+      </p:grpSpPr>
+      <p:pic>
+        <p:nvPicPr>
+          <p:cNvPr id="5" name="Picture 4">
+            <a:extLst>
+              <a:ext uri="{FF2B5EF4-FFF2-40B4-BE49-F238E27FC236}">
+                <a16:creationId xmlns:a16="http://schemas.microsoft.com/office/drawing/2014/main" id="{239EE7DD-1123-CC3E-F97D-FD074A50DC3D}"/>
+              </a:ext>
+            </a:extLst>
+          </p:cNvPr>
+          <p:cNvPicPr>
+            <a:picLocks noChangeAspect="1"/>
+          </p:cNvPicPr>
+          <p:nvPr/>
+        </p:nvPicPr>
+        <p:blipFill>
+          <a:blip r:embed="rId2"/>
+          <a:stretch>
+            <a:fillRect/>
+          </a:stretch>
+        </p:blipFill>
+        <p:spPr>
+          <a:xfrm>
+            <a:off x="0" y="0"/>
+            <a:ext cx="12191999" cy="6858000"/>
+          </a:xfrm>
+          <a:prstGeom prst="rect">
+            <a:avLst/>
+          </a:prstGeom>
+        </p:spPr>
+      </p:pic>
+      <p:sp>
+        <p:nvSpPr>
+          <p:cNvPr id="2" name="Заголовок 1">
+            <a:extLst>
+              <a:ext uri="{FF2B5EF4-FFF2-40B4-BE49-F238E27FC236}">
+                <a16:creationId xmlns:a16="http://schemas.microsoft.com/office/drawing/2014/main" id="{4B337917-6ECB-2BC4-5A16-738E71B82A4E}"/>
+              </a:ext>
+            </a:extLst>
+          </p:cNvPr>
+          <p:cNvSpPr>
+            <a:spLocks noGrp="1"/>
+          </p:cNvSpPr>
+          <p:nvPr>
+            <p:ph type="ctrTitle"/>
+          </p:nvPr>
+        </p:nvSpPr>
+        <p:spPr>
+          <a:xfrm>
+            <a:off x="335360" y="1122362"/>
+            <a:ext cx="11521280" cy="3962822"/>
+          </a:xfrm>
+        </p:spPr>
+        <p:txBody>
+          <a:bodyPr>
+            <a:noAutofit/>
+          </a:bodyPr>
+          <a:lstStyle/>
+          <a:p>
+            <a:r>
+              <a:rPr lang="ru-RU" sz="8800" dirty="0">
+                <a:solidFill>
+                  <a:schemeClr val="bg1"/>
+                </a:solidFill>
+                <a:effectLst>
+                  <a:outerShdw blurRad="38100" dist="38100" dir="2700000" algn="tl">
+                    <a:srgbClr val="000000">
+                      <a:alpha val="43137"/>
+                    </a:srgbClr>
+                  </a:outerShdw>
+                </a:effectLst>
+                <a:latin typeface="Impact" panose="020B0806030902050204" pitchFamily="34" charset="0"/>
+              </a:rPr>
+              <a:t>Паттерн</a:t>
+            </a:r>
+            <a:br>
+              <a:rPr lang="en-US" sz="8800" dirty="0">
+                <a:solidFill>
+                  <a:schemeClr val="bg1"/>
+                </a:solidFill>
+                <a:effectLst>
+                  <a:outerShdw blurRad="38100" dist="38100" dir="2700000" algn="tl">
+                    <a:srgbClr val="000000">
+                      <a:alpha val="43137"/>
+                    </a:srgbClr>
+                  </a:outerShdw>
+                </a:effectLst>
+                <a:latin typeface="Impact" panose="020B0806030902050204" pitchFamily="34" charset="0"/>
+              </a:rPr>
+            </a:br>
+            <a:r>
+              <a:rPr lang="ru-RU" sz="8800" dirty="0">
+                <a:solidFill>
+                  <a:schemeClr val="bg1"/>
+                </a:solidFill>
+                <a:effectLst>
+                  <a:outerShdw blurRad="38100" dist="38100" dir="2700000" algn="tl">
+                    <a:srgbClr val="000000">
+                      <a:alpha val="43137"/>
+                    </a:srgbClr>
+                  </a:outerShdw>
+                </a:effectLst>
+                <a:latin typeface="Impact" panose="020B0806030902050204" pitchFamily="34" charset="0"/>
+              </a:rPr>
+              <a:t>проектирования</a:t>
+            </a:r>
+            <a:br>
+              <a:rPr lang="ru-RU" sz="8000" dirty="0">
+                <a:solidFill>
+                  <a:schemeClr val="bg1"/>
+                </a:solidFill>
+                <a:effectLst>
+                  <a:outerShdw blurRad="38100" dist="38100" dir="2700000" algn="tl">
+                    <a:srgbClr val="000000">
+                      <a:alpha val="43137"/>
+                    </a:srgbClr>
+                  </a:outerShdw>
+                </a:effectLst>
+                <a:latin typeface="Impact" panose="020B0806030902050204" pitchFamily="34" charset="0"/>
+              </a:rPr>
+            </a:br>
+            <a:r>
+              <a:rPr lang="ru-RU" sz="8000" dirty="0">
+                <a:solidFill>
+                  <a:schemeClr val="bg1"/>
+                </a:solidFill>
+                <a:effectLst>
+                  <a:outerShdw blurRad="38100" dist="38100" dir="2700000" algn="tl">
+                    <a:srgbClr val="000000">
+                      <a:alpha val="43137"/>
+                    </a:srgbClr>
+                  </a:outerShdw>
+                </a:effectLst>
+                <a:latin typeface="Impact" panose="020B0806030902050204" pitchFamily="34" charset="0"/>
+              </a:rPr>
+              <a:t> </a:t>
+            </a:r>
+            <a:r>
+              <a:rPr lang="ru-RU" sz="11500" dirty="0">
+                <a:solidFill>
+                  <a:schemeClr val="bg1"/>
+                </a:solidFill>
+                <a:effectLst>
+                  <a:outerShdw blurRad="38100" dist="38100" dir="2700000" algn="tl">
+                    <a:srgbClr val="000000">
+                      <a:alpha val="43137"/>
+                    </a:srgbClr>
+                  </a:outerShdw>
+                </a:effectLst>
+                <a:latin typeface="Impact" panose="020B0806030902050204" pitchFamily="34" charset="0"/>
+              </a:rPr>
+              <a:t>«Прототип»</a:t>
+            </a:r>
+            <a:endParaRPr lang="ru-RU" sz="8800" dirty="0">
+              <a:solidFill>
+                <a:schemeClr val="bg1"/>
+              </a:solidFill>
+              <a:effectLst>
+                <a:outerShdw blurRad="38100" dist="38100" dir="2700000" algn="tl">
+                  <a:srgbClr val="000000">
+                    <a:alpha val="43137"/>
+                  </a:srgbClr>
+                </a:outerShdw>
+              </a:effectLst>
+              <a:latin typeface="Impact" panose="020B0806030902050204" pitchFamily="34" charset="0"/>
+            </a:endParaRPr>
+          </a:p>
+        </p:txBody>
+      </p:sp>
+    </p:spTree>
+    <p:extLst>
+      <p:ext uri="{BB962C8B-B14F-4D97-AF65-F5344CB8AC3E}">
+        <p14:creationId xmlns:p14="http://schemas.microsoft.com/office/powerpoint/2010/main" val="3422535044"/>
+      </p:ext>
+    </p:extLst>
+  </p:cSld>
+  <p:clrMapOvr>
+    <a:masterClrMapping/>
+  </p:clrMapOvr>
+</p:sld>
+</file>
+
+<file path=ppt/slides/slide4.xml><?xml version="1.0" encoding="utf-8"?>
 <p:sld xmlns:a="http://schemas.openxmlformats.org/drawingml/2006/main" xmlns:r="http://schemas.openxmlformats.org/officeDocument/2006/relationships" xmlns:p="http://schemas.openxmlformats.org/presentationml/2006/main">
   <p:cSld>
     <p:spTree>
@@ -18349,7 +19483,7 @@
 </p:sld>
 </file>
 
-<file path=ppt/slides/slide3.xml><?xml version="1.0" encoding="utf-8"?>
+<file path=ppt/slides/slide5.xml><?xml version="1.0" encoding="utf-8"?>
 <p:sld xmlns:a="http://schemas.openxmlformats.org/drawingml/2006/main" xmlns:r="http://schemas.openxmlformats.org/officeDocument/2006/relationships" xmlns:p="http://schemas.openxmlformats.org/presentationml/2006/main">
   <p:cSld>
     <p:spTree>
@@ -18412,7 +19546,7 @@
 </p:sld>
 </file>
 
-<file path=ppt/slides/slide4.xml><?xml version="1.0" encoding="utf-8"?>
+<file path=ppt/slides/slide6.xml><?xml version="1.0" encoding="utf-8"?>
 <p:sld xmlns:a="http://schemas.openxmlformats.org/drawingml/2006/main" xmlns:r="http://schemas.openxmlformats.org/officeDocument/2006/relationships" xmlns:p="http://schemas.openxmlformats.org/presentationml/2006/main">
   <p:cSld>
     <p:spTree>
@@ -18767,7 +19901,7 @@
 </p:sld>
 </file>
 
-<file path=ppt/slides/slide5.xml><?xml version="1.0" encoding="utf-8"?>
+<file path=ppt/slides/slide7.xml><?xml version="1.0" encoding="utf-8"?>
 <p:sld xmlns:a="http://schemas.openxmlformats.org/drawingml/2006/main" xmlns:r="http://schemas.openxmlformats.org/officeDocument/2006/relationships" xmlns:p="http://schemas.openxmlformats.org/presentationml/2006/main">
   <p:cSld>
     <p:spTree>
@@ -19076,7 +20210,7 @@
 </p:sld>
 </file>
 
-<file path=ppt/slides/slide6.xml><?xml version="1.0" encoding="utf-8"?>
+<file path=ppt/slides/slide8.xml><?xml version="1.0" encoding="utf-8"?>
 <p:sld xmlns:a="http://schemas.openxmlformats.org/drawingml/2006/main" xmlns:r="http://schemas.openxmlformats.org/officeDocument/2006/relationships" xmlns:p="http://schemas.openxmlformats.org/presentationml/2006/main">
   <p:cSld>
     <p:spTree>
@@ -19688,7 +20822,7 @@
 </p:sld>
 </file>
 
-<file path=ppt/slides/slide7.xml><?xml version="1.0" encoding="utf-8"?>
+<file path=ppt/slides/slide9.xml><?xml version="1.0" encoding="utf-8"?>
 <p:sld xmlns:a="http://schemas.openxmlformats.org/drawingml/2006/main" xmlns:r="http://schemas.openxmlformats.org/officeDocument/2006/relationships" xmlns:p="http://schemas.openxmlformats.org/presentationml/2006/main">
   <p:cSld>
     <p:spTree>
@@ -19776,708 +20910,6 @@
   <p:clrMapOvr>
     <a:masterClrMapping/>
   </p:clrMapOvr>
-</p:sld>
-</file>
-
-<file path=ppt/slides/slide8.xml><?xml version="1.0" encoding="utf-8"?>
-<p:sld xmlns:a="http://schemas.openxmlformats.org/drawingml/2006/main" xmlns:r="http://schemas.openxmlformats.org/officeDocument/2006/relationships" xmlns:p="http://schemas.openxmlformats.org/presentationml/2006/main">
-  <p:cSld>
-    <p:spTree>
-      <p:nvGrpSpPr>
-        <p:cNvPr id="1" name=""/>
-        <p:cNvGrpSpPr/>
-        <p:nvPr/>
-      </p:nvGrpSpPr>
-      <p:grpSpPr>
-        <a:xfrm>
-          <a:off x="0" y="0"/>
-          <a:ext cx="0" cy="0"/>
-          <a:chOff x="0" y="0"/>
-          <a:chExt cx="0" cy="0"/>
-        </a:xfrm>
-      </p:grpSpPr>
-      <p:sp>
-        <p:nvSpPr>
-          <p:cNvPr id="2" name="Заголовок 1"/>
-          <p:cNvSpPr>
-            <a:spLocks noGrp="1"/>
-          </p:cNvSpPr>
-          <p:nvPr>
-            <p:ph type="title"/>
-          </p:nvPr>
-        </p:nvSpPr>
-        <p:spPr/>
-        <p:txBody>
-          <a:bodyPr>
-            <a:normAutofit/>
-          </a:bodyPr>
-          <a:lstStyle/>
-          <a:p>
-            <a:r>
-              <a:rPr lang="ru-RU" dirty="0"/>
-              <a:t>Применимость паттерна «Прототип»</a:t>
-            </a:r>
-          </a:p>
-        </p:txBody>
-      </p:sp>
-      <p:sp>
-        <p:nvSpPr>
-          <p:cNvPr id="3" name="Содержимое 2"/>
-          <p:cNvSpPr>
-            <a:spLocks noGrp="1"/>
-          </p:cNvSpPr>
-          <p:nvPr>
-            <p:ph idx="1"/>
-          </p:nvPr>
-        </p:nvSpPr>
-        <p:spPr/>
-        <p:txBody>
-          <a:bodyPr>
-            <a:normAutofit/>
-          </a:bodyPr>
-          <a:lstStyle/>
-          <a:p>
-            <a:r>
-              <a:rPr lang="ru-RU" dirty="0"/>
-              <a:t>Система не должна зависеть от того, как в ней создаются, компонуются и представляются продукты</a:t>
-            </a:r>
-          </a:p>
-          <a:p>
-            <a:pPr lvl="1"/>
-            <a:r>
-              <a:rPr lang="ru-RU" dirty="0" err="1"/>
-              <a:t>Инстанцируемые</a:t>
-            </a:r>
-            <a:r>
-              <a:rPr lang="ru-RU" dirty="0"/>
-              <a:t> классы определяются во время выполнения</a:t>
-            </a:r>
-          </a:p>
-          <a:p>
-            <a:pPr lvl="2"/>
-            <a:r>
-              <a:rPr lang="ru-RU" dirty="0"/>
-              <a:t>Например, с помощью динамической загрузки</a:t>
-            </a:r>
-          </a:p>
-          <a:p>
-            <a:r>
-              <a:rPr lang="ru-RU" dirty="0"/>
-              <a:t>Избежание построения иерархий классов или фабрик, параллельных иерархии классов продуктов</a:t>
-            </a:r>
-          </a:p>
-        </p:txBody>
-      </p:sp>
-    </p:spTree>
-    <p:custDataLst>
-      <p:tags r:id="rId1"/>
-    </p:custDataLst>
-    <p:extLst>
-      <p:ext uri="{BB962C8B-B14F-4D97-AF65-F5344CB8AC3E}">
-        <p14:creationId xmlns:p14="http://schemas.microsoft.com/office/powerpoint/2010/main" val="72291038"/>
-      </p:ext>
-    </p:extLst>
-  </p:cSld>
-  <p:clrMapOvr>
-    <a:masterClrMapping/>
-  </p:clrMapOvr>
-  <p:timing>
-    <p:tnLst>
-      <p:par>
-        <p:cTn id="1" dur="indefinite" restart="never" nodeType="tmRoot">
-          <p:childTnLst>
-            <p:seq concurrent="1" nextAc="seek">
-              <p:cTn id="2" dur="indefinite" nodeType="mainSeq">
-                <p:childTnLst>
-                  <p:par>
-                    <p:cTn id="3" fill="hold">
-                      <p:stCondLst>
-                        <p:cond delay="indefinite"/>
-                      </p:stCondLst>
-                      <p:childTnLst>
-                        <p:par>
-                          <p:cTn id="4" fill="hold">
-                            <p:stCondLst>
-                              <p:cond delay="0"/>
-                            </p:stCondLst>
-                            <p:childTnLst>
-                              <p:par>
-                                <p:cTn id="5" presetID="10" presetClass="entr" presetSubtype="0" fill="hold" grpId="0" nodeType="clickEffect">
-                                  <p:stCondLst>
-                                    <p:cond delay="0"/>
-                                  </p:stCondLst>
-                                  <p:childTnLst>
-                                    <p:set>
-                                      <p:cBhvr>
-                                        <p:cTn id="6" dur="1" fill="hold">
-                                          <p:stCondLst>
-                                            <p:cond delay="0"/>
-                                          </p:stCondLst>
-                                        </p:cTn>
-                                        <p:tgtEl>
-                                          <p:spTgt spid="3">
-                                            <p:txEl>
-                                              <p:pRg st="0" end="0"/>
-                                            </p:txEl>
-                                          </p:spTgt>
-                                        </p:tgtEl>
-                                        <p:attrNameLst>
-                                          <p:attrName>style.visibility</p:attrName>
-                                        </p:attrNameLst>
-                                      </p:cBhvr>
-                                      <p:to>
-                                        <p:strVal val="visible"/>
-                                      </p:to>
-                                    </p:set>
-                                    <p:animEffect transition="in" filter="fade">
-                                      <p:cBhvr>
-                                        <p:cTn id="7" dur="500"/>
-                                        <p:tgtEl>
-                                          <p:spTgt spid="3">
-                                            <p:txEl>
-                                              <p:pRg st="0" end="0"/>
-                                            </p:txEl>
-                                          </p:spTgt>
-                                        </p:tgtEl>
-                                      </p:cBhvr>
-                                    </p:animEffect>
-                                  </p:childTnLst>
-                                </p:cTn>
-                              </p:par>
-                            </p:childTnLst>
-                          </p:cTn>
-                        </p:par>
-                      </p:childTnLst>
-                    </p:cTn>
-                  </p:par>
-                  <p:par>
-                    <p:cTn id="8" fill="hold">
-                      <p:stCondLst>
-                        <p:cond delay="indefinite"/>
-                      </p:stCondLst>
-                      <p:childTnLst>
-                        <p:par>
-                          <p:cTn id="9" fill="hold">
-                            <p:stCondLst>
-                              <p:cond delay="0"/>
-                            </p:stCondLst>
-                            <p:childTnLst>
-                              <p:par>
-                                <p:cTn id="10" presetID="10" presetClass="entr" presetSubtype="0" fill="hold" grpId="0" nodeType="clickEffect">
-                                  <p:stCondLst>
-                                    <p:cond delay="0"/>
-                                  </p:stCondLst>
-                                  <p:childTnLst>
-                                    <p:set>
-                                      <p:cBhvr>
-                                        <p:cTn id="11" dur="1" fill="hold">
-                                          <p:stCondLst>
-                                            <p:cond delay="0"/>
-                                          </p:stCondLst>
-                                        </p:cTn>
-                                        <p:tgtEl>
-                                          <p:spTgt spid="3">
-                                            <p:txEl>
-                                              <p:pRg st="1" end="1"/>
-                                            </p:txEl>
-                                          </p:spTgt>
-                                        </p:tgtEl>
-                                        <p:attrNameLst>
-                                          <p:attrName>style.visibility</p:attrName>
-                                        </p:attrNameLst>
-                                      </p:cBhvr>
-                                      <p:to>
-                                        <p:strVal val="visible"/>
-                                      </p:to>
-                                    </p:set>
-                                    <p:animEffect transition="in" filter="fade">
-                                      <p:cBhvr>
-                                        <p:cTn id="12" dur="500"/>
-                                        <p:tgtEl>
-                                          <p:spTgt spid="3">
-                                            <p:txEl>
-                                              <p:pRg st="1" end="1"/>
-                                            </p:txEl>
-                                          </p:spTgt>
-                                        </p:tgtEl>
-                                      </p:cBhvr>
-                                    </p:animEffect>
-                                  </p:childTnLst>
-                                </p:cTn>
-                              </p:par>
-                              <p:par>
-                                <p:cTn id="13" presetID="10" presetClass="entr" presetSubtype="0" fill="hold" grpId="0" nodeType="withEffect">
-                                  <p:stCondLst>
-                                    <p:cond delay="0"/>
-                                  </p:stCondLst>
-                                  <p:childTnLst>
-                                    <p:set>
-                                      <p:cBhvr>
-                                        <p:cTn id="14" dur="1" fill="hold">
-                                          <p:stCondLst>
-                                            <p:cond delay="0"/>
-                                          </p:stCondLst>
-                                        </p:cTn>
-                                        <p:tgtEl>
-                                          <p:spTgt spid="3">
-                                            <p:txEl>
-                                              <p:pRg st="2" end="2"/>
-                                            </p:txEl>
-                                          </p:spTgt>
-                                        </p:tgtEl>
-                                        <p:attrNameLst>
-                                          <p:attrName>style.visibility</p:attrName>
-                                        </p:attrNameLst>
-                                      </p:cBhvr>
-                                      <p:to>
-                                        <p:strVal val="visible"/>
-                                      </p:to>
-                                    </p:set>
-                                    <p:animEffect transition="in" filter="fade">
-                                      <p:cBhvr>
-                                        <p:cTn id="15" dur="500"/>
-                                        <p:tgtEl>
-                                          <p:spTgt spid="3">
-                                            <p:txEl>
-                                              <p:pRg st="2" end="2"/>
-                                            </p:txEl>
-                                          </p:spTgt>
-                                        </p:tgtEl>
-                                      </p:cBhvr>
-                                    </p:animEffect>
-                                  </p:childTnLst>
-                                </p:cTn>
-                              </p:par>
-                            </p:childTnLst>
-                          </p:cTn>
-                        </p:par>
-                      </p:childTnLst>
-                    </p:cTn>
-                  </p:par>
-                  <p:par>
-                    <p:cTn id="16" fill="hold">
-                      <p:stCondLst>
-                        <p:cond delay="indefinite"/>
-                      </p:stCondLst>
-                      <p:childTnLst>
-                        <p:par>
-                          <p:cTn id="17" fill="hold">
-                            <p:stCondLst>
-                              <p:cond delay="0"/>
-                            </p:stCondLst>
-                            <p:childTnLst>
-                              <p:par>
-                                <p:cTn id="18" presetID="10" presetClass="entr" presetSubtype="0" fill="hold" grpId="0" nodeType="clickEffect">
-                                  <p:stCondLst>
-                                    <p:cond delay="0"/>
-                                  </p:stCondLst>
-                                  <p:childTnLst>
-                                    <p:set>
-                                      <p:cBhvr>
-                                        <p:cTn id="19" dur="1" fill="hold">
-                                          <p:stCondLst>
-                                            <p:cond delay="0"/>
-                                          </p:stCondLst>
-                                        </p:cTn>
-                                        <p:tgtEl>
-                                          <p:spTgt spid="3">
-                                            <p:txEl>
-                                              <p:pRg st="3" end="3"/>
-                                            </p:txEl>
-                                          </p:spTgt>
-                                        </p:tgtEl>
-                                        <p:attrNameLst>
-                                          <p:attrName>style.visibility</p:attrName>
-                                        </p:attrNameLst>
-                                      </p:cBhvr>
-                                      <p:to>
-                                        <p:strVal val="visible"/>
-                                      </p:to>
-                                    </p:set>
-                                    <p:animEffect transition="in" filter="fade">
-                                      <p:cBhvr>
-                                        <p:cTn id="20" dur="500"/>
-                                        <p:tgtEl>
-                                          <p:spTgt spid="3">
-                                            <p:txEl>
-                                              <p:pRg st="3" end="3"/>
-                                            </p:txEl>
-                                          </p:spTgt>
-                                        </p:tgtEl>
-                                      </p:cBhvr>
-                                    </p:animEffect>
-                                  </p:childTnLst>
-                                </p:cTn>
-                              </p:par>
-                            </p:childTnLst>
-                          </p:cTn>
-                        </p:par>
-                      </p:childTnLst>
-                    </p:cTn>
-                  </p:par>
-                </p:childTnLst>
-              </p:cTn>
-              <p:prevCondLst>
-                <p:cond evt="onPrev" delay="0">
-                  <p:tgtEl>
-                    <p:sldTgt/>
-                  </p:tgtEl>
-                </p:cond>
-              </p:prevCondLst>
-              <p:nextCondLst>
-                <p:cond evt="onNext" delay="0">
-                  <p:tgtEl>
-                    <p:sldTgt/>
-                  </p:tgtEl>
-                </p:cond>
-              </p:nextCondLst>
-            </p:seq>
-          </p:childTnLst>
-        </p:cTn>
-      </p:par>
-    </p:tnLst>
-    <p:bldLst>
-      <p:bldP spid="3" grpId="0" build="p" bldLvl="2"/>
-    </p:bldLst>
-  </p:timing>
-</p:sld>
-</file>
-
-<file path=ppt/slides/slide9.xml><?xml version="1.0" encoding="utf-8"?>
-<p:sld xmlns:a="http://schemas.openxmlformats.org/drawingml/2006/main" xmlns:r="http://schemas.openxmlformats.org/officeDocument/2006/relationships" xmlns:p="http://schemas.openxmlformats.org/presentationml/2006/main">
-  <p:cSld>
-    <p:spTree>
-      <p:nvGrpSpPr>
-        <p:cNvPr id="1" name=""/>
-        <p:cNvGrpSpPr/>
-        <p:nvPr/>
-      </p:nvGrpSpPr>
-      <p:grpSpPr>
-        <a:xfrm>
-          <a:off x="0" y="0"/>
-          <a:ext cx="0" cy="0"/>
-          <a:chOff x="0" y="0"/>
-          <a:chExt cx="0" cy="0"/>
-        </a:xfrm>
-      </p:grpSpPr>
-      <p:sp>
-        <p:nvSpPr>
-          <p:cNvPr id="2" name="Title 1"/>
-          <p:cNvSpPr>
-            <a:spLocks noGrp="1"/>
-          </p:cNvSpPr>
-          <p:nvPr>
-            <p:ph type="title"/>
-          </p:nvPr>
-        </p:nvSpPr>
-        <p:spPr/>
-        <p:txBody>
-          <a:bodyPr/>
-          <a:lstStyle/>
-          <a:p>
-            <a:r>
-              <a:rPr lang="ru-RU" dirty="0"/>
-              <a:t>Применимость</a:t>
-            </a:r>
-          </a:p>
-        </p:txBody>
-      </p:sp>
-      <p:sp>
-        <p:nvSpPr>
-          <p:cNvPr id="3" name="Content Placeholder 2"/>
-          <p:cNvSpPr>
-            <a:spLocks noGrp="1"/>
-          </p:cNvSpPr>
-          <p:nvPr>
-            <p:ph idx="1"/>
-          </p:nvPr>
-        </p:nvSpPr>
-        <p:spPr/>
-        <p:txBody>
-          <a:bodyPr/>
-          <a:lstStyle/>
-          <a:p>
-            <a:r>
-              <a:rPr lang="ru-RU" dirty="0"/>
-              <a:t>Код не должен зависеть от классов копируемых объектов</a:t>
-            </a:r>
-          </a:p>
-          <a:p>
-            <a:pPr lvl="1"/>
-            <a:r>
-              <a:rPr lang="ru-RU" dirty="0"/>
-              <a:t>Паттерн предоставляет общий интерфейс для работы с прототипами</a:t>
-            </a:r>
-          </a:p>
-          <a:p>
-            <a:r>
-              <a:rPr lang="ru-RU" dirty="0"/>
-              <a:t>Есть много подклассов, отличающихся начальными значениями полей</a:t>
-            </a:r>
-          </a:p>
-          <a:p>
-            <a:pPr lvl="1"/>
-            <a:r>
-              <a:rPr lang="ru-RU" dirty="0"/>
-              <a:t>Паттерн предлагает использовать набор прототипов</a:t>
-            </a:r>
-          </a:p>
-        </p:txBody>
-      </p:sp>
-    </p:spTree>
-    <p:custDataLst>
-      <p:tags r:id="rId1"/>
-    </p:custDataLst>
-    <p:extLst>
-      <p:ext uri="{BB962C8B-B14F-4D97-AF65-F5344CB8AC3E}">
-        <p14:creationId xmlns:p14="http://schemas.microsoft.com/office/powerpoint/2010/main" val="4138610924"/>
-      </p:ext>
-    </p:extLst>
-  </p:cSld>
-  <p:clrMapOvr>
-    <a:masterClrMapping/>
-  </p:clrMapOvr>
-  <p:timing>
-    <p:tnLst>
-      <p:par>
-        <p:cTn id="1" dur="indefinite" restart="never" nodeType="tmRoot">
-          <p:childTnLst>
-            <p:seq concurrent="1" nextAc="seek">
-              <p:cTn id="2" dur="indefinite" nodeType="mainSeq">
-                <p:childTnLst>
-                  <p:par>
-                    <p:cTn id="3" fill="hold">
-                      <p:stCondLst>
-                        <p:cond delay="indefinite"/>
-                      </p:stCondLst>
-                      <p:childTnLst>
-                        <p:par>
-                          <p:cTn id="4" fill="hold">
-                            <p:stCondLst>
-                              <p:cond delay="0"/>
-                            </p:stCondLst>
-                            <p:childTnLst>
-                              <p:par>
-                                <p:cTn id="5" presetID="10" presetClass="entr" presetSubtype="0" fill="hold" grpId="0" nodeType="clickEffect">
-                                  <p:stCondLst>
-                                    <p:cond delay="0"/>
-                                  </p:stCondLst>
-                                  <p:childTnLst>
-                                    <p:set>
-                                      <p:cBhvr>
-                                        <p:cTn id="6" dur="1" fill="hold">
-                                          <p:stCondLst>
-                                            <p:cond delay="0"/>
-                                          </p:stCondLst>
-                                        </p:cTn>
-                                        <p:tgtEl>
-                                          <p:spTgt spid="3">
-                                            <p:txEl>
-                                              <p:pRg st="0" end="0"/>
-                                            </p:txEl>
-                                          </p:spTgt>
-                                        </p:tgtEl>
-                                        <p:attrNameLst>
-                                          <p:attrName>style.visibility</p:attrName>
-                                        </p:attrNameLst>
-                                      </p:cBhvr>
-                                      <p:to>
-                                        <p:strVal val="visible"/>
-                                      </p:to>
-                                    </p:set>
-                                    <p:animEffect transition="in" filter="fade">
-                                      <p:cBhvr>
-                                        <p:cTn id="7" dur="500"/>
-                                        <p:tgtEl>
-                                          <p:spTgt spid="3">
-                                            <p:txEl>
-                                              <p:pRg st="0" end="0"/>
-                                            </p:txEl>
-                                          </p:spTgt>
-                                        </p:tgtEl>
-                                      </p:cBhvr>
-                                    </p:animEffect>
-                                  </p:childTnLst>
-                                </p:cTn>
-                              </p:par>
-                              <p:par>
-                                <p:cTn id="8" presetID="10" presetClass="entr" presetSubtype="0" fill="hold" grpId="0" nodeType="withEffect">
-                                  <p:stCondLst>
-                                    <p:cond delay="0"/>
-                                  </p:stCondLst>
-                                  <p:childTnLst>
-                                    <p:set>
-                                      <p:cBhvr>
-                                        <p:cTn id="9" dur="1" fill="hold">
-                                          <p:stCondLst>
-                                            <p:cond delay="0"/>
-                                          </p:stCondLst>
-                                        </p:cTn>
-                                        <p:tgtEl>
-                                          <p:spTgt spid="3">
-                                            <p:txEl>
-                                              <p:pRg st="1" end="1"/>
-                                            </p:txEl>
-                                          </p:spTgt>
-                                        </p:tgtEl>
-                                        <p:attrNameLst>
-                                          <p:attrName>style.visibility</p:attrName>
-                                        </p:attrNameLst>
-                                      </p:cBhvr>
-                                      <p:to>
-                                        <p:strVal val="visible"/>
-                                      </p:to>
-                                    </p:set>
-                                    <p:animEffect transition="in" filter="fade">
-                                      <p:cBhvr>
-                                        <p:cTn id="10" dur="500"/>
-                                        <p:tgtEl>
-                                          <p:spTgt spid="3">
-                                            <p:txEl>
-                                              <p:pRg st="1" end="1"/>
-                                            </p:txEl>
-                                          </p:spTgt>
-                                        </p:tgtEl>
-                                      </p:cBhvr>
-                                    </p:animEffect>
-                                  </p:childTnLst>
-                                </p:cTn>
-                              </p:par>
-                            </p:childTnLst>
-                          </p:cTn>
-                        </p:par>
-                      </p:childTnLst>
-                    </p:cTn>
-                  </p:par>
-                  <p:par>
-                    <p:cTn id="11" fill="hold">
-                      <p:stCondLst>
-                        <p:cond delay="indefinite"/>
-                      </p:stCondLst>
-                      <p:childTnLst>
-                        <p:par>
-                          <p:cTn id="12" fill="hold">
-                            <p:stCondLst>
-                              <p:cond delay="0"/>
-                            </p:stCondLst>
-                            <p:childTnLst>
-                              <p:par>
-                                <p:cTn id="13" presetID="10" presetClass="entr" presetSubtype="0" fill="hold" grpId="0" nodeType="clickEffect">
-                                  <p:stCondLst>
-                                    <p:cond delay="0"/>
-                                  </p:stCondLst>
-                                  <p:childTnLst>
-                                    <p:set>
-                                      <p:cBhvr>
-                                        <p:cTn id="14" dur="1" fill="hold">
-                                          <p:stCondLst>
-                                            <p:cond delay="0"/>
-                                          </p:stCondLst>
-                                        </p:cTn>
-                                        <p:tgtEl>
-                                          <p:spTgt spid="3">
-                                            <p:txEl>
-                                              <p:pRg st="2" end="2"/>
-                                            </p:txEl>
-                                          </p:spTgt>
-                                        </p:tgtEl>
-                                        <p:attrNameLst>
-                                          <p:attrName>style.visibility</p:attrName>
-                                        </p:attrNameLst>
-                                      </p:cBhvr>
-                                      <p:to>
-                                        <p:strVal val="visible"/>
-                                      </p:to>
-                                    </p:set>
-                                    <p:animEffect transition="in" filter="fade">
-                                      <p:cBhvr>
-                                        <p:cTn id="15" dur="500"/>
-                                        <p:tgtEl>
-                                          <p:spTgt spid="3">
-                                            <p:txEl>
-                                              <p:pRg st="2" end="2"/>
-                                            </p:txEl>
-                                          </p:spTgt>
-                                        </p:tgtEl>
-                                      </p:cBhvr>
-                                    </p:animEffect>
-                                  </p:childTnLst>
-                                </p:cTn>
-                              </p:par>
-                              <p:par>
-                                <p:cTn id="16" presetID="10" presetClass="entr" presetSubtype="0" fill="hold" grpId="0" nodeType="withEffect">
-                                  <p:stCondLst>
-                                    <p:cond delay="0"/>
-                                  </p:stCondLst>
-                                  <p:childTnLst>
-                                    <p:set>
-                                      <p:cBhvr>
-                                        <p:cTn id="17" dur="1" fill="hold">
-                                          <p:stCondLst>
-                                            <p:cond delay="0"/>
-                                          </p:stCondLst>
-                                        </p:cTn>
-                                        <p:tgtEl>
-                                          <p:spTgt spid="3">
-                                            <p:txEl>
-                                              <p:pRg st="3" end="3"/>
-                                            </p:txEl>
-                                          </p:spTgt>
-                                        </p:tgtEl>
-                                        <p:attrNameLst>
-                                          <p:attrName>style.visibility</p:attrName>
-                                        </p:attrNameLst>
-                                      </p:cBhvr>
-                                      <p:to>
-                                        <p:strVal val="visible"/>
-                                      </p:to>
-                                    </p:set>
-                                    <p:animEffect transition="in" filter="fade">
-                                      <p:cBhvr>
-                                        <p:cTn id="18" dur="500"/>
-                                        <p:tgtEl>
-                                          <p:spTgt spid="3">
-                                            <p:txEl>
-                                              <p:pRg st="3" end="3"/>
-                                            </p:txEl>
-                                          </p:spTgt>
-                                        </p:tgtEl>
-                                      </p:cBhvr>
-                                    </p:animEffect>
-                                  </p:childTnLst>
-                                </p:cTn>
-                              </p:par>
-                            </p:childTnLst>
-                          </p:cTn>
-                        </p:par>
-                      </p:childTnLst>
-                    </p:cTn>
-                  </p:par>
-                </p:childTnLst>
-              </p:cTn>
-              <p:prevCondLst>
-                <p:cond evt="onPrev" delay="0">
-                  <p:tgtEl>
-                    <p:sldTgt/>
-                  </p:tgtEl>
-                </p:cond>
-              </p:prevCondLst>
-              <p:nextCondLst>
-                <p:cond evt="onNext" delay="0">
-                  <p:tgtEl>
-                    <p:sldTgt/>
-                  </p:tgtEl>
-                </p:cond>
-              </p:nextCondLst>
-            </p:seq>
-          </p:childTnLst>
-        </p:cTn>
-      </p:par>
-    </p:tnLst>
-    <p:bldLst>
-      <p:bldP spid="3" grpId="0" build="p"/>
-    </p:bldLst>
-  </p:timing>
 </p:sld>
 </file>
 
